--- a/ProjectCT449_B1900241_PhanThaiHien.pptx
+++ b/ProjectCT449_B1900241_PhanThaiHien.pptx
@@ -6,106 +6,147 @@
   </p:sldMasterIdLst>
   <p:sldIdLst>
     <p:sldId id="256" r:id="rId2"/>
-    <p:sldId id="257" r:id="rId3"/>
-    <p:sldId id="258" r:id="rId4"/>
-    <p:sldId id="259" r:id="rId5"/>
-    <p:sldId id="263" r:id="rId6"/>
-    <p:sldId id="260" r:id="rId7"/>
-    <p:sldId id="261" r:id="rId8"/>
-    <p:sldId id="262" r:id="rId9"/>
+    <p:sldId id="263" r:id="rId3"/>
+    <p:sldId id="264" r:id="rId4"/>
+    <p:sldId id="265" r:id="rId5"/>
+    <p:sldId id="273" r:id="rId6"/>
+    <p:sldId id="274" r:id="rId7"/>
+    <p:sldId id="275" r:id="rId8"/>
+    <p:sldId id="268" r:id="rId9"/>
+    <p:sldId id="267" r:id="rId10"/>
+    <p:sldId id="279" r:id="rId11"/>
+    <p:sldId id="272" r:id="rId12"/>
+    <p:sldId id="271" r:id="rId13"/>
+    <p:sldId id="270" r:id="rId14"/>
+    <p:sldId id="269" r:id="rId15"/>
+    <p:sldId id="276" r:id="rId16"/>
+    <p:sldId id="277" r:id="rId17"/>
+    <p:sldId id="278" r:id="rId18"/>
+    <p:sldId id="266" r:id="rId19"/>
+    <p:sldId id="262" r:id="rId20"/>
   </p:sldIdLst>
-  <p:sldSz cx="12192000" cy="6858000"/>
+  <p:sldSz cx="9144000" cy="6858000" type="screen4x3"/>
   <p:notesSz cx="6858000" cy="9144000"/>
   <p:defaultTextStyle>
     <a:defPPr>
       <a:defRPr lang="en-US"/>
     </a:defPPr>
-    <a:lvl1pPr marL="0" algn="l" defTabSz="914400" rtl="0" eaLnBrk="1" latinLnBrk="0" hangingPunct="1">
-      <a:defRPr sz="1800" kern="1200">
+    <a:lvl1pPr algn="l" rtl="0" fontAlgn="base">
+      <a:spcBef>
+        <a:spcPct val="0"/>
+      </a:spcBef>
+      <a:spcAft>
+        <a:spcPct val="0"/>
+      </a:spcAft>
+      <a:defRPr kern="1200">
         <a:solidFill>
           <a:schemeClr val="tx1"/>
         </a:solidFill>
-        <a:latin typeface="+mn-lt"/>
+        <a:latin typeface="Arial" panose="020B0604020202020204" pitchFamily="34" charset="0"/>
         <a:ea typeface="+mn-ea"/>
         <a:cs typeface="+mn-cs"/>
       </a:defRPr>
     </a:lvl1pPr>
-    <a:lvl2pPr marL="457200" algn="l" defTabSz="914400" rtl="0" eaLnBrk="1" latinLnBrk="0" hangingPunct="1">
-      <a:defRPr sz="1800" kern="1200">
+    <a:lvl2pPr marL="457200" algn="l" rtl="0" fontAlgn="base">
+      <a:spcBef>
+        <a:spcPct val="0"/>
+      </a:spcBef>
+      <a:spcAft>
+        <a:spcPct val="0"/>
+      </a:spcAft>
+      <a:defRPr kern="1200">
         <a:solidFill>
           <a:schemeClr val="tx1"/>
         </a:solidFill>
-        <a:latin typeface="+mn-lt"/>
+        <a:latin typeface="Arial" panose="020B0604020202020204" pitchFamily="34" charset="0"/>
         <a:ea typeface="+mn-ea"/>
         <a:cs typeface="+mn-cs"/>
       </a:defRPr>
     </a:lvl2pPr>
-    <a:lvl3pPr marL="914400" algn="l" defTabSz="914400" rtl="0" eaLnBrk="1" latinLnBrk="0" hangingPunct="1">
-      <a:defRPr sz="1800" kern="1200">
+    <a:lvl3pPr marL="914400" algn="l" rtl="0" fontAlgn="base">
+      <a:spcBef>
+        <a:spcPct val="0"/>
+      </a:spcBef>
+      <a:spcAft>
+        <a:spcPct val="0"/>
+      </a:spcAft>
+      <a:defRPr kern="1200">
         <a:solidFill>
           <a:schemeClr val="tx1"/>
         </a:solidFill>
-        <a:latin typeface="+mn-lt"/>
+        <a:latin typeface="Arial" panose="020B0604020202020204" pitchFamily="34" charset="0"/>
         <a:ea typeface="+mn-ea"/>
         <a:cs typeface="+mn-cs"/>
       </a:defRPr>
     </a:lvl3pPr>
-    <a:lvl4pPr marL="1371600" algn="l" defTabSz="914400" rtl="0" eaLnBrk="1" latinLnBrk="0" hangingPunct="1">
-      <a:defRPr sz="1800" kern="1200">
+    <a:lvl4pPr marL="1371600" algn="l" rtl="0" fontAlgn="base">
+      <a:spcBef>
+        <a:spcPct val="0"/>
+      </a:spcBef>
+      <a:spcAft>
+        <a:spcPct val="0"/>
+      </a:spcAft>
+      <a:defRPr kern="1200">
         <a:solidFill>
           <a:schemeClr val="tx1"/>
         </a:solidFill>
-        <a:latin typeface="+mn-lt"/>
+        <a:latin typeface="Arial" panose="020B0604020202020204" pitchFamily="34" charset="0"/>
         <a:ea typeface="+mn-ea"/>
         <a:cs typeface="+mn-cs"/>
       </a:defRPr>
     </a:lvl4pPr>
-    <a:lvl5pPr marL="1828800" algn="l" defTabSz="914400" rtl="0" eaLnBrk="1" latinLnBrk="0" hangingPunct="1">
-      <a:defRPr sz="1800" kern="1200">
+    <a:lvl5pPr marL="1828800" algn="l" rtl="0" fontAlgn="base">
+      <a:spcBef>
+        <a:spcPct val="0"/>
+      </a:spcBef>
+      <a:spcAft>
+        <a:spcPct val="0"/>
+      </a:spcAft>
+      <a:defRPr kern="1200">
         <a:solidFill>
           <a:schemeClr val="tx1"/>
         </a:solidFill>
-        <a:latin typeface="+mn-lt"/>
+        <a:latin typeface="Arial" panose="020B0604020202020204" pitchFamily="34" charset="0"/>
         <a:ea typeface="+mn-ea"/>
         <a:cs typeface="+mn-cs"/>
       </a:defRPr>
     </a:lvl5pPr>
     <a:lvl6pPr marL="2286000" algn="l" defTabSz="914400" rtl="0" eaLnBrk="1" latinLnBrk="0" hangingPunct="1">
-      <a:defRPr sz="1800" kern="1200">
+      <a:defRPr kern="1200">
         <a:solidFill>
           <a:schemeClr val="tx1"/>
         </a:solidFill>
-        <a:latin typeface="+mn-lt"/>
+        <a:latin typeface="Arial" panose="020B0604020202020204" pitchFamily="34" charset="0"/>
         <a:ea typeface="+mn-ea"/>
         <a:cs typeface="+mn-cs"/>
       </a:defRPr>
     </a:lvl6pPr>
     <a:lvl7pPr marL="2743200" algn="l" defTabSz="914400" rtl="0" eaLnBrk="1" latinLnBrk="0" hangingPunct="1">
-      <a:defRPr sz="1800" kern="1200">
+      <a:defRPr kern="1200">
         <a:solidFill>
           <a:schemeClr val="tx1"/>
         </a:solidFill>
-        <a:latin typeface="+mn-lt"/>
+        <a:latin typeface="Arial" panose="020B0604020202020204" pitchFamily="34" charset="0"/>
         <a:ea typeface="+mn-ea"/>
         <a:cs typeface="+mn-cs"/>
       </a:defRPr>
     </a:lvl7pPr>
     <a:lvl8pPr marL="3200400" algn="l" defTabSz="914400" rtl="0" eaLnBrk="1" latinLnBrk="0" hangingPunct="1">
-      <a:defRPr sz="1800" kern="1200">
+      <a:defRPr kern="1200">
         <a:solidFill>
           <a:schemeClr val="tx1"/>
         </a:solidFill>
-        <a:latin typeface="+mn-lt"/>
+        <a:latin typeface="Arial" panose="020B0604020202020204" pitchFamily="34" charset="0"/>
         <a:ea typeface="+mn-ea"/>
         <a:cs typeface="+mn-cs"/>
       </a:defRPr>
     </a:lvl8pPr>
     <a:lvl9pPr marL="3657600" algn="l" defTabSz="914400" rtl="0" eaLnBrk="1" latinLnBrk="0" hangingPunct="1">
-      <a:defRPr sz="1800" kern="1200">
+      <a:defRPr kern="1200">
         <a:solidFill>
           <a:schemeClr val="tx1"/>
         </a:solidFill>
-        <a:latin typeface="+mn-lt"/>
+        <a:latin typeface="Arial" panose="020B0604020202020204" pitchFamily="34" charset="0"/>
         <a:ea typeface="+mn-ea"/>
         <a:cs typeface="+mn-cs"/>
       </a:defRPr>
@@ -113,7 +154,18 @@
   </p:defaultTextStyle>
   <p:extLst>
     <p:ext uri="{EFAFB233-063F-42B5-8137-9DF3F51BA10A}">
-      <p15:sldGuideLst xmlns:p15="http://schemas.microsoft.com/office/powerpoint/2012/main"/>
+      <p15:sldGuideLst xmlns:p15="http://schemas.microsoft.com/office/powerpoint/2012/main">
+        <p15:guide id="1" orient="horz" pos="2160">
+          <p15:clr>
+            <a:srgbClr val="A4A3A4"/>
+          </p15:clr>
+        </p15:guide>
+        <p15:guide id="2" pos="2880">
+          <p15:clr>
+            <a:srgbClr val="A4A3A4"/>
+          </p15:clr>
+        </p15:guide>
+      </p15:sldGuideLst>
     </p:ext>
   </p:extLst>
 </p:presentation>
@@ -138,15 +190,15 @@
       </p:grpSpPr>
       <p:sp>
         <p:nvSpPr>
-          <p:cNvPr id="2" name="Title 1">
+          <p:cNvPr id="16386" name="Rectangle 2">
             <a:extLst>
               <a:ext uri="{FF2B5EF4-FFF2-40B4-BE49-F238E27FC236}">
-                <a16:creationId xmlns:a16="http://schemas.microsoft.com/office/drawing/2014/main" id="{7E4D757C-7802-4507-877E-2D39616220E4}"/>
+                <a16:creationId xmlns:a16="http://schemas.microsoft.com/office/drawing/2014/main" id="{12716CEC-4EB7-4AF5-B8B4-13A4AA74F184}"/>
               </a:ext>
             </a:extLst>
           </p:cNvPr>
           <p:cNvSpPr>
-            <a:spLocks noGrp="1"/>
+            <a:spLocks noGrp="1" noChangeArrowheads="1"/>
           </p:cNvSpPr>
           <p:nvPr>
             <p:ph type="ctrTitle"/>
@@ -154,22 +206,21 @@
         </p:nvSpPr>
         <p:spPr>
           <a:xfrm>
-            <a:off x="1524000" y="1122363"/>
-            <a:ext cx="9144000" cy="2387600"/>
+            <a:off x="719138" y="2130425"/>
+            <a:ext cx="7772400" cy="1470025"/>
           </a:xfrm>
         </p:spPr>
         <p:txBody>
-          <a:bodyPr anchor="b"/>
+          <a:bodyPr/>
           <a:lstStyle>
-            <a:lvl1pPr algn="ctr">
-              <a:defRPr sz="6000" baseline="0">
-                <a:latin typeface="LM Roman 12" panose="00000500000000000000" pitchFamily="50" charset="0"/>
-              </a:defRPr>
+            <a:lvl1pPr>
+              <a:defRPr sz="3600"/>
             </a:lvl1pPr>
           </a:lstStyle>
           <a:p>
-            <a:r>
-              <a:rPr lang="en-US"/>
+            <a:pPr lvl="0"/>
+            <a:r>
+              <a:rPr lang="en-US" altLang="en-US" noProof="0"/>
               <a:t>Click to edit Master title style</a:t>
             </a:r>
           </a:p>
@@ -177,15 +228,15 @@
       </p:sp>
       <p:sp>
         <p:nvSpPr>
-          <p:cNvPr id="3" name="Subtitle 2">
+          <p:cNvPr id="16387" name="Rectangle 3">
             <a:extLst>
               <a:ext uri="{FF2B5EF4-FFF2-40B4-BE49-F238E27FC236}">
-                <a16:creationId xmlns:a16="http://schemas.microsoft.com/office/drawing/2014/main" id="{30F7C5E5-D724-4A83-8839-6946778A35D4}"/>
+                <a16:creationId xmlns:a16="http://schemas.microsoft.com/office/drawing/2014/main" id="{7A8B1175-CAAE-4DE1-9BCE-EE12E1548589}"/>
               </a:ext>
             </a:extLst>
           </p:cNvPr>
           <p:cNvSpPr>
-            <a:spLocks noGrp="1"/>
+            <a:spLocks noGrp="1" noChangeArrowheads="1"/>
           </p:cNvSpPr>
           <p:nvPr>
             <p:ph type="subTitle" idx="1"/>
@@ -193,55 +244,23 @@
         </p:nvSpPr>
         <p:spPr>
           <a:xfrm>
-            <a:off x="1524000" y="3602038"/>
-            <a:ext cx="9144000" cy="1655762"/>
+            <a:off x="1371600" y="3886200"/>
+            <a:ext cx="6400800" cy="1752600"/>
           </a:xfrm>
         </p:spPr>
         <p:txBody>
           <a:bodyPr/>
           <a:lstStyle>
             <a:lvl1pPr marL="0" indent="0" algn="ctr">
+              <a:buFontTx/>
               <a:buNone/>
-              <a:defRPr sz="2400">
-                <a:latin typeface="LM Roman 12" panose="00000500000000000000" pitchFamily="50" charset="0"/>
-              </a:defRPr>
+              <a:defRPr/>
             </a:lvl1pPr>
-            <a:lvl2pPr marL="457200" indent="0" algn="ctr">
-              <a:buNone/>
-              <a:defRPr sz="2000"/>
-            </a:lvl2pPr>
-            <a:lvl3pPr marL="914400" indent="0" algn="ctr">
-              <a:buNone/>
-              <a:defRPr sz="1800"/>
-            </a:lvl3pPr>
-            <a:lvl4pPr marL="1371600" indent="0" algn="ctr">
-              <a:buNone/>
-              <a:defRPr sz="1600"/>
-            </a:lvl4pPr>
-            <a:lvl5pPr marL="1828800" indent="0" algn="ctr">
-              <a:buNone/>
-              <a:defRPr sz="1600"/>
-            </a:lvl5pPr>
-            <a:lvl6pPr marL="2286000" indent="0" algn="ctr">
-              <a:buNone/>
-              <a:defRPr sz="1600"/>
-            </a:lvl6pPr>
-            <a:lvl7pPr marL="2743200" indent="0" algn="ctr">
-              <a:buNone/>
-              <a:defRPr sz="1600"/>
-            </a:lvl7pPr>
-            <a:lvl8pPr marL="3200400" indent="0" algn="ctr">
-              <a:buNone/>
-              <a:defRPr sz="1600"/>
-            </a:lvl8pPr>
-            <a:lvl9pPr marL="3657600" indent="0" algn="ctr">
-              <a:buNone/>
-              <a:defRPr sz="1600"/>
-            </a:lvl9pPr>
           </a:lstStyle>
           <a:p>
-            <a:r>
-              <a:rPr lang="en-US"/>
+            <a:pPr lvl="0"/>
+            <a:r>
+              <a:rPr lang="en-US" altLang="en-US" noProof="0"/>
               <a:t>Click to edit Master subtitle style</a:t>
             </a:r>
           </a:p>
@@ -249,93 +268,112 @@
       </p:sp>
       <p:sp>
         <p:nvSpPr>
-          <p:cNvPr id="4" name="Date Placeholder 3">
+          <p:cNvPr id="16388" name="Rectangle 4">
             <a:extLst>
               <a:ext uri="{FF2B5EF4-FFF2-40B4-BE49-F238E27FC236}">
-                <a16:creationId xmlns:a16="http://schemas.microsoft.com/office/drawing/2014/main" id="{AA787DB4-FA91-44C1-A24C-253FB42D70B6}"/>
+                <a16:creationId xmlns:a16="http://schemas.microsoft.com/office/drawing/2014/main" id="{4EFCFD27-3C59-440E-9355-8E61DE9E9F61}"/>
               </a:ext>
             </a:extLst>
           </p:cNvPr>
           <p:cNvSpPr>
-            <a:spLocks noGrp="1"/>
-          </p:cNvSpPr>
-          <p:nvPr>
-            <p:ph type="dt" sz="half" idx="10"/>
-          </p:nvPr>
-        </p:nvSpPr>
-        <p:spPr/>
-        <p:txBody>
-          <a:bodyPr/>
-          <a:lstStyle/>
-          <a:p>
-            <a:fld id="{6097E298-8A86-4C53-B589-05F1F87826B8}" type="datetimeFigureOut">
-              <a:rPr lang="en-US" smtClean="0"/>
-              <a:t>4/6/2022</a:t>
-            </a:fld>
-            <a:endParaRPr lang="en-US"/>
-          </a:p>
-        </p:txBody>
-      </p:sp>
-      <p:sp>
-        <p:nvSpPr>
-          <p:cNvPr id="5" name="Footer Placeholder 4">
+            <a:spLocks noGrp="1" noChangeArrowheads="1"/>
+          </p:cNvSpPr>
+          <p:nvPr>
+            <p:ph type="dt" sz="half" idx="2"/>
+          </p:nvPr>
+        </p:nvSpPr>
+        <p:spPr>
+          <a:xfrm>
+            <a:off x="609600" y="6245225"/>
+            <a:ext cx="1981200" cy="476250"/>
+          </a:xfrm>
+        </p:spPr>
+        <p:txBody>
+          <a:bodyPr/>
+          <a:lstStyle>
+            <a:lvl1pPr>
+              <a:defRPr/>
+            </a:lvl1pPr>
+          </a:lstStyle>
+          <a:p>
+            <a:endParaRPr lang="en-US" altLang="en-US"/>
+          </a:p>
+        </p:txBody>
+      </p:sp>
+      <p:sp>
+        <p:nvSpPr>
+          <p:cNvPr id="16389" name="Rectangle 5">
             <a:extLst>
               <a:ext uri="{FF2B5EF4-FFF2-40B4-BE49-F238E27FC236}">
-                <a16:creationId xmlns:a16="http://schemas.microsoft.com/office/drawing/2014/main" id="{8635AADB-42FD-4160-B1D5-1A6A215E3D75}"/>
+                <a16:creationId xmlns:a16="http://schemas.microsoft.com/office/drawing/2014/main" id="{18A37AE1-76EA-4F7C-89AE-6531C0C56B99}"/>
               </a:ext>
             </a:extLst>
           </p:cNvPr>
           <p:cNvSpPr>
-            <a:spLocks noGrp="1"/>
-          </p:cNvSpPr>
-          <p:nvPr>
-            <p:ph type="ftr" sz="quarter" idx="11"/>
-          </p:nvPr>
-        </p:nvSpPr>
-        <p:spPr/>
-        <p:txBody>
-          <a:bodyPr/>
-          <a:lstStyle/>
-          <a:p>
-            <a:endParaRPr lang="en-US"/>
-          </a:p>
-        </p:txBody>
-      </p:sp>
-      <p:sp>
-        <p:nvSpPr>
-          <p:cNvPr id="6" name="Slide Number Placeholder 5">
+            <a:spLocks noGrp="1" noChangeArrowheads="1"/>
+          </p:cNvSpPr>
+          <p:nvPr>
+            <p:ph type="ftr" sz="quarter" idx="3"/>
+          </p:nvPr>
+        </p:nvSpPr>
+        <p:spPr>
+          <a:xfrm>
+            <a:off x="3124200" y="6245225"/>
+            <a:ext cx="2895600" cy="476250"/>
+          </a:xfrm>
+        </p:spPr>
+        <p:txBody>
+          <a:bodyPr/>
+          <a:lstStyle>
+            <a:lvl1pPr>
+              <a:defRPr/>
+            </a:lvl1pPr>
+          </a:lstStyle>
+          <a:p>
+            <a:endParaRPr lang="en-US" altLang="en-US"/>
+          </a:p>
+        </p:txBody>
+      </p:sp>
+      <p:sp>
+        <p:nvSpPr>
+          <p:cNvPr id="16390" name="Rectangle 6">
             <a:extLst>
               <a:ext uri="{FF2B5EF4-FFF2-40B4-BE49-F238E27FC236}">
-                <a16:creationId xmlns:a16="http://schemas.microsoft.com/office/drawing/2014/main" id="{B0F0F14A-5BDE-48D2-B99F-C673B68C2F74}"/>
+                <a16:creationId xmlns:a16="http://schemas.microsoft.com/office/drawing/2014/main" id="{E348B9C2-253F-43BD-BBE7-0B49698116D7}"/>
               </a:ext>
             </a:extLst>
           </p:cNvPr>
           <p:cNvSpPr>
-            <a:spLocks noGrp="1"/>
-          </p:cNvSpPr>
-          <p:nvPr>
-            <p:ph type="sldNum" sz="quarter" idx="12"/>
-          </p:nvPr>
-        </p:nvSpPr>
-        <p:spPr/>
-        <p:txBody>
-          <a:bodyPr/>
-          <a:lstStyle/>
-          <a:p>
-            <a:fld id="{5D6CB287-ABC3-4AFB-BA60-8084A7703696}" type="slidenum">
-              <a:rPr lang="en-US" smtClean="0"/>
+            <a:spLocks noGrp="1" noChangeArrowheads="1"/>
+          </p:cNvSpPr>
+          <p:nvPr>
+            <p:ph type="sldNum" sz="quarter" idx="4"/>
+          </p:nvPr>
+        </p:nvSpPr>
+        <p:spPr>
+          <a:xfrm>
+            <a:off x="6716713" y="6230938"/>
+            <a:ext cx="2133600" cy="549275"/>
+          </a:xfrm>
+        </p:spPr>
+        <p:txBody>
+          <a:bodyPr/>
+          <a:lstStyle>
+            <a:lvl1pPr>
+              <a:defRPr/>
+            </a:lvl1pPr>
+          </a:lstStyle>
+          <a:p>
+            <a:fld id="{A15EAB53-327E-4220-A7C8-79A6407182B7}" type="slidenum">
+              <a:rPr lang="en-US" altLang="en-US"/>
+              <a:pPr/>
               <a:t>‹#›</a:t>
             </a:fld>
-            <a:endParaRPr lang="en-US"/>
+            <a:endParaRPr lang="en-US" altLang="en-US"/>
           </a:p>
         </p:txBody>
       </p:sp>
     </p:spTree>
-    <p:extLst>
-      <p:ext uri="{BB962C8B-B14F-4D97-AF65-F5344CB8AC3E}">
-        <p14:creationId xmlns:p14="http://schemas.microsoft.com/office/powerpoint/2010/main" val="4165528457"/>
-      </p:ext>
-    </p:extLst>
   </p:cSld>
   <p:clrMapOvr>
     <a:masterClrMapping/>
@@ -365,7 +403,7 @@
           <p:cNvPr id="2" name="Title 1">
             <a:extLst>
               <a:ext uri="{FF2B5EF4-FFF2-40B4-BE49-F238E27FC236}">
-                <a16:creationId xmlns:a16="http://schemas.microsoft.com/office/drawing/2014/main" id="{03F1E4A3-03C1-4187-A30A-6D03B01F9EA9}"/>
+                <a16:creationId xmlns:a16="http://schemas.microsoft.com/office/drawing/2014/main" id="{EE822BBF-5276-4192-BA57-B0752687F9A4}"/>
               </a:ext>
             </a:extLst>
           </p:cNvPr>
@@ -393,7 +431,7 @@
           <p:cNvPr id="3" name="Vertical Text Placeholder 2">
             <a:extLst>
               <a:ext uri="{FF2B5EF4-FFF2-40B4-BE49-F238E27FC236}">
-                <a16:creationId xmlns:a16="http://schemas.microsoft.com/office/drawing/2014/main" id="{EE7D4C3F-089B-4DC0-ADCC-1F4D8CE59DC9}"/>
+                <a16:creationId xmlns:a16="http://schemas.microsoft.com/office/drawing/2014/main" id="{EB8C078B-EB7B-44AD-A4C2-B8DC31D9B6F6}"/>
               </a:ext>
             </a:extLst>
           </p:cNvPr>
@@ -412,7 +450,7 @@
             <a:pPr lvl="0"/>
             <a:r>
               <a:rPr lang="en-US"/>
-              <a:t>Click to edit Master text styles</a:t>
+              <a:t>Edit Master text styles</a:t>
             </a:r>
           </a:p>
           <a:p>
@@ -450,7 +488,7 @@
           <p:cNvPr id="4" name="Date Placeholder 3">
             <a:extLst>
               <a:ext uri="{FF2B5EF4-FFF2-40B4-BE49-F238E27FC236}">
-                <a16:creationId xmlns:a16="http://schemas.microsoft.com/office/drawing/2014/main" id="{40396B31-7D38-4298-A961-F92E2A061958}"/>
+                <a16:creationId xmlns:a16="http://schemas.microsoft.com/office/drawing/2014/main" id="{BD07DE7E-9122-41D3-A66E-3CDCBCE9C20E}"/>
               </a:ext>
             </a:extLst>
           </p:cNvPr>
@@ -464,13 +502,13 @@
         <p:spPr/>
         <p:txBody>
           <a:bodyPr/>
-          <a:lstStyle/>
-          <a:p>
-            <a:fld id="{6097E298-8A86-4C53-B589-05F1F87826B8}" type="datetimeFigureOut">
-              <a:rPr lang="en-US" smtClean="0"/>
-              <a:t>4/6/2022</a:t>
-            </a:fld>
-            <a:endParaRPr lang="en-US"/>
+          <a:lstStyle>
+            <a:lvl1pPr>
+              <a:defRPr/>
+            </a:lvl1pPr>
+          </a:lstStyle>
+          <a:p>
+            <a:endParaRPr lang="en-US" altLang="en-US"/>
           </a:p>
         </p:txBody>
       </p:sp>
@@ -479,7 +517,7 @@
           <p:cNvPr id="5" name="Footer Placeholder 4">
             <a:extLst>
               <a:ext uri="{FF2B5EF4-FFF2-40B4-BE49-F238E27FC236}">
-                <a16:creationId xmlns:a16="http://schemas.microsoft.com/office/drawing/2014/main" id="{CA37B7E4-7225-4AF4-AF25-33E378F58A59}"/>
+                <a16:creationId xmlns:a16="http://schemas.microsoft.com/office/drawing/2014/main" id="{6AF65EA4-62DF-493C-B19B-64550981D578}"/>
               </a:ext>
             </a:extLst>
           </p:cNvPr>
@@ -493,9 +531,13 @@
         <p:spPr/>
         <p:txBody>
           <a:bodyPr/>
-          <a:lstStyle/>
-          <a:p>
-            <a:endParaRPr lang="en-US"/>
+          <a:lstStyle>
+            <a:lvl1pPr>
+              <a:defRPr/>
+            </a:lvl1pPr>
+          </a:lstStyle>
+          <a:p>
+            <a:endParaRPr lang="en-US" altLang="en-US"/>
           </a:p>
         </p:txBody>
       </p:sp>
@@ -504,7 +546,7 @@
           <p:cNvPr id="6" name="Slide Number Placeholder 5">
             <a:extLst>
               <a:ext uri="{FF2B5EF4-FFF2-40B4-BE49-F238E27FC236}">
-                <a16:creationId xmlns:a16="http://schemas.microsoft.com/office/drawing/2014/main" id="{1A477DA7-E5C3-446D-8E0B-38F71DC873D0}"/>
+                <a16:creationId xmlns:a16="http://schemas.microsoft.com/office/drawing/2014/main" id="{564301BB-D36E-4AE2-BE8A-E50EB27CA2B1}"/>
               </a:ext>
             </a:extLst>
           </p:cNvPr>
@@ -518,20 +560,25 @@
         <p:spPr/>
         <p:txBody>
           <a:bodyPr/>
-          <a:lstStyle/>
-          <a:p>
-            <a:fld id="{5D6CB287-ABC3-4AFB-BA60-8084A7703696}" type="slidenum">
-              <a:rPr lang="en-US" smtClean="0"/>
+          <a:lstStyle>
+            <a:lvl1pPr>
+              <a:defRPr/>
+            </a:lvl1pPr>
+          </a:lstStyle>
+          <a:p>
+            <a:fld id="{8B4A5476-CA43-47FE-BA67-73FA2851AFC8}" type="slidenum">
+              <a:rPr lang="en-US" altLang="en-US"/>
+              <a:pPr/>
               <a:t>‹#›</a:t>
             </a:fld>
-            <a:endParaRPr lang="en-US"/>
+            <a:endParaRPr lang="en-US" altLang="en-US"/>
           </a:p>
         </p:txBody>
       </p:sp>
     </p:spTree>
     <p:extLst>
       <p:ext uri="{BB962C8B-B14F-4D97-AF65-F5344CB8AC3E}">
-        <p14:creationId xmlns:p14="http://schemas.microsoft.com/office/powerpoint/2010/main" val="265346651"/>
+        <p14:creationId xmlns:p14="http://schemas.microsoft.com/office/powerpoint/2010/main" val="520917542"/>
       </p:ext>
     </p:extLst>
   </p:cSld>
@@ -563,7 +610,7 @@
           <p:cNvPr id="2" name="Vertical Title 1">
             <a:extLst>
               <a:ext uri="{FF2B5EF4-FFF2-40B4-BE49-F238E27FC236}">
-                <a16:creationId xmlns:a16="http://schemas.microsoft.com/office/drawing/2014/main" id="{9CA286A1-40E5-451A-9ECA-85E5211B0485}"/>
+                <a16:creationId xmlns:a16="http://schemas.microsoft.com/office/drawing/2014/main" id="{C55C4325-1A15-4599-B036-9FA60518A530}"/>
               </a:ext>
             </a:extLst>
           </p:cNvPr>
@@ -576,8 +623,8 @@
         </p:nvSpPr>
         <p:spPr>
           <a:xfrm>
-            <a:off x="8724900" y="365125"/>
-            <a:ext cx="2628900" cy="5811838"/>
+            <a:off x="6781800" y="282575"/>
+            <a:ext cx="2057400" cy="6042025"/>
           </a:xfrm>
         </p:spPr>
         <p:txBody>
@@ -596,7 +643,7 @@
           <p:cNvPr id="3" name="Vertical Text Placeholder 2">
             <a:extLst>
               <a:ext uri="{FF2B5EF4-FFF2-40B4-BE49-F238E27FC236}">
-                <a16:creationId xmlns:a16="http://schemas.microsoft.com/office/drawing/2014/main" id="{875364BE-E4FD-49A0-9FE3-E3DC269CA19A}"/>
+                <a16:creationId xmlns:a16="http://schemas.microsoft.com/office/drawing/2014/main" id="{5792199C-8BFD-4358-9055-518928EAE0B9}"/>
               </a:ext>
             </a:extLst>
           </p:cNvPr>
@@ -609,8 +656,8 @@
         </p:nvSpPr>
         <p:spPr>
           <a:xfrm>
-            <a:off x="838200" y="365125"/>
-            <a:ext cx="7734300" cy="5811838"/>
+            <a:off x="609600" y="282575"/>
+            <a:ext cx="6019800" cy="6042025"/>
           </a:xfrm>
         </p:spPr>
         <p:txBody>
@@ -620,7 +667,7 @@
             <a:pPr lvl="0"/>
             <a:r>
               <a:rPr lang="en-US"/>
-              <a:t>Click to edit Master text styles</a:t>
+              <a:t>Edit Master text styles</a:t>
             </a:r>
           </a:p>
           <a:p>
@@ -658,7 +705,7 @@
           <p:cNvPr id="4" name="Date Placeholder 3">
             <a:extLst>
               <a:ext uri="{FF2B5EF4-FFF2-40B4-BE49-F238E27FC236}">
-                <a16:creationId xmlns:a16="http://schemas.microsoft.com/office/drawing/2014/main" id="{2DDEA355-241C-401B-89EB-36800224FE3C}"/>
+                <a16:creationId xmlns:a16="http://schemas.microsoft.com/office/drawing/2014/main" id="{5B64E68E-040F-4912-9B7B-725CFB7D6315}"/>
               </a:ext>
             </a:extLst>
           </p:cNvPr>
@@ -672,13 +719,13 @@
         <p:spPr/>
         <p:txBody>
           <a:bodyPr/>
-          <a:lstStyle/>
-          <a:p>
-            <a:fld id="{6097E298-8A86-4C53-B589-05F1F87826B8}" type="datetimeFigureOut">
-              <a:rPr lang="en-US" smtClean="0"/>
-              <a:t>4/6/2022</a:t>
-            </a:fld>
-            <a:endParaRPr lang="en-US"/>
+          <a:lstStyle>
+            <a:lvl1pPr>
+              <a:defRPr/>
+            </a:lvl1pPr>
+          </a:lstStyle>
+          <a:p>
+            <a:endParaRPr lang="en-US" altLang="en-US"/>
           </a:p>
         </p:txBody>
       </p:sp>
@@ -687,7 +734,7 @@
           <p:cNvPr id="5" name="Footer Placeholder 4">
             <a:extLst>
               <a:ext uri="{FF2B5EF4-FFF2-40B4-BE49-F238E27FC236}">
-                <a16:creationId xmlns:a16="http://schemas.microsoft.com/office/drawing/2014/main" id="{E3E16AE7-1D64-49DD-ADA8-074E2D2622F4}"/>
+                <a16:creationId xmlns:a16="http://schemas.microsoft.com/office/drawing/2014/main" id="{0D139E95-5F5B-4E87-9B2F-A9A70957AB00}"/>
               </a:ext>
             </a:extLst>
           </p:cNvPr>
@@ -701,9 +748,13 @@
         <p:spPr/>
         <p:txBody>
           <a:bodyPr/>
-          <a:lstStyle/>
-          <a:p>
-            <a:endParaRPr lang="en-US"/>
+          <a:lstStyle>
+            <a:lvl1pPr>
+              <a:defRPr/>
+            </a:lvl1pPr>
+          </a:lstStyle>
+          <a:p>
+            <a:endParaRPr lang="en-US" altLang="en-US"/>
           </a:p>
         </p:txBody>
       </p:sp>
@@ -712,7 +763,7 @@
           <p:cNvPr id="6" name="Slide Number Placeholder 5">
             <a:extLst>
               <a:ext uri="{FF2B5EF4-FFF2-40B4-BE49-F238E27FC236}">
-                <a16:creationId xmlns:a16="http://schemas.microsoft.com/office/drawing/2014/main" id="{130393F3-5FB6-469A-9822-67AE7BDE3436}"/>
+                <a16:creationId xmlns:a16="http://schemas.microsoft.com/office/drawing/2014/main" id="{9C4FE7F3-EC17-415F-863D-DF17690ED1C0}"/>
               </a:ext>
             </a:extLst>
           </p:cNvPr>
@@ -726,20 +777,25 @@
         <p:spPr/>
         <p:txBody>
           <a:bodyPr/>
-          <a:lstStyle/>
-          <a:p>
-            <a:fld id="{5D6CB287-ABC3-4AFB-BA60-8084A7703696}" type="slidenum">
-              <a:rPr lang="en-US" smtClean="0"/>
+          <a:lstStyle>
+            <a:lvl1pPr>
+              <a:defRPr/>
+            </a:lvl1pPr>
+          </a:lstStyle>
+          <a:p>
+            <a:fld id="{74DC5CE5-D93D-42E1-A365-D1BB034BB8AD}" type="slidenum">
+              <a:rPr lang="en-US" altLang="en-US"/>
+              <a:pPr/>
               <a:t>‹#›</a:t>
             </a:fld>
-            <a:endParaRPr lang="en-US"/>
+            <a:endParaRPr lang="en-US" altLang="en-US"/>
           </a:p>
         </p:txBody>
       </p:sp>
     </p:spTree>
     <p:extLst>
       <p:ext uri="{BB962C8B-B14F-4D97-AF65-F5344CB8AC3E}">
-        <p14:creationId xmlns:p14="http://schemas.microsoft.com/office/powerpoint/2010/main" val="154236801"/>
+        <p14:creationId xmlns:p14="http://schemas.microsoft.com/office/powerpoint/2010/main" val="43784081"/>
       </p:ext>
     </p:extLst>
   </p:cSld>
@@ -771,7 +827,7 @@
           <p:cNvPr id="2" name="Title 1">
             <a:extLst>
               <a:ext uri="{FF2B5EF4-FFF2-40B4-BE49-F238E27FC236}">
-                <a16:creationId xmlns:a16="http://schemas.microsoft.com/office/drawing/2014/main" id="{F35EE941-D04C-4A0D-B2FB-25813F9A3B9B}"/>
+                <a16:creationId xmlns:a16="http://schemas.microsoft.com/office/drawing/2014/main" id="{9AB7FED8-62E4-44F9-8635-073E7D21D9FD}"/>
               </a:ext>
             </a:extLst>
           </p:cNvPr>
@@ -799,7 +855,7 @@
           <p:cNvPr id="3" name="Content Placeholder 2">
             <a:extLst>
               <a:ext uri="{FF2B5EF4-FFF2-40B4-BE49-F238E27FC236}">
-                <a16:creationId xmlns:a16="http://schemas.microsoft.com/office/drawing/2014/main" id="{45135F2A-E7E0-4834-9D78-F036D6F9CC28}"/>
+                <a16:creationId xmlns:a16="http://schemas.microsoft.com/office/drawing/2014/main" id="{804BF88E-6176-40DB-A4F0-5F9D10D14F4A}"/>
               </a:ext>
             </a:extLst>
           </p:cNvPr>
@@ -818,7 +874,7 @@
             <a:pPr lvl="0"/>
             <a:r>
               <a:rPr lang="en-US"/>
-              <a:t>Click to edit Master text styles</a:t>
+              <a:t>Edit Master text styles</a:t>
             </a:r>
           </a:p>
           <a:p>
@@ -856,7 +912,7 @@
           <p:cNvPr id="4" name="Date Placeholder 3">
             <a:extLst>
               <a:ext uri="{FF2B5EF4-FFF2-40B4-BE49-F238E27FC236}">
-                <a16:creationId xmlns:a16="http://schemas.microsoft.com/office/drawing/2014/main" id="{B7EC5F83-088D-42A2-91D6-32A5D98234FE}"/>
+                <a16:creationId xmlns:a16="http://schemas.microsoft.com/office/drawing/2014/main" id="{07CD7C81-1B47-4037-B98B-75A1F4012D7D}"/>
               </a:ext>
             </a:extLst>
           </p:cNvPr>
@@ -870,13 +926,13 @@
         <p:spPr/>
         <p:txBody>
           <a:bodyPr/>
-          <a:lstStyle/>
-          <a:p>
-            <a:fld id="{6097E298-8A86-4C53-B589-05F1F87826B8}" type="datetimeFigureOut">
-              <a:rPr lang="en-US" smtClean="0"/>
-              <a:t>4/6/2022</a:t>
-            </a:fld>
-            <a:endParaRPr lang="en-US"/>
+          <a:lstStyle>
+            <a:lvl1pPr>
+              <a:defRPr/>
+            </a:lvl1pPr>
+          </a:lstStyle>
+          <a:p>
+            <a:endParaRPr lang="en-US" altLang="en-US"/>
           </a:p>
         </p:txBody>
       </p:sp>
@@ -885,7 +941,7 @@
           <p:cNvPr id="5" name="Footer Placeholder 4">
             <a:extLst>
               <a:ext uri="{FF2B5EF4-FFF2-40B4-BE49-F238E27FC236}">
-                <a16:creationId xmlns:a16="http://schemas.microsoft.com/office/drawing/2014/main" id="{4CD11E1A-3CAC-4ECE-B62A-9F6236676805}"/>
+                <a16:creationId xmlns:a16="http://schemas.microsoft.com/office/drawing/2014/main" id="{615C4BD4-42E2-497A-AD54-B10928A49073}"/>
               </a:ext>
             </a:extLst>
           </p:cNvPr>
@@ -899,9 +955,13 @@
         <p:spPr/>
         <p:txBody>
           <a:bodyPr/>
-          <a:lstStyle/>
-          <a:p>
-            <a:endParaRPr lang="en-US"/>
+          <a:lstStyle>
+            <a:lvl1pPr>
+              <a:defRPr/>
+            </a:lvl1pPr>
+          </a:lstStyle>
+          <a:p>
+            <a:endParaRPr lang="en-US" altLang="en-US"/>
           </a:p>
         </p:txBody>
       </p:sp>
@@ -910,7 +970,7 @@
           <p:cNvPr id="6" name="Slide Number Placeholder 5">
             <a:extLst>
               <a:ext uri="{FF2B5EF4-FFF2-40B4-BE49-F238E27FC236}">
-                <a16:creationId xmlns:a16="http://schemas.microsoft.com/office/drawing/2014/main" id="{1036CD3B-2063-4B78-B8A7-5ECC411D7207}"/>
+                <a16:creationId xmlns:a16="http://schemas.microsoft.com/office/drawing/2014/main" id="{C2C080A8-4B04-4A76-AD9D-D3373B2CDFD7}"/>
               </a:ext>
             </a:extLst>
           </p:cNvPr>
@@ -924,20 +984,25 @@
         <p:spPr/>
         <p:txBody>
           <a:bodyPr/>
-          <a:lstStyle/>
-          <a:p>
-            <a:fld id="{5D6CB287-ABC3-4AFB-BA60-8084A7703696}" type="slidenum">
-              <a:rPr lang="en-US" smtClean="0"/>
+          <a:lstStyle>
+            <a:lvl1pPr>
+              <a:defRPr/>
+            </a:lvl1pPr>
+          </a:lstStyle>
+          <a:p>
+            <a:fld id="{0F4F63AB-74FF-4D4D-9C96-7E67E70BF8FF}" type="slidenum">
+              <a:rPr lang="en-US" altLang="en-US"/>
+              <a:pPr/>
               <a:t>‹#›</a:t>
             </a:fld>
-            <a:endParaRPr lang="en-US"/>
+            <a:endParaRPr lang="en-US" altLang="en-US"/>
           </a:p>
         </p:txBody>
       </p:sp>
     </p:spTree>
     <p:extLst>
       <p:ext uri="{BB962C8B-B14F-4D97-AF65-F5344CB8AC3E}">
-        <p14:creationId xmlns:p14="http://schemas.microsoft.com/office/powerpoint/2010/main" val="1559625819"/>
+        <p14:creationId xmlns:p14="http://schemas.microsoft.com/office/powerpoint/2010/main" val="2920515733"/>
       </p:ext>
     </p:extLst>
   </p:cSld>
@@ -969,7 +1034,7 @@
           <p:cNvPr id="2" name="Title 1">
             <a:extLst>
               <a:ext uri="{FF2B5EF4-FFF2-40B4-BE49-F238E27FC236}">
-                <a16:creationId xmlns:a16="http://schemas.microsoft.com/office/drawing/2014/main" id="{14BEDE27-7AD3-4E28-B8E1-E93AE439B710}"/>
+                <a16:creationId xmlns:a16="http://schemas.microsoft.com/office/drawing/2014/main" id="{A09CE863-2F38-493E-AC5F-35F839ABEA4D}"/>
               </a:ext>
             </a:extLst>
           </p:cNvPr>
@@ -982,8 +1047,8 @@
         </p:nvSpPr>
         <p:spPr>
           <a:xfrm>
-            <a:off x="831850" y="1709738"/>
-            <a:ext cx="10515600" cy="2852737"/>
+            <a:off x="623888" y="1709738"/>
+            <a:ext cx="7886700" cy="2852737"/>
           </a:xfrm>
         </p:spPr>
         <p:txBody>
@@ -1006,7 +1071,7 @@
           <p:cNvPr id="3" name="Text Placeholder 2">
             <a:extLst>
               <a:ext uri="{FF2B5EF4-FFF2-40B4-BE49-F238E27FC236}">
-                <a16:creationId xmlns:a16="http://schemas.microsoft.com/office/drawing/2014/main" id="{B636134B-4DBC-442F-88D2-AC8F66DB1297}"/>
+                <a16:creationId xmlns:a16="http://schemas.microsoft.com/office/drawing/2014/main" id="{EE71EE57-4E33-4768-BDE6-1E42E78CC47E}"/>
               </a:ext>
             </a:extLst>
           </p:cNvPr>
@@ -1019,8 +1084,8 @@
         </p:nvSpPr>
         <p:spPr>
           <a:xfrm>
-            <a:off x="831850" y="4589463"/>
-            <a:ext cx="10515600" cy="1500187"/>
+            <a:off x="623888" y="4589463"/>
+            <a:ext cx="7886700" cy="1500187"/>
           </a:xfrm>
         </p:spPr>
         <p:txBody>
@@ -1028,100 +1093,46 @@
           <a:lstStyle>
             <a:lvl1pPr marL="0" indent="0">
               <a:buNone/>
-              <a:defRPr sz="2400">
-                <a:solidFill>
-                  <a:schemeClr val="tx1">
-                    <a:tint val="75000"/>
-                  </a:schemeClr>
-                </a:solidFill>
-              </a:defRPr>
+              <a:defRPr sz="2400"/>
             </a:lvl1pPr>
             <a:lvl2pPr marL="457200" indent="0">
               <a:buNone/>
-              <a:defRPr sz="2000">
-                <a:solidFill>
-                  <a:schemeClr val="tx1">
-                    <a:tint val="75000"/>
-                  </a:schemeClr>
-                </a:solidFill>
-              </a:defRPr>
+              <a:defRPr sz="2000"/>
             </a:lvl2pPr>
             <a:lvl3pPr marL="914400" indent="0">
               <a:buNone/>
-              <a:defRPr sz="1800">
-                <a:solidFill>
-                  <a:schemeClr val="tx1">
-                    <a:tint val="75000"/>
-                  </a:schemeClr>
-                </a:solidFill>
-              </a:defRPr>
+              <a:defRPr sz="1800"/>
             </a:lvl3pPr>
             <a:lvl4pPr marL="1371600" indent="0">
               <a:buNone/>
-              <a:defRPr sz="1600">
-                <a:solidFill>
-                  <a:schemeClr val="tx1">
-                    <a:tint val="75000"/>
-                  </a:schemeClr>
-                </a:solidFill>
-              </a:defRPr>
+              <a:defRPr sz="1600"/>
             </a:lvl4pPr>
             <a:lvl5pPr marL="1828800" indent="0">
               <a:buNone/>
-              <a:defRPr sz="1600">
-                <a:solidFill>
-                  <a:schemeClr val="tx1">
-                    <a:tint val="75000"/>
-                  </a:schemeClr>
-                </a:solidFill>
-              </a:defRPr>
+              <a:defRPr sz="1600"/>
             </a:lvl5pPr>
             <a:lvl6pPr marL="2286000" indent="0">
               <a:buNone/>
-              <a:defRPr sz="1600">
-                <a:solidFill>
-                  <a:schemeClr val="tx1">
-                    <a:tint val="75000"/>
-                  </a:schemeClr>
-                </a:solidFill>
-              </a:defRPr>
+              <a:defRPr sz="1600"/>
             </a:lvl6pPr>
             <a:lvl7pPr marL="2743200" indent="0">
               <a:buNone/>
-              <a:defRPr sz="1600">
-                <a:solidFill>
-                  <a:schemeClr val="tx1">
-                    <a:tint val="75000"/>
-                  </a:schemeClr>
-                </a:solidFill>
-              </a:defRPr>
+              <a:defRPr sz="1600"/>
             </a:lvl7pPr>
             <a:lvl8pPr marL="3200400" indent="0">
               <a:buNone/>
-              <a:defRPr sz="1600">
-                <a:solidFill>
-                  <a:schemeClr val="tx1">
-                    <a:tint val="75000"/>
-                  </a:schemeClr>
-                </a:solidFill>
-              </a:defRPr>
+              <a:defRPr sz="1600"/>
             </a:lvl8pPr>
             <a:lvl9pPr marL="3657600" indent="0">
               <a:buNone/>
-              <a:defRPr sz="1600">
-                <a:solidFill>
-                  <a:schemeClr val="tx1">
-                    <a:tint val="75000"/>
-                  </a:schemeClr>
-                </a:solidFill>
-              </a:defRPr>
+              <a:defRPr sz="1600"/>
             </a:lvl9pPr>
           </a:lstStyle>
           <a:p>
             <a:pPr lvl="0"/>
             <a:r>
               <a:rPr lang="en-US"/>
-              <a:t>Click to edit Master text styles</a:t>
+              <a:t>Edit Master text styles</a:t>
             </a:r>
           </a:p>
         </p:txBody>
@@ -1131,7 +1142,7 @@
           <p:cNvPr id="4" name="Date Placeholder 3">
             <a:extLst>
               <a:ext uri="{FF2B5EF4-FFF2-40B4-BE49-F238E27FC236}">
-                <a16:creationId xmlns:a16="http://schemas.microsoft.com/office/drawing/2014/main" id="{369B7471-95F8-4082-A853-6772F2DF25B1}"/>
+                <a16:creationId xmlns:a16="http://schemas.microsoft.com/office/drawing/2014/main" id="{71F47056-25E1-4B67-85BD-73087B72E971}"/>
               </a:ext>
             </a:extLst>
           </p:cNvPr>
@@ -1145,13 +1156,13 @@
         <p:spPr/>
         <p:txBody>
           <a:bodyPr/>
-          <a:lstStyle/>
-          <a:p>
-            <a:fld id="{6097E298-8A86-4C53-B589-05F1F87826B8}" type="datetimeFigureOut">
-              <a:rPr lang="en-US" smtClean="0"/>
-              <a:t>4/6/2022</a:t>
-            </a:fld>
-            <a:endParaRPr lang="en-US"/>
+          <a:lstStyle>
+            <a:lvl1pPr>
+              <a:defRPr/>
+            </a:lvl1pPr>
+          </a:lstStyle>
+          <a:p>
+            <a:endParaRPr lang="en-US" altLang="en-US"/>
           </a:p>
         </p:txBody>
       </p:sp>
@@ -1160,7 +1171,7 @@
           <p:cNvPr id="5" name="Footer Placeholder 4">
             <a:extLst>
               <a:ext uri="{FF2B5EF4-FFF2-40B4-BE49-F238E27FC236}">
-                <a16:creationId xmlns:a16="http://schemas.microsoft.com/office/drawing/2014/main" id="{C2BDD02B-AA4A-4693-BBD6-AC02A234E4BD}"/>
+                <a16:creationId xmlns:a16="http://schemas.microsoft.com/office/drawing/2014/main" id="{F94B0AFD-04FE-4D58-8BBC-B3312F4708EF}"/>
               </a:ext>
             </a:extLst>
           </p:cNvPr>
@@ -1174,9 +1185,13 @@
         <p:spPr/>
         <p:txBody>
           <a:bodyPr/>
-          <a:lstStyle/>
-          <a:p>
-            <a:endParaRPr lang="en-US"/>
+          <a:lstStyle>
+            <a:lvl1pPr>
+              <a:defRPr/>
+            </a:lvl1pPr>
+          </a:lstStyle>
+          <a:p>
+            <a:endParaRPr lang="en-US" altLang="en-US"/>
           </a:p>
         </p:txBody>
       </p:sp>
@@ -1185,7 +1200,7 @@
           <p:cNvPr id="6" name="Slide Number Placeholder 5">
             <a:extLst>
               <a:ext uri="{FF2B5EF4-FFF2-40B4-BE49-F238E27FC236}">
-                <a16:creationId xmlns:a16="http://schemas.microsoft.com/office/drawing/2014/main" id="{B7C63664-CE82-4634-8782-A1B5582DF34E}"/>
+                <a16:creationId xmlns:a16="http://schemas.microsoft.com/office/drawing/2014/main" id="{8640AEAA-EABC-4389-89FD-1194EAE5C62C}"/>
               </a:ext>
             </a:extLst>
           </p:cNvPr>
@@ -1199,20 +1214,25 @@
         <p:spPr/>
         <p:txBody>
           <a:bodyPr/>
-          <a:lstStyle/>
-          <a:p>
-            <a:fld id="{5D6CB287-ABC3-4AFB-BA60-8084A7703696}" type="slidenum">
-              <a:rPr lang="en-US" smtClean="0"/>
+          <a:lstStyle>
+            <a:lvl1pPr>
+              <a:defRPr/>
+            </a:lvl1pPr>
+          </a:lstStyle>
+          <a:p>
+            <a:fld id="{0FF88ED3-DC84-4DB0-B233-29AE8689A18E}" type="slidenum">
+              <a:rPr lang="en-US" altLang="en-US"/>
+              <a:pPr/>
               <a:t>‹#›</a:t>
             </a:fld>
-            <a:endParaRPr lang="en-US"/>
+            <a:endParaRPr lang="en-US" altLang="en-US"/>
           </a:p>
         </p:txBody>
       </p:sp>
     </p:spTree>
     <p:extLst>
       <p:ext uri="{BB962C8B-B14F-4D97-AF65-F5344CB8AC3E}">
-        <p14:creationId xmlns:p14="http://schemas.microsoft.com/office/powerpoint/2010/main" val="497143331"/>
+        <p14:creationId xmlns:p14="http://schemas.microsoft.com/office/powerpoint/2010/main" val="3751073900"/>
       </p:ext>
     </p:extLst>
   </p:cSld>
@@ -1244,7 +1264,7 @@
           <p:cNvPr id="2" name="Title 1">
             <a:extLst>
               <a:ext uri="{FF2B5EF4-FFF2-40B4-BE49-F238E27FC236}">
-                <a16:creationId xmlns:a16="http://schemas.microsoft.com/office/drawing/2014/main" id="{E92BB895-F3C4-4B72-9F70-F7CC91724168}"/>
+                <a16:creationId xmlns:a16="http://schemas.microsoft.com/office/drawing/2014/main" id="{79BE3C47-6B83-4D40-8FFA-423CDED83F11}"/>
               </a:ext>
             </a:extLst>
           </p:cNvPr>
@@ -1272,7 +1292,7 @@
           <p:cNvPr id="3" name="Content Placeholder 2">
             <a:extLst>
               <a:ext uri="{FF2B5EF4-FFF2-40B4-BE49-F238E27FC236}">
-                <a16:creationId xmlns:a16="http://schemas.microsoft.com/office/drawing/2014/main" id="{9ACFD48E-2EBA-40C1-9C7F-107D230C256D}"/>
+                <a16:creationId xmlns:a16="http://schemas.microsoft.com/office/drawing/2014/main" id="{455CE053-7F00-4D26-A49E-468074BDA09E}"/>
               </a:ext>
             </a:extLst>
           </p:cNvPr>
@@ -1285,8 +1305,8 @@
         </p:nvSpPr>
         <p:spPr>
           <a:xfrm>
-            <a:off x="838200" y="1825625"/>
-            <a:ext cx="5181600" cy="4351338"/>
+            <a:off x="609600" y="1633538"/>
+            <a:ext cx="4038600" cy="4691062"/>
           </a:xfrm>
         </p:spPr>
         <p:txBody>
@@ -1296,7 +1316,7 @@
             <a:pPr lvl="0"/>
             <a:r>
               <a:rPr lang="en-US"/>
-              <a:t>Click to edit Master text styles</a:t>
+              <a:t>Edit Master text styles</a:t>
             </a:r>
           </a:p>
           <a:p>
@@ -1334,7 +1354,7 @@
           <p:cNvPr id="4" name="Content Placeholder 3">
             <a:extLst>
               <a:ext uri="{FF2B5EF4-FFF2-40B4-BE49-F238E27FC236}">
-                <a16:creationId xmlns:a16="http://schemas.microsoft.com/office/drawing/2014/main" id="{F787CA4F-DDAF-46A1-A3E2-D8F31C8BFC1B}"/>
+                <a16:creationId xmlns:a16="http://schemas.microsoft.com/office/drawing/2014/main" id="{C77BA0AC-734F-47AA-97FD-4DA7FEF918C4}"/>
               </a:ext>
             </a:extLst>
           </p:cNvPr>
@@ -1347,8 +1367,8 @@
         </p:nvSpPr>
         <p:spPr>
           <a:xfrm>
-            <a:off x="6172200" y="1825625"/>
-            <a:ext cx="5181600" cy="4351338"/>
+            <a:off x="4800600" y="1633538"/>
+            <a:ext cx="4038600" cy="4691062"/>
           </a:xfrm>
         </p:spPr>
         <p:txBody>
@@ -1358,7 +1378,7 @@
             <a:pPr lvl="0"/>
             <a:r>
               <a:rPr lang="en-US"/>
-              <a:t>Click to edit Master text styles</a:t>
+              <a:t>Edit Master text styles</a:t>
             </a:r>
           </a:p>
           <a:p>
@@ -1396,7 +1416,7 @@
           <p:cNvPr id="5" name="Date Placeholder 4">
             <a:extLst>
               <a:ext uri="{FF2B5EF4-FFF2-40B4-BE49-F238E27FC236}">
-                <a16:creationId xmlns:a16="http://schemas.microsoft.com/office/drawing/2014/main" id="{420BA0B9-FCBF-464D-A5F0-1E11C9A1D81C}"/>
+                <a16:creationId xmlns:a16="http://schemas.microsoft.com/office/drawing/2014/main" id="{A4211179-6CFA-425B-9D7F-2BE02065447E}"/>
               </a:ext>
             </a:extLst>
           </p:cNvPr>
@@ -1410,13 +1430,13 @@
         <p:spPr/>
         <p:txBody>
           <a:bodyPr/>
-          <a:lstStyle/>
-          <a:p>
-            <a:fld id="{6097E298-8A86-4C53-B589-05F1F87826B8}" type="datetimeFigureOut">
-              <a:rPr lang="en-US" smtClean="0"/>
-              <a:t>4/6/2022</a:t>
-            </a:fld>
-            <a:endParaRPr lang="en-US"/>
+          <a:lstStyle>
+            <a:lvl1pPr>
+              <a:defRPr/>
+            </a:lvl1pPr>
+          </a:lstStyle>
+          <a:p>
+            <a:endParaRPr lang="en-US" altLang="en-US"/>
           </a:p>
         </p:txBody>
       </p:sp>
@@ -1425,7 +1445,7 @@
           <p:cNvPr id="6" name="Footer Placeholder 5">
             <a:extLst>
               <a:ext uri="{FF2B5EF4-FFF2-40B4-BE49-F238E27FC236}">
-                <a16:creationId xmlns:a16="http://schemas.microsoft.com/office/drawing/2014/main" id="{007941EF-2AC5-40BE-93DF-8C5444FCE741}"/>
+                <a16:creationId xmlns:a16="http://schemas.microsoft.com/office/drawing/2014/main" id="{AA6E626E-637B-499E-9E2C-ACC64C09C73D}"/>
               </a:ext>
             </a:extLst>
           </p:cNvPr>
@@ -1439,9 +1459,13 @@
         <p:spPr/>
         <p:txBody>
           <a:bodyPr/>
-          <a:lstStyle/>
-          <a:p>
-            <a:endParaRPr lang="en-US"/>
+          <a:lstStyle>
+            <a:lvl1pPr>
+              <a:defRPr/>
+            </a:lvl1pPr>
+          </a:lstStyle>
+          <a:p>
+            <a:endParaRPr lang="en-US" altLang="en-US"/>
           </a:p>
         </p:txBody>
       </p:sp>
@@ -1450,7 +1474,7 @@
           <p:cNvPr id="7" name="Slide Number Placeholder 6">
             <a:extLst>
               <a:ext uri="{FF2B5EF4-FFF2-40B4-BE49-F238E27FC236}">
-                <a16:creationId xmlns:a16="http://schemas.microsoft.com/office/drawing/2014/main" id="{B334464C-3005-4E35-812D-D46499D11E26}"/>
+                <a16:creationId xmlns:a16="http://schemas.microsoft.com/office/drawing/2014/main" id="{8177475E-6A5C-42A5-8A22-584439427149}"/>
               </a:ext>
             </a:extLst>
           </p:cNvPr>
@@ -1464,20 +1488,25 @@
         <p:spPr/>
         <p:txBody>
           <a:bodyPr/>
-          <a:lstStyle/>
-          <a:p>
-            <a:fld id="{5D6CB287-ABC3-4AFB-BA60-8084A7703696}" type="slidenum">
-              <a:rPr lang="en-US" smtClean="0"/>
+          <a:lstStyle>
+            <a:lvl1pPr>
+              <a:defRPr/>
+            </a:lvl1pPr>
+          </a:lstStyle>
+          <a:p>
+            <a:fld id="{3D79D017-4D2B-4917-98EC-EFDC1350D1A8}" type="slidenum">
+              <a:rPr lang="en-US" altLang="en-US"/>
+              <a:pPr/>
               <a:t>‹#›</a:t>
             </a:fld>
-            <a:endParaRPr lang="en-US"/>
+            <a:endParaRPr lang="en-US" altLang="en-US"/>
           </a:p>
         </p:txBody>
       </p:sp>
     </p:spTree>
     <p:extLst>
       <p:ext uri="{BB962C8B-B14F-4D97-AF65-F5344CB8AC3E}">
-        <p14:creationId xmlns:p14="http://schemas.microsoft.com/office/powerpoint/2010/main" val="2475540346"/>
+        <p14:creationId xmlns:p14="http://schemas.microsoft.com/office/powerpoint/2010/main" val="1373398859"/>
       </p:ext>
     </p:extLst>
   </p:cSld>
@@ -1509,7 +1538,7 @@
           <p:cNvPr id="2" name="Title 1">
             <a:extLst>
               <a:ext uri="{FF2B5EF4-FFF2-40B4-BE49-F238E27FC236}">
-                <a16:creationId xmlns:a16="http://schemas.microsoft.com/office/drawing/2014/main" id="{2A676226-B765-48C1-ADDA-27BF0382BD86}"/>
+                <a16:creationId xmlns:a16="http://schemas.microsoft.com/office/drawing/2014/main" id="{26D1F325-80E3-4F90-BD69-5037DB90DF26}"/>
               </a:ext>
             </a:extLst>
           </p:cNvPr>
@@ -1522,8 +1551,8 @@
         </p:nvSpPr>
         <p:spPr>
           <a:xfrm>
-            <a:off x="839788" y="365125"/>
-            <a:ext cx="10515600" cy="1325563"/>
+            <a:off x="630238" y="365125"/>
+            <a:ext cx="7886700" cy="1325563"/>
           </a:xfrm>
         </p:spPr>
         <p:txBody>
@@ -1542,7 +1571,7 @@
           <p:cNvPr id="3" name="Text Placeholder 2">
             <a:extLst>
               <a:ext uri="{FF2B5EF4-FFF2-40B4-BE49-F238E27FC236}">
-                <a16:creationId xmlns:a16="http://schemas.microsoft.com/office/drawing/2014/main" id="{33D950F1-94CE-40FE-AD11-BABAA6646B20}"/>
+                <a16:creationId xmlns:a16="http://schemas.microsoft.com/office/drawing/2014/main" id="{16DC193B-2F0E-4826-9109-B6307A9C06F1}"/>
               </a:ext>
             </a:extLst>
           </p:cNvPr>
@@ -1555,8 +1584,8 @@
         </p:nvSpPr>
         <p:spPr>
           <a:xfrm>
-            <a:off x="839788" y="1681163"/>
-            <a:ext cx="5157787" cy="823912"/>
+            <a:off x="630238" y="1681163"/>
+            <a:ext cx="3868737" cy="823912"/>
           </a:xfrm>
         </p:spPr>
         <p:txBody>
@@ -1603,7 +1632,7 @@
             <a:pPr lvl="0"/>
             <a:r>
               <a:rPr lang="en-US"/>
-              <a:t>Click to edit Master text styles</a:t>
+              <a:t>Edit Master text styles</a:t>
             </a:r>
           </a:p>
         </p:txBody>
@@ -1613,7 +1642,7 @@
           <p:cNvPr id="4" name="Content Placeholder 3">
             <a:extLst>
               <a:ext uri="{FF2B5EF4-FFF2-40B4-BE49-F238E27FC236}">
-                <a16:creationId xmlns:a16="http://schemas.microsoft.com/office/drawing/2014/main" id="{ECF1A6B2-CA7F-4D51-B8ED-71F05EEB8601}"/>
+                <a16:creationId xmlns:a16="http://schemas.microsoft.com/office/drawing/2014/main" id="{E4A24B64-B380-470F-9CDE-73C0D43F6775}"/>
               </a:ext>
             </a:extLst>
           </p:cNvPr>
@@ -1626,8 +1655,8 @@
         </p:nvSpPr>
         <p:spPr>
           <a:xfrm>
-            <a:off x="839788" y="2505075"/>
-            <a:ext cx="5157787" cy="3684588"/>
+            <a:off x="630238" y="2505075"/>
+            <a:ext cx="3868737" cy="3684588"/>
           </a:xfrm>
         </p:spPr>
         <p:txBody>
@@ -1637,7 +1666,7 @@
             <a:pPr lvl="0"/>
             <a:r>
               <a:rPr lang="en-US"/>
-              <a:t>Click to edit Master text styles</a:t>
+              <a:t>Edit Master text styles</a:t>
             </a:r>
           </a:p>
           <a:p>
@@ -1675,7 +1704,7 @@
           <p:cNvPr id="5" name="Text Placeholder 4">
             <a:extLst>
               <a:ext uri="{FF2B5EF4-FFF2-40B4-BE49-F238E27FC236}">
-                <a16:creationId xmlns:a16="http://schemas.microsoft.com/office/drawing/2014/main" id="{EDDE35D0-C045-485F-98E1-9265CE01F61D}"/>
+                <a16:creationId xmlns:a16="http://schemas.microsoft.com/office/drawing/2014/main" id="{8890F4E0-0F61-4F55-8A7A-765984DF7865}"/>
               </a:ext>
             </a:extLst>
           </p:cNvPr>
@@ -1688,8 +1717,8 @@
         </p:nvSpPr>
         <p:spPr>
           <a:xfrm>
-            <a:off x="6172200" y="1681163"/>
-            <a:ext cx="5183188" cy="823912"/>
+            <a:off x="4629150" y="1681163"/>
+            <a:ext cx="3887788" cy="823912"/>
           </a:xfrm>
         </p:spPr>
         <p:txBody>
@@ -1736,7 +1765,7 @@
             <a:pPr lvl="0"/>
             <a:r>
               <a:rPr lang="en-US"/>
-              <a:t>Click to edit Master text styles</a:t>
+              <a:t>Edit Master text styles</a:t>
             </a:r>
           </a:p>
         </p:txBody>
@@ -1746,7 +1775,7 @@
           <p:cNvPr id="6" name="Content Placeholder 5">
             <a:extLst>
               <a:ext uri="{FF2B5EF4-FFF2-40B4-BE49-F238E27FC236}">
-                <a16:creationId xmlns:a16="http://schemas.microsoft.com/office/drawing/2014/main" id="{BDFDA2BD-206B-4FFF-873E-DECD371E840D}"/>
+                <a16:creationId xmlns:a16="http://schemas.microsoft.com/office/drawing/2014/main" id="{9895C38B-8A04-4272-A3E6-393D95555544}"/>
               </a:ext>
             </a:extLst>
           </p:cNvPr>
@@ -1759,8 +1788,8 @@
         </p:nvSpPr>
         <p:spPr>
           <a:xfrm>
-            <a:off x="6172200" y="2505075"/>
-            <a:ext cx="5183188" cy="3684588"/>
+            <a:off x="4629150" y="2505075"/>
+            <a:ext cx="3887788" cy="3684588"/>
           </a:xfrm>
         </p:spPr>
         <p:txBody>
@@ -1770,7 +1799,7 @@
             <a:pPr lvl="0"/>
             <a:r>
               <a:rPr lang="en-US"/>
-              <a:t>Click to edit Master text styles</a:t>
+              <a:t>Edit Master text styles</a:t>
             </a:r>
           </a:p>
           <a:p>
@@ -1808,7 +1837,7 @@
           <p:cNvPr id="7" name="Date Placeholder 6">
             <a:extLst>
               <a:ext uri="{FF2B5EF4-FFF2-40B4-BE49-F238E27FC236}">
-                <a16:creationId xmlns:a16="http://schemas.microsoft.com/office/drawing/2014/main" id="{64BA0BAF-A9F6-4594-A6C4-F08401291772}"/>
+                <a16:creationId xmlns:a16="http://schemas.microsoft.com/office/drawing/2014/main" id="{B46373DA-5867-4829-AD43-C6FCC79A803E}"/>
               </a:ext>
             </a:extLst>
           </p:cNvPr>
@@ -1822,13 +1851,13 @@
         <p:spPr/>
         <p:txBody>
           <a:bodyPr/>
-          <a:lstStyle/>
-          <a:p>
-            <a:fld id="{6097E298-8A86-4C53-B589-05F1F87826B8}" type="datetimeFigureOut">
-              <a:rPr lang="en-US" smtClean="0"/>
-              <a:t>4/6/2022</a:t>
-            </a:fld>
-            <a:endParaRPr lang="en-US"/>
+          <a:lstStyle>
+            <a:lvl1pPr>
+              <a:defRPr/>
+            </a:lvl1pPr>
+          </a:lstStyle>
+          <a:p>
+            <a:endParaRPr lang="en-US" altLang="en-US"/>
           </a:p>
         </p:txBody>
       </p:sp>
@@ -1837,7 +1866,7 @@
           <p:cNvPr id="8" name="Footer Placeholder 7">
             <a:extLst>
               <a:ext uri="{FF2B5EF4-FFF2-40B4-BE49-F238E27FC236}">
-                <a16:creationId xmlns:a16="http://schemas.microsoft.com/office/drawing/2014/main" id="{0131795D-BD83-47B8-A6D6-C37A9749B073}"/>
+                <a16:creationId xmlns:a16="http://schemas.microsoft.com/office/drawing/2014/main" id="{021764FC-FDFA-416E-997C-F691587D4AF2}"/>
               </a:ext>
             </a:extLst>
           </p:cNvPr>
@@ -1851,9 +1880,13 @@
         <p:spPr/>
         <p:txBody>
           <a:bodyPr/>
-          <a:lstStyle/>
-          <a:p>
-            <a:endParaRPr lang="en-US"/>
+          <a:lstStyle>
+            <a:lvl1pPr>
+              <a:defRPr/>
+            </a:lvl1pPr>
+          </a:lstStyle>
+          <a:p>
+            <a:endParaRPr lang="en-US" altLang="en-US"/>
           </a:p>
         </p:txBody>
       </p:sp>
@@ -1862,7 +1895,7 @@
           <p:cNvPr id="9" name="Slide Number Placeholder 8">
             <a:extLst>
               <a:ext uri="{FF2B5EF4-FFF2-40B4-BE49-F238E27FC236}">
-                <a16:creationId xmlns:a16="http://schemas.microsoft.com/office/drawing/2014/main" id="{410A3534-7C1D-432A-9DF7-C96AFA8225CC}"/>
+                <a16:creationId xmlns:a16="http://schemas.microsoft.com/office/drawing/2014/main" id="{27E741E6-72FD-4F69-97E8-CAC734DCE79A}"/>
               </a:ext>
             </a:extLst>
           </p:cNvPr>
@@ -1876,20 +1909,25 @@
         <p:spPr/>
         <p:txBody>
           <a:bodyPr/>
-          <a:lstStyle/>
-          <a:p>
-            <a:fld id="{5D6CB287-ABC3-4AFB-BA60-8084A7703696}" type="slidenum">
-              <a:rPr lang="en-US" smtClean="0"/>
+          <a:lstStyle>
+            <a:lvl1pPr>
+              <a:defRPr/>
+            </a:lvl1pPr>
+          </a:lstStyle>
+          <a:p>
+            <a:fld id="{D3F7F60C-663B-45B5-8BAA-0CD5F56CC8F6}" type="slidenum">
+              <a:rPr lang="en-US" altLang="en-US"/>
+              <a:pPr/>
               <a:t>‹#›</a:t>
             </a:fld>
-            <a:endParaRPr lang="en-US"/>
+            <a:endParaRPr lang="en-US" altLang="en-US"/>
           </a:p>
         </p:txBody>
       </p:sp>
     </p:spTree>
     <p:extLst>
       <p:ext uri="{BB962C8B-B14F-4D97-AF65-F5344CB8AC3E}">
-        <p14:creationId xmlns:p14="http://schemas.microsoft.com/office/powerpoint/2010/main" val="367455973"/>
+        <p14:creationId xmlns:p14="http://schemas.microsoft.com/office/powerpoint/2010/main" val="2262112047"/>
       </p:ext>
     </p:extLst>
   </p:cSld>
@@ -1921,7 +1959,7 @@
           <p:cNvPr id="2" name="Title 1">
             <a:extLst>
               <a:ext uri="{FF2B5EF4-FFF2-40B4-BE49-F238E27FC236}">
-                <a16:creationId xmlns:a16="http://schemas.microsoft.com/office/drawing/2014/main" id="{FC38F8C0-5501-4251-8D93-3F1C81B57DC9}"/>
+                <a16:creationId xmlns:a16="http://schemas.microsoft.com/office/drawing/2014/main" id="{0E52B71A-EE87-467A-AD67-4ECCFB0E52E9}"/>
               </a:ext>
             </a:extLst>
           </p:cNvPr>
@@ -1949,7 +1987,7 @@
           <p:cNvPr id="3" name="Date Placeholder 2">
             <a:extLst>
               <a:ext uri="{FF2B5EF4-FFF2-40B4-BE49-F238E27FC236}">
-                <a16:creationId xmlns:a16="http://schemas.microsoft.com/office/drawing/2014/main" id="{5AE33E71-A3A5-42C1-9F5A-8779FF313270}"/>
+                <a16:creationId xmlns:a16="http://schemas.microsoft.com/office/drawing/2014/main" id="{5D6EB2EF-2DBC-41CB-8232-B6E49BCBA6FA}"/>
               </a:ext>
             </a:extLst>
           </p:cNvPr>
@@ -1963,13 +2001,13 @@
         <p:spPr/>
         <p:txBody>
           <a:bodyPr/>
-          <a:lstStyle/>
-          <a:p>
-            <a:fld id="{6097E298-8A86-4C53-B589-05F1F87826B8}" type="datetimeFigureOut">
-              <a:rPr lang="en-US" smtClean="0"/>
-              <a:t>4/6/2022</a:t>
-            </a:fld>
-            <a:endParaRPr lang="en-US"/>
+          <a:lstStyle>
+            <a:lvl1pPr>
+              <a:defRPr/>
+            </a:lvl1pPr>
+          </a:lstStyle>
+          <a:p>
+            <a:endParaRPr lang="en-US" altLang="en-US"/>
           </a:p>
         </p:txBody>
       </p:sp>
@@ -1978,7 +2016,7 @@
           <p:cNvPr id="4" name="Footer Placeholder 3">
             <a:extLst>
               <a:ext uri="{FF2B5EF4-FFF2-40B4-BE49-F238E27FC236}">
-                <a16:creationId xmlns:a16="http://schemas.microsoft.com/office/drawing/2014/main" id="{64D81497-B509-4996-A425-A99256362E06}"/>
+                <a16:creationId xmlns:a16="http://schemas.microsoft.com/office/drawing/2014/main" id="{EA583847-6C7C-4715-98B9-D40636DA2722}"/>
               </a:ext>
             </a:extLst>
           </p:cNvPr>
@@ -1992,9 +2030,13 @@
         <p:spPr/>
         <p:txBody>
           <a:bodyPr/>
-          <a:lstStyle/>
-          <a:p>
-            <a:endParaRPr lang="en-US"/>
+          <a:lstStyle>
+            <a:lvl1pPr>
+              <a:defRPr/>
+            </a:lvl1pPr>
+          </a:lstStyle>
+          <a:p>
+            <a:endParaRPr lang="en-US" altLang="en-US"/>
           </a:p>
         </p:txBody>
       </p:sp>
@@ -2003,7 +2045,7 @@
           <p:cNvPr id="5" name="Slide Number Placeholder 4">
             <a:extLst>
               <a:ext uri="{FF2B5EF4-FFF2-40B4-BE49-F238E27FC236}">
-                <a16:creationId xmlns:a16="http://schemas.microsoft.com/office/drawing/2014/main" id="{DFF9F1A8-C7D9-4DB3-8002-89DA7721EA29}"/>
+                <a16:creationId xmlns:a16="http://schemas.microsoft.com/office/drawing/2014/main" id="{5F0D5148-3F8F-464B-A3E1-5F680B454153}"/>
               </a:ext>
             </a:extLst>
           </p:cNvPr>
@@ -2017,20 +2059,25 @@
         <p:spPr/>
         <p:txBody>
           <a:bodyPr/>
-          <a:lstStyle/>
-          <a:p>
-            <a:fld id="{5D6CB287-ABC3-4AFB-BA60-8084A7703696}" type="slidenum">
-              <a:rPr lang="en-US" smtClean="0"/>
+          <a:lstStyle>
+            <a:lvl1pPr>
+              <a:defRPr/>
+            </a:lvl1pPr>
+          </a:lstStyle>
+          <a:p>
+            <a:fld id="{C49BD403-5F74-427A-8423-78614D45D9C1}" type="slidenum">
+              <a:rPr lang="en-US" altLang="en-US"/>
+              <a:pPr/>
               <a:t>‹#›</a:t>
             </a:fld>
-            <a:endParaRPr lang="en-US"/>
+            <a:endParaRPr lang="en-US" altLang="en-US"/>
           </a:p>
         </p:txBody>
       </p:sp>
     </p:spTree>
     <p:extLst>
       <p:ext uri="{BB962C8B-B14F-4D97-AF65-F5344CB8AC3E}">
-        <p14:creationId xmlns:p14="http://schemas.microsoft.com/office/powerpoint/2010/main" val="1700248591"/>
+        <p14:creationId xmlns:p14="http://schemas.microsoft.com/office/powerpoint/2010/main" val="129020842"/>
       </p:ext>
     </p:extLst>
   </p:cSld>
@@ -2062,7 +2109,7 @@
           <p:cNvPr id="2" name="Date Placeholder 1">
             <a:extLst>
               <a:ext uri="{FF2B5EF4-FFF2-40B4-BE49-F238E27FC236}">
-                <a16:creationId xmlns:a16="http://schemas.microsoft.com/office/drawing/2014/main" id="{CB8BB2A2-B4E8-4642-97BB-7A471CA6C3B1}"/>
+                <a16:creationId xmlns:a16="http://schemas.microsoft.com/office/drawing/2014/main" id="{B70D4DB3-3677-453C-AD63-255313C4E429}"/>
               </a:ext>
             </a:extLst>
           </p:cNvPr>
@@ -2076,13 +2123,13 @@
         <p:spPr/>
         <p:txBody>
           <a:bodyPr/>
-          <a:lstStyle/>
-          <a:p>
-            <a:fld id="{6097E298-8A86-4C53-B589-05F1F87826B8}" type="datetimeFigureOut">
-              <a:rPr lang="en-US" smtClean="0"/>
-              <a:t>4/6/2022</a:t>
-            </a:fld>
-            <a:endParaRPr lang="en-US"/>
+          <a:lstStyle>
+            <a:lvl1pPr>
+              <a:defRPr/>
+            </a:lvl1pPr>
+          </a:lstStyle>
+          <a:p>
+            <a:endParaRPr lang="en-US" altLang="en-US"/>
           </a:p>
         </p:txBody>
       </p:sp>
@@ -2091,7 +2138,7 @@
           <p:cNvPr id="3" name="Footer Placeholder 2">
             <a:extLst>
               <a:ext uri="{FF2B5EF4-FFF2-40B4-BE49-F238E27FC236}">
-                <a16:creationId xmlns:a16="http://schemas.microsoft.com/office/drawing/2014/main" id="{3E2B9DA8-3131-4431-9AD6-046C7271CE36}"/>
+                <a16:creationId xmlns:a16="http://schemas.microsoft.com/office/drawing/2014/main" id="{991E578C-2E20-4473-943A-093C5C3141E8}"/>
               </a:ext>
             </a:extLst>
           </p:cNvPr>
@@ -2105,9 +2152,13 @@
         <p:spPr/>
         <p:txBody>
           <a:bodyPr/>
-          <a:lstStyle/>
-          <a:p>
-            <a:endParaRPr lang="en-US"/>
+          <a:lstStyle>
+            <a:lvl1pPr>
+              <a:defRPr/>
+            </a:lvl1pPr>
+          </a:lstStyle>
+          <a:p>
+            <a:endParaRPr lang="en-US" altLang="en-US"/>
           </a:p>
         </p:txBody>
       </p:sp>
@@ -2116,7 +2167,7 @@
           <p:cNvPr id="4" name="Slide Number Placeholder 3">
             <a:extLst>
               <a:ext uri="{FF2B5EF4-FFF2-40B4-BE49-F238E27FC236}">
-                <a16:creationId xmlns:a16="http://schemas.microsoft.com/office/drawing/2014/main" id="{CE34BCB0-9BA0-482E-9B76-A84A5CDB645F}"/>
+                <a16:creationId xmlns:a16="http://schemas.microsoft.com/office/drawing/2014/main" id="{FA3681F5-37CC-4FFE-98C1-BDE69E1382C8}"/>
               </a:ext>
             </a:extLst>
           </p:cNvPr>
@@ -2130,20 +2181,25 @@
         <p:spPr/>
         <p:txBody>
           <a:bodyPr/>
-          <a:lstStyle/>
-          <a:p>
-            <a:fld id="{5D6CB287-ABC3-4AFB-BA60-8084A7703696}" type="slidenum">
-              <a:rPr lang="en-US" smtClean="0"/>
+          <a:lstStyle>
+            <a:lvl1pPr>
+              <a:defRPr/>
+            </a:lvl1pPr>
+          </a:lstStyle>
+          <a:p>
+            <a:fld id="{A8445B6F-8FF7-4085-BE97-4B03885D15AA}" type="slidenum">
+              <a:rPr lang="en-US" altLang="en-US"/>
+              <a:pPr/>
               <a:t>‹#›</a:t>
             </a:fld>
-            <a:endParaRPr lang="en-US"/>
+            <a:endParaRPr lang="en-US" altLang="en-US"/>
           </a:p>
         </p:txBody>
       </p:sp>
     </p:spTree>
     <p:extLst>
       <p:ext uri="{BB962C8B-B14F-4D97-AF65-F5344CB8AC3E}">
-        <p14:creationId xmlns:p14="http://schemas.microsoft.com/office/powerpoint/2010/main" val="2493601029"/>
+        <p14:creationId xmlns:p14="http://schemas.microsoft.com/office/powerpoint/2010/main" val="3035274606"/>
       </p:ext>
     </p:extLst>
   </p:cSld>
@@ -2175,7 +2231,7 @@
           <p:cNvPr id="2" name="Title 1">
             <a:extLst>
               <a:ext uri="{FF2B5EF4-FFF2-40B4-BE49-F238E27FC236}">
-                <a16:creationId xmlns:a16="http://schemas.microsoft.com/office/drawing/2014/main" id="{1EB34426-8E34-4C14-80AB-82764A2C4751}"/>
+                <a16:creationId xmlns:a16="http://schemas.microsoft.com/office/drawing/2014/main" id="{27E10611-3704-4861-BD88-F503F43FAF86}"/>
               </a:ext>
             </a:extLst>
           </p:cNvPr>
@@ -2188,8 +2244,8 @@
         </p:nvSpPr>
         <p:spPr>
           <a:xfrm>
-            <a:off x="839788" y="457200"/>
-            <a:ext cx="3932237" cy="1600200"/>
+            <a:off x="630238" y="457200"/>
+            <a:ext cx="2949575" cy="1600200"/>
           </a:xfrm>
         </p:spPr>
         <p:txBody>
@@ -2212,7 +2268,7 @@
           <p:cNvPr id="3" name="Content Placeholder 2">
             <a:extLst>
               <a:ext uri="{FF2B5EF4-FFF2-40B4-BE49-F238E27FC236}">
-                <a16:creationId xmlns:a16="http://schemas.microsoft.com/office/drawing/2014/main" id="{F4BF0EB5-30DC-45DD-BDA2-D23C47C1C69C}"/>
+                <a16:creationId xmlns:a16="http://schemas.microsoft.com/office/drawing/2014/main" id="{B9DB25AB-F178-4E56-A78A-D3E5D8B2D9E0}"/>
               </a:ext>
             </a:extLst>
           </p:cNvPr>
@@ -2225,8 +2281,8 @@
         </p:nvSpPr>
         <p:spPr>
           <a:xfrm>
-            <a:off x="5183188" y="987425"/>
-            <a:ext cx="6172200" cy="4873625"/>
+            <a:off x="3887788" y="987425"/>
+            <a:ext cx="4629150" cy="4873625"/>
           </a:xfrm>
         </p:spPr>
         <p:txBody>
@@ -2264,7 +2320,7 @@
             <a:pPr lvl="0"/>
             <a:r>
               <a:rPr lang="en-US"/>
-              <a:t>Click to edit Master text styles</a:t>
+              <a:t>Edit Master text styles</a:t>
             </a:r>
           </a:p>
           <a:p>
@@ -2302,7 +2358,7 @@
           <p:cNvPr id="4" name="Text Placeholder 3">
             <a:extLst>
               <a:ext uri="{FF2B5EF4-FFF2-40B4-BE49-F238E27FC236}">
-                <a16:creationId xmlns:a16="http://schemas.microsoft.com/office/drawing/2014/main" id="{C7DBDA6F-727D-49B3-B81F-8636DFC003A5}"/>
+                <a16:creationId xmlns:a16="http://schemas.microsoft.com/office/drawing/2014/main" id="{2D8C3404-B5CD-41A1-BD0C-CEB1CDB87330}"/>
               </a:ext>
             </a:extLst>
           </p:cNvPr>
@@ -2315,8 +2371,8 @@
         </p:nvSpPr>
         <p:spPr>
           <a:xfrm>
-            <a:off x="839788" y="2057400"/>
-            <a:ext cx="3932237" cy="3811588"/>
+            <a:off x="630238" y="2057400"/>
+            <a:ext cx="2949575" cy="3811588"/>
           </a:xfrm>
         </p:spPr>
         <p:txBody>
@@ -2363,7 +2419,7 @@
             <a:pPr lvl="0"/>
             <a:r>
               <a:rPr lang="en-US"/>
-              <a:t>Click to edit Master text styles</a:t>
+              <a:t>Edit Master text styles</a:t>
             </a:r>
           </a:p>
         </p:txBody>
@@ -2373,7 +2429,7 @@
           <p:cNvPr id="5" name="Date Placeholder 4">
             <a:extLst>
               <a:ext uri="{FF2B5EF4-FFF2-40B4-BE49-F238E27FC236}">
-                <a16:creationId xmlns:a16="http://schemas.microsoft.com/office/drawing/2014/main" id="{7A77CC5D-BCD6-4BE9-AFE3-CAC5F8A8A8EF}"/>
+                <a16:creationId xmlns:a16="http://schemas.microsoft.com/office/drawing/2014/main" id="{18903B3B-2157-4986-A6D1-D21E38C81562}"/>
               </a:ext>
             </a:extLst>
           </p:cNvPr>
@@ -2387,13 +2443,13 @@
         <p:spPr/>
         <p:txBody>
           <a:bodyPr/>
-          <a:lstStyle/>
-          <a:p>
-            <a:fld id="{6097E298-8A86-4C53-B589-05F1F87826B8}" type="datetimeFigureOut">
-              <a:rPr lang="en-US" smtClean="0"/>
-              <a:t>4/6/2022</a:t>
-            </a:fld>
-            <a:endParaRPr lang="en-US"/>
+          <a:lstStyle>
+            <a:lvl1pPr>
+              <a:defRPr/>
+            </a:lvl1pPr>
+          </a:lstStyle>
+          <a:p>
+            <a:endParaRPr lang="en-US" altLang="en-US"/>
           </a:p>
         </p:txBody>
       </p:sp>
@@ -2402,7 +2458,7 @@
           <p:cNvPr id="6" name="Footer Placeholder 5">
             <a:extLst>
               <a:ext uri="{FF2B5EF4-FFF2-40B4-BE49-F238E27FC236}">
-                <a16:creationId xmlns:a16="http://schemas.microsoft.com/office/drawing/2014/main" id="{48D55D8A-BE1E-430D-A262-2F947D9D8F0D}"/>
+                <a16:creationId xmlns:a16="http://schemas.microsoft.com/office/drawing/2014/main" id="{9A6720C0-253D-4EFB-8A0E-096A4FC7527B}"/>
               </a:ext>
             </a:extLst>
           </p:cNvPr>
@@ -2416,9 +2472,13 @@
         <p:spPr/>
         <p:txBody>
           <a:bodyPr/>
-          <a:lstStyle/>
-          <a:p>
-            <a:endParaRPr lang="en-US"/>
+          <a:lstStyle>
+            <a:lvl1pPr>
+              <a:defRPr/>
+            </a:lvl1pPr>
+          </a:lstStyle>
+          <a:p>
+            <a:endParaRPr lang="en-US" altLang="en-US"/>
           </a:p>
         </p:txBody>
       </p:sp>
@@ -2427,7 +2487,7 @@
           <p:cNvPr id="7" name="Slide Number Placeholder 6">
             <a:extLst>
               <a:ext uri="{FF2B5EF4-FFF2-40B4-BE49-F238E27FC236}">
-                <a16:creationId xmlns:a16="http://schemas.microsoft.com/office/drawing/2014/main" id="{35F726A0-A9E8-4BC5-87CC-59D76AB3DD59}"/>
+                <a16:creationId xmlns:a16="http://schemas.microsoft.com/office/drawing/2014/main" id="{7B78D71A-2EC3-4B1C-AE98-CEF4BA88B48C}"/>
               </a:ext>
             </a:extLst>
           </p:cNvPr>
@@ -2441,20 +2501,25 @@
         <p:spPr/>
         <p:txBody>
           <a:bodyPr/>
-          <a:lstStyle/>
-          <a:p>
-            <a:fld id="{5D6CB287-ABC3-4AFB-BA60-8084A7703696}" type="slidenum">
-              <a:rPr lang="en-US" smtClean="0"/>
+          <a:lstStyle>
+            <a:lvl1pPr>
+              <a:defRPr/>
+            </a:lvl1pPr>
+          </a:lstStyle>
+          <a:p>
+            <a:fld id="{75A644C7-8C57-4BC2-BD31-5EE7CB8540FD}" type="slidenum">
+              <a:rPr lang="en-US" altLang="en-US"/>
+              <a:pPr/>
               <a:t>‹#›</a:t>
             </a:fld>
-            <a:endParaRPr lang="en-US"/>
+            <a:endParaRPr lang="en-US" altLang="en-US"/>
           </a:p>
         </p:txBody>
       </p:sp>
     </p:spTree>
     <p:extLst>
       <p:ext uri="{BB962C8B-B14F-4D97-AF65-F5344CB8AC3E}">
-        <p14:creationId xmlns:p14="http://schemas.microsoft.com/office/powerpoint/2010/main" val="2310275806"/>
+        <p14:creationId xmlns:p14="http://schemas.microsoft.com/office/powerpoint/2010/main" val="2324875350"/>
       </p:ext>
     </p:extLst>
   </p:cSld>
@@ -2486,7 +2551,7 @@
           <p:cNvPr id="2" name="Title 1">
             <a:extLst>
               <a:ext uri="{FF2B5EF4-FFF2-40B4-BE49-F238E27FC236}">
-                <a16:creationId xmlns:a16="http://schemas.microsoft.com/office/drawing/2014/main" id="{F7FC2A5C-A0A8-4232-8C89-5855C1959166}"/>
+                <a16:creationId xmlns:a16="http://schemas.microsoft.com/office/drawing/2014/main" id="{42B4A99F-9EE0-4942-BCEE-A1E732C0F4E1}"/>
               </a:ext>
             </a:extLst>
           </p:cNvPr>
@@ -2499,8 +2564,8 @@
         </p:nvSpPr>
         <p:spPr>
           <a:xfrm>
-            <a:off x="839788" y="457200"/>
-            <a:ext cx="3932237" cy="1600200"/>
+            <a:off x="630238" y="457200"/>
+            <a:ext cx="2949575" cy="1600200"/>
           </a:xfrm>
         </p:spPr>
         <p:txBody>
@@ -2523,7 +2588,7 @@
           <p:cNvPr id="3" name="Picture Placeholder 2">
             <a:extLst>
               <a:ext uri="{FF2B5EF4-FFF2-40B4-BE49-F238E27FC236}">
-                <a16:creationId xmlns:a16="http://schemas.microsoft.com/office/drawing/2014/main" id="{7F36DD22-054D-4F1C-AE1E-ED6DC674CBDC}"/>
+                <a16:creationId xmlns:a16="http://schemas.microsoft.com/office/drawing/2014/main" id="{4BA78B66-2785-4358-A99C-30D13EE9AD34}"/>
               </a:ext>
             </a:extLst>
           </p:cNvPr>
@@ -2536,8 +2601,8 @@
         </p:nvSpPr>
         <p:spPr>
           <a:xfrm>
-            <a:off x="5183188" y="987425"/>
-            <a:ext cx="6172200" cy="4873625"/>
+            <a:off x="3887788" y="987425"/>
+            <a:ext cx="4629150" cy="4873625"/>
           </a:xfrm>
         </p:spPr>
         <p:txBody>
@@ -2581,10 +2646,7 @@
             </a:lvl9pPr>
           </a:lstStyle>
           <a:p>
-            <a:r>
-              <a:rPr lang="en-US"/>
-              <a:t>Click icon to add picture</a:t>
-            </a:r>
+            <a:endParaRPr lang="en-US"/>
           </a:p>
         </p:txBody>
       </p:sp>
@@ -2593,7 +2655,7 @@
           <p:cNvPr id="4" name="Text Placeholder 3">
             <a:extLst>
               <a:ext uri="{FF2B5EF4-FFF2-40B4-BE49-F238E27FC236}">
-                <a16:creationId xmlns:a16="http://schemas.microsoft.com/office/drawing/2014/main" id="{2C3C262F-3EEA-4110-8D8B-E2336795EB40}"/>
+                <a16:creationId xmlns:a16="http://schemas.microsoft.com/office/drawing/2014/main" id="{AA38E7B7-693B-436C-ACFB-D578D6C8538B}"/>
               </a:ext>
             </a:extLst>
           </p:cNvPr>
@@ -2606,8 +2668,8 @@
         </p:nvSpPr>
         <p:spPr>
           <a:xfrm>
-            <a:off x="839788" y="2057400"/>
-            <a:ext cx="3932237" cy="3811588"/>
+            <a:off x="630238" y="2057400"/>
+            <a:ext cx="2949575" cy="3811588"/>
           </a:xfrm>
         </p:spPr>
         <p:txBody>
@@ -2654,7 +2716,7 @@
             <a:pPr lvl="0"/>
             <a:r>
               <a:rPr lang="en-US"/>
-              <a:t>Click to edit Master text styles</a:t>
+              <a:t>Edit Master text styles</a:t>
             </a:r>
           </a:p>
         </p:txBody>
@@ -2664,7 +2726,7 @@
           <p:cNvPr id="5" name="Date Placeholder 4">
             <a:extLst>
               <a:ext uri="{FF2B5EF4-FFF2-40B4-BE49-F238E27FC236}">
-                <a16:creationId xmlns:a16="http://schemas.microsoft.com/office/drawing/2014/main" id="{F63B6D21-4CDA-4224-94A9-9E6069918E6B}"/>
+                <a16:creationId xmlns:a16="http://schemas.microsoft.com/office/drawing/2014/main" id="{1D59676D-A17F-46ED-B322-996E92CC669D}"/>
               </a:ext>
             </a:extLst>
           </p:cNvPr>
@@ -2678,13 +2740,13 @@
         <p:spPr/>
         <p:txBody>
           <a:bodyPr/>
-          <a:lstStyle/>
-          <a:p>
-            <a:fld id="{6097E298-8A86-4C53-B589-05F1F87826B8}" type="datetimeFigureOut">
-              <a:rPr lang="en-US" smtClean="0"/>
-              <a:t>4/6/2022</a:t>
-            </a:fld>
-            <a:endParaRPr lang="en-US"/>
+          <a:lstStyle>
+            <a:lvl1pPr>
+              <a:defRPr/>
+            </a:lvl1pPr>
+          </a:lstStyle>
+          <a:p>
+            <a:endParaRPr lang="en-US" altLang="en-US"/>
           </a:p>
         </p:txBody>
       </p:sp>
@@ -2693,7 +2755,7 @@
           <p:cNvPr id="6" name="Footer Placeholder 5">
             <a:extLst>
               <a:ext uri="{FF2B5EF4-FFF2-40B4-BE49-F238E27FC236}">
-                <a16:creationId xmlns:a16="http://schemas.microsoft.com/office/drawing/2014/main" id="{9423464E-7978-452A-AC62-5C2A36C24097}"/>
+                <a16:creationId xmlns:a16="http://schemas.microsoft.com/office/drawing/2014/main" id="{6398B656-A461-4B3F-8ECD-A1C58EEC5D5D}"/>
               </a:ext>
             </a:extLst>
           </p:cNvPr>
@@ -2707,9 +2769,13 @@
         <p:spPr/>
         <p:txBody>
           <a:bodyPr/>
-          <a:lstStyle/>
-          <a:p>
-            <a:endParaRPr lang="en-US"/>
+          <a:lstStyle>
+            <a:lvl1pPr>
+              <a:defRPr/>
+            </a:lvl1pPr>
+          </a:lstStyle>
+          <a:p>
+            <a:endParaRPr lang="en-US" altLang="en-US"/>
           </a:p>
         </p:txBody>
       </p:sp>
@@ -2718,7 +2784,7 @@
           <p:cNvPr id="7" name="Slide Number Placeholder 6">
             <a:extLst>
               <a:ext uri="{FF2B5EF4-FFF2-40B4-BE49-F238E27FC236}">
-                <a16:creationId xmlns:a16="http://schemas.microsoft.com/office/drawing/2014/main" id="{2AACFC26-0EC0-4D9D-870D-8769AB16D524}"/>
+                <a16:creationId xmlns:a16="http://schemas.microsoft.com/office/drawing/2014/main" id="{F705B36D-F955-462B-899C-F46A6F9E5B53}"/>
               </a:ext>
             </a:extLst>
           </p:cNvPr>
@@ -2732,20 +2798,25 @@
         <p:spPr/>
         <p:txBody>
           <a:bodyPr/>
-          <a:lstStyle/>
-          <a:p>
-            <a:fld id="{5D6CB287-ABC3-4AFB-BA60-8084A7703696}" type="slidenum">
-              <a:rPr lang="en-US" smtClean="0"/>
+          <a:lstStyle>
+            <a:lvl1pPr>
+              <a:defRPr/>
+            </a:lvl1pPr>
+          </a:lstStyle>
+          <a:p>
+            <a:fld id="{2B64E658-6E24-430E-B2BE-9BADE501346F}" type="slidenum">
+              <a:rPr lang="en-US" altLang="en-US"/>
+              <a:pPr/>
               <a:t>‹#›</a:t>
             </a:fld>
-            <a:endParaRPr lang="en-US"/>
+            <a:endParaRPr lang="en-US" altLang="en-US"/>
           </a:p>
         </p:txBody>
       </p:sp>
     </p:spTree>
     <p:extLst>
       <p:ext uri="{BB962C8B-B14F-4D97-AF65-F5344CB8AC3E}">
-        <p14:creationId xmlns:p14="http://schemas.microsoft.com/office/powerpoint/2010/main" val="3367250211"/>
+        <p14:creationId xmlns:p14="http://schemas.microsoft.com/office/powerpoint/2010/main" val="1459652453"/>
       </p:ext>
     </p:extLst>
   </p:cSld>
@@ -2759,9 +2830,16 @@
 <p:sldMaster xmlns:a="http://schemas.openxmlformats.org/drawingml/2006/main" xmlns:r="http://schemas.openxmlformats.org/officeDocument/2006/relationships" xmlns:p="http://schemas.openxmlformats.org/presentationml/2006/main">
   <p:cSld>
     <p:bg>
-      <p:bgRef idx="1001">
-        <a:schemeClr val="bg1"/>
-      </p:bgRef>
+      <p:bgPr>
+        <a:blipFill dpi="0" rotWithShape="0">
+          <a:blip r:embed="rId13"/>
+          <a:srcRect/>
+          <a:stretch>
+            <a:fillRect/>
+          </a:stretch>
+        </a:blipFill>
+        <a:effectLst/>
+      </p:bgPr>
     </p:bg>
     <p:spTree>
       <p:nvGrpSpPr>
@@ -2779,37 +2857,73 @@
       </p:grpSpPr>
       <p:sp>
         <p:nvSpPr>
-          <p:cNvPr id="2" name="Title Placeholder 1">
+          <p:cNvPr id="1026" name="Rectangle 2">
             <a:extLst>
               <a:ext uri="{FF2B5EF4-FFF2-40B4-BE49-F238E27FC236}">
-                <a16:creationId xmlns:a16="http://schemas.microsoft.com/office/drawing/2014/main" id="{02F4E602-E74F-4074-B05B-19CA864F981F}"/>
+                <a16:creationId xmlns:a16="http://schemas.microsoft.com/office/drawing/2014/main" id="{01405D41-0CC5-41DF-A29F-0509945FC107}"/>
               </a:ext>
             </a:extLst>
           </p:cNvPr>
           <p:cNvSpPr>
-            <a:spLocks noGrp="1"/>
+            <a:spLocks noGrp="1" noChangeArrowheads="1"/>
           </p:cNvSpPr>
           <p:nvPr>
             <p:ph type="title"/>
           </p:nvPr>
         </p:nvSpPr>
-        <p:spPr>
+        <p:spPr bwMode="auto">
           <a:xfrm>
-            <a:off x="838200" y="365125"/>
-            <a:ext cx="10515600" cy="1325563"/>
+            <a:off x="1752600" y="282575"/>
+            <a:ext cx="7086600" cy="944563"/>
           </a:xfrm>
           <a:prstGeom prst="rect">
             <a:avLst/>
           </a:prstGeom>
+          <a:noFill/>
+          <a:ln>
+            <a:noFill/>
+          </a:ln>
+          <a:effectLst/>
+          <a:extLst>
+            <a:ext uri="{909E8E84-426E-40DD-AFC4-6F175D3DCCD1}">
+              <a14:hiddenFill xmlns:a14="http://schemas.microsoft.com/office/drawing/2010/main">
+                <a:solidFill>
+                  <a:schemeClr val="accent1"/>
+                </a:solidFill>
+              </a14:hiddenFill>
+            </a:ext>
+            <a:ext uri="{91240B29-F687-4F45-9708-019B960494DF}">
+              <a14:hiddenLine xmlns:a14="http://schemas.microsoft.com/office/drawing/2010/main" w="9525">
+                <a:solidFill>
+                  <a:schemeClr val="tx1"/>
+                </a:solidFill>
+                <a:miter lim="800000"/>
+                <a:headEnd/>
+                <a:tailEnd/>
+              </a14:hiddenLine>
+            </a:ext>
+            <a:ext uri="{AF507438-7753-43E0-B8FC-AC1667EBCBE1}">
+              <a14:hiddenEffects xmlns:a14="http://schemas.microsoft.com/office/drawing/2010/main">
+                <a:effectLst>
+                  <a:outerShdw dist="35921" dir="2700000" algn="ctr" rotWithShape="0">
+                    <a:schemeClr val="bg2"/>
+                  </a:outerShdw>
+                </a:effectLst>
+              </a14:hiddenEffects>
+            </a:ext>
+          </a:extLst>
         </p:spPr>
         <p:txBody>
-          <a:bodyPr vert="horz" lIns="91440" tIns="45720" rIns="91440" bIns="45720" rtlCol="0" anchor="ctr">
-            <a:normAutofit/>
+          <a:bodyPr vert="horz" wrap="square" lIns="91440" tIns="45720" rIns="91440" bIns="45720" numCol="1" anchor="ctr" anchorCtr="0" compatLnSpc="1">
+            <a:prstTxWarp prst="textNoShape">
+              <a:avLst/>
+            </a:prstTxWarp>
           </a:bodyPr>
           <a:lstStyle/>
           <a:p>
-            <a:r>
-              <a:rPr lang="en-US"/>
+            <a:pPr lvl="0"/>
+            <a:r>
+              <a:rPr lang="en-US" altLang="en-US"/>
               <a:t>Click to edit Master title style</a:t>
             </a:r>
           </a:p>
@@ -2817,66 +2931,101 @@
       </p:sp>
       <p:sp>
         <p:nvSpPr>
-          <p:cNvPr id="3" name="Text Placeholder 2">
+          <p:cNvPr id="1027" name="Rectangle 3">
             <a:extLst>
               <a:ext uri="{FF2B5EF4-FFF2-40B4-BE49-F238E27FC236}">
-                <a16:creationId xmlns:a16="http://schemas.microsoft.com/office/drawing/2014/main" id="{426547ED-A8BC-4CD2-A784-0CAFF3D0CD85}"/>
+                <a16:creationId xmlns:a16="http://schemas.microsoft.com/office/drawing/2014/main" id="{8E07D3DA-2B85-42CC-8062-8B65F67586B0}"/>
               </a:ext>
             </a:extLst>
           </p:cNvPr>
           <p:cNvSpPr>
-            <a:spLocks noGrp="1"/>
+            <a:spLocks noGrp="1" noChangeArrowheads="1"/>
           </p:cNvSpPr>
           <p:nvPr>
             <p:ph type="body" idx="1"/>
           </p:nvPr>
         </p:nvSpPr>
-        <p:spPr>
+        <p:spPr bwMode="auto">
           <a:xfrm>
-            <a:off x="838200" y="1825625"/>
-            <a:ext cx="10515600" cy="4351338"/>
+            <a:off x="609600" y="1633538"/>
+            <a:ext cx="8229600" cy="4691062"/>
           </a:xfrm>
           <a:prstGeom prst="rect">
             <a:avLst/>
           </a:prstGeom>
+          <a:noFill/>
+          <a:ln>
+            <a:noFill/>
+          </a:ln>
+          <a:effectLst/>
+          <a:extLst>
+            <a:ext uri="{909E8E84-426E-40DD-AFC4-6F175D3DCCD1}">
+              <a14:hiddenFill xmlns:a14="http://schemas.microsoft.com/office/drawing/2010/main">
+                <a:solidFill>
+                  <a:schemeClr val="accent1"/>
+                </a:solidFill>
+              </a14:hiddenFill>
+            </a:ext>
+            <a:ext uri="{91240B29-F687-4F45-9708-019B960494DF}">
+              <a14:hiddenLine xmlns:a14="http://schemas.microsoft.com/office/drawing/2010/main" w="9525">
+                <a:solidFill>
+                  <a:schemeClr val="tx1"/>
+                </a:solidFill>
+                <a:miter lim="800000"/>
+                <a:headEnd/>
+                <a:tailEnd/>
+              </a14:hiddenLine>
+            </a:ext>
+            <a:ext uri="{AF507438-7753-43E0-B8FC-AC1667EBCBE1}">
+              <a14:hiddenEffects xmlns:a14="http://schemas.microsoft.com/office/drawing/2010/main">
+                <a:effectLst>
+                  <a:outerShdw dist="35921" dir="2700000" algn="ctr" rotWithShape="0">
+                    <a:schemeClr val="bg2"/>
+                  </a:outerShdw>
+                </a:effectLst>
+              </a14:hiddenEffects>
+            </a:ext>
+          </a:extLst>
         </p:spPr>
         <p:txBody>
-          <a:bodyPr vert="horz" lIns="91440" tIns="45720" rIns="91440" bIns="45720" rtlCol="0">
-            <a:normAutofit/>
+          <a:bodyPr vert="horz" wrap="square" lIns="91440" tIns="45720" rIns="91440" bIns="45720" numCol="1" anchor="t" anchorCtr="0" compatLnSpc="1">
+            <a:prstTxWarp prst="textNoShape">
+              <a:avLst/>
+            </a:prstTxWarp>
           </a:bodyPr>
           <a:lstStyle/>
           <a:p>
             <a:pPr lvl="0"/>
             <a:r>
-              <a:rPr lang="en-US"/>
+              <a:rPr lang="en-US" altLang="en-US"/>
               <a:t>Click to edit Master text styles</a:t>
             </a:r>
           </a:p>
           <a:p>
             <a:pPr lvl="1"/>
             <a:r>
-              <a:rPr lang="en-US"/>
+              <a:rPr lang="en-US" altLang="en-US"/>
               <a:t>Second level</a:t>
             </a:r>
           </a:p>
           <a:p>
             <a:pPr lvl="2"/>
             <a:r>
-              <a:rPr lang="en-US"/>
+              <a:rPr lang="en-US" altLang="en-US"/>
               <a:t>Third level</a:t>
             </a:r>
           </a:p>
           <a:p>
             <a:pPr lvl="3"/>
             <a:r>
-              <a:rPr lang="en-US"/>
+              <a:rPr lang="en-US" altLang="en-US"/>
               <a:t>Fourth level</a:t>
             </a:r>
           </a:p>
           <a:p>
             <a:pPr lvl="4"/>
             <a:r>
-              <a:rPr lang="en-US"/>
+              <a:rPr lang="en-US" altLang="en-US"/>
               <a:t>Fifth level</a:t>
             </a:r>
           </a:p>
@@ -2884,147 +3033,232 @@
       </p:sp>
       <p:sp>
         <p:nvSpPr>
-          <p:cNvPr id="4" name="Date Placeholder 3">
+          <p:cNvPr id="1028" name="Rectangle 4">
             <a:extLst>
               <a:ext uri="{FF2B5EF4-FFF2-40B4-BE49-F238E27FC236}">
-                <a16:creationId xmlns:a16="http://schemas.microsoft.com/office/drawing/2014/main" id="{1160F318-C653-47DC-8FDE-71935EC584F2}"/>
+                <a16:creationId xmlns:a16="http://schemas.microsoft.com/office/drawing/2014/main" id="{E07E20C1-4C65-4624-AA2D-747E84F1D3CB}"/>
               </a:ext>
             </a:extLst>
           </p:cNvPr>
           <p:cNvSpPr>
-            <a:spLocks noGrp="1"/>
+            <a:spLocks noGrp="1" noChangeArrowheads="1"/>
           </p:cNvSpPr>
           <p:nvPr>
             <p:ph type="dt" sz="half" idx="2"/>
           </p:nvPr>
         </p:nvSpPr>
-        <p:spPr>
+        <p:spPr bwMode="auto">
           <a:xfrm>
-            <a:off x="838200" y="6356350"/>
-            <a:ext cx="2743200" cy="365125"/>
+            <a:off x="609600" y="6278563"/>
+            <a:ext cx="1981200" cy="476250"/>
           </a:xfrm>
           <a:prstGeom prst="rect">
             <a:avLst/>
           </a:prstGeom>
+          <a:noFill/>
+          <a:ln>
+            <a:noFill/>
+          </a:ln>
+          <a:effectLst/>
+          <a:extLst>
+            <a:ext uri="{909E8E84-426E-40DD-AFC4-6F175D3DCCD1}">
+              <a14:hiddenFill xmlns:a14="http://schemas.microsoft.com/office/drawing/2010/main">
+                <a:solidFill>
+                  <a:schemeClr val="accent1"/>
+                </a:solidFill>
+              </a14:hiddenFill>
+            </a:ext>
+            <a:ext uri="{91240B29-F687-4F45-9708-019B960494DF}">
+              <a14:hiddenLine xmlns:a14="http://schemas.microsoft.com/office/drawing/2010/main" w="9525">
+                <a:solidFill>
+                  <a:schemeClr val="tx1"/>
+                </a:solidFill>
+                <a:miter lim="800000"/>
+                <a:headEnd/>
+                <a:tailEnd/>
+              </a14:hiddenLine>
+            </a:ext>
+            <a:ext uri="{AF507438-7753-43E0-B8FC-AC1667EBCBE1}">
+              <a14:hiddenEffects xmlns:a14="http://schemas.microsoft.com/office/drawing/2010/main">
+                <a:effectLst>
+                  <a:outerShdw dist="35921" dir="2700000" algn="ctr" rotWithShape="0">
+                    <a:schemeClr val="bg2"/>
+                  </a:outerShdw>
+                </a:effectLst>
+              </a14:hiddenEffects>
+            </a:ext>
+          </a:extLst>
         </p:spPr>
         <p:txBody>
-          <a:bodyPr vert="horz" lIns="91440" tIns="45720" rIns="91440" bIns="45720" rtlCol="0" anchor="ctr"/>
+          <a:bodyPr vert="horz" wrap="square" lIns="91440" tIns="45720" rIns="91440" bIns="45720" numCol="1" anchor="t" anchorCtr="0" compatLnSpc="1">
+            <a:prstTxWarp prst="textNoShape">
+              <a:avLst/>
+            </a:prstTxWarp>
+          </a:bodyPr>
           <a:lstStyle>
-            <a:lvl1pPr algn="l">
-              <a:defRPr sz="1200">
-                <a:solidFill>
-                  <a:schemeClr val="tx1">
-                    <a:tint val="75000"/>
-                  </a:schemeClr>
-                </a:solidFill>
-              </a:defRPr>
+            <a:lvl1pPr>
+              <a:defRPr sz="1400"/>
             </a:lvl1pPr>
           </a:lstStyle>
           <a:p>
-            <a:fld id="{6097E298-8A86-4C53-B589-05F1F87826B8}" type="datetimeFigureOut">
-              <a:rPr lang="en-US" smtClean="0"/>
-              <a:t>4/6/2022</a:t>
-            </a:fld>
-            <a:endParaRPr lang="en-US"/>
-          </a:p>
-        </p:txBody>
-      </p:sp>
-      <p:sp>
-        <p:nvSpPr>
-          <p:cNvPr id="5" name="Footer Placeholder 4">
+            <a:endParaRPr lang="en-US" altLang="en-US"/>
+          </a:p>
+        </p:txBody>
+      </p:sp>
+      <p:sp>
+        <p:nvSpPr>
+          <p:cNvPr id="1029" name="Rectangle 5">
             <a:extLst>
               <a:ext uri="{FF2B5EF4-FFF2-40B4-BE49-F238E27FC236}">
-                <a16:creationId xmlns:a16="http://schemas.microsoft.com/office/drawing/2014/main" id="{C7E77D47-0E5C-41D2-B499-E49B10ED70C3}"/>
+                <a16:creationId xmlns:a16="http://schemas.microsoft.com/office/drawing/2014/main" id="{DF6370B7-BED3-4B38-A932-BD0A5880CB44}"/>
               </a:ext>
             </a:extLst>
           </p:cNvPr>
           <p:cNvSpPr>
-            <a:spLocks noGrp="1"/>
+            <a:spLocks noGrp="1" noChangeArrowheads="1"/>
           </p:cNvSpPr>
           <p:nvPr>
             <p:ph type="ftr" sz="quarter" idx="3"/>
           </p:nvPr>
         </p:nvSpPr>
-        <p:spPr>
+        <p:spPr bwMode="auto">
           <a:xfrm>
-            <a:off x="4038600" y="6356350"/>
-            <a:ext cx="4114800" cy="365125"/>
+            <a:off x="2719388" y="6283325"/>
+            <a:ext cx="2895600" cy="476250"/>
           </a:xfrm>
           <a:prstGeom prst="rect">
             <a:avLst/>
           </a:prstGeom>
+          <a:noFill/>
+          <a:ln>
+            <a:noFill/>
+          </a:ln>
+          <a:effectLst/>
+          <a:extLst>
+            <a:ext uri="{909E8E84-426E-40DD-AFC4-6F175D3DCCD1}">
+              <a14:hiddenFill xmlns:a14="http://schemas.microsoft.com/office/drawing/2010/main">
+                <a:solidFill>
+                  <a:schemeClr val="accent1"/>
+                </a:solidFill>
+              </a14:hiddenFill>
+            </a:ext>
+            <a:ext uri="{91240B29-F687-4F45-9708-019B960494DF}">
+              <a14:hiddenLine xmlns:a14="http://schemas.microsoft.com/office/drawing/2010/main" w="9525">
+                <a:solidFill>
+                  <a:schemeClr val="tx1"/>
+                </a:solidFill>
+                <a:miter lim="800000"/>
+                <a:headEnd/>
+                <a:tailEnd/>
+              </a14:hiddenLine>
+            </a:ext>
+            <a:ext uri="{AF507438-7753-43E0-B8FC-AC1667EBCBE1}">
+              <a14:hiddenEffects xmlns:a14="http://schemas.microsoft.com/office/drawing/2010/main">
+                <a:effectLst>
+                  <a:outerShdw dist="35921" dir="2700000" algn="ctr" rotWithShape="0">
+                    <a:schemeClr val="bg2"/>
+                  </a:outerShdw>
+                </a:effectLst>
+              </a14:hiddenEffects>
+            </a:ext>
+          </a:extLst>
         </p:spPr>
         <p:txBody>
-          <a:bodyPr vert="horz" lIns="91440" tIns="45720" rIns="91440" bIns="45720" rtlCol="0" anchor="ctr"/>
+          <a:bodyPr vert="horz" wrap="square" lIns="91440" tIns="45720" rIns="91440" bIns="45720" numCol="1" anchor="t" anchorCtr="0" compatLnSpc="1">
+            <a:prstTxWarp prst="textNoShape">
+              <a:avLst/>
+            </a:prstTxWarp>
+          </a:bodyPr>
           <a:lstStyle>
             <a:lvl1pPr algn="ctr">
-              <a:defRPr sz="1200">
-                <a:solidFill>
-                  <a:schemeClr val="tx1">
-                    <a:tint val="75000"/>
-                  </a:schemeClr>
-                </a:solidFill>
-              </a:defRPr>
+              <a:defRPr sz="1400"/>
             </a:lvl1pPr>
           </a:lstStyle>
           <a:p>
-            <a:endParaRPr lang="en-US"/>
-          </a:p>
-        </p:txBody>
-      </p:sp>
-      <p:sp>
-        <p:nvSpPr>
-          <p:cNvPr id="6" name="Slide Number Placeholder 5">
+            <a:endParaRPr lang="en-US" altLang="en-US"/>
+          </a:p>
+        </p:txBody>
+      </p:sp>
+      <p:sp>
+        <p:nvSpPr>
+          <p:cNvPr id="1030" name="Rectangle 6">
             <a:extLst>
               <a:ext uri="{FF2B5EF4-FFF2-40B4-BE49-F238E27FC236}">
-                <a16:creationId xmlns:a16="http://schemas.microsoft.com/office/drawing/2014/main" id="{3950BA6A-E231-42B1-9F5E-8D79ED21F8CC}"/>
+                <a16:creationId xmlns:a16="http://schemas.microsoft.com/office/drawing/2014/main" id="{848F6441-6898-4A31-A185-8673B9B54ACB}"/>
               </a:ext>
             </a:extLst>
           </p:cNvPr>
           <p:cNvSpPr>
-            <a:spLocks noGrp="1"/>
+            <a:spLocks noGrp="1" noChangeArrowheads="1"/>
           </p:cNvSpPr>
           <p:nvPr>
             <p:ph type="sldNum" sz="quarter" idx="4"/>
           </p:nvPr>
         </p:nvSpPr>
-        <p:spPr>
+        <p:spPr bwMode="auto">
           <a:xfrm>
-            <a:off x="8610600" y="6356350"/>
-            <a:ext cx="2743200" cy="365125"/>
+            <a:off x="6705600" y="6226175"/>
+            <a:ext cx="2133600" cy="554038"/>
           </a:xfrm>
           <a:prstGeom prst="rect">
             <a:avLst/>
           </a:prstGeom>
+          <a:noFill/>
+          <a:ln>
+            <a:noFill/>
+          </a:ln>
+          <a:effectLst/>
+          <a:extLst>
+            <a:ext uri="{909E8E84-426E-40DD-AFC4-6F175D3DCCD1}">
+              <a14:hiddenFill xmlns:a14="http://schemas.microsoft.com/office/drawing/2010/main">
+                <a:solidFill>
+                  <a:schemeClr val="accent1"/>
+                </a:solidFill>
+              </a14:hiddenFill>
+            </a:ext>
+            <a:ext uri="{91240B29-F687-4F45-9708-019B960494DF}">
+              <a14:hiddenLine xmlns:a14="http://schemas.microsoft.com/office/drawing/2010/main" w="9525">
+                <a:solidFill>
+                  <a:schemeClr val="tx1"/>
+                </a:solidFill>
+                <a:miter lim="800000"/>
+                <a:headEnd/>
+                <a:tailEnd/>
+              </a14:hiddenLine>
+            </a:ext>
+            <a:ext uri="{AF507438-7753-43E0-B8FC-AC1667EBCBE1}">
+              <a14:hiddenEffects xmlns:a14="http://schemas.microsoft.com/office/drawing/2010/main">
+                <a:effectLst>
+                  <a:outerShdw dist="35921" dir="2700000" algn="ctr" rotWithShape="0">
+                    <a:schemeClr val="bg2"/>
+                  </a:outerShdw>
+                </a:effectLst>
+              </a14:hiddenEffects>
+            </a:ext>
+          </a:extLst>
         </p:spPr>
         <p:txBody>
-          <a:bodyPr vert="horz" lIns="91440" tIns="45720" rIns="91440" bIns="45720" rtlCol="0" anchor="ctr"/>
+          <a:bodyPr vert="horz" wrap="square" lIns="91440" tIns="45720" rIns="91440" bIns="45720" numCol="1" anchor="t" anchorCtr="0" compatLnSpc="1">
+            <a:prstTxWarp prst="textNoShape">
+              <a:avLst/>
+            </a:prstTxWarp>
+          </a:bodyPr>
           <a:lstStyle>
             <a:lvl1pPr algn="r">
-              <a:defRPr sz="1200">
-                <a:solidFill>
-                  <a:schemeClr val="tx1">
-                    <a:tint val="75000"/>
-                  </a:schemeClr>
-                </a:solidFill>
-              </a:defRPr>
+              <a:defRPr sz="1400"/>
             </a:lvl1pPr>
           </a:lstStyle>
           <a:p>
-            <a:fld id="{5D6CB287-ABC3-4AFB-BA60-8084A7703696}" type="slidenum">
-              <a:rPr lang="en-US" smtClean="0"/>
+            <a:fld id="{306FFC55-A7E0-43C6-B48A-D297196E04B7}" type="slidenum">
+              <a:rPr lang="en-US" altLang="en-US"/>
+              <a:pPr/>
               <a:t>‹#›</a:t>
             </a:fld>
-            <a:endParaRPr lang="en-US"/>
+            <a:endParaRPr lang="en-US" altLang="en-US"/>
           </a:p>
         </p:txBody>
       </p:sp>
     </p:spTree>
-    <p:extLst>
-      <p:ext uri="{BB962C8B-B14F-4D97-AF65-F5344CB8AC3E}">
-        <p14:creationId xmlns:p14="http://schemas.microsoft.com/office/powerpoint/2010/main" val="1319933709"/>
-      </p:ext>
-    </p:extLst>
   </p:cSld>
   <p:clrMap bg1="lt1" tx1="dk1" bg2="lt2" tx2="dk2" accent1="accent1" accent2="accent2" accent3="accent3" accent4="accent4" accent5="accent5" accent6="accent6" hlink="hlink" folHlink="folHlink"/>
   <p:sldLayoutIdLst>
@@ -3042,109 +3276,215 @@
   </p:sldLayoutIdLst>
   <p:txStyles>
     <p:titleStyle>
-      <a:lvl1pPr algn="l" defTabSz="914400" rtl="0" eaLnBrk="1" latinLnBrk="0" hangingPunct="1">
-        <a:lnSpc>
-          <a:spcPct val="90000"/>
-        </a:lnSpc>
+      <a:lvl1pPr algn="l" rtl="0" fontAlgn="base">
         <a:spcBef>
           <a:spcPct val="0"/>
         </a:spcBef>
-        <a:buNone/>
-        <a:defRPr sz="4400" kern="1200">
+        <a:spcAft>
+          <a:spcPct val="0"/>
+        </a:spcAft>
+        <a:defRPr sz="3200" b="1" kern="1200">
           <a:solidFill>
-            <a:schemeClr val="tx1"/>
+            <a:srgbClr val="996633"/>
           </a:solidFill>
           <a:latin typeface="+mj-lt"/>
           <a:ea typeface="+mj-ea"/>
           <a:cs typeface="+mj-cs"/>
         </a:defRPr>
       </a:lvl1pPr>
+      <a:lvl2pPr algn="l" rtl="0" fontAlgn="base">
+        <a:spcBef>
+          <a:spcPct val="0"/>
+        </a:spcBef>
+        <a:spcAft>
+          <a:spcPct val="0"/>
+        </a:spcAft>
+        <a:defRPr sz="3200" b="1">
+          <a:solidFill>
+            <a:srgbClr val="996633"/>
+          </a:solidFill>
+          <a:latin typeface="Arial" panose="020B0604020202020204" pitchFamily="34" charset="0"/>
+        </a:defRPr>
+      </a:lvl2pPr>
+      <a:lvl3pPr algn="l" rtl="0" fontAlgn="base">
+        <a:spcBef>
+          <a:spcPct val="0"/>
+        </a:spcBef>
+        <a:spcAft>
+          <a:spcPct val="0"/>
+        </a:spcAft>
+        <a:defRPr sz="3200" b="1">
+          <a:solidFill>
+            <a:srgbClr val="996633"/>
+          </a:solidFill>
+          <a:latin typeface="Arial" panose="020B0604020202020204" pitchFamily="34" charset="0"/>
+        </a:defRPr>
+      </a:lvl3pPr>
+      <a:lvl4pPr algn="l" rtl="0" fontAlgn="base">
+        <a:spcBef>
+          <a:spcPct val="0"/>
+        </a:spcBef>
+        <a:spcAft>
+          <a:spcPct val="0"/>
+        </a:spcAft>
+        <a:defRPr sz="3200" b="1">
+          <a:solidFill>
+            <a:srgbClr val="996633"/>
+          </a:solidFill>
+          <a:latin typeface="Arial" panose="020B0604020202020204" pitchFamily="34" charset="0"/>
+        </a:defRPr>
+      </a:lvl4pPr>
+      <a:lvl5pPr algn="l" rtl="0" fontAlgn="base">
+        <a:spcBef>
+          <a:spcPct val="0"/>
+        </a:spcBef>
+        <a:spcAft>
+          <a:spcPct val="0"/>
+        </a:spcAft>
+        <a:defRPr sz="3200" b="1">
+          <a:solidFill>
+            <a:srgbClr val="996633"/>
+          </a:solidFill>
+          <a:latin typeface="Arial" panose="020B0604020202020204" pitchFamily="34" charset="0"/>
+        </a:defRPr>
+      </a:lvl5pPr>
+      <a:lvl6pPr marL="457200" algn="l" rtl="0" fontAlgn="base">
+        <a:spcBef>
+          <a:spcPct val="0"/>
+        </a:spcBef>
+        <a:spcAft>
+          <a:spcPct val="0"/>
+        </a:spcAft>
+        <a:defRPr sz="3200" b="1">
+          <a:solidFill>
+            <a:srgbClr val="996633"/>
+          </a:solidFill>
+          <a:latin typeface="Arial" panose="020B0604020202020204" pitchFamily="34" charset="0"/>
+        </a:defRPr>
+      </a:lvl6pPr>
+      <a:lvl7pPr marL="914400" algn="l" rtl="0" fontAlgn="base">
+        <a:spcBef>
+          <a:spcPct val="0"/>
+        </a:spcBef>
+        <a:spcAft>
+          <a:spcPct val="0"/>
+        </a:spcAft>
+        <a:defRPr sz="3200" b="1">
+          <a:solidFill>
+            <a:srgbClr val="996633"/>
+          </a:solidFill>
+          <a:latin typeface="Arial" panose="020B0604020202020204" pitchFamily="34" charset="0"/>
+        </a:defRPr>
+      </a:lvl7pPr>
+      <a:lvl8pPr marL="1371600" algn="l" rtl="0" fontAlgn="base">
+        <a:spcBef>
+          <a:spcPct val="0"/>
+        </a:spcBef>
+        <a:spcAft>
+          <a:spcPct val="0"/>
+        </a:spcAft>
+        <a:defRPr sz="3200" b="1">
+          <a:solidFill>
+            <a:srgbClr val="996633"/>
+          </a:solidFill>
+          <a:latin typeface="Arial" panose="020B0604020202020204" pitchFamily="34" charset="0"/>
+        </a:defRPr>
+      </a:lvl8pPr>
+      <a:lvl9pPr marL="1828800" algn="l" rtl="0" fontAlgn="base">
+        <a:spcBef>
+          <a:spcPct val="0"/>
+        </a:spcBef>
+        <a:spcAft>
+          <a:spcPct val="0"/>
+        </a:spcAft>
+        <a:defRPr sz="3200" b="1">
+          <a:solidFill>
+            <a:srgbClr val="996633"/>
+          </a:solidFill>
+          <a:latin typeface="Arial" panose="020B0604020202020204" pitchFamily="34" charset="0"/>
+        </a:defRPr>
+      </a:lvl9pPr>
     </p:titleStyle>
     <p:bodyStyle>
-      <a:lvl1pPr marL="228600" indent="-228600" algn="l" defTabSz="914400" rtl="0" eaLnBrk="1" latinLnBrk="0" hangingPunct="1">
-        <a:lnSpc>
-          <a:spcPct val="90000"/>
-        </a:lnSpc>
+      <a:lvl1pPr marL="342900" indent="-342900" algn="l" rtl="0" fontAlgn="base">
         <a:spcBef>
-          <a:spcPts val="1000"/>
+          <a:spcPct val="20000"/>
         </a:spcBef>
-        <a:buFont typeface="Arial" panose="020B0604020202020204" pitchFamily="34" charset="0"/>
+        <a:spcAft>
+          <a:spcPct val="0"/>
+        </a:spcAft>
         <a:buChar char="•"/>
-        <a:defRPr sz="2800" kern="1200">
+        <a:defRPr sz="2900" kern="1200">
           <a:solidFill>
-            <a:schemeClr val="tx1"/>
+            <a:srgbClr val="000066"/>
           </a:solidFill>
           <a:latin typeface="+mn-lt"/>
           <a:ea typeface="+mn-ea"/>
           <a:cs typeface="+mn-cs"/>
         </a:defRPr>
       </a:lvl1pPr>
-      <a:lvl2pPr marL="685800" indent="-228600" algn="l" defTabSz="914400" rtl="0" eaLnBrk="1" latinLnBrk="0" hangingPunct="1">
-        <a:lnSpc>
-          <a:spcPct val="90000"/>
-        </a:lnSpc>
+      <a:lvl2pPr marL="742950" indent="-285750" algn="l" rtl="0" fontAlgn="base">
         <a:spcBef>
-          <a:spcPts val="500"/>
+          <a:spcPct val="20000"/>
         </a:spcBef>
-        <a:buFont typeface="Arial" panose="020B0604020202020204" pitchFamily="34" charset="0"/>
-        <a:buChar char="•"/>
-        <a:defRPr sz="2400" kern="1200">
+        <a:spcAft>
+          <a:spcPct val="0"/>
+        </a:spcAft>
+        <a:buChar char="–"/>
+        <a:defRPr sz="2600" kern="1200">
           <a:solidFill>
-            <a:schemeClr val="tx1"/>
+            <a:srgbClr val="000066"/>
           </a:solidFill>
           <a:latin typeface="+mn-lt"/>
           <a:ea typeface="+mn-ea"/>
           <a:cs typeface="+mn-cs"/>
         </a:defRPr>
       </a:lvl2pPr>
-      <a:lvl3pPr marL="1143000" indent="-228600" algn="l" defTabSz="914400" rtl="0" eaLnBrk="1" latinLnBrk="0" hangingPunct="1">
-        <a:lnSpc>
-          <a:spcPct val="90000"/>
-        </a:lnSpc>
+      <a:lvl3pPr marL="1143000" indent="-228600" algn="l" rtl="0" fontAlgn="base">
         <a:spcBef>
-          <a:spcPts val="500"/>
+          <a:spcPct val="20000"/>
         </a:spcBef>
-        <a:buFont typeface="Arial" panose="020B0604020202020204" pitchFamily="34" charset="0"/>
+        <a:spcAft>
+          <a:spcPct val="0"/>
+        </a:spcAft>
         <a:buChar char="•"/>
-        <a:defRPr sz="2000" kern="1200">
+        <a:defRPr sz="2200" kern="1200">
           <a:solidFill>
-            <a:schemeClr val="tx1"/>
+            <a:srgbClr val="000066"/>
           </a:solidFill>
           <a:latin typeface="+mn-lt"/>
           <a:ea typeface="+mn-ea"/>
           <a:cs typeface="+mn-cs"/>
         </a:defRPr>
       </a:lvl3pPr>
-      <a:lvl4pPr marL="1600200" indent="-228600" algn="l" defTabSz="914400" rtl="0" eaLnBrk="1" latinLnBrk="0" hangingPunct="1">
-        <a:lnSpc>
-          <a:spcPct val="90000"/>
-        </a:lnSpc>
+      <a:lvl4pPr marL="1600200" indent="-228600" algn="l" rtl="0" fontAlgn="base">
         <a:spcBef>
-          <a:spcPts val="500"/>
+          <a:spcPct val="20000"/>
         </a:spcBef>
-        <a:buFont typeface="Arial" panose="020B0604020202020204" pitchFamily="34" charset="0"/>
-        <a:buChar char="•"/>
-        <a:defRPr sz="1800" kern="1200">
+        <a:spcAft>
+          <a:spcPct val="0"/>
+        </a:spcAft>
+        <a:buChar char="–"/>
+        <a:defRPr kern="1200">
           <a:solidFill>
-            <a:schemeClr val="tx1"/>
+            <a:srgbClr val="000066"/>
           </a:solidFill>
           <a:latin typeface="+mn-lt"/>
           <a:ea typeface="+mn-ea"/>
           <a:cs typeface="+mn-cs"/>
         </a:defRPr>
       </a:lvl4pPr>
-      <a:lvl5pPr marL="2057400" indent="-228600" algn="l" defTabSz="914400" rtl="0" eaLnBrk="1" latinLnBrk="0" hangingPunct="1">
-        <a:lnSpc>
-          <a:spcPct val="90000"/>
-        </a:lnSpc>
+      <a:lvl5pPr marL="2057400" indent="-228600" algn="l" rtl="0" fontAlgn="base">
         <a:spcBef>
-          <a:spcPts val="500"/>
+          <a:spcPct val="20000"/>
         </a:spcBef>
-        <a:buFont typeface="Arial" panose="020B0604020202020204" pitchFamily="34" charset="0"/>
-        <a:buChar char="•"/>
-        <a:defRPr sz="1800" kern="1200">
+        <a:spcAft>
+          <a:spcPct val="0"/>
+        </a:spcAft>
+        <a:buChar char="»"/>
+        <a:defRPr kern="1200">
           <a:solidFill>
-            <a:schemeClr val="tx1"/>
+            <a:srgbClr val="000066"/>
           </a:solidFill>
           <a:latin typeface="+mn-lt"/>
           <a:ea typeface="+mn-ea"/>
@@ -3324,6 +3664,225 @@
 </file>
 
 <file path=ppt/slides/slide1.xml><?xml version="1.0" encoding="utf-8"?>
+<p:sld xmlns:a="http://schemas.openxmlformats.org/drawingml/2006/main" xmlns:r="http://schemas.openxmlformats.org/officeDocument/2006/relationships" xmlns:p="http://schemas.openxmlformats.org/presentationml/2006/main" showMasterSp="0">
+  <p:cSld>
+    <p:bg>
+      <p:bgPr>
+        <a:blipFill dpi="0" rotWithShape="0">
+          <a:blip r:embed="rId2"/>
+          <a:srcRect/>
+          <a:stretch>
+            <a:fillRect/>
+          </a:stretch>
+        </a:blipFill>
+        <a:effectLst/>
+      </p:bgPr>
+    </p:bg>
+    <p:spTree>
+      <p:nvGrpSpPr>
+        <p:cNvPr id="1" name=""/>
+        <p:cNvGrpSpPr/>
+        <p:nvPr/>
+      </p:nvGrpSpPr>
+      <p:grpSpPr>
+        <a:xfrm>
+          <a:off x="0" y="0"/>
+          <a:ext cx="0" cy="0"/>
+          <a:chOff x="0" y="0"/>
+          <a:chExt cx="0" cy="0"/>
+        </a:xfrm>
+      </p:grpSpPr>
+      <p:sp>
+        <p:nvSpPr>
+          <p:cNvPr id="2050" name="Rectangle 2">
+            <a:extLst>
+              <a:ext uri="{FF2B5EF4-FFF2-40B4-BE49-F238E27FC236}">
+                <a16:creationId xmlns:a16="http://schemas.microsoft.com/office/drawing/2014/main" id="{1CDA1651-B184-4C83-9729-35D701BE495A}"/>
+              </a:ext>
+            </a:extLst>
+          </p:cNvPr>
+          <p:cNvSpPr>
+            <a:spLocks noGrp="1" noChangeArrowheads="1"/>
+          </p:cNvSpPr>
+          <p:nvPr>
+            <p:ph type="ctrTitle"/>
+          </p:nvPr>
+        </p:nvSpPr>
+        <p:spPr>
+          <a:xfrm>
+            <a:off x="685800" y="914400"/>
+            <a:ext cx="7772400" cy="1470025"/>
+          </a:xfrm>
+        </p:spPr>
+        <p:txBody>
+          <a:bodyPr/>
+          <a:lstStyle/>
+          <a:p>
+            <a:pPr algn="ctr"/>
+            <a:r>
+              <a:rPr lang="en-US"/>
+              <a:t>BÁO CÁO HỌC PHẦN PHÁT TRIỂN ỨNG DỤNG WEB (CT449)</a:t>
+            </a:r>
+            <a:br>
+              <a:rPr lang="en-US"/>
+            </a:br>
+            <a:endParaRPr lang="en-US" altLang="en-US"/>
+          </a:p>
+        </p:txBody>
+      </p:sp>
+      <p:sp>
+        <p:nvSpPr>
+          <p:cNvPr id="2051" name="Rectangle 3">
+            <a:extLst>
+              <a:ext uri="{FF2B5EF4-FFF2-40B4-BE49-F238E27FC236}">
+                <a16:creationId xmlns:a16="http://schemas.microsoft.com/office/drawing/2014/main" id="{80E355BD-3478-446D-BADE-5B579DF2FF15}"/>
+              </a:ext>
+            </a:extLst>
+          </p:cNvPr>
+          <p:cNvSpPr>
+            <a:spLocks noGrp="1" noChangeArrowheads="1"/>
+          </p:cNvSpPr>
+          <p:nvPr>
+            <p:ph type="subTitle" idx="1"/>
+          </p:nvPr>
+        </p:nvSpPr>
+        <p:spPr>
+          <a:xfrm>
+            <a:off x="1371600" y="2286000"/>
+            <a:ext cx="6553200" cy="3962400"/>
+          </a:xfrm>
+        </p:spPr>
+        <p:txBody>
+          <a:bodyPr/>
+          <a:lstStyle/>
+          <a:p>
+            <a:r>
+              <a:rPr lang="en-US" altLang="en-US" smtClean="0"/>
+              <a:t>Đề tài: </a:t>
+            </a:r>
+            <a:r>
+              <a:rPr lang="en-US" altLang="en-US" sz="3200" b="1" smtClean="0"/>
+              <a:t>ỨNG DỤNG QUẢN LÝ HỌC TẬP</a:t>
+            </a:r>
+          </a:p>
+          <a:p>
+            <a:endParaRPr lang="en-US" altLang="en-US" sz="3200" b="1" smtClean="0"/>
+          </a:p>
+          <a:p>
+            <a:endParaRPr lang="en-US" altLang="en-US" sz="3200" b="1" smtClean="0"/>
+          </a:p>
+          <a:p>
+            <a:pPr algn="l"/>
+            <a:r>
+              <a:rPr lang="en-US" altLang="en-US" sz="2400" b="1" i="1" smtClean="0"/>
+              <a:t>Sinh viên thực hiện:</a:t>
+            </a:r>
+          </a:p>
+          <a:p>
+            <a:pPr algn="l"/>
+            <a:r>
+              <a:rPr lang="en-US" altLang="en-US" sz="2000" smtClean="0"/>
+              <a:t>Phan Thái Hiền</a:t>
+            </a:r>
+          </a:p>
+          <a:p>
+            <a:pPr algn="l"/>
+            <a:r>
+              <a:rPr lang="en-US" altLang="en-US" sz="2000" smtClean="0"/>
+              <a:t>MSSV: B1900241</a:t>
+            </a:r>
+            <a:endParaRPr lang="en-US" altLang="en-US" sz="2000" smtClean="0"/>
+          </a:p>
+        </p:txBody>
+      </p:sp>
+      <p:sp>
+        <p:nvSpPr>
+          <p:cNvPr id="2053" name="Text Box 5">
+            <a:extLst>
+              <a:ext uri="{FF2B5EF4-FFF2-40B4-BE49-F238E27FC236}">
+                <a16:creationId xmlns:a16="http://schemas.microsoft.com/office/drawing/2014/main" id="{3D1CE68C-65F7-4C8C-AB01-78D31225A9F1}"/>
+              </a:ext>
+            </a:extLst>
+          </p:cNvPr>
+          <p:cNvSpPr txBox="1">
+            <a:spLocks noChangeArrowheads="1"/>
+          </p:cNvSpPr>
+          <p:nvPr/>
+        </p:nvSpPr>
+        <p:spPr bwMode="auto">
+          <a:xfrm>
+            <a:off x="609600" y="6430963"/>
+            <a:ext cx="3505200" cy="461665"/>
+          </a:xfrm>
+          <a:prstGeom prst="rect">
+            <a:avLst/>
+          </a:prstGeom>
+          <a:noFill/>
+          <a:ln>
+            <a:noFill/>
+          </a:ln>
+          <a:effectLst/>
+          <a:extLst>
+            <a:ext uri="{909E8E84-426E-40DD-AFC4-6F175D3DCCD1}">
+              <a14:hiddenFill xmlns:a14="http://schemas.microsoft.com/office/drawing/2010/main">
+                <a:solidFill>
+                  <a:schemeClr val="accent1"/>
+                </a:solidFill>
+              </a14:hiddenFill>
+            </a:ext>
+            <a:ext uri="{91240B29-F687-4F45-9708-019B960494DF}">
+              <a14:hiddenLine xmlns:a14="http://schemas.microsoft.com/office/drawing/2010/main" w="9525">
+                <a:solidFill>
+                  <a:schemeClr val="tx1"/>
+                </a:solidFill>
+                <a:miter lim="800000"/>
+                <a:headEnd/>
+                <a:tailEnd/>
+              </a14:hiddenLine>
+            </a:ext>
+            <a:ext uri="{AF507438-7753-43E0-B8FC-AC1667EBCBE1}">
+              <a14:hiddenEffects xmlns:a14="http://schemas.microsoft.com/office/drawing/2010/main">
+                <a:effectLst>
+                  <a:outerShdw dist="35921" dir="2700000" algn="ctr" rotWithShape="0">
+                    <a:schemeClr val="bg2"/>
+                  </a:outerShdw>
+                </a:effectLst>
+              </a14:hiddenEffects>
+            </a:ext>
+          </a:extLst>
+        </p:spPr>
+        <p:txBody>
+          <a:bodyPr>
+            <a:spAutoFit/>
+          </a:bodyPr>
+          <a:lstStyle/>
+          <a:p>
+            <a:r>
+              <a:rPr lang="en-US" sz="1200"/>
+              <a:t>Học kỳ 2, 2021-2022</a:t>
+            </a:r>
+          </a:p>
+          <a:p>
+            <a:endParaRPr lang="vi-VN" sz="1200"/>
+          </a:p>
+        </p:txBody>
+      </p:sp>
+    </p:spTree>
+  </p:cSld>
+  <p:clrMapOvr>
+    <a:masterClrMapping/>
+  </p:clrMapOvr>
+  <p:timing>
+    <p:tnLst>
+      <p:par>
+        <p:cTn id="1" dur="indefinite" restart="never" nodeType="tmRoot"/>
+      </p:par>
+    </p:tnLst>
+  </p:timing>
+</p:sld>
+</file>
+
+<file path=ppt/slides/slide10.xml><?xml version="1.0" encoding="utf-8"?>
 <p:sld xmlns:a="http://schemas.openxmlformats.org/drawingml/2006/main" xmlns:r="http://schemas.openxmlformats.org/officeDocument/2006/relationships" xmlns:p="http://schemas.openxmlformats.org/presentationml/2006/main">
   <p:cSld>
     <p:spTree>
@@ -3342,18 +3901,12 @@
       </p:grpSpPr>
       <p:sp>
         <p:nvSpPr>
-          <p:cNvPr id="2" name="Title 1">
-            <a:extLst>
-              <a:ext uri="{FF2B5EF4-FFF2-40B4-BE49-F238E27FC236}">
-                <a16:creationId xmlns:a16="http://schemas.microsoft.com/office/drawing/2014/main" id="{3A515937-62C4-41F8-B3F3-A2B18A0563A6}"/>
-              </a:ext>
-            </a:extLst>
-          </p:cNvPr>
+          <p:cNvPr id="2" name="Title 1"/>
           <p:cNvSpPr>
             <a:spLocks noGrp="1"/>
           </p:cNvSpPr>
           <p:nvPr>
-            <p:ph type="ctrTitle"/>
+            <p:ph type="title"/>
           </p:nvPr>
         </p:nvSpPr>
         <p:spPr/>
@@ -3363,445 +3916,979 @@
           <a:p>
             <a:r>
               <a:rPr lang="en-US"/>
-              <a:t>[Tên dự án]</a:t>
-            </a:r>
-          </a:p>
-        </p:txBody>
-      </p:sp>
-      <p:sp>
-        <p:nvSpPr>
-          <p:cNvPr id="3" name="Subtitle 2">
-            <a:extLst>
-              <a:ext uri="{FF2B5EF4-FFF2-40B4-BE49-F238E27FC236}">
-                <a16:creationId xmlns:a16="http://schemas.microsoft.com/office/drawing/2014/main" id="{60ED1938-BA8A-4928-A2A6-F909095BAD7C}"/>
-              </a:ext>
-            </a:extLst>
-          </p:cNvPr>
+              <a:t>Kết quả thực hiện</a:t>
+            </a:r>
+            <a:endParaRPr lang="vi-VN"/>
+          </a:p>
+        </p:txBody>
+      </p:sp>
+      <p:sp>
+        <p:nvSpPr>
+          <p:cNvPr id="3" name="Content Placeholder 2"/>
           <p:cNvSpPr>
             <a:spLocks noGrp="1"/>
           </p:cNvSpPr>
           <p:nvPr>
-            <p:ph type="subTitle" idx="1"/>
+            <p:ph idx="1"/>
           </p:nvPr>
         </p:nvSpPr>
         <p:spPr/>
         <p:txBody>
-          <a:bodyPr>
-            <a:normAutofit/>
-          </a:bodyPr>
+          <a:bodyPr/>
           <a:lstStyle/>
           <a:p>
             <a:r>
-              <a:rPr lang="en-US"/>
-              <a:t>Thông tin sinh viên thực hiện</a:t>
-            </a:r>
-          </a:p>
-        </p:txBody>
-      </p:sp>
-      <p:sp>
-        <p:nvSpPr>
-          <p:cNvPr id="4" name="Subtitle 2">
-            <a:extLst>
-              <a:ext uri="{FF2B5EF4-FFF2-40B4-BE49-F238E27FC236}">
-                <a16:creationId xmlns:a16="http://schemas.microsoft.com/office/drawing/2014/main" id="{E3E3B9CC-8761-41B6-A564-F342A38D15B0}"/>
-              </a:ext>
-            </a:extLst>
-          </p:cNvPr>
-          <p:cNvSpPr txBox="1">
-            <a:spLocks/>
-          </p:cNvSpPr>
+              <a:rPr lang="en-US" smtClean="0"/>
+              <a:t>Trang profile người dùng:</a:t>
+            </a:r>
+          </a:p>
+          <a:p>
+            <a:endParaRPr lang="vi-VN"/>
+          </a:p>
+        </p:txBody>
+      </p:sp>
+      <p:pic>
+        <p:nvPicPr>
+          <p:cNvPr id="4" name="Picture 3"/>
+          <p:cNvPicPr>
+            <a:picLocks noChangeAspect="1"/>
+          </p:cNvPicPr>
           <p:nvPr/>
-        </p:nvSpPr>
+        </p:nvPicPr>
+        <p:blipFill>
+          <a:blip r:embed="rId2"/>
+          <a:stretch>
+            <a:fillRect/>
+          </a:stretch>
+        </p:blipFill>
         <p:spPr>
           <a:xfrm>
-            <a:off x="1524000" y="6255818"/>
-            <a:ext cx="9144000" cy="480526"/>
+            <a:off x="1257300" y="2400666"/>
+            <a:ext cx="6934200" cy="3900488"/>
           </a:xfrm>
           <a:prstGeom prst="rect">
             <a:avLst/>
           </a:prstGeom>
         </p:spPr>
-        <p:txBody>
-          <a:bodyPr vert="horz" lIns="91440" tIns="45720" rIns="91440" bIns="45720" rtlCol="0">
-            <a:normAutofit/>
-          </a:bodyPr>
-          <a:lstStyle>
-            <a:lvl1pPr marL="0" indent="0" algn="ctr" defTabSz="914400" rtl="0" eaLnBrk="1" latinLnBrk="0" hangingPunct="1">
-              <a:lnSpc>
-                <a:spcPct val="90000"/>
-              </a:lnSpc>
-              <a:spcBef>
-                <a:spcPts val="1000"/>
-              </a:spcBef>
-              <a:buFont typeface="Arial" panose="020B0604020202020204" pitchFamily="34" charset="0"/>
-              <a:buNone/>
-              <a:defRPr sz="2400" kern="1200">
-                <a:solidFill>
-                  <a:schemeClr val="tx1"/>
-                </a:solidFill>
-                <a:latin typeface="LM Roman 12" panose="00000500000000000000" pitchFamily="50" charset="0"/>
-                <a:ea typeface="+mn-ea"/>
-                <a:cs typeface="+mn-cs"/>
-              </a:defRPr>
-            </a:lvl1pPr>
-            <a:lvl2pPr marL="457200" indent="0" algn="ctr" defTabSz="914400" rtl="0" eaLnBrk="1" latinLnBrk="0" hangingPunct="1">
-              <a:lnSpc>
-                <a:spcPct val="90000"/>
-              </a:lnSpc>
-              <a:spcBef>
-                <a:spcPts val="500"/>
-              </a:spcBef>
-              <a:buFont typeface="Arial" panose="020B0604020202020204" pitchFamily="34" charset="0"/>
-              <a:buNone/>
-              <a:defRPr sz="2000" kern="1200">
-                <a:solidFill>
-                  <a:schemeClr val="tx1"/>
-                </a:solidFill>
-                <a:latin typeface="+mn-lt"/>
-                <a:ea typeface="+mn-ea"/>
-                <a:cs typeface="+mn-cs"/>
-              </a:defRPr>
-            </a:lvl2pPr>
-            <a:lvl3pPr marL="914400" indent="0" algn="ctr" defTabSz="914400" rtl="0" eaLnBrk="1" latinLnBrk="0" hangingPunct="1">
-              <a:lnSpc>
-                <a:spcPct val="90000"/>
-              </a:lnSpc>
-              <a:spcBef>
-                <a:spcPts val="500"/>
-              </a:spcBef>
-              <a:buFont typeface="Arial" panose="020B0604020202020204" pitchFamily="34" charset="0"/>
-              <a:buNone/>
-              <a:defRPr sz="1800" kern="1200">
-                <a:solidFill>
-                  <a:schemeClr val="tx1"/>
-                </a:solidFill>
-                <a:latin typeface="+mn-lt"/>
-                <a:ea typeface="+mn-ea"/>
-                <a:cs typeface="+mn-cs"/>
-              </a:defRPr>
-            </a:lvl3pPr>
-            <a:lvl4pPr marL="1371600" indent="0" algn="ctr" defTabSz="914400" rtl="0" eaLnBrk="1" latinLnBrk="0" hangingPunct="1">
-              <a:lnSpc>
-                <a:spcPct val="90000"/>
-              </a:lnSpc>
-              <a:spcBef>
-                <a:spcPts val="500"/>
-              </a:spcBef>
-              <a:buFont typeface="Arial" panose="020B0604020202020204" pitchFamily="34" charset="0"/>
-              <a:buNone/>
-              <a:defRPr sz="1600" kern="1200">
-                <a:solidFill>
-                  <a:schemeClr val="tx1"/>
-                </a:solidFill>
-                <a:latin typeface="+mn-lt"/>
-                <a:ea typeface="+mn-ea"/>
-                <a:cs typeface="+mn-cs"/>
-              </a:defRPr>
-            </a:lvl4pPr>
-            <a:lvl5pPr marL="1828800" indent="0" algn="ctr" defTabSz="914400" rtl="0" eaLnBrk="1" latinLnBrk="0" hangingPunct="1">
-              <a:lnSpc>
-                <a:spcPct val="90000"/>
-              </a:lnSpc>
-              <a:spcBef>
-                <a:spcPts val="500"/>
-              </a:spcBef>
-              <a:buFont typeface="Arial" panose="020B0604020202020204" pitchFamily="34" charset="0"/>
-              <a:buNone/>
-              <a:defRPr sz="1600" kern="1200">
-                <a:solidFill>
-                  <a:schemeClr val="tx1"/>
-                </a:solidFill>
-                <a:latin typeface="+mn-lt"/>
-                <a:ea typeface="+mn-ea"/>
-                <a:cs typeface="+mn-cs"/>
-              </a:defRPr>
-            </a:lvl5pPr>
-            <a:lvl6pPr marL="2286000" indent="0" algn="ctr" defTabSz="914400" rtl="0" eaLnBrk="1" latinLnBrk="0" hangingPunct="1">
-              <a:lnSpc>
-                <a:spcPct val="90000"/>
-              </a:lnSpc>
-              <a:spcBef>
-                <a:spcPts val="500"/>
-              </a:spcBef>
-              <a:buFont typeface="Arial" panose="020B0604020202020204" pitchFamily="34" charset="0"/>
-              <a:buNone/>
-              <a:defRPr sz="1600" kern="1200">
-                <a:solidFill>
-                  <a:schemeClr val="tx1"/>
-                </a:solidFill>
-                <a:latin typeface="+mn-lt"/>
-                <a:ea typeface="+mn-ea"/>
-                <a:cs typeface="+mn-cs"/>
-              </a:defRPr>
-            </a:lvl6pPr>
-            <a:lvl7pPr marL="2743200" indent="0" algn="ctr" defTabSz="914400" rtl="0" eaLnBrk="1" latinLnBrk="0" hangingPunct="1">
-              <a:lnSpc>
-                <a:spcPct val="90000"/>
-              </a:lnSpc>
-              <a:spcBef>
-                <a:spcPts val="500"/>
-              </a:spcBef>
-              <a:buFont typeface="Arial" panose="020B0604020202020204" pitchFamily="34" charset="0"/>
-              <a:buNone/>
-              <a:defRPr sz="1600" kern="1200">
-                <a:solidFill>
-                  <a:schemeClr val="tx1"/>
-                </a:solidFill>
-                <a:latin typeface="+mn-lt"/>
-                <a:ea typeface="+mn-ea"/>
-                <a:cs typeface="+mn-cs"/>
-              </a:defRPr>
-            </a:lvl7pPr>
-            <a:lvl8pPr marL="3200400" indent="0" algn="ctr" defTabSz="914400" rtl="0" eaLnBrk="1" latinLnBrk="0" hangingPunct="1">
-              <a:lnSpc>
-                <a:spcPct val="90000"/>
-              </a:lnSpc>
-              <a:spcBef>
-                <a:spcPts val="500"/>
-              </a:spcBef>
-              <a:buFont typeface="Arial" panose="020B0604020202020204" pitchFamily="34" charset="0"/>
-              <a:buNone/>
-              <a:defRPr sz="1600" kern="1200">
-                <a:solidFill>
-                  <a:schemeClr val="tx1"/>
-                </a:solidFill>
-                <a:latin typeface="+mn-lt"/>
-                <a:ea typeface="+mn-ea"/>
-                <a:cs typeface="+mn-cs"/>
-              </a:defRPr>
-            </a:lvl8pPr>
-            <a:lvl9pPr marL="3657600" indent="0" algn="ctr" defTabSz="914400" rtl="0" eaLnBrk="1" latinLnBrk="0" hangingPunct="1">
-              <a:lnSpc>
-                <a:spcPct val="90000"/>
-              </a:lnSpc>
-              <a:spcBef>
-                <a:spcPts val="500"/>
-              </a:spcBef>
-              <a:buFont typeface="Arial" panose="020B0604020202020204" pitchFamily="34" charset="0"/>
-              <a:buNone/>
-              <a:defRPr sz="1600" kern="1200">
-                <a:solidFill>
-                  <a:schemeClr val="tx1"/>
-                </a:solidFill>
-                <a:latin typeface="+mn-lt"/>
-                <a:ea typeface="+mn-ea"/>
-                <a:cs typeface="+mn-cs"/>
-              </a:defRPr>
-            </a:lvl9pPr>
-          </a:lstStyle>
+      </p:pic>
+    </p:spTree>
+    <p:extLst>
+      <p:ext uri="{BB962C8B-B14F-4D97-AF65-F5344CB8AC3E}">
+        <p14:creationId xmlns:p14="http://schemas.microsoft.com/office/powerpoint/2010/main" val="1117213822"/>
+      </p:ext>
+    </p:extLst>
+  </p:cSld>
+  <p:clrMapOvr>
+    <a:masterClrMapping/>
+  </p:clrMapOvr>
+</p:sld>
+</file>
+
+<file path=ppt/slides/slide11.xml><?xml version="1.0" encoding="utf-8"?>
+<p:sld xmlns:a="http://schemas.openxmlformats.org/drawingml/2006/main" xmlns:r="http://schemas.openxmlformats.org/officeDocument/2006/relationships" xmlns:p="http://schemas.openxmlformats.org/presentationml/2006/main">
+  <p:cSld>
+    <p:spTree>
+      <p:nvGrpSpPr>
+        <p:cNvPr id="1" name=""/>
+        <p:cNvGrpSpPr/>
+        <p:nvPr/>
+      </p:nvGrpSpPr>
+      <p:grpSpPr>
+        <a:xfrm>
+          <a:off x="0" y="0"/>
+          <a:ext cx="0" cy="0"/>
+          <a:chOff x="0" y="0"/>
+          <a:chExt cx="0" cy="0"/>
+        </a:xfrm>
+      </p:grpSpPr>
+      <p:sp>
+        <p:nvSpPr>
+          <p:cNvPr id="2" name="Title 1"/>
+          <p:cNvSpPr>
+            <a:spLocks noGrp="1"/>
+          </p:cNvSpPr>
+          <p:nvPr>
+            <p:ph type="title"/>
+          </p:nvPr>
+        </p:nvSpPr>
+        <p:spPr/>
+        <p:txBody>
+          <a:bodyPr/>
+          <a:lstStyle/>
           <a:p>
             <a:r>
               <a:rPr lang="en-US"/>
-              <a:t>Học kỳ 2, 2021-2022</a:t>
-            </a:r>
-          </a:p>
-        </p:txBody>
-      </p:sp>
-      <p:sp>
-        <p:nvSpPr>
-          <p:cNvPr id="5" name="Subtitle 2">
-            <a:extLst>
-              <a:ext uri="{FF2B5EF4-FFF2-40B4-BE49-F238E27FC236}">
-                <a16:creationId xmlns:a16="http://schemas.microsoft.com/office/drawing/2014/main" id="{358AD394-E55B-4D74-AFD2-45033BF4480B}"/>
-              </a:ext>
-            </a:extLst>
-          </p:cNvPr>
-          <p:cNvSpPr txBox="1">
-            <a:spLocks/>
-          </p:cNvSpPr>
+              <a:t>Kết quả thực hiện</a:t>
+            </a:r>
+            <a:endParaRPr lang="vi-VN"/>
+          </a:p>
+        </p:txBody>
+      </p:sp>
+      <p:sp>
+        <p:nvSpPr>
+          <p:cNvPr id="3" name="Content Placeholder 2"/>
+          <p:cNvSpPr>
+            <a:spLocks noGrp="1"/>
+          </p:cNvSpPr>
+          <p:nvPr>
+            <p:ph idx="1"/>
+          </p:nvPr>
+        </p:nvSpPr>
+        <p:spPr/>
+        <p:txBody>
+          <a:bodyPr/>
+          <a:lstStyle/>
+          <a:p>
+            <a:r>
+              <a:rPr lang="vi-VN" smtClean="0"/>
+              <a:t>Trang quản lý dự án đã làm:</a:t>
+            </a:r>
+          </a:p>
+          <a:p>
+            <a:endParaRPr lang="vi-VN"/>
+          </a:p>
+        </p:txBody>
+      </p:sp>
+      <p:pic>
+        <p:nvPicPr>
+          <p:cNvPr id="4" name="Picture 3"/>
+          <p:cNvPicPr>
+            <a:picLocks noChangeAspect="1"/>
+          </p:cNvPicPr>
           <p:nvPr/>
-        </p:nvSpPr>
+        </p:nvPicPr>
+        <p:blipFill>
+          <a:blip r:embed="rId2"/>
+          <a:stretch>
+            <a:fillRect/>
+          </a:stretch>
+        </p:blipFill>
         <p:spPr>
           <a:xfrm>
-            <a:off x="1087016" y="142828"/>
-            <a:ext cx="10017967" cy="480526"/>
+            <a:off x="838200" y="2219325"/>
+            <a:ext cx="7298267" cy="4105275"/>
           </a:xfrm>
           <a:prstGeom prst="rect">
             <a:avLst/>
           </a:prstGeom>
         </p:spPr>
-        <p:txBody>
-          <a:bodyPr vert="horz" lIns="91440" tIns="45720" rIns="91440" bIns="45720" rtlCol="0">
-            <a:normAutofit/>
-          </a:bodyPr>
-          <a:lstStyle>
-            <a:lvl1pPr marL="0" indent="0" algn="ctr" defTabSz="914400" rtl="0" eaLnBrk="1" latinLnBrk="0" hangingPunct="1">
-              <a:lnSpc>
-                <a:spcPct val="90000"/>
-              </a:lnSpc>
-              <a:spcBef>
-                <a:spcPts val="1000"/>
-              </a:spcBef>
-              <a:buFont typeface="Arial" panose="020B0604020202020204" pitchFamily="34" charset="0"/>
-              <a:buNone/>
-              <a:defRPr sz="2400" kern="1200">
-                <a:solidFill>
-                  <a:schemeClr val="tx1"/>
-                </a:solidFill>
-                <a:latin typeface="LM Roman 12" panose="00000500000000000000" pitchFamily="50" charset="0"/>
-                <a:ea typeface="+mn-ea"/>
-                <a:cs typeface="+mn-cs"/>
-              </a:defRPr>
-            </a:lvl1pPr>
-            <a:lvl2pPr marL="457200" indent="0" algn="ctr" defTabSz="914400" rtl="0" eaLnBrk="1" latinLnBrk="0" hangingPunct="1">
-              <a:lnSpc>
-                <a:spcPct val="90000"/>
-              </a:lnSpc>
-              <a:spcBef>
-                <a:spcPts val="500"/>
-              </a:spcBef>
-              <a:buFont typeface="Arial" panose="020B0604020202020204" pitchFamily="34" charset="0"/>
-              <a:buNone/>
-              <a:defRPr sz="2000" kern="1200">
-                <a:solidFill>
-                  <a:schemeClr val="tx1"/>
-                </a:solidFill>
-                <a:latin typeface="+mn-lt"/>
-                <a:ea typeface="+mn-ea"/>
-                <a:cs typeface="+mn-cs"/>
-              </a:defRPr>
-            </a:lvl2pPr>
-            <a:lvl3pPr marL="914400" indent="0" algn="ctr" defTabSz="914400" rtl="0" eaLnBrk="1" latinLnBrk="0" hangingPunct="1">
-              <a:lnSpc>
-                <a:spcPct val="90000"/>
-              </a:lnSpc>
-              <a:spcBef>
-                <a:spcPts val="500"/>
-              </a:spcBef>
-              <a:buFont typeface="Arial" panose="020B0604020202020204" pitchFamily="34" charset="0"/>
-              <a:buNone/>
-              <a:defRPr sz="1800" kern="1200">
-                <a:solidFill>
-                  <a:schemeClr val="tx1"/>
-                </a:solidFill>
-                <a:latin typeface="+mn-lt"/>
-                <a:ea typeface="+mn-ea"/>
-                <a:cs typeface="+mn-cs"/>
-              </a:defRPr>
-            </a:lvl3pPr>
-            <a:lvl4pPr marL="1371600" indent="0" algn="ctr" defTabSz="914400" rtl="0" eaLnBrk="1" latinLnBrk="0" hangingPunct="1">
-              <a:lnSpc>
-                <a:spcPct val="90000"/>
-              </a:lnSpc>
-              <a:spcBef>
-                <a:spcPts val="500"/>
-              </a:spcBef>
-              <a:buFont typeface="Arial" panose="020B0604020202020204" pitchFamily="34" charset="0"/>
-              <a:buNone/>
-              <a:defRPr sz="1600" kern="1200">
-                <a:solidFill>
-                  <a:schemeClr val="tx1"/>
-                </a:solidFill>
-                <a:latin typeface="+mn-lt"/>
-                <a:ea typeface="+mn-ea"/>
-                <a:cs typeface="+mn-cs"/>
-              </a:defRPr>
-            </a:lvl4pPr>
-            <a:lvl5pPr marL="1828800" indent="0" algn="ctr" defTabSz="914400" rtl="0" eaLnBrk="1" latinLnBrk="0" hangingPunct="1">
-              <a:lnSpc>
-                <a:spcPct val="90000"/>
-              </a:lnSpc>
-              <a:spcBef>
-                <a:spcPts val="500"/>
-              </a:spcBef>
-              <a:buFont typeface="Arial" panose="020B0604020202020204" pitchFamily="34" charset="0"/>
-              <a:buNone/>
-              <a:defRPr sz="1600" kern="1200">
-                <a:solidFill>
-                  <a:schemeClr val="tx1"/>
-                </a:solidFill>
-                <a:latin typeface="+mn-lt"/>
-                <a:ea typeface="+mn-ea"/>
-                <a:cs typeface="+mn-cs"/>
-              </a:defRPr>
-            </a:lvl5pPr>
-            <a:lvl6pPr marL="2286000" indent="0" algn="ctr" defTabSz="914400" rtl="0" eaLnBrk="1" latinLnBrk="0" hangingPunct="1">
-              <a:lnSpc>
-                <a:spcPct val="90000"/>
-              </a:lnSpc>
-              <a:spcBef>
-                <a:spcPts val="500"/>
-              </a:spcBef>
-              <a:buFont typeface="Arial" panose="020B0604020202020204" pitchFamily="34" charset="0"/>
-              <a:buNone/>
-              <a:defRPr sz="1600" kern="1200">
-                <a:solidFill>
-                  <a:schemeClr val="tx1"/>
-                </a:solidFill>
-                <a:latin typeface="+mn-lt"/>
-                <a:ea typeface="+mn-ea"/>
-                <a:cs typeface="+mn-cs"/>
-              </a:defRPr>
-            </a:lvl6pPr>
-            <a:lvl7pPr marL="2743200" indent="0" algn="ctr" defTabSz="914400" rtl="0" eaLnBrk="1" latinLnBrk="0" hangingPunct="1">
-              <a:lnSpc>
-                <a:spcPct val="90000"/>
-              </a:lnSpc>
-              <a:spcBef>
-                <a:spcPts val="500"/>
-              </a:spcBef>
-              <a:buFont typeface="Arial" panose="020B0604020202020204" pitchFamily="34" charset="0"/>
-              <a:buNone/>
-              <a:defRPr sz="1600" kern="1200">
-                <a:solidFill>
-                  <a:schemeClr val="tx1"/>
-                </a:solidFill>
-                <a:latin typeface="+mn-lt"/>
-                <a:ea typeface="+mn-ea"/>
-                <a:cs typeface="+mn-cs"/>
-              </a:defRPr>
-            </a:lvl7pPr>
-            <a:lvl8pPr marL="3200400" indent="0" algn="ctr" defTabSz="914400" rtl="0" eaLnBrk="1" latinLnBrk="0" hangingPunct="1">
-              <a:lnSpc>
-                <a:spcPct val="90000"/>
-              </a:lnSpc>
-              <a:spcBef>
-                <a:spcPts val="500"/>
-              </a:spcBef>
-              <a:buFont typeface="Arial" panose="020B0604020202020204" pitchFamily="34" charset="0"/>
-              <a:buNone/>
-              <a:defRPr sz="1600" kern="1200">
-                <a:solidFill>
-                  <a:schemeClr val="tx1"/>
-                </a:solidFill>
-                <a:latin typeface="+mn-lt"/>
-                <a:ea typeface="+mn-ea"/>
-                <a:cs typeface="+mn-cs"/>
-              </a:defRPr>
-            </a:lvl8pPr>
-            <a:lvl9pPr marL="3657600" indent="0" algn="ctr" defTabSz="914400" rtl="0" eaLnBrk="1" latinLnBrk="0" hangingPunct="1">
-              <a:lnSpc>
-                <a:spcPct val="90000"/>
-              </a:lnSpc>
-              <a:spcBef>
-                <a:spcPts val="500"/>
-              </a:spcBef>
-              <a:buFont typeface="Arial" panose="020B0604020202020204" pitchFamily="34" charset="0"/>
-              <a:buNone/>
-              <a:defRPr sz="1600" kern="1200">
-                <a:solidFill>
-                  <a:schemeClr val="tx1"/>
-                </a:solidFill>
-                <a:latin typeface="+mn-lt"/>
-                <a:ea typeface="+mn-ea"/>
-                <a:cs typeface="+mn-cs"/>
-              </a:defRPr>
-            </a:lvl9pPr>
-          </a:lstStyle>
-          <a:p>
-            <a:r>
-              <a:rPr lang="en-US"/>
-              <a:t>BÁO CÁO HỌC PHẦN PHÁT TRIỂN ỨNG DỤNG WEB (CT449)</a:t>
-            </a:r>
-          </a:p>
-        </p:txBody>
-      </p:sp>
+      </p:pic>
     </p:spTree>
     <p:extLst>
       <p:ext uri="{BB962C8B-B14F-4D97-AF65-F5344CB8AC3E}">
-        <p14:creationId xmlns:p14="http://schemas.microsoft.com/office/powerpoint/2010/main" val="990252216"/>
+        <p14:creationId xmlns:p14="http://schemas.microsoft.com/office/powerpoint/2010/main" val="441451163"/>
       </p:ext>
     </p:extLst>
+  </p:cSld>
+  <p:clrMapOvr>
+    <a:masterClrMapping/>
+  </p:clrMapOvr>
+</p:sld>
+</file>
+
+<file path=ppt/slides/slide12.xml><?xml version="1.0" encoding="utf-8"?>
+<p:sld xmlns:a="http://schemas.openxmlformats.org/drawingml/2006/main" xmlns:r="http://schemas.openxmlformats.org/officeDocument/2006/relationships" xmlns:p="http://schemas.openxmlformats.org/presentationml/2006/main">
+  <p:cSld>
+    <p:spTree>
+      <p:nvGrpSpPr>
+        <p:cNvPr id="1" name=""/>
+        <p:cNvGrpSpPr/>
+        <p:nvPr/>
+      </p:nvGrpSpPr>
+      <p:grpSpPr>
+        <a:xfrm>
+          <a:off x="0" y="0"/>
+          <a:ext cx="0" cy="0"/>
+          <a:chOff x="0" y="0"/>
+          <a:chExt cx="0" cy="0"/>
+        </a:xfrm>
+      </p:grpSpPr>
+      <p:sp>
+        <p:nvSpPr>
+          <p:cNvPr id="2" name="Title 1"/>
+          <p:cNvSpPr>
+            <a:spLocks noGrp="1"/>
+          </p:cNvSpPr>
+          <p:nvPr>
+            <p:ph type="title"/>
+          </p:nvPr>
+        </p:nvSpPr>
+        <p:spPr/>
+        <p:txBody>
+          <a:bodyPr/>
+          <a:lstStyle/>
+          <a:p>
+            <a:r>
+              <a:rPr lang="en-US"/>
+              <a:t>Kết quả thực hiện</a:t>
+            </a:r>
+            <a:endParaRPr lang="vi-VN"/>
+          </a:p>
+        </p:txBody>
+      </p:sp>
+      <p:sp>
+        <p:nvSpPr>
+          <p:cNvPr id="3" name="Content Placeholder 2"/>
+          <p:cNvSpPr>
+            <a:spLocks noGrp="1"/>
+          </p:cNvSpPr>
+          <p:nvPr>
+            <p:ph idx="1"/>
+          </p:nvPr>
+        </p:nvSpPr>
+        <p:spPr/>
+        <p:txBody>
+          <a:bodyPr/>
+          <a:lstStyle/>
+          <a:p>
+            <a:r>
+              <a:rPr lang="vi-VN" smtClean="0"/>
+              <a:t>Trang thêm dự án:</a:t>
+            </a:r>
+          </a:p>
+          <a:p>
+            <a:endParaRPr lang="vi-VN"/>
+          </a:p>
+        </p:txBody>
+      </p:sp>
+      <p:pic>
+        <p:nvPicPr>
+          <p:cNvPr id="5" name="Picture 4"/>
+          <p:cNvPicPr>
+            <a:picLocks noChangeAspect="1"/>
+          </p:cNvPicPr>
+          <p:nvPr/>
+        </p:nvPicPr>
+        <p:blipFill>
+          <a:blip r:embed="rId2"/>
+          <a:stretch>
+            <a:fillRect/>
+          </a:stretch>
+        </p:blipFill>
+        <p:spPr>
+          <a:xfrm>
+            <a:off x="990600" y="2324100"/>
+            <a:ext cx="7112000" cy="4000500"/>
+          </a:xfrm>
+          <a:prstGeom prst="rect">
+            <a:avLst/>
+          </a:prstGeom>
+        </p:spPr>
+      </p:pic>
+    </p:spTree>
+    <p:extLst>
+      <p:ext uri="{BB962C8B-B14F-4D97-AF65-F5344CB8AC3E}">
+        <p14:creationId xmlns:p14="http://schemas.microsoft.com/office/powerpoint/2010/main" val="2861576971"/>
+      </p:ext>
+    </p:extLst>
+  </p:cSld>
+  <p:clrMapOvr>
+    <a:masterClrMapping/>
+  </p:clrMapOvr>
+</p:sld>
+</file>
+
+<file path=ppt/slides/slide13.xml><?xml version="1.0" encoding="utf-8"?>
+<p:sld xmlns:a="http://schemas.openxmlformats.org/drawingml/2006/main" xmlns:r="http://schemas.openxmlformats.org/officeDocument/2006/relationships" xmlns:p="http://schemas.openxmlformats.org/presentationml/2006/main">
+  <p:cSld>
+    <p:spTree>
+      <p:nvGrpSpPr>
+        <p:cNvPr id="1" name=""/>
+        <p:cNvGrpSpPr/>
+        <p:nvPr/>
+      </p:nvGrpSpPr>
+      <p:grpSpPr>
+        <a:xfrm>
+          <a:off x="0" y="0"/>
+          <a:ext cx="0" cy="0"/>
+          <a:chOff x="0" y="0"/>
+          <a:chExt cx="0" cy="0"/>
+        </a:xfrm>
+      </p:grpSpPr>
+      <p:sp>
+        <p:nvSpPr>
+          <p:cNvPr id="2" name="Title 1"/>
+          <p:cNvSpPr>
+            <a:spLocks noGrp="1"/>
+          </p:cNvSpPr>
+          <p:nvPr>
+            <p:ph type="title"/>
+          </p:nvPr>
+        </p:nvSpPr>
+        <p:spPr/>
+        <p:txBody>
+          <a:bodyPr/>
+          <a:lstStyle/>
+          <a:p>
+            <a:r>
+              <a:rPr lang="en-US"/>
+              <a:t>Kết quả </a:t>
+            </a:r>
+            <a:r>
+              <a:rPr lang="en-US"/>
+              <a:t>thực </a:t>
+            </a:r>
+            <a:r>
+              <a:rPr lang="en-US" smtClean="0"/>
+              <a:t>hiện</a:t>
+            </a:r>
+            <a:endParaRPr lang="vi-VN"/>
+          </a:p>
+        </p:txBody>
+      </p:sp>
+      <p:sp>
+        <p:nvSpPr>
+          <p:cNvPr id="3" name="Content Placeholder 2"/>
+          <p:cNvSpPr>
+            <a:spLocks noGrp="1"/>
+          </p:cNvSpPr>
+          <p:nvPr>
+            <p:ph idx="1"/>
+          </p:nvPr>
+        </p:nvSpPr>
+        <p:spPr/>
+        <p:txBody>
+          <a:bodyPr/>
+          <a:lstStyle/>
+          <a:p>
+            <a:r>
+              <a:rPr lang="vi-VN" smtClean="0"/>
+              <a:t>Trang edit dự án:</a:t>
+            </a:r>
+          </a:p>
+          <a:p>
+            <a:endParaRPr lang="vi-VN"/>
+          </a:p>
+        </p:txBody>
+      </p:sp>
+      <p:pic>
+        <p:nvPicPr>
+          <p:cNvPr id="4" name="Picture 3"/>
+          <p:cNvPicPr>
+            <a:picLocks noChangeAspect="1"/>
+          </p:cNvPicPr>
+          <p:nvPr/>
+        </p:nvPicPr>
+        <p:blipFill>
+          <a:blip r:embed="rId2"/>
+          <a:stretch>
+            <a:fillRect/>
+          </a:stretch>
+        </p:blipFill>
+        <p:spPr>
+          <a:xfrm>
+            <a:off x="1270000" y="2438400"/>
+            <a:ext cx="6908800" cy="3886200"/>
+          </a:xfrm>
+          <a:prstGeom prst="rect">
+            <a:avLst/>
+          </a:prstGeom>
+        </p:spPr>
+      </p:pic>
+    </p:spTree>
+    <p:extLst>
+      <p:ext uri="{BB962C8B-B14F-4D97-AF65-F5344CB8AC3E}">
+        <p14:creationId xmlns:p14="http://schemas.microsoft.com/office/powerpoint/2010/main" val="2553201764"/>
+      </p:ext>
+    </p:extLst>
+  </p:cSld>
+  <p:clrMapOvr>
+    <a:masterClrMapping/>
+  </p:clrMapOvr>
+</p:sld>
+</file>
+
+<file path=ppt/slides/slide14.xml><?xml version="1.0" encoding="utf-8"?>
+<p:sld xmlns:a="http://schemas.openxmlformats.org/drawingml/2006/main" xmlns:r="http://schemas.openxmlformats.org/officeDocument/2006/relationships" xmlns:p="http://schemas.openxmlformats.org/presentationml/2006/main">
+  <p:cSld>
+    <p:spTree>
+      <p:nvGrpSpPr>
+        <p:cNvPr id="1" name=""/>
+        <p:cNvGrpSpPr/>
+        <p:nvPr/>
+      </p:nvGrpSpPr>
+      <p:grpSpPr>
+        <a:xfrm>
+          <a:off x="0" y="0"/>
+          <a:ext cx="0" cy="0"/>
+          <a:chOff x="0" y="0"/>
+          <a:chExt cx="0" cy="0"/>
+        </a:xfrm>
+      </p:grpSpPr>
+      <p:sp>
+        <p:nvSpPr>
+          <p:cNvPr id="2" name="Title 1"/>
+          <p:cNvSpPr>
+            <a:spLocks noGrp="1"/>
+          </p:cNvSpPr>
+          <p:nvPr>
+            <p:ph type="title"/>
+          </p:nvPr>
+        </p:nvSpPr>
+        <p:spPr/>
+        <p:txBody>
+          <a:bodyPr/>
+          <a:lstStyle/>
+          <a:p>
+            <a:r>
+              <a:rPr lang="en-US"/>
+              <a:t>Kết quả thực hiện</a:t>
+            </a:r>
+            <a:endParaRPr lang="vi-VN"/>
+          </a:p>
+        </p:txBody>
+      </p:sp>
+      <p:sp>
+        <p:nvSpPr>
+          <p:cNvPr id="3" name="Content Placeholder 2"/>
+          <p:cNvSpPr>
+            <a:spLocks noGrp="1"/>
+          </p:cNvSpPr>
+          <p:nvPr>
+            <p:ph idx="1"/>
+          </p:nvPr>
+        </p:nvSpPr>
+        <p:spPr/>
+        <p:txBody>
+          <a:bodyPr/>
+          <a:lstStyle/>
+          <a:p>
+            <a:r>
+              <a:rPr lang="vi-VN" smtClean="0"/>
+              <a:t>Trang quản lý deadline:</a:t>
+            </a:r>
+          </a:p>
+          <a:p>
+            <a:endParaRPr lang="vi-VN" smtClean="0"/>
+          </a:p>
+          <a:p>
+            <a:endParaRPr lang="vi-VN"/>
+          </a:p>
+        </p:txBody>
+      </p:sp>
+      <p:pic>
+        <p:nvPicPr>
+          <p:cNvPr id="4" name="Picture 3"/>
+          <p:cNvPicPr>
+            <a:picLocks noChangeAspect="1"/>
+          </p:cNvPicPr>
+          <p:nvPr/>
+        </p:nvPicPr>
+        <p:blipFill>
+          <a:blip r:embed="rId2"/>
+          <a:stretch>
+            <a:fillRect/>
+          </a:stretch>
+        </p:blipFill>
+        <p:spPr>
+          <a:xfrm>
+            <a:off x="1143000" y="2295525"/>
+            <a:ext cx="7162800" cy="4029075"/>
+          </a:xfrm>
+          <a:prstGeom prst="rect">
+            <a:avLst/>
+          </a:prstGeom>
+        </p:spPr>
+      </p:pic>
+    </p:spTree>
+    <p:extLst>
+      <p:ext uri="{BB962C8B-B14F-4D97-AF65-F5344CB8AC3E}">
+        <p14:creationId xmlns:p14="http://schemas.microsoft.com/office/powerpoint/2010/main" val="1036320293"/>
+      </p:ext>
+    </p:extLst>
+  </p:cSld>
+  <p:clrMapOvr>
+    <a:masterClrMapping/>
+  </p:clrMapOvr>
+</p:sld>
+</file>
+
+<file path=ppt/slides/slide15.xml><?xml version="1.0" encoding="utf-8"?>
+<p:sld xmlns:a="http://schemas.openxmlformats.org/drawingml/2006/main" xmlns:r="http://schemas.openxmlformats.org/officeDocument/2006/relationships" xmlns:p="http://schemas.openxmlformats.org/presentationml/2006/main">
+  <p:cSld>
+    <p:spTree>
+      <p:nvGrpSpPr>
+        <p:cNvPr id="1" name=""/>
+        <p:cNvGrpSpPr/>
+        <p:nvPr/>
+      </p:nvGrpSpPr>
+      <p:grpSpPr>
+        <a:xfrm>
+          <a:off x="0" y="0"/>
+          <a:ext cx="0" cy="0"/>
+          <a:chOff x="0" y="0"/>
+          <a:chExt cx="0" cy="0"/>
+        </a:xfrm>
+      </p:grpSpPr>
+      <p:sp>
+        <p:nvSpPr>
+          <p:cNvPr id="2" name="Title 1"/>
+          <p:cNvSpPr>
+            <a:spLocks noGrp="1"/>
+          </p:cNvSpPr>
+          <p:nvPr>
+            <p:ph type="title"/>
+          </p:nvPr>
+        </p:nvSpPr>
+        <p:spPr/>
+        <p:txBody>
+          <a:bodyPr/>
+          <a:lstStyle/>
+          <a:p>
+            <a:r>
+              <a:rPr lang="en-US"/>
+              <a:t>Kết quả thực hiện</a:t>
+            </a:r>
+            <a:endParaRPr lang="vi-VN"/>
+          </a:p>
+        </p:txBody>
+      </p:sp>
+      <p:sp>
+        <p:nvSpPr>
+          <p:cNvPr id="3" name="Content Placeholder 2"/>
+          <p:cNvSpPr>
+            <a:spLocks noGrp="1"/>
+          </p:cNvSpPr>
+          <p:nvPr>
+            <p:ph idx="1"/>
+          </p:nvPr>
+        </p:nvSpPr>
+        <p:spPr/>
+        <p:txBody>
+          <a:bodyPr/>
+          <a:lstStyle/>
+          <a:p>
+            <a:r>
+              <a:rPr lang="en-US" smtClean="0"/>
+              <a:t>Trang thêm deadline:</a:t>
+            </a:r>
+          </a:p>
+          <a:p>
+            <a:endParaRPr lang="vi-VN"/>
+          </a:p>
+        </p:txBody>
+      </p:sp>
+      <p:pic>
+        <p:nvPicPr>
+          <p:cNvPr id="4" name="Picture 3"/>
+          <p:cNvPicPr>
+            <a:picLocks noChangeAspect="1"/>
+          </p:cNvPicPr>
+          <p:nvPr/>
+        </p:nvPicPr>
+        <p:blipFill>
+          <a:blip r:embed="rId2"/>
+          <a:stretch>
+            <a:fillRect/>
+          </a:stretch>
+        </p:blipFill>
+        <p:spPr>
+          <a:xfrm>
+            <a:off x="1066800" y="2209800"/>
+            <a:ext cx="7315200" cy="4114800"/>
+          </a:xfrm>
+          <a:prstGeom prst="rect">
+            <a:avLst/>
+          </a:prstGeom>
+        </p:spPr>
+      </p:pic>
+    </p:spTree>
+    <p:extLst>
+      <p:ext uri="{BB962C8B-B14F-4D97-AF65-F5344CB8AC3E}">
+        <p14:creationId xmlns:p14="http://schemas.microsoft.com/office/powerpoint/2010/main" val="2748037269"/>
+      </p:ext>
+    </p:extLst>
+  </p:cSld>
+  <p:clrMapOvr>
+    <a:masterClrMapping/>
+  </p:clrMapOvr>
+</p:sld>
+</file>
+
+<file path=ppt/slides/slide16.xml><?xml version="1.0" encoding="utf-8"?>
+<p:sld xmlns:a="http://schemas.openxmlformats.org/drawingml/2006/main" xmlns:r="http://schemas.openxmlformats.org/officeDocument/2006/relationships" xmlns:p="http://schemas.openxmlformats.org/presentationml/2006/main">
+  <p:cSld>
+    <p:spTree>
+      <p:nvGrpSpPr>
+        <p:cNvPr id="1" name=""/>
+        <p:cNvGrpSpPr/>
+        <p:nvPr/>
+      </p:nvGrpSpPr>
+      <p:grpSpPr>
+        <a:xfrm>
+          <a:off x="0" y="0"/>
+          <a:ext cx="0" cy="0"/>
+          <a:chOff x="0" y="0"/>
+          <a:chExt cx="0" cy="0"/>
+        </a:xfrm>
+      </p:grpSpPr>
+      <p:sp>
+        <p:nvSpPr>
+          <p:cNvPr id="2" name="Title 1"/>
+          <p:cNvSpPr>
+            <a:spLocks noGrp="1"/>
+          </p:cNvSpPr>
+          <p:nvPr>
+            <p:ph type="title"/>
+          </p:nvPr>
+        </p:nvSpPr>
+        <p:spPr/>
+        <p:txBody>
+          <a:bodyPr/>
+          <a:lstStyle/>
+          <a:p>
+            <a:r>
+              <a:rPr lang="en-US"/>
+              <a:t>Kết quả thực hiện</a:t>
+            </a:r>
+            <a:endParaRPr lang="vi-VN"/>
+          </a:p>
+        </p:txBody>
+      </p:sp>
+      <p:sp>
+        <p:nvSpPr>
+          <p:cNvPr id="3" name="Content Placeholder 2"/>
+          <p:cNvSpPr>
+            <a:spLocks noGrp="1"/>
+          </p:cNvSpPr>
+          <p:nvPr>
+            <p:ph idx="1"/>
+          </p:nvPr>
+        </p:nvSpPr>
+        <p:spPr/>
+        <p:txBody>
+          <a:bodyPr/>
+          <a:lstStyle/>
+          <a:p>
+            <a:r>
+              <a:rPr lang="en-US" smtClean="0"/>
+              <a:t>Trang edit deadline:</a:t>
+            </a:r>
+          </a:p>
+          <a:p>
+            <a:endParaRPr lang="vi-VN"/>
+          </a:p>
+        </p:txBody>
+      </p:sp>
+      <p:pic>
+        <p:nvPicPr>
+          <p:cNvPr id="4" name="Picture 3"/>
+          <p:cNvPicPr>
+            <a:picLocks noChangeAspect="1"/>
+          </p:cNvPicPr>
+          <p:nvPr/>
+        </p:nvPicPr>
+        <p:blipFill>
+          <a:blip r:embed="rId2"/>
+          <a:stretch>
+            <a:fillRect/>
+          </a:stretch>
+        </p:blipFill>
+        <p:spPr>
+          <a:xfrm>
+            <a:off x="1257300" y="2408872"/>
+            <a:ext cx="6934200" cy="3900488"/>
+          </a:xfrm>
+          <a:prstGeom prst="rect">
+            <a:avLst/>
+          </a:prstGeom>
+        </p:spPr>
+      </p:pic>
+    </p:spTree>
+    <p:extLst>
+      <p:ext uri="{BB962C8B-B14F-4D97-AF65-F5344CB8AC3E}">
+        <p14:creationId xmlns:p14="http://schemas.microsoft.com/office/powerpoint/2010/main" val="733014295"/>
+      </p:ext>
+    </p:extLst>
+  </p:cSld>
+  <p:clrMapOvr>
+    <a:masterClrMapping/>
+  </p:clrMapOvr>
+</p:sld>
+</file>
+
+<file path=ppt/slides/slide17.xml><?xml version="1.0" encoding="utf-8"?>
+<p:sld xmlns:a="http://schemas.openxmlformats.org/drawingml/2006/main" xmlns:r="http://schemas.openxmlformats.org/officeDocument/2006/relationships" xmlns:p="http://schemas.openxmlformats.org/presentationml/2006/main">
+  <p:cSld>
+    <p:spTree>
+      <p:nvGrpSpPr>
+        <p:cNvPr id="1" name=""/>
+        <p:cNvGrpSpPr/>
+        <p:nvPr/>
+      </p:nvGrpSpPr>
+      <p:grpSpPr>
+        <a:xfrm>
+          <a:off x="0" y="0"/>
+          <a:ext cx="0" cy="0"/>
+          <a:chOff x="0" y="0"/>
+          <a:chExt cx="0" cy="0"/>
+        </a:xfrm>
+      </p:grpSpPr>
+      <p:sp>
+        <p:nvSpPr>
+          <p:cNvPr id="2" name="Title 1"/>
+          <p:cNvSpPr>
+            <a:spLocks noGrp="1"/>
+          </p:cNvSpPr>
+          <p:nvPr>
+            <p:ph type="title"/>
+          </p:nvPr>
+        </p:nvSpPr>
+        <p:spPr/>
+        <p:txBody>
+          <a:bodyPr/>
+          <a:lstStyle/>
+          <a:p>
+            <a:r>
+              <a:rPr lang="en-US"/>
+              <a:t>Kết quả thực hiện</a:t>
+            </a:r>
+            <a:endParaRPr lang="vi-VN"/>
+          </a:p>
+        </p:txBody>
+      </p:sp>
+      <p:sp>
+        <p:nvSpPr>
+          <p:cNvPr id="3" name="Content Placeholder 2"/>
+          <p:cNvSpPr>
+            <a:spLocks noGrp="1"/>
+          </p:cNvSpPr>
+          <p:nvPr>
+            <p:ph idx="1"/>
+          </p:nvPr>
+        </p:nvSpPr>
+        <p:spPr/>
+        <p:txBody>
+          <a:bodyPr/>
+          <a:lstStyle/>
+          <a:p>
+            <a:r>
+              <a:rPr lang="en-US" smtClean="0"/>
+              <a:t>Trang tình trạng deadline:</a:t>
+            </a:r>
+          </a:p>
+          <a:p>
+            <a:endParaRPr lang="vi-VN"/>
+          </a:p>
+        </p:txBody>
+      </p:sp>
+      <p:pic>
+        <p:nvPicPr>
+          <p:cNvPr id="5" name="Picture 4"/>
+          <p:cNvPicPr>
+            <a:picLocks noChangeAspect="1"/>
+          </p:cNvPicPr>
+          <p:nvPr/>
+        </p:nvPicPr>
+        <p:blipFill>
+          <a:blip r:embed="rId2"/>
+          <a:stretch>
+            <a:fillRect/>
+          </a:stretch>
+        </p:blipFill>
+        <p:spPr>
+          <a:xfrm>
+            <a:off x="1143000" y="2286000"/>
+            <a:ext cx="6858000" cy="3857625"/>
+          </a:xfrm>
+          <a:prstGeom prst="rect">
+            <a:avLst/>
+          </a:prstGeom>
+        </p:spPr>
+      </p:pic>
+    </p:spTree>
+    <p:extLst>
+      <p:ext uri="{BB962C8B-B14F-4D97-AF65-F5344CB8AC3E}">
+        <p14:creationId xmlns:p14="http://schemas.microsoft.com/office/powerpoint/2010/main" val="3842495076"/>
+      </p:ext>
+    </p:extLst>
+  </p:cSld>
+  <p:clrMapOvr>
+    <a:masterClrMapping/>
+  </p:clrMapOvr>
+</p:sld>
+</file>
+
+<file path=ppt/slides/slide18.xml><?xml version="1.0" encoding="utf-8"?>
+<p:sld xmlns:a="http://schemas.openxmlformats.org/drawingml/2006/main" xmlns:r="http://schemas.openxmlformats.org/officeDocument/2006/relationships" xmlns:p="http://schemas.openxmlformats.org/presentationml/2006/main">
+  <p:cSld>
+    <p:spTree>
+      <p:nvGrpSpPr>
+        <p:cNvPr id="1" name=""/>
+        <p:cNvGrpSpPr/>
+        <p:nvPr/>
+      </p:nvGrpSpPr>
+      <p:grpSpPr>
+        <a:xfrm>
+          <a:off x="0" y="0"/>
+          <a:ext cx="0" cy="0"/>
+          <a:chOff x="0" y="0"/>
+          <a:chExt cx="0" cy="0"/>
+        </a:xfrm>
+      </p:grpSpPr>
+      <p:sp>
+        <p:nvSpPr>
+          <p:cNvPr id="2" name="Title 1"/>
+          <p:cNvSpPr>
+            <a:spLocks noGrp="1"/>
+          </p:cNvSpPr>
+          <p:nvPr>
+            <p:ph type="title"/>
+          </p:nvPr>
+        </p:nvSpPr>
+        <p:spPr/>
+        <p:txBody>
+          <a:bodyPr/>
+          <a:lstStyle/>
+          <a:p>
+            <a:r>
+              <a:rPr lang="en-US"/>
+              <a:t>Mã nguồn</a:t>
+            </a:r>
+            <a:endParaRPr lang="vi-VN"/>
+          </a:p>
+        </p:txBody>
+      </p:sp>
+      <p:sp>
+        <p:nvSpPr>
+          <p:cNvPr id="3" name="Content Placeholder 2"/>
+          <p:cNvSpPr>
+            <a:spLocks noGrp="1"/>
+          </p:cNvSpPr>
+          <p:nvPr>
+            <p:ph idx="1"/>
+          </p:nvPr>
+        </p:nvSpPr>
+        <p:spPr>
+          <a:xfrm>
+            <a:off x="609600" y="3276600"/>
+            <a:ext cx="8229600" cy="728662"/>
+          </a:xfrm>
+        </p:spPr>
+        <p:txBody>
+          <a:bodyPr/>
+          <a:lstStyle/>
+          <a:p>
+            <a:pPr marL="0" indent="0">
+              <a:buNone/>
+            </a:pPr>
+            <a:r>
+              <a:rPr lang="en-US">
+                <a:hlinkClick r:id="rId2"/>
+              </a:rPr>
+              <a:t>https</a:t>
+            </a:r>
+            <a:r>
+              <a:rPr lang="en-US">
+                <a:hlinkClick r:id="rId2"/>
+              </a:rPr>
+              <a:t>://</a:t>
+            </a:r>
+            <a:r>
+              <a:rPr lang="en-US" smtClean="0">
+                <a:hlinkClick r:id="rId2"/>
+              </a:rPr>
+              <a:t>github.com/ThaiHien-2k/CT449_Project</a:t>
+            </a:r>
+            <a:endParaRPr lang="en-US" smtClean="0"/>
+          </a:p>
+          <a:p>
+            <a:pPr marL="0" indent="0">
+              <a:buNone/>
+            </a:pPr>
+            <a:endParaRPr lang="vi-VN"/>
+          </a:p>
+        </p:txBody>
+      </p:sp>
+    </p:spTree>
+    <p:extLst>
+      <p:ext uri="{BB962C8B-B14F-4D97-AF65-F5344CB8AC3E}">
+        <p14:creationId xmlns:p14="http://schemas.microsoft.com/office/powerpoint/2010/main" val="2143517475"/>
+      </p:ext>
+    </p:extLst>
+  </p:cSld>
+  <p:clrMapOvr>
+    <a:masterClrMapping/>
+  </p:clrMapOvr>
+</p:sld>
+</file>
+
+<file path=ppt/slides/slide19.xml><?xml version="1.0" encoding="utf-8"?>
+<p:sld xmlns:a="http://schemas.openxmlformats.org/drawingml/2006/main" xmlns:r="http://schemas.openxmlformats.org/officeDocument/2006/relationships" xmlns:p="http://schemas.openxmlformats.org/presentationml/2006/main" showMasterSp="0">
+  <p:cSld>
+    <p:bg>
+      <p:bgPr>
+        <a:blipFill dpi="0" rotWithShape="0">
+          <a:blip r:embed="rId2"/>
+          <a:srcRect/>
+          <a:stretch>
+            <a:fillRect/>
+          </a:stretch>
+        </a:blipFill>
+        <a:effectLst/>
+      </p:bgPr>
+    </p:bg>
+    <p:spTree>
+      <p:nvGrpSpPr>
+        <p:cNvPr id="1" name=""/>
+        <p:cNvGrpSpPr/>
+        <p:nvPr/>
+      </p:nvGrpSpPr>
+      <p:grpSpPr>
+        <a:xfrm>
+          <a:off x="0" y="0"/>
+          <a:ext cx="0" cy="0"/>
+          <a:chOff x="0" y="0"/>
+          <a:chExt cx="0" cy="0"/>
+        </a:xfrm>
+      </p:grpSpPr>
+      <p:sp>
+        <p:nvSpPr>
+          <p:cNvPr id="14339" name="Rectangle 3">
+            <a:extLst>
+              <a:ext uri="{FF2B5EF4-FFF2-40B4-BE49-F238E27FC236}">
+                <a16:creationId xmlns:a16="http://schemas.microsoft.com/office/drawing/2014/main" id="{56E01181-FA81-4C6D-9E62-C7D65FDA831E}"/>
+              </a:ext>
+            </a:extLst>
+          </p:cNvPr>
+          <p:cNvSpPr>
+            <a:spLocks noGrp="1" noChangeArrowheads="1"/>
+          </p:cNvSpPr>
+          <p:nvPr>
+            <p:ph type="body" idx="1"/>
+          </p:nvPr>
+        </p:nvSpPr>
+        <p:spPr>
+          <a:xfrm>
+            <a:off x="609600" y="2373313"/>
+            <a:ext cx="7924800" cy="2555875"/>
+          </a:xfrm>
+        </p:spPr>
+        <p:txBody>
+          <a:bodyPr/>
+          <a:lstStyle/>
+          <a:p>
+            <a:pPr algn="ctr">
+              <a:buFontTx/>
+              <a:buNone/>
+            </a:pPr>
+            <a:r>
+              <a:rPr lang="en-US" sz="4800"/>
+              <a:t>Cảm </a:t>
+            </a:r>
+            <a:r>
+              <a:rPr lang="en-US" sz="4800" smtClean="0"/>
+              <a:t>ơn thầy và các bạn </a:t>
+            </a:r>
+            <a:r>
+              <a:rPr lang="en-US" sz="4800"/>
+              <a:t>đã lắng nghe!</a:t>
+            </a:r>
+            <a:endParaRPr lang="en-US" altLang="en-US" sz="4800"/>
+          </a:p>
+        </p:txBody>
+      </p:sp>
+    </p:spTree>
   </p:cSld>
   <p:clrMapOvr>
     <a:masterClrMapping/>
@@ -3828,15 +4915,15 @@
       </p:grpSpPr>
       <p:sp>
         <p:nvSpPr>
-          <p:cNvPr id="2" name="Title 1">
+          <p:cNvPr id="25602" name="Rectangle 2">
             <a:extLst>
               <a:ext uri="{FF2B5EF4-FFF2-40B4-BE49-F238E27FC236}">
-                <a16:creationId xmlns:a16="http://schemas.microsoft.com/office/drawing/2014/main" id="{061B9D7D-4317-4631-ACB3-6E9785874FF0}"/>
+                <a16:creationId xmlns:a16="http://schemas.microsoft.com/office/drawing/2014/main" id="{D09A8D8C-80F7-440C-BEF1-9EFA4CBAAA33}"/>
               </a:ext>
             </a:extLst>
           </p:cNvPr>
           <p:cNvSpPr>
-            <a:spLocks noGrp="1"/>
+            <a:spLocks noGrp="1" noChangeArrowheads="1"/>
           </p:cNvSpPr>
           <p:nvPr>
             <p:ph type="title"/>
@@ -3851,47 +4938,145 @@
               <a:rPr lang="en-US"/>
               <a:t>Mô tả các chức năng ứng dụng</a:t>
             </a:r>
-          </a:p>
-        </p:txBody>
-      </p:sp>
-      <p:sp>
-        <p:nvSpPr>
-          <p:cNvPr id="3" name="Content Placeholder 2">
+            <a:endParaRPr lang="en-US" altLang="en-US"/>
+          </a:p>
+        </p:txBody>
+      </p:sp>
+      <p:sp>
+        <p:nvSpPr>
+          <p:cNvPr id="25603" name="Rectangle 3">
             <a:extLst>
               <a:ext uri="{FF2B5EF4-FFF2-40B4-BE49-F238E27FC236}">
-                <a16:creationId xmlns:a16="http://schemas.microsoft.com/office/drawing/2014/main" id="{A20454D0-BD4E-4529-92BC-E80543E9E57E}"/>
+                <a16:creationId xmlns:a16="http://schemas.microsoft.com/office/drawing/2014/main" id="{2EE127BF-401A-4C36-A14A-872ADB44AB18}"/>
               </a:ext>
             </a:extLst>
           </p:cNvPr>
           <p:cNvSpPr>
-            <a:spLocks noGrp="1"/>
-          </p:cNvSpPr>
-          <p:nvPr>
-            <p:ph idx="1"/>
-          </p:nvPr>
-        </p:nvSpPr>
-        <p:spPr/>
+            <a:spLocks noGrp="1" noChangeArrowheads="1"/>
+          </p:cNvSpPr>
+          <p:nvPr>
+            <p:ph type="body" idx="1"/>
+          </p:nvPr>
+        </p:nvSpPr>
+        <p:spPr>
+          <a:xfrm>
+            <a:off x="762000" y="1633538"/>
+            <a:ext cx="8077200" cy="4767262"/>
+          </a:xfrm>
+        </p:spPr>
         <p:txBody>
           <a:bodyPr/>
           <a:lstStyle/>
           <a:p>
-            <a:r>
-              <a:rPr lang="en-US"/>
-              <a:t>Mô tả dự án, các chức năng của ứng dụng</a:t>
-            </a:r>
+            <a:pPr marL="0" indent="0">
+              <a:buNone/>
+            </a:pPr>
+            <a:r>
+              <a:rPr lang="en-US" altLang="en-US" sz="2000" smtClean="0"/>
+              <a:t>- Dự án là một ứng dụng web hỗ trợ người dùng (Sinh Viên) lưu trữ thông tin và đường dẫn đến các dự án mà mình đã từng thực hiện. Xem thông tin cùng với tiến độ hoàn thành các deadline của bản thân. Dự án bao gồm các chức năng:</a:t>
+            </a:r>
+          </a:p>
+          <a:p>
+            <a:r>
+              <a:rPr lang="en-US" altLang="en-US" sz="1600" smtClean="0"/>
+              <a:t>Đăng nhập.</a:t>
+            </a:r>
+          </a:p>
+          <a:p>
+            <a:r>
+              <a:rPr lang="en-US" altLang="en-US" sz="1600" smtClean="0"/>
+              <a:t>Đăng xuất.</a:t>
+            </a:r>
+            <a:endParaRPr lang="en-US" altLang="en-US" sz="1600" smtClean="0"/>
+          </a:p>
+          <a:p>
+            <a:r>
+              <a:rPr lang="en-US" altLang="en-US" sz="1600" smtClean="0"/>
+              <a:t>Xem thông tin dự án đã thực hiện.</a:t>
+            </a:r>
+          </a:p>
+          <a:p>
+            <a:r>
+              <a:rPr lang="en-US" altLang="en-US" sz="1600" smtClean="0"/>
+              <a:t>Thêm dự án đã thực hiện.</a:t>
+            </a:r>
+          </a:p>
+          <a:p>
+            <a:r>
+              <a:rPr lang="en-US" altLang="en-US" sz="1600"/>
+              <a:t>Sửa dự án đã thực hiện.</a:t>
+            </a:r>
+          </a:p>
+          <a:p>
+            <a:r>
+              <a:rPr lang="en-US" altLang="en-US" sz="1600"/>
+              <a:t>Xóa dự án đã thực </a:t>
+            </a:r>
+            <a:r>
+              <a:rPr lang="en-US" altLang="en-US" sz="1600"/>
+              <a:t>hiện</a:t>
+            </a:r>
+            <a:r>
+              <a:rPr lang="en-US" altLang="en-US" sz="1600" smtClean="0"/>
+              <a:t>.</a:t>
+            </a:r>
+          </a:p>
+          <a:p>
+            <a:r>
+              <a:rPr lang="en-US" altLang="en-US" sz="1600"/>
+              <a:t>Xem thông </a:t>
+            </a:r>
+            <a:r>
+              <a:rPr lang="en-US" altLang="en-US" sz="1600"/>
+              <a:t>tin </a:t>
+            </a:r>
+            <a:r>
+              <a:rPr lang="en-US" altLang="en-US" sz="1600" smtClean="0"/>
+              <a:t>các deadline.</a:t>
+            </a:r>
+          </a:p>
+          <a:p>
+            <a:r>
+              <a:rPr lang="en-US" altLang="en-US" sz="1600" smtClean="0"/>
+              <a:t>Thêm các deadline.</a:t>
+            </a:r>
+          </a:p>
+          <a:p>
+            <a:r>
+              <a:rPr lang="en-US" altLang="en-US" sz="1600" smtClean="0"/>
+              <a:t>Sửa deadline.</a:t>
+            </a:r>
+          </a:p>
+          <a:p>
+            <a:r>
+              <a:rPr lang="en-US" altLang="en-US" sz="1600" smtClean="0"/>
+              <a:t>Xóa deadline.</a:t>
+            </a:r>
+          </a:p>
+          <a:p>
+            <a:r>
+              <a:rPr lang="en-US" altLang="en-US" sz="1600" smtClean="0"/>
+              <a:t>Xem tình trạng deadline hiện tại</a:t>
+            </a:r>
+            <a:endParaRPr lang="en-US" altLang="en-US" sz="1600"/>
+          </a:p>
+          <a:p>
+            <a:endParaRPr lang="en-US" altLang="en-US"/>
           </a:p>
         </p:txBody>
       </p:sp>
     </p:spTree>
-    <p:extLst>
-      <p:ext uri="{BB962C8B-B14F-4D97-AF65-F5344CB8AC3E}">
-        <p14:creationId xmlns:p14="http://schemas.microsoft.com/office/powerpoint/2010/main" val="2752256483"/>
-      </p:ext>
-    </p:extLst>
   </p:cSld>
   <p:clrMapOvr>
     <a:masterClrMapping/>
   </p:clrMapOvr>
+  <p:timing>
+    <p:tnLst>
+      <p:par>
+        <p:cTn id="1" dur="indefinite" restart="never" nodeType="tmRoot"/>
+      </p:par>
+    </p:tnLst>
+  </p:timing>
 </p:sld>
 </file>
 
@@ -3914,13 +5099,7 @@
       </p:grpSpPr>
       <p:sp>
         <p:nvSpPr>
-          <p:cNvPr id="2" name="Title 1">
-            <a:extLst>
-              <a:ext uri="{FF2B5EF4-FFF2-40B4-BE49-F238E27FC236}">
-                <a16:creationId xmlns:a16="http://schemas.microsoft.com/office/drawing/2014/main" id="{1D87B49D-3DDD-433B-B354-F3A7AE0C7A3A}"/>
-              </a:ext>
-            </a:extLst>
-          </p:cNvPr>
+          <p:cNvPr id="2" name="Title 1"/>
           <p:cNvSpPr>
             <a:spLocks noGrp="1"/>
           </p:cNvSpPr>
@@ -3935,20 +5114,15 @@
           <a:p>
             <a:r>
               <a:rPr lang="en-US"/>
-              <a:t>Phân công công việc (nếu làm nhóm)</a:t>
-            </a:r>
-          </a:p>
-        </p:txBody>
-      </p:sp>
-      <p:sp>
-        <p:nvSpPr>
-          <p:cNvPr id="3" name="Content Placeholder 2">
-            <a:extLst>
-              <a:ext uri="{FF2B5EF4-FFF2-40B4-BE49-F238E27FC236}">
-                <a16:creationId xmlns:a16="http://schemas.microsoft.com/office/drawing/2014/main" id="{C6F5838A-220B-496E-89DA-616D275D6722}"/>
-              </a:ext>
-            </a:extLst>
-          </p:cNvPr>
+              <a:t>Cơ sở dữ liệu</a:t>
+            </a:r>
+            <a:endParaRPr lang="vi-VN"/>
+          </a:p>
+        </p:txBody>
+      </p:sp>
+      <p:sp>
+        <p:nvSpPr>
+          <p:cNvPr id="3" name="Content Placeholder 2"/>
           <p:cNvSpPr>
             <a:spLocks noGrp="1"/>
           </p:cNvSpPr>
@@ -3956,74 +5130,187 @@
             <p:ph idx="1"/>
           </p:nvPr>
         </p:nvSpPr>
-        <p:spPr/>
+        <p:spPr>
+          <a:xfrm>
+            <a:off x="609600" y="1633538"/>
+            <a:ext cx="8229600" cy="5224462"/>
+          </a:xfrm>
+        </p:spPr>
         <p:txBody>
           <a:bodyPr/>
           <a:lstStyle/>
           <a:p>
-            <a:r>
-              <a:rPr lang="en-US"/>
-              <a:t>Nguyễn Văn A</a:t>
-            </a:r>
-          </a:p>
-          <a:p>
-            <a:pPr lvl="1">
-              <a:buFont typeface="Wingdings" panose="05000000000000000000" pitchFamily="2" charset="2"/>
-              <a:buChar char="ü"/>
+            <a:pPr marL="514350" indent="-514350">
+              <a:buFont typeface="+mj-lt"/>
+              <a:buAutoNum type="arabicPeriod"/>
             </a:pPr>
             <a:r>
-              <a:rPr lang="en-US"/>
-              <a:t> …</a:t>
-            </a:r>
-          </a:p>
-          <a:p>
-            <a:pPr lvl="1">
-              <a:buFont typeface="Wingdings" panose="05000000000000000000" pitchFamily="2" charset="2"/>
-              <a:buChar char="ü"/>
+              <a:rPr lang="en-US" smtClean="0"/>
+              <a:t>Collection &lt;users&gt;</a:t>
+            </a:r>
+          </a:p>
+          <a:p>
+            <a:pPr lvl="1"/>
+            <a:r>
+              <a:rPr lang="en-US" sz="2100"/>
+              <a:t>id: chứa id của người </a:t>
+            </a:r>
+            <a:r>
+              <a:rPr lang="en-US" sz="2100"/>
+              <a:t>dùng</a:t>
+            </a:r>
+            <a:r>
+              <a:rPr lang="en-US" sz="2100" smtClean="0"/>
+              <a:t>.</a:t>
+            </a:r>
+            <a:endParaRPr lang="en-US" smtClean="0"/>
+          </a:p>
+          <a:p>
+            <a:pPr lvl="1"/>
+            <a:r>
+              <a:rPr lang="en-US" sz="2100" smtClean="0"/>
+              <a:t>name (string): chứa tên đăng nhập của người dùng.</a:t>
+            </a:r>
+            <a:endParaRPr lang="en-US" sz="2100"/>
+          </a:p>
+          <a:p>
+            <a:pPr lvl="1"/>
+            <a:r>
+              <a:rPr lang="en-US" sz="2100" smtClean="0"/>
+              <a:t>password (string): chứa mật khẩu của người dùng.</a:t>
+            </a:r>
+            <a:endParaRPr lang="en-US" sz="2100"/>
+          </a:p>
+          <a:p>
+            <a:pPr lvl="1"/>
+            <a:r>
+              <a:rPr lang="en-US" sz="2100" smtClean="0"/>
+              <a:t>email (string): chứa email của người dùng.</a:t>
+            </a:r>
+          </a:p>
+          <a:p>
+            <a:pPr lvl="1"/>
+            <a:r>
+              <a:rPr lang="en-US" sz="2100" smtClean="0"/>
+              <a:t>id: chứa id của người dùng.</a:t>
+            </a:r>
+          </a:p>
+          <a:p>
+            <a:pPr marL="457200" lvl="1" indent="0">
+              <a:spcBef>
+                <a:spcPts val="0"/>
+              </a:spcBef>
+              <a:spcAft>
+                <a:spcPts val="0"/>
+              </a:spcAft>
+              <a:buNone/>
             </a:pPr>
-            <a:r>
-              <a:rPr lang="en-US"/>
-              <a:t> …</a:t>
-            </a:r>
-          </a:p>
-          <a:p>
-            <a:r>
-              <a:rPr lang="en-US"/>
-              <a:t>Trần Thị B</a:t>
-            </a:r>
-          </a:p>
-          <a:p>
-            <a:pPr lvl="1">
-              <a:buFont typeface="Wingdings" panose="05000000000000000000" pitchFamily="2" charset="2"/>
-              <a:buChar char="ü"/>
+            <a:endParaRPr lang="en-US"/>
+          </a:p>
+          <a:p>
+            <a:pPr marL="514350" indent="-514350">
+              <a:buFont typeface="+mj-lt"/>
+              <a:buAutoNum type="arabicPeriod"/>
             </a:pPr>
             <a:r>
-              <a:rPr lang="en-US"/>
-              <a:t> …</a:t>
-            </a:r>
-          </a:p>
-          <a:p>
-            <a:pPr lvl="1">
-              <a:buFont typeface="Wingdings" panose="05000000000000000000" pitchFamily="2" charset="2"/>
-              <a:buChar char="ü"/>
+              <a:rPr lang="en-US" smtClean="0"/>
+              <a:t>Collection &lt;projects&gt;</a:t>
+            </a:r>
+          </a:p>
+          <a:p>
+            <a:pPr lvl="1"/>
+            <a:r>
+              <a:rPr lang="en-US" sz="2000"/>
+              <a:t>name (string): chứa </a:t>
+            </a:r>
+            <a:r>
+              <a:rPr lang="en-US" sz="2000"/>
+              <a:t>tên </a:t>
+            </a:r>
+            <a:r>
+              <a:rPr lang="en-US" sz="2000" smtClean="0"/>
+              <a:t>của dự án đã thực hiện.</a:t>
+            </a:r>
+            <a:endParaRPr lang="en-US" sz="2000"/>
+          </a:p>
+          <a:p>
+            <a:pPr lvl="1"/>
+            <a:r>
+              <a:rPr lang="en-US" sz="2000" smtClean="0"/>
+              <a:t>decripsion (string): </a:t>
+            </a:r>
+            <a:r>
+              <a:rPr lang="en-US" sz="2000"/>
+              <a:t>chứa </a:t>
+            </a:r>
+            <a:r>
+              <a:rPr lang="en-US" sz="2000" smtClean="0"/>
+              <a:t>mô tả của dự án.</a:t>
+            </a:r>
+          </a:p>
+          <a:p>
+            <a:pPr lvl="1"/>
+            <a:r>
+              <a:rPr lang="en-US" sz="2000" smtClean="0"/>
+              <a:t>link (string): chứa đường dẫn đến nơi lưu trữ dự án.</a:t>
+            </a:r>
+            <a:endParaRPr lang="vi-VN" sz="2000" smtClean="0"/>
+          </a:p>
+          <a:p>
+            <a:pPr lvl="1"/>
+            <a:r>
+              <a:rPr lang="vi-VN" sz="2000" smtClean="0"/>
+              <a:t>ownerId: chứa id của chủ sở hữu project.</a:t>
+            </a:r>
+            <a:r>
+              <a:rPr lang="vi-VN"/>
+              <a:t/>
+            </a:r>
+            <a:br>
+              <a:rPr lang="vi-VN"/>
+            </a:br>
+            <a:endParaRPr lang="en-US" smtClean="0"/>
+          </a:p>
+          <a:p>
+            <a:pPr marL="457200" lvl="1" indent="0">
+              <a:buNone/>
             </a:pPr>
-            <a:r>
-              <a:rPr lang="en-US"/>
-              <a:t> …</a:t>
-            </a:r>
+            <a:endParaRPr lang="en-US" sz="2100"/>
+          </a:p>
+          <a:p>
+            <a:pPr marL="0" indent="0">
+              <a:buNone/>
+            </a:pPr>
+            <a:endParaRPr lang="en-US" sz="2400"/>
+          </a:p>
+          <a:p>
+            <a:endParaRPr lang="en-US" sz="2400"/>
+          </a:p>
+          <a:p>
+            <a:pPr marL="0" indent="0">
+              <a:buNone/>
+            </a:pPr>
+            <a:endParaRPr lang="vi-VN"/>
           </a:p>
         </p:txBody>
       </p:sp>
     </p:spTree>
     <p:extLst>
       <p:ext uri="{BB962C8B-B14F-4D97-AF65-F5344CB8AC3E}">
-        <p14:creationId xmlns:p14="http://schemas.microsoft.com/office/powerpoint/2010/main" val="701058346"/>
+        <p14:creationId xmlns:p14="http://schemas.microsoft.com/office/powerpoint/2010/main" val="2629723326"/>
       </p:ext>
     </p:extLst>
   </p:cSld>
   <p:clrMapOvr>
     <a:masterClrMapping/>
   </p:clrMapOvr>
+  <p:timing>
+    <p:tnLst>
+      <p:par>
+        <p:cTn id="1" dur="indefinite" restart="never" nodeType="tmRoot"/>
+      </p:par>
+    </p:tnLst>
+  </p:timing>
 </p:sld>
 </file>
 
@@ -4046,13 +5333,7 @@
       </p:grpSpPr>
       <p:sp>
         <p:nvSpPr>
-          <p:cNvPr id="2" name="Title 1">
-            <a:extLst>
-              <a:ext uri="{FF2B5EF4-FFF2-40B4-BE49-F238E27FC236}">
-                <a16:creationId xmlns:a16="http://schemas.microsoft.com/office/drawing/2014/main" id="{B146936C-6939-4D3A-8CF3-5548DA3AE45A}"/>
-              </a:ext>
-            </a:extLst>
-          </p:cNvPr>
+          <p:cNvPr id="2" name="Title 1"/>
           <p:cNvSpPr>
             <a:spLocks noGrp="1"/>
           </p:cNvSpPr>
@@ -4069,18 +5350,13 @@
               <a:rPr lang="en-US"/>
               <a:t>Cơ sở dữ liệu</a:t>
             </a:r>
-          </a:p>
-        </p:txBody>
-      </p:sp>
-      <p:sp>
-        <p:nvSpPr>
-          <p:cNvPr id="3" name="Content Placeholder 2">
-            <a:extLst>
-              <a:ext uri="{FF2B5EF4-FFF2-40B4-BE49-F238E27FC236}">
-                <a16:creationId xmlns:a16="http://schemas.microsoft.com/office/drawing/2014/main" id="{6BFC6E46-C5DF-4A9B-869A-F1C70CCD874E}"/>
-              </a:ext>
-            </a:extLst>
-          </p:cNvPr>
+            <a:endParaRPr lang="vi-VN"/>
+          </a:p>
+        </p:txBody>
+      </p:sp>
+      <p:sp>
+        <p:nvSpPr>
+          <p:cNvPr id="3" name="Content Placeholder 2"/>
           <p:cNvSpPr>
             <a:spLocks noGrp="1"/>
           </p:cNvSpPr>
@@ -4093,23 +5369,162 @@
           <a:bodyPr/>
           <a:lstStyle/>
           <a:p>
+            <a:pPr marL="514350" indent="-514350">
+              <a:buFont typeface="+mj-lt"/>
+              <a:buAutoNum type="arabicPeriod" startAt="3"/>
+            </a:pPr>
             <a:r>
               <a:rPr lang="en-US"/>
-              <a:t>Thông tin các collection trong MongoDB được dùng cho ứng dụng (1 hoặc nhiều slide)</a:t>
-            </a:r>
+              <a:t>Collection </a:t>
+            </a:r>
+            <a:r>
+              <a:rPr lang="en-US" smtClean="0"/>
+              <a:t>&lt;deadlines&gt;</a:t>
+            </a:r>
+            <a:endParaRPr lang="en-US"/>
+          </a:p>
+          <a:p>
+            <a:pPr lvl="1"/>
+            <a:r>
+              <a:rPr lang="en-US" sz="2100"/>
+              <a:t>name (string): chứa </a:t>
+            </a:r>
+            <a:r>
+              <a:rPr lang="en-US" sz="2100"/>
+              <a:t>tên </a:t>
+            </a:r>
+            <a:r>
+              <a:rPr lang="en-US" sz="2100" smtClean="0"/>
+              <a:t>của deadline.</a:t>
+            </a:r>
+            <a:endParaRPr lang="en-US" sz="2100"/>
+          </a:p>
+          <a:p>
+            <a:pPr lvl="1"/>
+            <a:r>
+              <a:rPr lang="en-US" sz="2100" smtClean="0"/>
+              <a:t>decripsion </a:t>
+            </a:r>
+            <a:r>
+              <a:rPr lang="en-US" sz="2100"/>
+              <a:t>(string): </a:t>
+            </a:r>
+            <a:r>
+              <a:rPr lang="en-US" sz="2100"/>
+              <a:t>chứa </a:t>
+            </a:r>
+            <a:r>
+              <a:rPr lang="en-US" sz="2100" smtClean="0"/>
+              <a:t>mô tả của deadline.</a:t>
+            </a:r>
+            <a:endParaRPr lang="en-US" sz="2100"/>
+          </a:p>
+          <a:p>
+            <a:pPr lvl="1"/>
+            <a:r>
+              <a:rPr lang="en-US" sz="2100" smtClean="0"/>
+              <a:t>day (number): </a:t>
+            </a:r>
+            <a:r>
+              <a:rPr lang="en-US" sz="2100"/>
+              <a:t>chứa </a:t>
+            </a:r>
+            <a:r>
+              <a:rPr lang="en-US" sz="2100" smtClean="0"/>
+              <a:t>ngày cuối </a:t>
+            </a:r>
+            <a:r>
+              <a:rPr lang="en-US" sz="2100"/>
+              <a:t>của deadline</a:t>
+            </a:r>
+            <a:r>
+              <a:rPr lang="en-US" sz="2100" smtClean="0"/>
+              <a:t>.</a:t>
+            </a:r>
+          </a:p>
+          <a:p>
+            <a:pPr lvl="1"/>
+            <a:r>
+              <a:rPr lang="en-US" sz="2100" smtClean="0"/>
+              <a:t>month (number): chứa tháng cuối </a:t>
+            </a:r>
+            <a:r>
+              <a:rPr lang="en-US" sz="2100"/>
+              <a:t>của deadline</a:t>
+            </a:r>
+            <a:r>
+              <a:rPr lang="en-US" sz="2100" smtClean="0"/>
+              <a:t>.</a:t>
+            </a:r>
+          </a:p>
+          <a:p>
+            <a:pPr lvl="1"/>
+            <a:r>
+              <a:rPr lang="en-US" sz="2100" smtClean="0"/>
+              <a:t>year (number): chứa năm cuối </a:t>
+            </a:r>
+            <a:r>
+              <a:rPr lang="en-US" sz="2100"/>
+              <a:t>của </a:t>
+            </a:r>
+            <a:r>
+              <a:rPr lang="en-US" sz="2100"/>
+              <a:t>deadline</a:t>
+            </a:r>
+            <a:r>
+              <a:rPr lang="en-US" sz="2100" smtClean="0"/>
+              <a:t>.</a:t>
+            </a:r>
+          </a:p>
+          <a:p>
+            <a:pPr lvl="1"/>
+            <a:r>
+              <a:rPr lang="en-US" sz="2100"/>
+              <a:t>d</a:t>
+            </a:r>
+            <a:r>
+              <a:rPr lang="en-US" sz="2100" smtClean="0"/>
+              <a:t>one (boolean): chứa trạng thái của deadline.</a:t>
+            </a:r>
+          </a:p>
+          <a:p>
+            <a:pPr lvl="1"/>
+            <a:r>
+              <a:rPr lang="en-US" sz="2100"/>
+              <a:t>ownerId: chứa id của chủ sở </a:t>
+            </a:r>
+            <a:r>
+              <a:rPr lang="en-US" sz="2100"/>
+              <a:t>hữu </a:t>
+            </a:r>
+            <a:r>
+              <a:rPr lang="en-US" sz="2100" smtClean="0"/>
+              <a:t>deadline.</a:t>
+            </a:r>
+            <a:endParaRPr lang="en-US" sz="2100"/>
+          </a:p>
+          <a:p>
+            <a:endParaRPr lang="vi-VN"/>
           </a:p>
         </p:txBody>
       </p:sp>
     </p:spTree>
     <p:extLst>
       <p:ext uri="{BB962C8B-B14F-4D97-AF65-F5344CB8AC3E}">
-        <p14:creationId xmlns:p14="http://schemas.microsoft.com/office/powerpoint/2010/main" val="3234745026"/>
+        <p14:creationId xmlns:p14="http://schemas.microsoft.com/office/powerpoint/2010/main" val="3986789291"/>
       </p:ext>
     </p:extLst>
   </p:cSld>
   <p:clrMapOvr>
     <a:masterClrMapping/>
   </p:clrMapOvr>
+  <p:timing>
+    <p:tnLst>
+      <p:par>
+        <p:cTn id="1" dur="indefinite" restart="never" nodeType="tmRoot"/>
+      </p:par>
+    </p:tnLst>
+  </p:timing>
 </p:sld>
 </file>
 
@@ -4132,13 +5547,7 @@
       </p:grpSpPr>
       <p:sp>
         <p:nvSpPr>
-          <p:cNvPr id="2" name="Title 1">
-            <a:extLst>
-              <a:ext uri="{FF2B5EF4-FFF2-40B4-BE49-F238E27FC236}">
-                <a16:creationId xmlns:a16="http://schemas.microsoft.com/office/drawing/2014/main" id="{80CD659C-9896-42FF-B713-BC02DFE66269}"/>
-              </a:ext>
-            </a:extLst>
-          </p:cNvPr>
+          <p:cNvPr id="2" name="Title 1"/>
           <p:cNvSpPr>
             <a:spLocks noGrp="1"/>
           </p:cNvSpPr>
@@ -4155,18 +5564,13 @@
               <a:rPr lang="en-US"/>
               <a:t>HTTP API</a:t>
             </a:r>
-          </a:p>
-        </p:txBody>
-      </p:sp>
-      <p:sp>
-        <p:nvSpPr>
-          <p:cNvPr id="3" name="Content Placeholder 2">
-            <a:extLst>
-              <a:ext uri="{FF2B5EF4-FFF2-40B4-BE49-F238E27FC236}">
-                <a16:creationId xmlns:a16="http://schemas.microsoft.com/office/drawing/2014/main" id="{4DE5D54E-388C-4272-9762-8D19502166C2}"/>
-              </a:ext>
-            </a:extLst>
-          </p:cNvPr>
+            <a:endParaRPr lang="vi-VN"/>
+          </a:p>
+        </p:txBody>
+      </p:sp>
+      <p:sp>
+        <p:nvSpPr>
+          <p:cNvPr id="3" name="Content Placeholder 2"/>
           <p:cNvSpPr>
             <a:spLocks noGrp="1"/>
           </p:cNvSpPr>
@@ -4179,29 +5583,419 @@
           <a:bodyPr/>
           <a:lstStyle/>
           <a:p>
+            <a:pPr>
+              <a:buFont typeface="Wingdings" panose="05000000000000000000" pitchFamily="2" charset="2"/>
+              <a:buChar char="Ø"/>
+            </a:pPr>
+            <a:r>
+              <a:rPr lang="en-US" smtClean="0"/>
+              <a:t> Các </a:t>
+            </a:r>
             <a:r>
               <a:rPr lang="en-US"/>
-              <a:t>Liệt kê các route của HTTP API đã xây dựng (phần backend node/express), API của bên thứ ba được dùng trong dự án</a:t>
-            </a:r>
-          </a:p>
-          <a:p>
+              <a:t>route </a:t>
+            </a:r>
             <a:r>
               <a:rPr lang="en-US"/>
-              <a:t>Với mỗi route, cho biết dữ liệu cần gửi về server (nếu có), dữ liệu server trả về (có thể kẻ bảng để trình bày) – 1 hoặc nhiều slide</a:t>
-            </a:r>
-          </a:p>
-        </p:txBody>
-      </p:sp>
+              <a:t>của </a:t>
+            </a:r>
+            <a:r>
+              <a:rPr lang="en-US" smtClean="0"/>
+              <a:t>HTTP </a:t>
+            </a:r>
+            <a:r>
+              <a:rPr lang="en-US"/>
+              <a:t>API đã </a:t>
+            </a:r>
+            <a:r>
+              <a:rPr lang="en-US"/>
+              <a:t>xây </a:t>
+            </a:r>
+            <a:r>
+              <a:rPr lang="en-US" smtClean="0"/>
+              <a:t>dựng:</a:t>
+            </a:r>
+          </a:p>
+          <a:p>
+            <a:pPr lvl="1"/>
+            <a:r>
+              <a:rPr lang="en-US" smtClean="0"/>
+              <a:t>user</a:t>
+            </a:r>
+            <a:endParaRPr lang="en-US"/>
+          </a:p>
+          <a:p>
+            <a:pPr>
+              <a:buFont typeface="Wingdings" panose="05000000000000000000" pitchFamily="2" charset="2"/>
+              <a:buChar char="Ø"/>
+            </a:pPr>
+            <a:endParaRPr lang="en-US" smtClean="0"/>
+          </a:p>
+          <a:p>
+            <a:pPr>
+              <a:buFont typeface="Wingdings" panose="05000000000000000000" pitchFamily="2" charset="2"/>
+              <a:buChar char="Ø"/>
+            </a:pPr>
+            <a:endParaRPr lang="en-US" smtClean="0"/>
+          </a:p>
+        </p:txBody>
+      </p:sp>
+      <p:graphicFrame>
+        <p:nvGraphicFramePr>
+          <p:cNvPr id="4" name="Table 3"/>
+          <p:cNvGraphicFramePr>
+            <a:graphicFrameLocks noGrp="1"/>
+          </p:cNvGraphicFramePr>
+          <p:nvPr>
+            <p:extLst>
+              <p:ext uri="{D42A27DB-BD31-4B8C-83A1-F6EECF244321}">
+                <p14:modId xmlns:p14="http://schemas.microsoft.com/office/powerpoint/2010/main" val="1626061822"/>
+              </p:ext>
+            </p:extLst>
+          </p:nvPr>
+        </p:nvGraphicFramePr>
+        <p:xfrm>
+          <a:off x="1143000" y="2819400"/>
+          <a:ext cx="7467600" cy="1988705"/>
+        </p:xfrm>
+        <a:graphic>
+          <a:graphicData uri="http://schemas.openxmlformats.org/drawingml/2006/table">
+            <a:tbl>
+              <a:tblPr firstRow="1" bandRow="1">
+                <a:tableStyleId>{5C22544A-7EE6-4342-B048-85BDC9FD1C3A}</a:tableStyleId>
+              </a:tblPr>
+              <a:tblGrid>
+                <a:gridCol w="2489200">
+                  <a:extLst>
+                    <a:ext uri="{9D8B030D-6E8A-4147-A177-3AD203B41FA5}">
+                      <a16:colId xmlns:a16="http://schemas.microsoft.com/office/drawing/2014/main" val="3658690434"/>
+                    </a:ext>
+                  </a:extLst>
+                </a:gridCol>
+                <a:gridCol w="2489200">
+                  <a:extLst>
+                    <a:ext uri="{9D8B030D-6E8A-4147-A177-3AD203B41FA5}">
+                      <a16:colId xmlns:a16="http://schemas.microsoft.com/office/drawing/2014/main" val="223987106"/>
+                    </a:ext>
+                  </a:extLst>
+                </a:gridCol>
+                <a:gridCol w="2489200">
+                  <a:extLst>
+                    <a:ext uri="{9D8B030D-6E8A-4147-A177-3AD203B41FA5}">
+                      <a16:colId xmlns:a16="http://schemas.microsoft.com/office/drawing/2014/main" val="1571467356"/>
+                    </a:ext>
+                  </a:extLst>
+                </a:gridCol>
+              </a:tblGrid>
+              <a:tr h="434225">
+                <a:tc>
+                  <a:txBody>
+                    <a:bodyPr/>
+                    <a:lstStyle/>
+                    <a:p>
+                      <a:pPr algn="ctr"/>
+                      <a:r>
+                        <a:rPr lang="en-US" smtClean="0">
+                          <a:solidFill>
+                            <a:schemeClr val="tx1"/>
+                          </a:solidFill>
+                        </a:rPr>
+                        <a:t>route</a:t>
+                      </a:r>
+                      <a:endParaRPr lang="vi-VN">
+                        <a:solidFill>
+                          <a:schemeClr val="tx1"/>
+                        </a:solidFill>
+                      </a:endParaRPr>
+                    </a:p>
+                  </a:txBody>
+                  <a:tcPr/>
+                </a:tc>
+                <a:tc>
+                  <a:txBody>
+                    <a:bodyPr/>
+                    <a:lstStyle/>
+                    <a:p>
+                      <a:pPr algn="ctr"/>
+                      <a:r>
+                        <a:rPr lang="en-US" smtClean="0">
+                          <a:solidFill>
+                            <a:schemeClr val="tx1"/>
+                          </a:solidFill>
+                        </a:rPr>
+                        <a:t>dữ liệu cần gửi về </a:t>
+                      </a:r>
+                      <a:endParaRPr lang="vi-VN">
+                        <a:solidFill>
+                          <a:schemeClr val="tx1"/>
+                        </a:solidFill>
+                      </a:endParaRPr>
+                    </a:p>
+                  </a:txBody>
+                  <a:tcPr/>
+                </a:tc>
+                <a:tc>
+                  <a:txBody>
+                    <a:bodyPr/>
+                    <a:lstStyle/>
+                    <a:p>
+                      <a:pPr algn="ctr"/>
+                      <a:r>
+                        <a:rPr lang="en-US" smtClean="0">
+                          <a:solidFill>
+                            <a:schemeClr val="tx1"/>
+                          </a:solidFill>
+                        </a:rPr>
+                        <a:t>dữ liệu server trả về </a:t>
+                      </a:r>
+                      <a:endParaRPr lang="vi-VN">
+                        <a:solidFill>
+                          <a:schemeClr val="tx1"/>
+                        </a:solidFill>
+                      </a:endParaRPr>
+                    </a:p>
+                  </a:txBody>
+                  <a:tcPr/>
+                </a:tc>
+                <a:extLst>
+                  <a:ext uri="{0D108BD9-81ED-4DB2-BD59-A6C34878D82A}">
+                    <a16:rowId xmlns:a16="http://schemas.microsoft.com/office/drawing/2014/main" val="1832438486"/>
+                  </a:ext>
+                </a:extLst>
+              </a:tr>
+              <a:tr h="251575">
+                <a:tc>
+                  <a:txBody>
+                    <a:bodyPr/>
+                    <a:lstStyle/>
+                    <a:p>
+                      <a:pPr marL="0" marR="0" lvl="0" indent="0" algn="l" defTabSz="914400" rtl="0" eaLnBrk="1" fontAlgn="auto" latinLnBrk="0" hangingPunct="1">
+                        <a:lnSpc>
+                          <a:spcPct val="100000"/>
+                        </a:lnSpc>
+                        <a:spcBef>
+                          <a:spcPts val="0"/>
+                        </a:spcBef>
+                        <a:spcAft>
+                          <a:spcPts val="0"/>
+                        </a:spcAft>
+                        <a:buClrTx/>
+                        <a:buSzTx/>
+                        <a:buFontTx/>
+                        <a:buNone/>
+                        <a:tabLst/>
+                        <a:defRPr/>
+                      </a:pPr>
+                      <a:r>
+                        <a:rPr lang="vi-VN" sz="1800" b="0" kern="1200" smtClean="0">
+                          <a:solidFill>
+                            <a:schemeClr val="dk1"/>
+                          </a:solidFill>
+                          <a:effectLst/>
+                          <a:latin typeface="+mn-lt"/>
+                          <a:ea typeface="+mn-ea"/>
+                          <a:cs typeface="+mn-cs"/>
+                        </a:rPr>
+                        <a:t>- post(</a:t>
+                      </a:r>
+                      <a:r>
+                        <a:rPr lang="vi-VN" smtClean="0"/>
+                        <a:t>signup</a:t>
+                      </a:r>
+                      <a:r>
+                        <a:rPr lang="vi-VN" sz="1800" b="0" kern="1200" smtClean="0">
+                          <a:solidFill>
+                            <a:schemeClr val="dk1"/>
+                          </a:solidFill>
+                          <a:effectLst/>
+                          <a:latin typeface="+mn-lt"/>
+                          <a:ea typeface="+mn-ea"/>
+                          <a:cs typeface="+mn-cs"/>
+                        </a:rPr>
+                        <a:t>)</a:t>
+                      </a:r>
+                    </a:p>
+                  </a:txBody>
+                  <a:tcPr/>
+                </a:tc>
+                <a:tc>
+                  <a:txBody>
+                    <a:bodyPr/>
+                    <a:lstStyle/>
+                    <a:p>
+                      <a:r>
+                        <a:rPr lang="vi-VN" smtClean="0"/>
+                        <a:t>-</a:t>
+                      </a:r>
+                      <a:r>
+                        <a:rPr lang="vi-VN" baseline="0" smtClean="0"/>
+                        <a:t> </a:t>
+                      </a:r>
+                      <a:r>
+                        <a:rPr lang="vi-VN" smtClean="0"/>
+                        <a:t>name</a:t>
+                      </a:r>
+                    </a:p>
+                    <a:p>
+                      <a:r>
+                        <a:rPr lang="vi-VN" smtClean="0"/>
+                        <a:t>- password</a:t>
+                      </a:r>
+                    </a:p>
+                    <a:p>
+                      <a:r>
+                        <a:rPr lang="vi-VN" smtClean="0"/>
+                        <a:t>- email</a:t>
+                      </a:r>
+                      <a:endParaRPr lang="vi-VN"/>
+                    </a:p>
+                  </a:txBody>
+                  <a:tcPr/>
+                </a:tc>
+                <a:tc>
+                  <a:txBody>
+                    <a:bodyPr/>
+                    <a:lstStyle/>
+                    <a:p>
+                      <a:endParaRPr lang="vi-VN"/>
+                    </a:p>
+                  </a:txBody>
+                  <a:tcPr/>
+                </a:tc>
+                <a:extLst>
+                  <a:ext uri="{0D108BD9-81ED-4DB2-BD59-A6C34878D82A}">
+                    <a16:rowId xmlns:a16="http://schemas.microsoft.com/office/drawing/2014/main" val="2905777680"/>
+                  </a:ext>
+                </a:extLst>
+              </a:tr>
+              <a:tr h="251575">
+                <a:tc>
+                  <a:txBody>
+                    <a:bodyPr/>
+                    <a:lstStyle/>
+                    <a:p>
+                      <a:pPr marL="0" marR="0" lvl="0" indent="0" algn="l" defTabSz="914400" rtl="0" eaLnBrk="1" fontAlgn="auto" latinLnBrk="0" hangingPunct="1">
+                        <a:lnSpc>
+                          <a:spcPct val="100000"/>
+                        </a:lnSpc>
+                        <a:spcBef>
+                          <a:spcPts val="0"/>
+                        </a:spcBef>
+                        <a:spcAft>
+                          <a:spcPts val="0"/>
+                        </a:spcAft>
+                        <a:buClrTx/>
+                        <a:buSzTx/>
+                        <a:buFontTx/>
+                        <a:buNone/>
+                        <a:tabLst/>
+                        <a:defRPr/>
+                      </a:pPr>
+                      <a:r>
+                        <a:rPr lang="vi-VN" sz="1800" b="0" kern="1200" smtClean="0">
+                          <a:solidFill>
+                            <a:schemeClr val="dk1"/>
+                          </a:solidFill>
+                          <a:effectLst/>
+                          <a:latin typeface="+mn-lt"/>
+                          <a:ea typeface="+mn-ea"/>
+                          <a:cs typeface="+mn-cs"/>
+                        </a:rPr>
+                        <a:t>- post(</a:t>
+                      </a:r>
+                      <a:r>
+                        <a:rPr lang="vi-VN" smtClean="0"/>
+                        <a:t>signin</a:t>
+                      </a:r>
+                      <a:r>
+                        <a:rPr lang="vi-VN" sz="1800" b="0" kern="1200" smtClean="0">
+                          <a:solidFill>
+                            <a:schemeClr val="dk1"/>
+                          </a:solidFill>
+                          <a:effectLst/>
+                          <a:latin typeface="+mn-lt"/>
+                          <a:ea typeface="+mn-ea"/>
+                          <a:cs typeface="+mn-cs"/>
+                        </a:rPr>
+                        <a:t>)</a:t>
+                      </a:r>
+                      <a:endParaRPr lang="vi-VN" sz="1800" b="0" kern="1200" smtClean="0">
+                        <a:solidFill>
+                          <a:schemeClr val="dk1"/>
+                        </a:solidFill>
+                        <a:effectLst/>
+                        <a:latin typeface="+mn-lt"/>
+                        <a:ea typeface="+mn-ea"/>
+                        <a:cs typeface="+mn-cs"/>
+                      </a:endParaRPr>
+                    </a:p>
+                  </a:txBody>
+                  <a:tcPr/>
+                </a:tc>
+                <a:tc>
+                  <a:txBody>
+                    <a:bodyPr/>
+                    <a:lstStyle/>
+                    <a:p>
+                      <a:r>
+                        <a:rPr lang="vi-VN" smtClean="0"/>
+                        <a:t>-</a:t>
+                      </a:r>
+                      <a:r>
+                        <a:rPr lang="vi-VN" baseline="0" smtClean="0"/>
+                        <a:t> </a:t>
+                      </a:r>
+                      <a:r>
+                        <a:rPr lang="vi-VN" smtClean="0"/>
+                        <a:t>name</a:t>
+                      </a:r>
+                    </a:p>
+                    <a:p>
+                      <a:r>
+                        <a:rPr lang="vi-VN" smtClean="0"/>
+                        <a:t>- password</a:t>
+                      </a:r>
+                    </a:p>
+                  </a:txBody>
+                  <a:tcPr/>
+                </a:tc>
+                <a:tc>
+                  <a:txBody>
+                    <a:bodyPr/>
+                    <a:lstStyle/>
+                    <a:p>
+                      <a:endParaRPr lang="vi-VN"/>
+                    </a:p>
+                  </a:txBody>
+                  <a:tcPr/>
+                </a:tc>
+                <a:extLst>
+                  <a:ext uri="{0D108BD9-81ED-4DB2-BD59-A6C34878D82A}">
+                    <a16:rowId xmlns:a16="http://schemas.microsoft.com/office/drawing/2014/main" val="728130965"/>
+                  </a:ext>
+                </a:extLst>
+              </a:tr>
+            </a:tbl>
+          </a:graphicData>
+        </a:graphic>
+      </p:graphicFrame>
     </p:spTree>
     <p:extLst>
       <p:ext uri="{BB962C8B-B14F-4D97-AF65-F5344CB8AC3E}">
-        <p14:creationId xmlns:p14="http://schemas.microsoft.com/office/powerpoint/2010/main" val="3670930514"/>
+        <p14:creationId xmlns:p14="http://schemas.microsoft.com/office/powerpoint/2010/main" val="2760021337"/>
       </p:ext>
     </p:extLst>
   </p:cSld>
   <p:clrMapOvr>
     <a:masterClrMapping/>
   </p:clrMapOvr>
+  <p:timing>
+    <p:tnLst>
+      <p:par>
+        <p:cTn id="1" dur="indefinite" restart="never" nodeType="tmRoot"/>
+      </p:par>
+    </p:tnLst>
+  </p:timing>
 </p:sld>
 </file>
 
@@ -4224,13 +6018,7 @@
       </p:grpSpPr>
       <p:sp>
         <p:nvSpPr>
-          <p:cNvPr id="2" name="Title 1">
-            <a:extLst>
-              <a:ext uri="{FF2B5EF4-FFF2-40B4-BE49-F238E27FC236}">
-                <a16:creationId xmlns:a16="http://schemas.microsoft.com/office/drawing/2014/main" id="{7C04594A-8058-4F55-A3A6-4DAC8A31140C}"/>
-              </a:ext>
-            </a:extLst>
-          </p:cNvPr>
+          <p:cNvPr id="2" name="Title 1"/>
           <p:cNvSpPr>
             <a:spLocks noGrp="1"/>
           </p:cNvSpPr>
@@ -4245,20 +6033,15 @@
           <a:p>
             <a:r>
               <a:rPr lang="en-US"/>
-              <a:t>Kết quả thực hiện</a:t>
-            </a:r>
-          </a:p>
-        </p:txBody>
-      </p:sp>
-      <p:sp>
-        <p:nvSpPr>
-          <p:cNvPr id="3" name="Content Placeholder 2">
-            <a:extLst>
-              <a:ext uri="{FF2B5EF4-FFF2-40B4-BE49-F238E27FC236}">
-                <a16:creationId xmlns:a16="http://schemas.microsoft.com/office/drawing/2014/main" id="{F7A44069-7BC8-4825-9693-6901E3637ACA}"/>
-              </a:ext>
-            </a:extLst>
-          </p:cNvPr>
+              <a:t>HTTP API</a:t>
+            </a:r>
+            <a:endParaRPr lang="vi-VN"/>
+          </a:p>
+        </p:txBody>
+      </p:sp>
+      <p:sp>
+        <p:nvSpPr>
+          <p:cNvPr id="3" name="Content Placeholder 2"/>
           <p:cNvSpPr>
             <a:spLocks noGrp="1"/>
           </p:cNvSpPr>
@@ -4271,23 +6054,722 @@
           <a:bodyPr/>
           <a:lstStyle/>
           <a:p>
+            <a:pPr>
+              <a:buFont typeface="Wingdings" panose="05000000000000000000" pitchFamily="2" charset="2"/>
+              <a:buChar char="Ø"/>
+            </a:pPr>
             <a:r>
               <a:rPr lang="en-US"/>
-              <a:t>Hình ảnh các giao diện của ứng dụng khi chạy (có thể làm nhiều slide)</a:t>
-            </a:r>
-          </a:p>
-        </p:txBody>
-      </p:sp>
+              <a:t> Các route của HTTP API đã xây dựng:</a:t>
+            </a:r>
+          </a:p>
+          <a:p>
+            <a:pPr lvl="1"/>
+            <a:r>
+              <a:rPr lang="en-US" smtClean="0"/>
+              <a:t>project</a:t>
+            </a:r>
+            <a:endParaRPr lang="en-US"/>
+          </a:p>
+          <a:p>
+            <a:pPr>
+              <a:buFont typeface="Wingdings" panose="05000000000000000000" pitchFamily="2" charset="2"/>
+              <a:buChar char="Ø"/>
+            </a:pPr>
+            <a:endParaRPr lang="en-US"/>
+          </a:p>
+          <a:p>
+            <a:pPr>
+              <a:buFont typeface="Wingdings" panose="05000000000000000000" pitchFamily="2" charset="2"/>
+              <a:buChar char="Ø"/>
+            </a:pPr>
+            <a:endParaRPr lang="en-US"/>
+          </a:p>
+          <a:p>
+            <a:endParaRPr lang="vi-VN"/>
+          </a:p>
+        </p:txBody>
+      </p:sp>
+      <p:graphicFrame>
+        <p:nvGraphicFramePr>
+          <p:cNvPr id="6" name="Table 5"/>
+          <p:cNvGraphicFramePr>
+            <a:graphicFrameLocks noGrp="1"/>
+          </p:cNvGraphicFramePr>
+          <p:nvPr>
+            <p:extLst>
+              <p:ext uri="{D42A27DB-BD31-4B8C-83A1-F6EECF244321}">
+                <p14:modId xmlns:p14="http://schemas.microsoft.com/office/powerpoint/2010/main" val="3002417422"/>
+              </p:ext>
+            </p:extLst>
+          </p:nvPr>
+        </p:nvGraphicFramePr>
+        <p:xfrm>
+          <a:off x="1066800" y="2627745"/>
+          <a:ext cx="7391400" cy="3818775"/>
+        </p:xfrm>
+        <a:graphic>
+          <a:graphicData uri="http://schemas.openxmlformats.org/drawingml/2006/table">
+            <a:tbl>
+              <a:tblPr firstRow="1" bandRow="1">
+                <a:tableStyleId>{5C22544A-7EE6-4342-B048-85BDC9FD1C3A}</a:tableStyleId>
+              </a:tblPr>
+              <a:tblGrid>
+                <a:gridCol w="2463800">
+                  <a:extLst>
+                    <a:ext uri="{9D8B030D-6E8A-4147-A177-3AD203B41FA5}">
+                      <a16:colId xmlns:a16="http://schemas.microsoft.com/office/drawing/2014/main" val="3658690434"/>
+                    </a:ext>
+                  </a:extLst>
+                </a:gridCol>
+                <a:gridCol w="2463800">
+                  <a:extLst>
+                    <a:ext uri="{9D8B030D-6E8A-4147-A177-3AD203B41FA5}">
+                      <a16:colId xmlns:a16="http://schemas.microsoft.com/office/drawing/2014/main" val="223987106"/>
+                    </a:ext>
+                  </a:extLst>
+                </a:gridCol>
+                <a:gridCol w="2463800">
+                  <a:extLst>
+                    <a:ext uri="{9D8B030D-6E8A-4147-A177-3AD203B41FA5}">
+                      <a16:colId xmlns:a16="http://schemas.microsoft.com/office/drawing/2014/main" val="1571467356"/>
+                    </a:ext>
+                  </a:extLst>
+                </a:gridCol>
+              </a:tblGrid>
+              <a:tr h="267855">
+                <a:tc>
+                  <a:txBody>
+                    <a:bodyPr/>
+                    <a:lstStyle/>
+                    <a:p>
+                      <a:pPr algn="ctr"/>
+                      <a:r>
+                        <a:rPr lang="en-US" sz="1400" smtClean="0">
+                          <a:solidFill>
+                            <a:schemeClr val="tx1"/>
+                          </a:solidFill>
+                        </a:rPr>
+                        <a:t>route</a:t>
+                      </a:r>
+                      <a:endParaRPr lang="vi-VN" sz="1400">
+                        <a:solidFill>
+                          <a:schemeClr val="tx1"/>
+                        </a:solidFill>
+                      </a:endParaRPr>
+                    </a:p>
+                  </a:txBody>
+                  <a:tcPr/>
+                </a:tc>
+                <a:tc>
+                  <a:txBody>
+                    <a:bodyPr/>
+                    <a:lstStyle/>
+                    <a:p>
+                      <a:pPr algn="ctr"/>
+                      <a:r>
+                        <a:rPr lang="en-US" sz="1400" smtClean="0">
+                          <a:solidFill>
+                            <a:schemeClr val="tx1"/>
+                          </a:solidFill>
+                        </a:rPr>
+                        <a:t>dữ liệu cần gửi về server</a:t>
+                      </a:r>
+                      <a:endParaRPr lang="vi-VN" sz="1400">
+                        <a:solidFill>
+                          <a:schemeClr val="tx1"/>
+                        </a:solidFill>
+                      </a:endParaRPr>
+                    </a:p>
+                  </a:txBody>
+                  <a:tcPr/>
+                </a:tc>
+                <a:tc>
+                  <a:txBody>
+                    <a:bodyPr/>
+                    <a:lstStyle/>
+                    <a:p>
+                      <a:pPr algn="ctr"/>
+                      <a:r>
+                        <a:rPr lang="en-US" sz="1400" smtClean="0">
+                          <a:solidFill>
+                            <a:schemeClr val="tx1"/>
+                          </a:solidFill>
+                        </a:rPr>
+                        <a:t>dữ liệu server trả về </a:t>
+                      </a:r>
+                      <a:endParaRPr lang="vi-VN" sz="1400">
+                        <a:solidFill>
+                          <a:schemeClr val="tx1"/>
+                        </a:solidFill>
+                      </a:endParaRPr>
+                    </a:p>
+                  </a:txBody>
+                  <a:tcPr/>
+                </a:tc>
+                <a:extLst>
+                  <a:ext uri="{0D108BD9-81ED-4DB2-BD59-A6C34878D82A}">
+                    <a16:rowId xmlns:a16="http://schemas.microsoft.com/office/drawing/2014/main" val="1832438486"/>
+                  </a:ext>
+                </a:extLst>
+              </a:tr>
+              <a:tr h="724657">
+                <a:tc>
+                  <a:txBody>
+                    <a:bodyPr/>
+                    <a:lstStyle/>
+                    <a:p>
+                      <a:pPr marL="0" marR="0" lvl="0" indent="0" algn="l" defTabSz="914400" rtl="0" eaLnBrk="1" fontAlgn="auto" latinLnBrk="0" hangingPunct="1">
+                        <a:lnSpc>
+                          <a:spcPct val="100000"/>
+                        </a:lnSpc>
+                        <a:spcBef>
+                          <a:spcPts val="0"/>
+                        </a:spcBef>
+                        <a:spcAft>
+                          <a:spcPts val="0"/>
+                        </a:spcAft>
+                        <a:buClrTx/>
+                        <a:buSzTx/>
+                        <a:buFontTx/>
+                        <a:buNone/>
+                        <a:tabLst/>
+                        <a:defRPr/>
+                      </a:pPr>
+                      <a:r>
+                        <a:rPr lang="vi-VN" sz="1200" b="0" kern="1200" smtClean="0">
+                          <a:solidFill>
+                            <a:schemeClr val="dk1"/>
+                          </a:solidFill>
+                          <a:effectLst/>
+                          <a:latin typeface="+mn-lt"/>
+                          <a:ea typeface="+mn-ea"/>
+                          <a:cs typeface="+mn-cs"/>
+                        </a:rPr>
+                        <a:t>- get(findAll)</a:t>
+                      </a:r>
+                    </a:p>
+                  </a:txBody>
+                  <a:tcPr/>
+                </a:tc>
+                <a:tc>
+                  <a:txBody>
+                    <a:bodyPr/>
+                    <a:lstStyle/>
+                    <a:p>
+                      <a:endParaRPr lang="vi-VN" sz="1200"/>
+                    </a:p>
+                  </a:txBody>
+                  <a:tcPr/>
+                </a:tc>
+                <a:tc>
+                  <a:txBody>
+                    <a:bodyPr/>
+                    <a:lstStyle/>
+                    <a:p>
+                      <a:pPr marL="0" indent="0">
+                        <a:buFontTx/>
+                        <a:buNone/>
+                      </a:pPr>
+                      <a:r>
+                        <a:rPr lang="en-US" sz="1200" smtClean="0"/>
+                        <a:t>- id</a:t>
+                      </a:r>
+                      <a:endParaRPr lang="vi-VN" sz="1200" smtClean="0"/>
+                    </a:p>
+                    <a:p>
+                      <a:pPr>
+                        <a:buFontTx/>
+                        <a:buChar char="-"/>
+                      </a:pPr>
+                      <a:r>
+                        <a:rPr lang="vi-VN" sz="1200" baseline="0" smtClean="0"/>
+                        <a:t> n</a:t>
+                      </a:r>
+                      <a:r>
+                        <a:rPr lang="vi-VN" sz="1200" smtClean="0"/>
+                        <a:t>ame</a:t>
+                      </a:r>
+                      <a:r>
+                        <a:rPr lang="en-US" sz="1200" smtClean="0"/>
+                        <a:t> </a:t>
+                      </a:r>
+                      <a:endParaRPr lang="vi-VN" sz="1200" smtClean="0"/>
+                    </a:p>
+                    <a:p>
+                      <a:pPr marL="0" indent="0">
+                        <a:buFontTx/>
+                        <a:buNone/>
+                      </a:pPr>
+                      <a:r>
+                        <a:rPr lang="vi-VN" sz="1200" smtClean="0"/>
+                        <a:t>- decripsion</a:t>
+                      </a:r>
+                    </a:p>
+                    <a:p>
+                      <a:pPr marL="0" indent="0">
+                        <a:buFontTx/>
+                        <a:buNone/>
+                      </a:pPr>
+                      <a:r>
+                        <a:rPr lang="vi-VN" sz="1200" baseline="0" smtClean="0"/>
+                        <a:t>- l</a:t>
+                      </a:r>
+                      <a:r>
+                        <a:rPr lang="vi-VN" sz="1200" smtClean="0"/>
+                        <a:t>ink</a:t>
+                      </a:r>
+                    </a:p>
+                    <a:p>
+                      <a:pPr marL="0" indent="0">
+                        <a:buFontTx/>
+                        <a:buNone/>
+                      </a:pPr>
+                      <a:r>
+                        <a:rPr lang="vi-VN" sz="1200" smtClean="0"/>
+                        <a:t>- ownerId</a:t>
+                      </a:r>
+                    </a:p>
+                  </a:txBody>
+                  <a:tcPr/>
+                </a:tc>
+                <a:extLst>
+                  <a:ext uri="{0D108BD9-81ED-4DB2-BD59-A6C34878D82A}">
+                    <a16:rowId xmlns:a16="http://schemas.microsoft.com/office/drawing/2014/main" val="2905777680"/>
+                  </a:ext>
+                </a:extLst>
+              </a:tr>
+              <a:tr h="461145">
+                <a:tc>
+                  <a:txBody>
+                    <a:bodyPr/>
+                    <a:lstStyle/>
+                    <a:p>
+                      <a:pPr marL="0" marR="0" lvl="0" indent="0" algn="l" defTabSz="914400" rtl="0" eaLnBrk="1" fontAlgn="auto" latinLnBrk="0" hangingPunct="1">
+                        <a:lnSpc>
+                          <a:spcPct val="100000"/>
+                        </a:lnSpc>
+                        <a:spcBef>
+                          <a:spcPts val="0"/>
+                        </a:spcBef>
+                        <a:spcAft>
+                          <a:spcPts val="0"/>
+                        </a:spcAft>
+                        <a:buClrTx/>
+                        <a:buSzTx/>
+                        <a:buFontTx/>
+                        <a:buNone/>
+                        <a:tabLst/>
+                        <a:defRPr/>
+                      </a:pPr>
+                      <a:r>
+                        <a:rPr lang="vi-VN" sz="1200" smtClean="0"/>
+                        <a:t>- </a:t>
+                      </a:r>
+                      <a:r>
+                        <a:rPr lang="vi-VN" sz="1200" b="0" kern="1200" smtClean="0">
+                          <a:solidFill>
+                            <a:schemeClr val="dk1"/>
+                          </a:solidFill>
+                          <a:effectLst/>
+                          <a:latin typeface="+mn-lt"/>
+                          <a:ea typeface="+mn-ea"/>
+                          <a:cs typeface="+mn-cs"/>
+                        </a:rPr>
+                        <a:t>post(create)</a:t>
+                      </a:r>
+                    </a:p>
+                  </a:txBody>
+                  <a:tcPr/>
+                </a:tc>
+                <a:tc>
+                  <a:txBody>
+                    <a:bodyPr/>
+                    <a:lstStyle/>
+                    <a:p>
+                      <a:r>
+                        <a:rPr lang="vi-VN" sz="1200" smtClean="0"/>
+                        <a:t>- name</a:t>
+                      </a:r>
+                    </a:p>
+                    <a:p>
+                      <a:r>
+                        <a:rPr lang="vi-VN" sz="1200" smtClean="0"/>
+                        <a:t>- decripsion</a:t>
+                      </a:r>
+                    </a:p>
+                    <a:p>
+                      <a:r>
+                        <a:rPr lang="vi-VN" sz="1200" smtClean="0"/>
+                        <a:t>- link</a:t>
+                      </a:r>
+                    </a:p>
+                  </a:txBody>
+                  <a:tcPr/>
+                </a:tc>
+                <a:tc>
+                  <a:txBody>
+                    <a:bodyPr/>
+                    <a:lstStyle/>
+                    <a:p>
+                      <a:endParaRPr lang="vi-VN" sz="1200"/>
+                    </a:p>
+                  </a:txBody>
+                  <a:tcPr/>
+                </a:tc>
+                <a:extLst>
+                  <a:ext uri="{0D108BD9-81ED-4DB2-BD59-A6C34878D82A}">
+                    <a16:rowId xmlns:a16="http://schemas.microsoft.com/office/drawing/2014/main" val="728130965"/>
+                  </a:ext>
+                </a:extLst>
+              </a:tr>
+              <a:tr h="197634">
+                <a:tc>
+                  <a:txBody>
+                    <a:bodyPr/>
+                    <a:lstStyle/>
+                    <a:p>
+                      <a:pPr marL="0" marR="0" lvl="0" indent="0" algn="l" defTabSz="914400" rtl="0" eaLnBrk="1" fontAlgn="auto" latinLnBrk="0" hangingPunct="1">
+                        <a:lnSpc>
+                          <a:spcPct val="100000"/>
+                        </a:lnSpc>
+                        <a:spcBef>
+                          <a:spcPts val="0"/>
+                        </a:spcBef>
+                        <a:spcAft>
+                          <a:spcPts val="0"/>
+                        </a:spcAft>
+                        <a:buClrTx/>
+                        <a:buSzTx/>
+                        <a:buFontTx/>
+                        <a:buNone/>
+                        <a:tabLst/>
+                        <a:defRPr/>
+                      </a:pPr>
+                      <a:r>
+                        <a:rPr lang="vi-VN" sz="1200" smtClean="0"/>
+                        <a:t>- d</a:t>
+                      </a:r>
+                      <a:r>
+                        <a:rPr lang="vi-VN" sz="1200" b="0" kern="1200" smtClean="0">
+                          <a:solidFill>
+                            <a:schemeClr val="dk1"/>
+                          </a:solidFill>
+                          <a:effectLst/>
+                          <a:latin typeface="+mn-lt"/>
+                          <a:ea typeface="+mn-ea"/>
+                          <a:cs typeface="+mn-cs"/>
+                        </a:rPr>
+                        <a:t>elete(deleteAll)</a:t>
+                      </a:r>
+                    </a:p>
+                  </a:txBody>
+                  <a:tcPr/>
+                </a:tc>
+                <a:tc>
+                  <a:txBody>
+                    <a:bodyPr/>
+                    <a:lstStyle/>
+                    <a:p>
+                      <a:endParaRPr lang="vi-VN" sz="1200"/>
+                    </a:p>
+                  </a:txBody>
+                  <a:tcPr/>
+                </a:tc>
+                <a:tc>
+                  <a:txBody>
+                    <a:bodyPr/>
+                    <a:lstStyle/>
+                    <a:p>
+                      <a:endParaRPr lang="vi-VN" sz="1200"/>
+                    </a:p>
+                  </a:txBody>
+                  <a:tcPr/>
+                </a:tc>
+                <a:extLst>
+                  <a:ext uri="{0D108BD9-81ED-4DB2-BD59-A6C34878D82A}">
+                    <a16:rowId xmlns:a16="http://schemas.microsoft.com/office/drawing/2014/main" val="3862240396"/>
+                  </a:ext>
+                </a:extLst>
+              </a:tr>
+              <a:tr h="724657">
+                <a:tc>
+                  <a:txBody>
+                    <a:bodyPr/>
+                    <a:lstStyle/>
+                    <a:p>
+                      <a:r>
+                        <a:rPr lang="vi-VN" sz="1200" smtClean="0"/>
+                        <a:t>-</a:t>
+                      </a:r>
+                      <a:r>
+                        <a:rPr lang="vi-VN" sz="1200" baseline="0" smtClean="0"/>
+                        <a:t> </a:t>
+                      </a:r>
+                      <a:r>
+                        <a:rPr lang="vi-VN" sz="1200" smtClean="0"/>
+                        <a:t>get(findOne)</a:t>
+                      </a:r>
+                      <a:endParaRPr lang="vi-VN" sz="1200"/>
+                    </a:p>
+                  </a:txBody>
+                  <a:tcPr/>
+                </a:tc>
+                <a:tc>
+                  <a:txBody>
+                    <a:bodyPr/>
+                    <a:lstStyle/>
+                    <a:p>
+                      <a:pPr marL="0" marR="0" lvl="0" indent="0" algn="l" defTabSz="914400" rtl="0" eaLnBrk="1" fontAlgn="auto" latinLnBrk="0" hangingPunct="1">
+                        <a:lnSpc>
+                          <a:spcPct val="100000"/>
+                        </a:lnSpc>
+                        <a:spcBef>
+                          <a:spcPts val="0"/>
+                        </a:spcBef>
+                        <a:spcAft>
+                          <a:spcPts val="0"/>
+                        </a:spcAft>
+                        <a:buClrTx/>
+                        <a:buSzTx/>
+                        <a:buFontTx/>
+                        <a:buNone/>
+                        <a:tabLst/>
+                        <a:defRPr/>
+                      </a:pPr>
+                      <a:r>
+                        <a:rPr lang="vi-VN" sz="1200" smtClean="0"/>
+                        <a:t>- id</a:t>
+                      </a:r>
+                    </a:p>
+                  </a:txBody>
+                  <a:tcPr/>
+                </a:tc>
+                <a:tc>
+                  <a:txBody>
+                    <a:bodyPr/>
+                    <a:lstStyle/>
+                    <a:p>
+                      <a:pPr marL="0" marR="0" lvl="0" indent="0" algn="l" defTabSz="914400" rtl="0" eaLnBrk="1" fontAlgn="auto" latinLnBrk="0" hangingPunct="1">
+                        <a:lnSpc>
+                          <a:spcPct val="100000"/>
+                        </a:lnSpc>
+                        <a:spcBef>
+                          <a:spcPts val="0"/>
+                        </a:spcBef>
+                        <a:spcAft>
+                          <a:spcPts val="0"/>
+                        </a:spcAft>
+                        <a:buClrTx/>
+                        <a:buSzTx/>
+                        <a:buFontTx/>
+                        <a:buNone/>
+                        <a:tabLst/>
+                        <a:defRPr/>
+                      </a:pPr>
+                      <a:r>
+                        <a:rPr lang="en-US" sz="1200" smtClean="0"/>
+                        <a:t>- id</a:t>
+                      </a:r>
+                      <a:endParaRPr lang="vi-VN" sz="1200" smtClean="0"/>
+                    </a:p>
+                    <a:p>
+                      <a:r>
+                        <a:rPr lang="vi-VN" sz="1200" smtClean="0"/>
+                        <a:t>- name</a:t>
+                      </a:r>
+                    </a:p>
+                    <a:p>
+                      <a:r>
+                        <a:rPr lang="vi-VN" sz="1200" smtClean="0"/>
+                        <a:t>- decripsion</a:t>
+                      </a:r>
+                    </a:p>
+                    <a:p>
+                      <a:pPr marL="0" indent="0">
+                        <a:buFontTx/>
+                        <a:buNone/>
+                      </a:pPr>
+                      <a:r>
+                        <a:rPr lang="vi-VN" sz="1200" smtClean="0"/>
+                        <a:t>- link</a:t>
+                      </a:r>
+                    </a:p>
+                    <a:p>
+                      <a:pPr marL="0" marR="0" lvl="0" indent="0" algn="l" defTabSz="914400" rtl="0" eaLnBrk="1" fontAlgn="auto" latinLnBrk="0" hangingPunct="1">
+                        <a:lnSpc>
+                          <a:spcPct val="100000"/>
+                        </a:lnSpc>
+                        <a:spcBef>
+                          <a:spcPts val="0"/>
+                        </a:spcBef>
+                        <a:spcAft>
+                          <a:spcPts val="0"/>
+                        </a:spcAft>
+                        <a:buClrTx/>
+                        <a:buSzTx/>
+                        <a:buFontTx/>
+                        <a:buNone/>
+                        <a:tabLst/>
+                        <a:defRPr/>
+                      </a:pPr>
+                      <a:r>
+                        <a:rPr lang="vi-VN" sz="1200" smtClean="0"/>
+                        <a:t>- ownerId</a:t>
+                      </a:r>
+                    </a:p>
+                  </a:txBody>
+                  <a:tcPr/>
+                </a:tc>
+                <a:extLst>
+                  <a:ext uri="{0D108BD9-81ED-4DB2-BD59-A6C34878D82A}">
+                    <a16:rowId xmlns:a16="http://schemas.microsoft.com/office/drawing/2014/main" val="2182945702"/>
+                  </a:ext>
+                </a:extLst>
+              </a:tr>
+              <a:tr h="313575">
+                <a:tc>
+                  <a:txBody>
+                    <a:bodyPr/>
+                    <a:lstStyle/>
+                    <a:p>
+                      <a:r>
+                        <a:rPr lang="vi-VN" sz="1200" smtClean="0"/>
+                        <a:t>- put(update)</a:t>
+                      </a:r>
+                      <a:endParaRPr lang="vi-VN" sz="1200"/>
+                    </a:p>
+                  </a:txBody>
+                  <a:tcPr/>
+                </a:tc>
+                <a:tc>
+                  <a:txBody>
+                    <a:bodyPr/>
+                    <a:lstStyle/>
+                    <a:p>
+                      <a:pPr marL="0" marR="0" lvl="0" indent="0" algn="l" defTabSz="914400" rtl="0" eaLnBrk="1" fontAlgn="auto" latinLnBrk="0" hangingPunct="1">
+                        <a:lnSpc>
+                          <a:spcPct val="100000"/>
+                        </a:lnSpc>
+                        <a:spcBef>
+                          <a:spcPts val="0"/>
+                        </a:spcBef>
+                        <a:spcAft>
+                          <a:spcPts val="0"/>
+                        </a:spcAft>
+                        <a:buClrTx/>
+                        <a:buSzTx/>
+                        <a:buFontTx/>
+                        <a:buNone/>
+                        <a:tabLst/>
+                        <a:defRPr/>
+                      </a:pPr>
+                      <a:r>
+                        <a:rPr lang="vi-VN" sz="1200" smtClean="0"/>
+                        <a:t>- id</a:t>
+                      </a:r>
+                    </a:p>
+                  </a:txBody>
+                  <a:tcPr/>
+                </a:tc>
+                <a:tc>
+                  <a:txBody>
+                    <a:bodyPr/>
+                    <a:lstStyle/>
+                    <a:p>
+                      <a:endParaRPr lang="vi-VN" sz="1200"/>
+                    </a:p>
+                  </a:txBody>
+                  <a:tcPr/>
+                </a:tc>
+                <a:extLst>
+                  <a:ext uri="{0D108BD9-81ED-4DB2-BD59-A6C34878D82A}">
+                    <a16:rowId xmlns:a16="http://schemas.microsoft.com/office/drawing/2014/main" val="2792204853"/>
+                  </a:ext>
+                </a:extLst>
+              </a:tr>
+              <a:tr h="197634">
+                <a:tc>
+                  <a:txBody>
+                    <a:bodyPr/>
+                    <a:lstStyle/>
+                    <a:p>
+                      <a:r>
+                        <a:rPr lang="vi-VN" sz="1200" smtClean="0"/>
+                        <a:t>- delete(delete)</a:t>
+                      </a:r>
+                      <a:endParaRPr lang="vi-VN" sz="1200"/>
+                    </a:p>
+                  </a:txBody>
+                  <a:tcPr/>
+                </a:tc>
+                <a:tc>
+                  <a:txBody>
+                    <a:bodyPr/>
+                    <a:lstStyle/>
+                    <a:p>
+                      <a:pPr marL="0" marR="0" lvl="0" indent="0" algn="l" defTabSz="914400" rtl="0" eaLnBrk="1" fontAlgn="auto" latinLnBrk="0" hangingPunct="1">
+                        <a:lnSpc>
+                          <a:spcPct val="100000"/>
+                        </a:lnSpc>
+                        <a:spcBef>
+                          <a:spcPts val="0"/>
+                        </a:spcBef>
+                        <a:spcAft>
+                          <a:spcPts val="0"/>
+                        </a:spcAft>
+                        <a:buClrTx/>
+                        <a:buSzTx/>
+                        <a:buFontTx/>
+                        <a:buNone/>
+                        <a:tabLst/>
+                        <a:defRPr/>
+                      </a:pPr>
+                      <a:r>
+                        <a:rPr lang="vi-VN" sz="1200" smtClean="0"/>
+                        <a:t>- id</a:t>
+                      </a:r>
+                    </a:p>
+                  </a:txBody>
+                  <a:tcPr/>
+                </a:tc>
+                <a:tc>
+                  <a:txBody>
+                    <a:bodyPr/>
+                    <a:lstStyle/>
+                    <a:p>
+                      <a:endParaRPr lang="vi-VN" sz="1200"/>
+                    </a:p>
+                  </a:txBody>
+                  <a:tcPr/>
+                </a:tc>
+                <a:extLst>
+                  <a:ext uri="{0D108BD9-81ED-4DB2-BD59-A6C34878D82A}">
+                    <a16:rowId xmlns:a16="http://schemas.microsoft.com/office/drawing/2014/main" val="2253792721"/>
+                  </a:ext>
+                </a:extLst>
+              </a:tr>
+            </a:tbl>
+          </a:graphicData>
+        </a:graphic>
+      </p:graphicFrame>
     </p:spTree>
     <p:extLst>
       <p:ext uri="{BB962C8B-B14F-4D97-AF65-F5344CB8AC3E}">
-        <p14:creationId xmlns:p14="http://schemas.microsoft.com/office/powerpoint/2010/main" val="1192407843"/>
+        <p14:creationId xmlns:p14="http://schemas.microsoft.com/office/powerpoint/2010/main" val="2640546642"/>
       </p:ext>
     </p:extLst>
   </p:cSld>
   <p:clrMapOvr>
     <a:masterClrMapping/>
   </p:clrMapOvr>
+  <p:timing>
+    <p:tnLst>
+      <p:par>
+        <p:cTn id="1" dur="indefinite" restart="never" nodeType="tmRoot"/>
+      </p:par>
+    </p:tnLst>
+  </p:timing>
 </p:sld>
 </file>
 
@@ -4310,13 +6792,7 @@
       </p:grpSpPr>
       <p:sp>
         <p:nvSpPr>
-          <p:cNvPr id="2" name="Title 1">
-            <a:extLst>
-              <a:ext uri="{FF2B5EF4-FFF2-40B4-BE49-F238E27FC236}">
-                <a16:creationId xmlns:a16="http://schemas.microsoft.com/office/drawing/2014/main" id="{DF4183AF-B293-4BC1-AB26-1E73438A1CD7}"/>
-              </a:ext>
-            </a:extLst>
-          </p:cNvPr>
+          <p:cNvPr id="2" name="Title 1"/>
           <p:cNvSpPr>
             <a:spLocks noGrp="1"/>
           </p:cNvSpPr>
@@ -4331,20 +6807,15 @@
           <a:p>
             <a:r>
               <a:rPr lang="en-US"/>
-              <a:t>Mã nguồn</a:t>
-            </a:r>
-          </a:p>
-        </p:txBody>
-      </p:sp>
-      <p:sp>
-        <p:nvSpPr>
-          <p:cNvPr id="3" name="Content Placeholder 2">
-            <a:extLst>
-              <a:ext uri="{FF2B5EF4-FFF2-40B4-BE49-F238E27FC236}">
-                <a16:creationId xmlns:a16="http://schemas.microsoft.com/office/drawing/2014/main" id="{B0D8183F-1397-4EC9-B8BB-9382DF3C20A2}"/>
-              </a:ext>
-            </a:extLst>
-          </p:cNvPr>
+              <a:t>HTTP API</a:t>
+            </a:r>
+            <a:endParaRPr lang="vi-VN"/>
+          </a:p>
+        </p:txBody>
+      </p:sp>
+      <p:sp>
+        <p:nvSpPr>
+          <p:cNvPr id="3" name="Content Placeholder 2"/>
           <p:cNvSpPr>
             <a:spLocks noGrp="1"/>
           </p:cNvSpPr>
@@ -4357,23 +6828,743 @@
           <a:bodyPr/>
           <a:lstStyle/>
           <a:p>
+            <a:pPr>
+              <a:buFont typeface="Wingdings" panose="05000000000000000000" pitchFamily="2" charset="2"/>
+              <a:buChar char="Ø"/>
+            </a:pPr>
             <a:r>
               <a:rPr lang="en-US"/>
-              <a:t>Link github đến mã nguồn dự án</a:t>
-            </a:r>
-          </a:p>
-        </p:txBody>
-      </p:sp>
+              <a:t> Các route của HTTP API đã xây dựng:</a:t>
+            </a:r>
+          </a:p>
+          <a:p>
+            <a:pPr lvl="1"/>
+            <a:r>
+              <a:rPr lang="en-US" smtClean="0"/>
+              <a:t>deadline</a:t>
+            </a:r>
+            <a:endParaRPr lang="en-US"/>
+          </a:p>
+          <a:p>
+            <a:endParaRPr lang="vi-VN"/>
+          </a:p>
+        </p:txBody>
+      </p:sp>
+      <p:graphicFrame>
+        <p:nvGraphicFramePr>
+          <p:cNvPr id="4" name="Table 3"/>
+          <p:cNvGraphicFramePr>
+            <a:graphicFrameLocks noGrp="1"/>
+          </p:cNvGraphicFramePr>
+          <p:nvPr>
+            <p:extLst>
+              <p:ext uri="{D42A27DB-BD31-4B8C-83A1-F6EECF244321}">
+                <p14:modId xmlns:p14="http://schemas.microsoft.com/office/powerpoint/2010/main" val="4203767349"/>
+              </p:ext>
+            </p:extLst>
+          </p:nvPr>
+        </p:nvGraphicFramePr>
+        <p:xfrm>
+          <a:off x="1066800" y="2627745"/>
+          <a:ext cx="7467600" cy="3779520"/>
+        </p:xfrm>
+        <a:graphic>
+          <a:graphicData uri="http://schemas.openxmlformats.org/drawingml/2006/table">
+            <a:tbl>
+              <a:tblPr firstRow="1" bandRow="1">
+                <a:tableStyleId>{5C22544A-7EE6-4342-B048-85BDC9FD1C3A}</a:tableStyleId>
+              </a:tblPr>
+              <a:tblGrid>
+                <a:gridCol w="2489200">
+                  <a:extLst>
+                    <a:ext uri="{9D8B030D-6E8A-4147-A177-3AD203B41FA5}">
+                      <a16:colId xmlns:a16="http://schemas.microsoft.com/office/drawing/2014/main" val="3658690434"/>
+                    </a:ext>
+                  </a:extLst>
+                </a:gridCol>
+                <a:gridCol w="2489200">
+                  <a:extLst>
+                    <a:ext uri="{9D8B030D-6E8A-4147-A177-3AD203B41FA5}">
+                      <a16:colId xmlns:a16="http://schemas.microsoft.com/office/drawing/2014/main" val="223987106"/>
+                    </a:ext>
+                  </a:extLst>
+                </a:gridCol>
+                <a:gridCol w="2489200">
+                  <a:extLst>
+                    <a:ext uri="{9D8B030D-6E8A-4147-A177-3AD203B41FA5}">
+                      <a16:colId xmlns:a16="http://schemas.microsoft.com/office/drawing/2014/main" val="1571467356"/>
+                    </a:ext>
+                  </a:extLst>
+                </a:gridCol>
+              </a:tblGrid>
+              <a:tr h="267855">
+                <a:tc>
+                  <a:txBody>
+                    <a:bodyPr/>
+                    <a:lstStyle/>
+                    <a:p>
+                      <a:pPr algn="ctr"/>
+                      <a:r>
+                        <a:rPr lang="en-US" sz="1400" smtClean="0">
+                          <a:solidFill>
+                            <a:schemeClr val="tx1"/>
+                          </a:solidFill>
+                        </a:rPr>
+                        <a:t>route</a:t>
+                      </a:r>
+                      <a:endParaRPr lang="vi-VN" sz="1400">
+                        <a:solidFill>
+                          <a:schemeClr val="tx1"/>
+                        </a:solidFill>
+                      </a:endParaRPr>
+                    </a:p>
+                  </a:txBody>
+                  <a:tcPr/>
+                </a:tc>
+                <a:tc>
+                  <a:txBody>
+                    <a:bodyPr/>
+                    <a:lstStyle/>
+                    <a:p>
+                      <a:pPr algn="ctr"/>
+                      <a:r>
+                        <a:rPr lang="en-US" sz="1400" smtClean="0">
+                          <a:solidFill>
+                            <a:schemeClr val="tx1"/>
+                          </a:solidFill>
+                        </a:rPr>
+                        <a:t>dữ liệu cần gửi về server</a:t>
+                      </a:r>
+                      <a:endParaRPr lang="vi-VN" sz="1400">
+                        <a:solidFill>
+                          <a:schemeClr val="tx1"/>
+                        </a:solidFill>
+                      </a:endParaRPr>
+                    </a:p>
+                  </a:txBody>
+                  <a:tcPr/>
+                </a:tc>
+                <a:tc>
+                  <a:txBody>
+                    <a:bodyPr/>
+                    <a:lstStyle/>
+                    <a:p>
+                      <a:pPr algn="ctr"/>
+                      <a:r>
+                        <a:rPr lang="en-US" sz="1400" smtClean="0">
+                          <a:solidFill>
+                            <a:schemeClr val="tx1"/>
+                          </a:solidFill>
+                        </a:rPr>
+                        <a:t>dữ liệu server trả về </a:t>
+                      </a:r>
+                      <a:endParaRPr lang="vi-VN" sz="1400">
+                        <a:solidFill>
+                          <a:schemeClr val="tx1"/>
+                        </a:solidFill>
+                      </a:endParaRPr>
+                    </a:p>
+                  </a:txBody>
+                  <a:tcPr/>
+                </a:tc>
+                <a:extLst>
+                  <a:ext uri="{0D108BD9-81ED-4DB2-BD59-A6C34878D82A}">
+                    <a16:rowId xmlns:a16="http://schemas.microsoft.com/office/drawing/2014/main" val="1832438486"/>
+                  </a:ext>
+                </a:extLst>
+              </a:tr>
+              <a:tr h="251575">
+                <a:tc>
+                  <a:txBody>
+                    <a:bodyPr/>
+                    <a:lstStyle/>
+                    <a:p>
+                      <a:pPr marL="0" marR="0" lvl="0" indent="0" algn="l" defTabSz="914400" rtl="0" eaLnBrk="1" fontAlgn="auto" latinLnBrk="0" hangingPunct="1">
+                        <a:lnSpc>
+                          <a:spcPct val="100000"/>
+                        </a:lnSpc>
+                        <a:spcBef>
+                          <a:spcPts val="0"/>
+                        </a:spcBef>
+                        <a:spcAft>
+                          <a:spcPts val="0"/>
+                        </a:spcAft>
+                        <a:buClrTx/>
+                        <a:buSzTx/>
+                        <a:buFontTx/>
+                        <a:buNone/>
+                        <a:tabLst/>
+                        <a:defRPr/>
+                      </a:pPr>
+                      <a:r>
+                        <a:rPr lang="vi-VN" sz="1200" b="0" kern="1200" smtClean="0">
+                          <a:solidFill>
+                            <a:schemeClr val="dk1"/>
+                          </a:solidFill>
+                          <a:effectLst/>
+                          <a:latin typeface="+mn-lt"/>
+                          <a:ea typeface="+mn-ea"/>
+                          <a:cs typeface="+mn-cs"/>
+                        </a:rPr>
+                        <a:t>- get(findAll)</a:t>
+                      </a:r>
+                    </a:p>
+                  </a:txBody>
+                  <a:tcPr/>
+                </a:tc>
+                <a:tc>
+                  <a:txBody>
+                    <a:bodyPr/>
+                    <a:lstStyle/>
+                    <a:p>
+                      <a:endParaRPr lang="vi-VN" sz="1200"/>
+                    </a:p>
+                  </a:txBody>
+                  <a:tcPr/>
+                </a:tc>
+                <a:tc>
+                  <a:txBody>
+                    <a:bodyPr/>
+                    <a:lstStyle/>
+                    <a:p>
+                      <a:pPr marL="0" indent="0">
+                        <a:buFontTx/>
+                        <a:buNone/>
+                      </a:pPr>
+                      <a:r>
+                        <a:rPr lang="en-US" sz="1200" smtClean="0"/>
+                        <a:t>- id</a:t>
+                      </a:r>
+                      <a:endParaRPr lang="vi-VN" sz="1200" smtClean="0"/>
+                    </a:p>
+                    <a:p>
+                      <a:pPr>
+                        <a:buFontTx/>
+                        <a:buChar char="-"/>
+                      </a:pPr>
+                      <a:r>
+                        <a:rPr lang="vi-VN" sz="1200" baseline="0" smtClean="0"/>
+                        <a:t> n</a:t>
+                      </a:r>
+                      <a:r>
+                        <a:rPr lang="vi-VN" sz="1200" smtClean="0"/>
+                        <a:t>ame</a:t>
+                      </a:r>
+                      <a:r>
+                        <a:rPr lang="en-US" sz="1200" smtClean="0"/>
+                        <a:t> </a:t>
+                      </a:r>
+                      <a:endParaRPr lang="vi-VN" sz="1200" smtClean="0"/>
+                    </a:p>
+                    <a:p>
+                      <a:pPr marL="0" indent="0">
+                        <a:buFontTx/>
+                        <a:buNone/>
+                      </a:pPr>
+                      <a:r>
+                        <a:rPr lang="vi-VN" sz="1200" smtClean="0"/>
+                        <a:t>- decripsion</a:t>
+                      </a:r>
+                    </a:p>
+                    <a:p>
+                      <a:pPr marL="0" indent="0">
+                        <a:buFontTx/>
+                        <a:buNone/>
+                      </a:pPr>
+                      <a:r>
+                        <a:rPr lang="vi-VN" sz="1200" baseline="0" smtClean="0"/>
+                        <a:t>- day, month, year</a:t>
+                      </a:r>
+                    </a:p>
+                    <a:p>
+                      <a:pPr marL="0" indent="0">
+                        <a:buFontTx/>
+                        <a:buNone/>
+                      </a:pPr>
+                      <a:r>
+                        <a:rPr lang="vi-VN" sz="1200" smtClean="0"/>
+                        <a:t>- ownerId</a:t>
+                      </a:r>
+                      <a:r>
+                        <a:rPr lang="vi-VN" sz="1200" baseline="0" smtClean="0"/>
+                        <a:t> </a:t>
+                      </a:r>
+                      <a:r>
+                        <a:rPr lang="vi-VN" sz="1200" smtClean="0"/>
+                        <a:t>- done</a:t>
+                      </a:r>
+                      <a:endParaRPr lang="vi-VN" sz="1200"/>
+                    </a:p>
+                  </a:txBody>
+                  <a:tcPr/>
+                </a:tc>
+                <a:extLst>
+                  <a:ext uri="{0D108BD9-81ED-4DB2-BD59-A6C34878D82A}">
+                    <a16:rowId xmlns:a16="http://schemas.microsoft.com/office/drawing/2014/main" val="2905777680"/>
+                  </a:ext>
+                </a:extLst>
+              </a:tr>
+              <a:tr h="251575">
+                <a:tc>
+                  <a:txBody>
+                    <a:bodyPr/>
+                    <a:lstStyle/>
+                    <a:p>
+                      <a:pPr marL="0" marR="0" lvl="0" indent="0" algn="l" defTabSz="914400" rtl="0" eaLnBrk="1" fontAlgn="auto" latinLnBrk="0" hangingPunct="1">
+                        <a:lnSpc>
+                          <a:spcPct val="100000"/>
+                        </a:lnSpc>
+                        <a:spcBef>
+                          <a:spcPts val="0"/>
+                        </a:spcBef>
+                        <a:spcAft>
+                          <a:spcPts val="0"/>
+                        </a:spcAft>
+                        <a:buClrTx/>
+                        <a:buSzTx/>
+                        <a:buFontTx/>
+                        <a:buNone/>
+                        <a:tabLst/>
+                        <a:defRPr/>
+                      </a:pPr>
+                      <a:r>
+                        <a:rPr lang="vi-VN" sz="1200" smtClean="0"/>
+                        <a:t>- </a:t>
+                      </a:r>
+                      <a:r>
+                        <a:rPr lang="vi-VN" sz="1200" b="0" kern="1200" smtClean="0">
+                          <a:solidFill>
+                            <a:schemeClr val="dk1"/>
+                          </a:solidFill>
+                          <a:effectLst/>
+                          <a:latin typeface="+mn-lt"/>
+                          <a:ea typeface="+mn-ea"/>
+                          <a:cs typeface="+mn-cs"/>
+                        </a:rPr>
+                        <a:t>post(create)</a:t>
+                      </a:r>
+                    </a:p>
+                  </a:txBody>
+                  <a:tcPr/>
+                </a:tc>
+                <a:tc>
+                  <a:txBody>
+                    <a:bodyPr/>
+                    <a:lstStyle/>
+                    <a:p>
+                      <a:r>
+                        <a:rPr lang="vi-VN" sz="1200" smtClean="0"/>
+                        <a:t>- name</a:t>
+                      </a:r>
+                    </a:p>
+                    <a:p>
+                      <a:r>
+                        <a:rPr lang="vi-VN" sz="1200" smtClean="0"/>
+                        <a:t>- decripsion</a:t>
+                      </a:r>
+                    </a:p>
+                    <a:p>
+                      <a:pPr marL="0" marR="0" lvl="0" indent="0" algn="l" defTabSz="914400" rtl="0" eaLnBrk="1" fontAlgn="auto" latinLnBrk="0" hangingPunct="1">
+                        <a:lnSpc>
+                          <a:spcPct val="100000"/>
+                        </a:lnSpc>
+                        <a:spcBef>
+                          <a:spcPts val="0"/>
+                        </a:spcBef>
+                        <a:spcAft>
+                          <a:spcPts val="0"/>
+                        </a:spcAft>
+                        <a:buClrTx/>
+                        <a:buSzTx/>
+                        <a:buFontTx/>
+                        <a:buNone/>
+                        <a:tabLst/>
+                        <a:defRPr/>
+                      </a:pPr>
+                      <a:r>
+                        <a:rPr lang="vi-VN" sz="1200" smtClean="0"/>
+                        <a:t>- </a:t>
+                      </a:r>
+                      <a:r>
+                        <a:rPr lang="vi-VN" sz="1200" baseline="0" smtClean="0"/>
+                        <a:t>day, month, year</a:t>
+                      </a:r>
+                      <a:endParaRPr lang="vi-VN" sz="1200" smtClean="0"/>
+                    </a:p>
+                  </a:txBody>
+                  <a:tcPr/>
+                </a:tc>
+                <a:tc>
+                  <a:txBody>
+                    <a:bodyPr/>
+                    <a:lstStyle/>
+                    <a:p>
+                      <a:endParaRPr lang="vi-VN" sz="1200"/>
+                    </a:p>
+                  </a:txBody>
+                  <a:tcPr/>
+                </a:tc>
+                <a:extLst>
+                  <a:ext uri="{0D108BD9-81ED-4DB2-BD59-A6C34878D82A}">
+                    <a16:rowId xmlns:a16="http://schemas.microsoft.com/office/drawing/2014/main" val="728130965"/>
+                  </a:ext>
+                </a:extLst>
+              </a:tr>
+              <a:tr h="251575">
+                <a:tc>
+                  <a:txBody>
+                    <a:bodyPr/>
+                    <a:lstStyle/>
+                    <a:p>
+                      <a:pPr marL="0" marR="0" lvl="0" indent="0" algn="l" defTabSz="914400" rtl="0" eaLnBrk="1" fontAlgn="auto" latinLnBrk="0" hangingPunct="1">
+                        <a:lnSpc>
+                          <a:spcPct val="100000"/>
+                        </a:lnSpc>
+                        <a:spcBef>
+                          <a:spcPts val="0"/>
+                        </a:spcBef>
+                        <a:spcAft>
+                          <a:spcPts val="0"/>
+                        </a:spcAft>
+                        <a:buClrTx/>
+                        <a:buSzTx/>
+                        <a:buFontTx/>
+                        <a:buNone/>
+                        <a:tabLst/>
+                        <a:defRPr/>
+                      </a:pPr>
+                      <a:r>
+                        <a:rPr lang="vi-VN" sz="1200" smtClean="0"/>
+                        <a:t>- d</a:t>
+                      </a:r>
+                      <a:r>
+                        <a:rPr lang="vi-VN" sz="1200" b="0" kern="1200" smtClean="0">
+                          <a:solidFill>
+                            <a:schemeClr val="dk1"/>
+                          </a:solidFill>
+                          <a:effectLst/>
+                          <a:latin typeface="+mn-lt"/>
+                          <a:ea typeface="+mn-ea"/>
+                          <a:cs typeface="+mn-cs"/>
+                        </a:rPr>
+                        <a:t>elete(deleteAll)</a:t>
+                      </a:r>
+                    </a:p>
+                  </a:txBody>
+                  <a:tcPr/>
+                </a:tc>
+                <a:tc>
+                  <a:txBody>
+                    <a:bodyPr/>
+                    <a:lstStyle/>
+                    <a:p>
+                      <a:endParaRPr lang="vi-VN" sz="1200"/>
+                    </a:p>
+                  </a:txBody>
+                  <a:tcPr/>
+                </a:tc>
+                <a:tc>
+                  <a:txBody>
+                    <a:bodyPr/>
+                    <a:lstStyle/>
+                    <a:p>
+                      <a:endParaRPr lang="vi-VN" sz="1200"/>
+                    </a:p>
+                  </a:txBody>
+                  <a:tcPr/>
+                </a:tc>
+                <a:extLst>
+                  <a:ext uri="{0D108BD9-81ED-4DB2-BD59-A6C34878D82A}">
+                    <a16:rowId xmlns:a16="http://schemas.microsoft.com/office/drawing/2014/main" val="3862240396"/>
+                  </a:ext>
+                </a:extLst>
+              </a:tr>
+              <a:tr h="251575">
+                <a:tc>
+                  <a:txBody>
+                    <a:bodyPr/>
+                    <a:lstStyle/>
+                    <a:p>
+                      <a:r>
+                        <a:rPr lang="vi-VN" sz="1200" smtClean="0"/>
+                        <a:t>-</a:t>
+                      </a:r>
+                      <a:r>
+                        <a:rPr lang="vi-VN" sz="1200" baseline="0" smtClean="0"/>
+                        <a:t> </a:t>
+                      </a:r>
+                      <a:r>
+                        <a:rPr lang="vi-VN" sz="1200" smtClean="0"/>
+                        <a:t>get(findOne)</a:t>
+                      </a:r>
+                      <a:endParaRPr lang="vi-VN" sz="1200"/>
+                    </a:p>
+                  </a:txBody>
+                  <a:tcPr/>
+                </a:tc>
+                <a:tc>
+                  <a:txBody>
+                    <a:bodyPr/>
+                    <a:lstStyle/>
+                    <a:p>
+                      <a:pPr marL="0" marR="0" lvl="0" indent="0" algn="l" defTabSz="914400" rtl="0" eaLnBrk="1" fontAlgn="auto" latinLnBrk="0" hangingPunct="1">
+                        <a:lnSpc>
+                          <a:spcPct val="100000"/>
+                        </a:lnSpc>
+                        <a:spcBef>
+                          <a:spcPts val="0"/>
+                        </a:spcBef>
+                        <a:spcAft>
+                          <a:spcPts val="0"/>
+                        </a:spcAft>
+                        <a:buClrTx/>
+                        <a:buSzTx/>
+                        <a:buFontTx/>
+                        <a:buNone/>
+                        <a:tabLst/>
+                        <a:defRPr/>
+                      </a:pPr>
+                      <a:r>
+                        <a:rPr lang="vi-VN" sz="1200" smtClean="0"/>
+                        <a:t>- id</a:t>
+                      </a:r>
+                    </a:p>
+                  </a:txBody>
+                  <a:tcPr/>
+                </a:tc>
+                <a:tc>
+                  <a:txBody>
+                    <a:bodyPr/>
+                    <a:lstStyle/>
+                    <a:p>
+                      <a:pPr marL="0" marR="0" lvl="0" indent="0" algn="l" defTabSz="914400" rtl="0" eaLnBrk="1" fontAlgn="auto" latinLnBrk="0" hangingPunct="1">
+                        <a:lnSpc>
+                          <a:spcPct val="100000"/>
+                        </a:lnSpc>
+                        <a:spcBef>
+                          <a:spcPts val="0"/>
+                        </a:spcBef>
+                        <a:spcAft>
+                          <a:spcPts val="0"/>
+                        </a:spcAft>
+                        <a:buClrTx/>
+                        <a:buSzTx/>
+                        <a:buFontTx/>
+                        <a:buNone/>
+                        <a:tabLst/>
+                        <a:defRPr/>
+                      </a:pPr>
+                      <a:r>
+                        <a:rPr lang="en-US" sz="1200" smtClean="0"/>
+                        <a:t>- id</a:t>
+                      </a:r>
+                      <a:endParaRPr lang="vi-VN" sz="1200" smtClean="0"/>
+                    </a:p>
+                    <a:p>
+                      <a:r>
+                        <a:rPr lang="vi-VN" sz="1200" smtClean="0"/>
+                        <a:t>- name</a:t>
+                      </a:r>
+                    </a:p>
+                    <a:p>
+                      <a:r>
+                        <a:rPr lang="vi-VN" sz="1200" smtClean="0"/>
+                        <a:t>- decripsion</a:t>
+                      </a:r>
+                    </a:p>
+                    <a:p>
+                      <a:pPr marL="0" indent="0">
+                        <a:buFontTx/>
+                        <a:buNone/>
+                      </a:pPr>
+                      <a:r>
+                        <a:rPr lang="vi-VN" sz="1200" baseline="0" smtClean="0"/>
+                        <a:t>- day, month, year</a:t>
+                      </a:r>
+                    </a:p>
+                    <a:p>
+                      <a:pPr marL="0" marR="0" lvl="0" indent="0" algn="l" defTabSz="914400" rtl="0" eaLnBrk="1" fontAlgn="auto" latinLnBrk="0" hangingPunct="1">
+                        <a:lnSpc>
+                          <a:spcPct val="100000"/>
+                        </a:lnSpc>
+                        <a:spcBef>
+                          <a:spcPts val="0"/>
+                        </a:spcBef>
+                        <a:spcAft>
+                          <a:spcPts val="0"/>
+                        </a:spcAft>
+                        <a:buClrTx/>
+                        <a:buSzTx/>
+                        <a:buFontTx/>
+                        <a:buNone/>
+                        <a:tabLst/>
+                        <a:defRPr/>
+                      </a:pPr>
+                      <a:r>
+                        <a:rPr lang="vi-VN" sz="1200" smtClean="0"/>
+                        <a:t>-</a:t>
+                      </a:r>
+                      <a:r>
+                        <a:rPr lang="vi-VN" sz="1200" baseline="0" smtClean="0"/>
+                        <a:t> </a:t>
+                      </a:r>
+                      <a:r>
+                        <a:rPr lang="vi-VN" sz="1200" smtClean="0"/>
+                        <a:t>ownerId - done</a:t>
+                      </a:r>
+                    </a:p>
+                  </a:txBody>
+                  <a:tcPr/>
+                </a:tc>
+                <a:extLst>
+                  <a:ext uri="{0D108BD9-81ED-4DB2-BD59-A6C34878D82A}">
+                    <a16:rowId xmlns:a16="http://schemas.microsoft.com/office/drawing/2014/main" val="2182945702"/>
+                  </a:ext>
+                </a:extLst>
+              </a:tr>
+              <a:tr h="251575">
+                <a:tc>
+                  <a:txBody>
+                    <a:bodyPr/>
+                    <a:lstStyle/>
+                    <a:p>
+                      <a:r>
+                        <a:rPr lang="vi-VN" sz="1200" smtClean="0"/>
+                        <a:t>- put(update)</a:t>
+                      </a:r>
+                      <a:endParaRPr lang="vi-VN" sz="1200"/>
+                    </a:p>
+                  </a:txBody>
+                  <a:tcPr/>
+                </a:tc>
+                <a:tc>
+                  <a:txBody>
+                    <a:bodyPr/>
+                    <a:lstStyle/>
+                    <a:p>
+                      <a:pPr marL="0" marR="0" lvl="0" indent="0" algn="l" defTabSz="914400" rtl="0" eaLnBrk="1" fontAlgn="auto" latinLnBrk="0" hangingPunct="1">
+                        <a:lnSpc>
+                          <a:spcPct val="100000"/>
+                        </a:lnSpc>
+                        <a:spcBef>
+                          <a:spcPts val="0"/>
+                        </a:spcBef>
+                        <a:spcAft>
+                          <a:spcPts val="0"/>
+                        </a:spcAft>
+                        <a:buClrTx/>
+                        <a:buSzTx/>
+                        <a:buFontTx/>
+                        <a:buNone/>
+                        <a:tabLst/>
+                        <a:defRPr/>
+                      </a:pPr>
+                      <a:r>
+                        <a:rPr lang="vi-VN" sz="1200" smtClean="0"/>
+                        <a:t>- id</a:t>
+                      </a:r>
+                    </a:p>
+                  </a:txBody>
+                  <a:tcPr/>
+                </a:tc>
+                <a:tc>
+                  <a:txBody>
+                    <a:bodyPr/>
+                    <a:lstStyle/>
+                    <a:p>
+                      <a:endParaRPr lang="vi-VN" sz="1200"/>
+                    </a:p>
+                  </a:txBody>
+                  <a:tcPr/>
+                </a:tc>
+                <a:extLst>
+                  <a:ext uri="{0D108BD9-81ED-4DB2-BD59-A6C34878D82A}">
+                    <a16:rowId xmlns:a16="http://schemas.microsoft.com/office/drawing/2014/main" val="2792204853"/>
+                  </a:ext>
+                </a:extLst>
+              </a:tr>
+              <a:tr h="251575">
+                <a:tc>
+                  <a:txBody>
+                    <a:bodyPr/>
+                    <a:lstStyle/>
+                    <a:p>
+                      <a:r>
+                        <a:rPr lang="vi-VN" sz="1200" smtClean="0"/>
+                        <a:t>- delete(delete)</a:t>
+                      </a:r>
+                      <a:endParaRPr lang="vi-VN" sz="1200"/>
+                    </a:p>
+                  </a:txBody>
+                  <a:tcPr/>
+                </a:tc>
+                <a:tc>
+                  <a:txBody>
+                    <a:bodyPr/>
+                    <a:lstStyle/>
+                    <a:p>
+                      <a:pPr marL="0" marR="0" lvl="0" indent="0" algn="l" defTabSz="914400" rtl="0" eaLnBrk="1" fontAlgn="auto" latinLnBrk="0" hangingPunct="1">
+                        <a:lnSpc>
+                          <a:spcPct val="100000"/>
+                        </a:lnSpc>
+                        <a:spcBef>
+                          <a:spcPts val="0"/>
+                        </a:spcBef>
+                        <a:spcAft>
+                          <a:spcPts val="0"/>
+                        </a:spcAft>
+                        <a:buClrTx/>
+                        <a:buSzTx/>
+                        <a:buFontTx/>
+                        <a:buNone/>
+                        <a:tabLst/>
+                        <a:defRPr/>
+                      </a:pPr>
+                      <a:r>
+                        <a:rPr lang="vi-VN" sz="1200" smtClean="0"/>
+                        <a:t>- id</a:t>
+                      </a:r>
+                    </a:p>
+                  </a:txBody>
+                  <a:tcPr/>
+                </a:tc>
+                <a:tc>
+                  <a:txBody>
+                    <a:bodyPr/>
+                    <a:lstStyle/>
+                    <a:p>
+                      <a:endParaRPr lang="vi-VN" sz="1200"/>
+                    </a:p>
+                  </a:txBody>
+                  <a:tcPr/>
+                </a:tc>
+                <a:extLst>
+                  <a:ext uri="{0D108BD9-81ED-4DB2-BD59-A6C34878D82A}">
+                    <a16:rowId xmlns:a16="http://schemas.microsoft.com/office/drawing/2014/main" val="2253792721"/>
+                  </a:ext>
+                </a:extLst>
+              </a:tr>
+            </a:tbl>
+          </a:graphicData>
+        </a:graphic>
+      </p:graphicFrame>
     </p:spTree>
     <p:extLst>
       <p:ext uri="{BB962C8B-B14F-4D97-AF65-F5344CB8AC3E}">
-        <p14:creationId xmlns:p14="http://schemas.microsoft.com/office/powerpoint/2010/main" val="448220470"/>
+        <p14:creationId xmlns:p14="http://schemas.microsoft.com/office/powerpoint/2010/main" val="3564192634"/>
       </p:ext>
     </p:extLst>
   </p:cSld>
   <p:clrMapOvr>
     <a:masterClrMapping/>
   </p:clrMapOvr>
+  <p:timing>
+    <p:tnLst>
+      <p:par>
+        <p:cTn id="1" dur="indefinite" restart="never" nodeType="tmRoot"/>
+      </p:par>
+    </p:tnLst>
+  </p:timing>
 </p:sld>
 </file>
 
@@ -4396,13 +7587,7 @@
       </p:grpSpPr>
       <p:sp>
         <p:nvSpPr>
-          <p:cNvPr id="2" name="Title 1">
-            <a:extLst>
-              <a:ext uri="{FF2B5EF4-FFF2-40B4-BE49-F238E27FC236}">
-                <a16:creationId xmlns:a16="http://schemas.microsoft.com/office/drawing/2014/main" id="{3E06FFE2-1FA1-405C-9CA4-E05F3394DC29}"/>
-              </a:ext>
-            </a:extLst>
-          </p:cNvPr>
+          <p:cNvPr id="2" name="Title 1"/>
           <p:cNvSpPr>
             <a:spLocks noGrp="1"/>
           </p:cNvSpPr>
@@ -4410,28 +7595,72 @@
             <p:ph type="title"/>
           </p:nvPr>
         </p:nvSpPr>
+        <p:spPr/>
+        <p:txBody>
+          <a:bodyPr/>
+          <a:lstStyle/>
+          <a:p>
+            <a:r>
+              <a:rPr lang="en-US"/>
+              <a:t>Kết quả thực hiện</a:t>
+            </a:r>
+            <a:endParaRPr lang="vi-VN"/>
+          </a:p>
+        </p:txBody>
+      </p:sp>
+      <p:sp>
+        <p:nvSpPr>
+          <p:cNvPr id="3" name="Content Placeholder 2"/>
+          <p:cNvSpPr>
+            <a:spLocks noGrp="1"/>
+          </p:cNvSpPr>
+          <p:nvPr>
+            <p:ph idx="1"/>
+          </p:nvPr>
+        </p:nvSpPr>
+        <p:spPr/>
+        <p:txBody>
+          <a:bodyPr/>
+          <a:lstStyle/>
+          <a:p>
+            <a:r>
+              <a:rPr lang="vi-VN" smtClean="0"/>
+              <a:t>Trang đăng ký:</a:t>
+            </a:r>
+          </a:p>
+          <a:p>
+            <a:endParaRPr lang="vi-VN"/>
+          </a:p>
+        </p:txBody>
+      </p:sp>
+      <p:pic>
+        <p:nvPicPr>
+          <p:cNvPr id="4" name="Picture 3"/>
+          <p:cNvPicPr>
+            <a:picLocks noChangeAspect="1"/>
+          </p:cNvPicPr>
+          <p:nvPr/>
+        </p:nvPicPr>
+        <p:blipFill>
+          <a:blip r:embed="rId2"/>
+          <a:stretch>
+            <a:fillRect/>
+          </a:stretch>
+        </p:blipFill>
         <p:spPr>
           <a:xfrm>
-            <a:off x="838200" y="2492504"/>
-            <a:ext cx="10515600" cy="1325563"/>
+            <a:off x="1143000" y="2328182"/>
+            <a:ext cx="7162800" cy="4029075"/>
           </a:xfrm>
+          <a:prstGeom prst="rect">
+            <a:avLst/>
+          </a:prstGeom>
         </p:spPr>
-        <p:txBody>
-          <a:bodyPr/>
-          <a:lstStyle/>
-          <a:p>
-            <a:pPr algn="ctr"/>
-            <a:r>
-              <a:rPr lang="en-US"/>
-              <a:t>Cảm ơn đã lắng nghe!</a:t>
-            </a:r>
-          </a:p>
-        </p:txBody>
-      </p:sp>
+      </p:pic>
     </p:spTree>
     <p:extLst>
       <p:ext uri="{BB962C8B-B14F-4D97-AF65-F5344CB8AC3E}">
-        <p14:creationId xmlns:p14="http://schemas.microsoft.com/office/powerpoint/2010/main" val="908690011"/>
+        <p14:creationId xmlns:p14="http://schemas.microsoft.com/office/powerpoint/2010/main" val="100261468"/>
       </p:ext>
     </p:extLst>
   </p:cSld>
@@ -4441,55 +7670,164 @@
 </p:sld>
 </file>
 
+<file path=ppt/slides/slide9.xml><?xml version="1.0" encoding="utf-8"?>
+<p:sld xmlns:a="http://schemas.openxmlformats.org/drawingml/2006/main" xmlns:r="http://schemas.openxmlformats.org/officeDocument/2006/relationships" xmlns:p="http://schemas.openxmlformats.org/presentationml/2006/main">
+  <p:cSld>
+    <p:spTree>
+      <p:nvGrpSpPr>
+        <p:cNvPr id="1" name=""/>
+        <p:cNvGrpSpPr/>
+        <p:nvPr/>
+      </p:nvGrpSpPr>
+      <p:grpSpPr>
+        <a:xfrm>
+          <a:off x="0" y="0"/>
+          <a:ext cx="0" cy="0"/>
+          <a:chOff x="0" y="0"/>
+          <a:chExt cx="0" cy="0"/>
+        </a:xfrm>
+      </p:grpSpPr>
+      <p:sp>
+        <p:nvSpPr>
+          <p:cNvPr id="2" name="Title 1"/>
+          <p:cNvSpPr>
+            <a:spLocks noGrp="1"/>
+          </p:cNvSpPr>
+          <p:nvPr>
+            <p:ph type="title"/>
+          </p:nvPr>
+        </p:nvSpPr>
+        <p:spPr/>
+        <p:txBody>
+          <a:bodyPr/>
+          <a:lstStyle/>
+          <a:p>
+            <a:r>
+              <a:rPr lang="en-US"/>
+              <a:t>Kết quả thực hiện</a:t>
+            </a:r>
+            <a:endParaRPr lang="vi-VN"/>
+          </a:p>
+        </p:txBody>
+      </p:sp>
+      <p:sp>
+        <p:nvSpPr>
+          <p:cNvPr id="3" name="Content Placeholder 2"/>
+          <p:cNvSpPr>
+            <a:spLocks noGrp="1"/>
+          </p:cNvSpPr>
+          <p:nvPr>
+            <p:ph idx="1"/>
+          </p:nvPr>
+        </p:nvSpPr>
+        <p:spPr/>
+        <p:txBody>
+          <a:bodyPr/>
+          <a:lstStyle/>
+          <a:p>
+            <a:r>
+              <a:rPr lang="vi-VN" smtClean="0"/>
+              <a:t>Trang đăng nhập:</a:t>
+            </a:r>
+          </a:p>
+          <a:p>
+            <a:endParaRPr lang="vi-VN"/>
+          </a:p>
+        </p:txBody>
+      </p:sp>
+      <p:pic>
+        <p:nvPicPr>
+          <p:cNvPr id="4" name="Picture 3"/>
+          <p:cNvPicPr>
+            <a:picLocks noChangeAspect="1"/>
+          </p:cNvPicPr>
+          <p:nvPr/>
+        </p:nvPicPr>
+        <p:blipFill>
+          <a:blip r:embed="rId2"/>
+          <a:stretch>
+            <a:fillRect/>
+          </a:stretch>
+        </p:blipFill>
+        <p:spPr>
+          <a:xfrm>
+            <a:off x="1219200" y="2209799"/>
+            <a:ext cx="7315200" cy="4114801"/>
+          </a:xfrm>
+          <a:prstGeom prst="rect">
+            <a:avLst/>
+          </a:prstGeom>
+        </p:spPr>
+      </p:pic>
+    </p:spTree>
+    <p:extLst>
+      <p:ext uri="{BB962C8B-B14F-4D97-AF65-F5344CB8AC3E}">
+        <p14:creationId xmlns:p14="http://schemas.microsoft.com/office/powerpoint/2010/main" val="3720053289"/>
+      </p:ext>
+    </p:extLst>
+  </p:cSld>
+  <p:clrMapOvr>
+    <a:masterClrMapping/>
+  </p:clrMapOvr>
+  <p:timing>
+    <p:tnLst>
+      <p:par>
+        <p:cTn id="1" dur="indefinite" restart="never" nodeType="tmRoot"/>
+      </p:par>
+    </p:tnLst>
+  </p:timing>
+</p:sld>
+</file>
+
 <file path=ppt/theme/theme1.xml><?xml version="1.0" encoding="utf-8"?>
-<a:theme xmlns:a="http://schemas.openxmlformats.org/drawingml/2006/main" name="Office Theme">
+<a:theme xmlns:a="http://schemas.openxmlformats.org/drawingml/2006/main" name="Default Design">
   <a:themeElements>
-    <a:clrScheme name="Office">
+    <a:clrScheme name="Default Design 1">
       <a:dk1>
-        <a:sysClr val="windowText" lastClr="000000"/>
+        <a:srgbClr val="000000"/>
       </a:dk1>
       <a:lt1>
-        <a:sysClr val="window" lastClr="FFFFFF"/>
+        <a:srgbClr val="FFFFFF"/>
       </a:lt1>
       <a:dk2>
-        <a:srgbClr val="44546A"/>
+        <a:srgbClr val="000000"/>
       </a:dk2>
       <a:lt2>
-        <a:srgbClr val="E7E6E6"/>
+        <a:srgbClr val="808080"/>
       </a:lt2>
       <a:accent1>
-        <a:srgbClr val="4472C4"/>
+        <a:srgbClr val="BBE0E3"/>
       </a:accent1>
       <a:accent2>
-        <a:srgbClr val="ED7D31"/>
+        <a:srgbClr val="333399"/>
       </a:accent2>
       <a:accent3>
-        <a:srgbClr val="A5A5A5"/>
+        <a:srgbClr val="FFFFFF"/>
       </a:accent3>
       <a:accent4>
-        <a:srgbClr val="FFC000"/>
+        <a:srgbClr val="000000"/>
       </a:accent4>
       <a:accent5>
-        <a:srgbClr val="5B9BD5"/>
+        <a:srgbClr val="DAEDEF"/>
       </a:accent5>
       <a:accent6>
-        <a:srgbClr val="70AD47"/>
+        <a:srgbClr val="2D2D8A"/>
       </a:accent6>
       <a:hlink>
-        <a:srgbClr val="0563C1"/>
+        <a:srgbClr val="009999"/>
       </a:hlink>
       <a:folHlink>
-        <a:srgbClr val="954F72"/>
+        <a:srgbClr val="99CC00"/>
       </a:folHlink>
     </a:clrScheme>
-    <a:fontScheme name="Latex">
+    <a:fontScheme name="Default Design">
       <a:majorFont>
-        <a:latin typeface="LM Roman 12"/>
+        <a:latin typeface="Arial"/>
         <a:ea typeface=""/>
         <a:cs typeface=""/>
       </a:majorFont>
       <a:minorFont>
-        <a:latin typeface="LM Roman 12"/>
+        <a:latin typeface="Arial"/>
         <a:ea typeface=""/>
         <a:cs typeface=""/>
       </a:minorFont>
@@ -4633,10 +7971,503 @@
     </a:fmtScheme>
   </a:themeElements>
   <a:objectDefaults/>
-  <a:extraClrSchemeLst/>
+  <a:extraClrSchemeLst>
+    <a:extraClrScheme>
+      <a:clrScheme name="Default Design 1">
+        <a:dk1>
+          <a:srgbClr val="000000"/>
+        </a:dk1>
+        <a:lt1>
+          <a:srgbClr val="FFFFFF"/>
+        </a:lt1>
+        <a:dk2>
+          <a:srgbClr val="000000"/>
+        </a:dk2>
+        <a:lt2>
+          <a:srgbClr val="808080"/>
+        </a:lt2>
+        <a:accent1>
+          <a:srgbClr val="BBE0E3"/>
+        </a:accent1>
+        <a:accent2>
+          <a:srgbClr val="333399"/>
+        </a:accent2>
+        <a:accent3>
+          <a:srgbClr val="FFFFFF"/>
+        </a:accent3>
+        <a:accent4>
+          <a:srgbClr val="000000"/>
+        </a:accent4>
+        <a:accent5>
+          <a:srgbClr val="DAEDEF"/>
+        </a:accent5>
+        <a:accent6>
+          <a:srgbClr val="2D2D8A"/>
+        </a:accent6>
+        <a:hlink>
+          <a:srgbClr val="009999"/>
+        </a:hlink>
+        <a:folHlink>
+          <a:srgbClr val="99CC00"/>
+        </a:folHlink>
+      </a:clrScheme>
+      <a:clrMap bg1="lt1" tx1="dk1" bg2="lt2" tx2="dk2" accent1="accent1" accent2="accent2" accent3="accent3" accent4="accent4" accent5="accent5" accent6="accent6" hlink="hlink" folHlink="folHlink"/>
+    </a:extraClrScheme>
+    <a:extraClrScheme>
+      <a:clrScheme name="Default Design 2">
+        <a:dk1>
+          <a:srgbClr val="000000"/>
+        </a:dk1>
+        <a:lt1>
+          <a:srgbClr val="FFFFFF"/>
+        </a:lt1>
+        <a:dk2>
+          <a:srgbClr val="000000"/>
+        </a:dk2>
+        <a:lt2>
+          <a:srgbClr val="969696"/>
+        </a:lt2>
+        <a:accent1>
+          <a:srgbClr val="FBDF53"/>
+        </a:accent1>
+        <a:accent2>
+          <a:srgbClr val="FF9966"/>
+        </a:accent2>
+        <a:accent3>
+          <a:srgbClr val="FFFFFF"/>
+        </a:accent3>
+        <a:accent4>
+          <a:srgbClr val="000000"/>
+        </a:accent4>
+        <a:accent5>
+          <a:srgbClr val="FDECB3"/>
+        </a:accent5>
+        <a:accent6>
+          <a:srgbClr val="E78A5C"/>
+        </a:accent6>
+        <a:hlink>
+          <a:srgbClr val="CC3300"/>
+        </a:hlink>
+        <a:folHlink>
+          <a:srgbClr val="996600"/>
+        </a:folHlink>
+      </a:clrScheme>
+      <a:clrMap bg1="lt1" tx1="dk1" bg2="lt2" tx2="dk2" accent1="accent1" accent2="accent2" accent3="accent3" accent4="accent4" accent5="accent5" accent6="accent6" hlink="hlink" folHlink="folHlink"/>
+    </a:extraClrScheme>
+    <a:extraClrScheme>
+      <a:clrScheme name="Default Design 3">
+        <a:dk1>
+          <a:srgbClr val="000000"/>
+        </a:dk1>
+        <a:lt1>
+          <a:srgbClr val="FFFFFF"/>
+        </a:lt1>
+        <a:dk2>
+          <a:srgbClr val="000000"/>
+        </a:dk2>
+        <a:lt2>
+          <a:srgbClr val="808080"/>
+        </a:lt2>
+        <a:accent1>
+          <a:srgbClr val="99CCFF"/>
+        </a:accent1>
+        <a:accent2>
+          <a:srgbClr val="CCCCFF"/>
+        </a:accent2>
+        <a:accent3>
+          <a:srgbClr val="FFFFFF"/>
+        </a:accent3>
+        <a:accent4>
+          <a:srgbClr val="000000"/>
+        </a:accent4>
+        <a:accent5>
+          <a:srgbClr val="CAE2FF"/>
+        </a:accent5>
+        <a:accent6>
+          <a:srgbClr val="B9B9E7"/>
+        </a:accent6>
+        <a:hlink>
+          <a:srgbClr val="3333CC"/>
+        </a:hlink>
+        <a:folHlink>
+          <a:srgbClr val="AF67FF"/>
+        </a:folHlink>
+      </a:clrScheme>
+      <a:clrMap bg1="lt1" tx1="dk1" bg2="lt2" tx2="dk2" accent1="accent1" accent2="accent2" accent3="accent3" accent4="accent4" accent5="accent5" accent6="accent6" hlink="hlink" folHlink="folHlink"/>
+    </a:extraClrScheme>
+    <a:extraClrScheme>
+      <a:clrScheme name="Default Design 4">
+        <a:dk1>
+          <a:srgbClr val="000000"/>
+        </a:dk1>
+        <a:lt1>
+          <a:srgbClr val="DEF6F1"/>
+        </a:lt1>
+        <a:dk2>
+          <a:srgbClr val="000000"/>
+        </a:dk2>
+        <a:lt2>
+          <a:srgbClr val="969696"/>
+        </a:lt2>
+        <a:accent1>
+          <a:srgbClr val="FFFFFF"/>
+        </a:accent1>
+        <a:accent2>
+          <a:srgbClr val="8DC6FF"/>
+        </a:accent2>
+        <a:accent3>
+          <a:srgbClr val="ECFAF7"/>
+        </a:accent3>
+        <a:accent4>
+          <a:srgbClr val="000000"/>
+        </a:accent4>
+        <a:accent5>
+          <a:srgbClr val="FFFFFF"/>
+        </a:accent5>
+        <a:accent6>
+          <a:srgbClr val="7FB3E7"/>
+        </a:accent6>
+        <a:hlink>
+          <a:srgbClr val="0066CC"/>
+        </a:hlink>
+        <a:folHlink>
+          <a:srgbClr val="00A800"/>
+        </a:folHlink>
+      </a:clrScheme>
+      <a:clrMap bg1="lt1" tx1="dk1" bg2="lt2" tx2="dk2" accent1="accent1" accent2="accent2" accent3="accent3" accent4="accent4" accent5="accent5" accent6="accent6" hlink="hlink" folHlink="folHlink"/>
+    </a:extraClrScheme>
+    <a:extraClrScheme>
+      <a:clrScheme name="Default Design 5">
+        <a:dk1>
+          <a:srgbClr val="000000"/>
+        </a:dk1>
+        <a:lt1>
+          <a:srgbClr val="FFFFD9"/>
+        </a:lt1>
+        <a:dk2>
+          <a:srgbClr val="000000"/>
+        </a:dk2>
+        <a:lt2>
+          <a:srgbClr val="777777"/>
+        </a:lt2>
+        <a:accent1>
+          <a:srgbClr val="FFFFF7"/>
+        </a:accent1>
+        <a:accent2>
+          <a:srgbClr val="33CCCC"/>
+        </a:accent2>
+        <a:accent3>
+          <a:srgbClr val="FFFFE9"/>
+        </a:accent3>
+        <a:accent4>
+          <a:srgbClr val="000000"/>
+        </a:accent4>
+        <a:accent5>
+          <a:srgbClr val="FFFFFA"/>
+        </a:accent5>
+        <a:accent6>
+          <a:srgbClr val="2DB9B9"/>
+        </a:accent6>
+        <a:hlink>
+          <a:srgbClr val="FF5050"/>
+        </a:hlink>
+        <a:folHlink>
+          <a:srgbClr val="FF9900"/>
+        </a:folHlink>
+      </a:clrScheme>
+      <a:clrMap bg1="lt1" tx1="dk1" bg2="lt2" tx2="dk2" accent1="accent1" accent2="accent2" accent3="accent3" accent4="accent4" accent5="accent5" accent6="accent6" hlink="hlink" folHlink="folHlink"/>
+    </a:extraClrScheme>
+    <a:extraClrScheme>
+      <a:clrScheme name="Default Design 6">
+        <a:dk1>
+          <a:srgbClr val="005A58"/>
+        </a:dk1>
+        <a:lt1>
+          <a:srgbClr val="FFFFFF"/>
+        </a:lt1>
+        <a:dk2>
+          <a:srgbClr val="008080"/>
+        </a:dk2>
+        <a:lt2>
+          <a:srgbClr val="FFFF99"/>
+        </a:lt2>
+        <a:accent1>
+          <a:srgbClr val="006462"/>
+        </a:accent1>
+        <a:accent2>
+          <a:srgbClr val="6D6FC7"/>
+        </a:accent2>
+        <a:accent3>
+          <a:srgbClr val="AAC0C0"/>
+        </a:accent3>
+        <a:accent4>
+          <a:srgbClr val="DADADA"/>
+        </a:accent4>
+        <a:accent5>
+          <a:srgbClr val="AAB8B7"/>
+        </a:accent5>
+        <a:accent6>
+          <a:srgbClr val="6264B4"/>
+        </a:accent6>
+        <a:hlink>
+          <a:srgbClr val="00FFFF"/>
+        </a:hlink>
+        <a:folHlink>
+          <a:srgbClr val="00FF00"/>
+        </a:folHlink>
+      </a:clrScheme>
+      <a:clrMap bg1="dk2" tx1="lt1" bg2="dk1" tx2="lt2" accent1="accent1" accent2="accent2" accent3="accent3" accent4="accent4" accent5="accent5" accent6="accent6" hlink="hlink" folHlink="folHlink"/>
+    </a:extraClrScheme>
+    <a:extraClrScheme>
+      <a:clrScheme name="Default Design 7">
+        <a:dk1>
+          <a:srgbClr val="5C1F00"/>
+        </a:dk1>
+        <a:lt1>
+          <a:srgbClr val="FFFFFF"/>
+        </a:lt1>
+        <a:dk2>
+          <a:srgbClr val="800000"/>
+        </a:dk2>
+        <a:lt2>
+          <a:srgbClr val="DFD293"/>
+        </a:lt2>
+        <a:accent1>
+          <a:srgbClr val="CC3300"/>
+        </a:accent1>
+        <a:accent2>
+          <a:srgbClr val="BE7960"/>
+        </a:accent2>
+        <a:accent3>
+          <a:srgbClr val="C0AAAA"/>
+        </a:accent3>
+        <a:accent4>
+          <a:srgbClr val="DADADA"/>
+        </a:accent4>
+        <a:accent5>
+          <a:srgbClr val="E2ADAA"/>
+        </a:accent5>
+        <a:accent6>
+          <a:srgbClr val="AC6D56"/>
+        </a:accent6>
+        <a:hlink>
+          <a:srgbClr val="FFFF99"/>
+        </a:hlink>
+        <a:folHlink>
+          <a:srgbClr val="D3A219"/>
+        </a:folHlink>
+      </a:clrScheme>
+      <a:clrMap bg1="dk2" tx1="lt1" bg2="dk1" tx2="lt2" accent1="accent1" accent2="accent2" accent3="accent3" accent4="accent4" accent5="accent5" accent6="accent6" hlink="hlink" folHlink="folHlink"/>
+    </a:extraClrScheme>
+    <a:extraClrScheme>
+      <a:clrScheme name="Default Design 8">
+        <a:dk1>
+          <a:srgbClr val="003366"/>
+        </a:dk1>
+        <a:lt1>
+          <a:srgbClr val="FFFFFF"/>
+        </a:lt1>
+        <a:dk2>
+          <a:srgbClr val="000099"/>
+        </a:dk2>
+        <a:lt2>
+          <a:srgbClr val="CCFFFF"/>
+        </a:lt2>
+        <a:accent1>
+          <a:srgbClr val="3366CC"/>
+        </a:accent1>
+        <a:accent2>
+          <a:srgbClr val="00B000"/>
+        </a:accent2>
+        <a:accent3>
+          <a:srgbClr val="AAAACA"/>
+        </a:accent3>
+        <a:accent4>
+          <a:srgbClr val="DADADA"/>
+        </a:accent4>
+        <a:accent5>
+          <a:srgbClr val="ADB8E2"/>
+        </a:accent5>
+        <a:accent6>
+          <a:srgbClr val="009F00"/>
+        </a:accent6>
+        <a:hlink>
+          <a:srgbClr val="66CCFF"/>
+        </a:hlink>
+        <a:folHlink>
+          <a:srgbClr val="FFE701"/>
+        </a:folHlink>
+      </a:clrScheme>
+      <a:clrMap bg1="dk2" tx1="lt1" bg2="dk1" tx2="lt2" accent1="accent1" accent2="accent2" accent3="accent3" accent4="accent4" accent5="accent5" accent6="accent6" hlink="hlink" folHlink="folHlink"/>
+    </a:extraClrScheme>
+    <a:extraClrScheme>
+      <a:clrScheme name="Default Design 9">
+        <a:dk1>
+          <a:srgbClr val="336699"/>
+        </a:dk1>
+        <a:lt1>
+          <a:srgbClr val="FFFFFF"/>
+        </a:lt1>
+        <a:dk2>
+          <a:srgbClr val="000000"/>
+        </a:dk2>
+        <a:lt2>
+          <a:srgbClr val="E3EBF1"/>
+        </a:lt2>
+        <a:accent1>
+          <a:srgbClr val="003399"/>
+        </a:accent1>
+        <a:accent2>
+          <a:srgbClr val="468A4B"/>
+        </a:accent2>
+        <a:accent3>
+          <a:srgbClr val="AAAAAA"/>
+        </a:accent3>
+        <a:accent4>
+          <a:srgbClr val="DADADA"/>
+        </a:accent4>
+        <a:accent5>
+          <a:srgbClr val="AAADCA"/>
+        </a:accent5>
+        <a:accent6>
+          <a:srgbClr val="3F7D43"/>
+        </a:accent6>
+        <a:hlink>
+          <a:srgbClr val="66CCFF"/>
+        </a:hlink>
+        <a:folHlink>
+          <a:srgbClr val="F0E500"/>
+        </a:folHlink>
+      </a:clrScheme>
+      <a:clrMap bg1="dk2" tx1="lt1" bg2="dk1" tx2="lt2" accent1="accent1" accent2="accent2" accent3="accent3" accent4="accent4" accent5="accent5" accent6="accent6" hlink="hlink" folHlink="folHlink"/>
+    </a:extraClrScheme>
+    <a:extraClrScheme>
+      <a:clrScheme name="Default Design 10">
+        <a:dk1>
+          <a:srgbClr val="777777"/>
+        </a:dk1>
+        <a:lt1>
+          <a:srgbClr val="FFFFFF"/>
+        </a:lt1>
+        <a:dk2>
+          <a:srgbClr val="686B5D"/>
+        </a:dk2>
+        <a:lt2>
+          <a:srgbClr val="D1D1CB"/>
+        </a:lt2>
+        <a:accent1>
+          <a:srgbClr val="909082"/>
+        </a:accent1>
+        <a:accent2>
+          <a:srgbClr val="809EA8"/>
+        </a:accent2>
+        <a:accent3>
+          <a:srgbClr val="B9BAB6"/>
+        </a:accent3>
+        <a:accent4>
+          <a:srgbClr val="DADADA"/>
+        </a:accent4>
+        <a:accent5>
+          <a:srgbClr val="C6C6C1"/>
+        </a:accent5>
+        <a:accent6>
+          <a:srgbClr val="738F98"/>
+        </a:accent6>
+        <a:hlink>
+          <a:srgbClr val="FFCC66"/>
+        </a:hlink>
+        <a:folHlink>
+          <a:srgbClr val="E9DCB9"/>
+        </a:folHlink>
+      </a:clrScheme>
+      <a:clrMap bg1="dk2" tx1="lt1" bg2="dk1" tx2="lt2" accent1="accent1" accent2="accent2" accent3="accent3" accent4="accent4" accent5="accent5" accent6="accent6" hlink="hlink" folHlink="folHlink"/>
+    </a:extraClrScheme>
+    <a:extraClrScheme>
+      <a:clrScheme name="Default Design 11">
+        <a:dk1>
+          <a:srgbClr val="3E3E5C"/>
+        </a:dk1>
+        <a:lt1>
+          <a:srgbClr val="FFFFFF"/>
+        </a:lt1>
+        <a:dk2>
+          <a:srgbClr val="666699"/>
+        </a:dk2>
+        <a:lt2>
+          <a:srgbClr val="FFFFFF"/>
+        </a:lt2>
+        <a:accent1>
+          <a:srgbClr val="60597B"/>
+        </a:accent1>
+        <a:accent2>
+          <a:srgbClr val="6666FF"/>
+        </a:accent2>
+        <a:accent3>
+          <a:srgbClr val="B8B8CA"/>
+        </a:accent3>
+        <a:accent4>
+          <a:srgbClr val="DADADA"/>
+        </a:accent4>
+        <a:accent5>
+          <a:srgbClr val="B6B5BF"/>
+        </a:accent5>
+        <a:accent6>
+          <a:srgbClr val="5C5CE7"/>
+        </a:accent6>
+        <a:hlink>
+          <a:srgbClr val="99CCFF"/>
+        </a:hlink>
+        <a:folHlink>
+          <a:srgbClr val="FFFF99"/>
+        </a:folHlink>
+      </a:clrScheme>
+      <a:clrMap bg1="dk2" tx1="lt1" bg2="dk1" tx2="lt2" accent1="accent1" accent2="accent2" accent3="accent3" accent4="accent4" accent5="accent5" accent6="accent6" hlink="hlink" folHlink="folHlink"/>
+    </a:extraClrScheme>
+    <a:extraClrScheme>
+      <a:clrScheme name="Default Design 12">
+        <a:dk1>
+          <a:srgbClr val="2D2015"/>
+        </a:dk1>
+        <a:lt1>
+          <a:srgbClr val="FFFFFF"/>
+        </a:lt1>
+        <a:dk2>
+          <a:srgbClr val="523E26"/>
+        </a:dk2>
+        <a:lt2>
+          <a:srgbClr val="DFC08D"/>
+        </a:lt2>
+        <a:accent1>
+          <a:srgbClr val="8C7B70"/>
+        </a:accent1>
+        <a:accent2>
+          <a:srgbClr val="8F5F2F"/>
+        </a:accent2>
+        <a:accent3>
+          <a:srgbClr val="B3AFAC"/>
+        </a:accent3>
+        <a:accent4>
+          <a:srgbClr val="DADADA"/>
+        </a:accent4>
+        <a:accent5>
+          <a:srgbClr val="C5BFBB"/>
+        </a:accent5>
+        <a:accent6>
+          <a:srgbClr val="81552A"/>
+        </a:accent6>
+        <a:hlink>
+          <a:srgbClr val="CCB400"/>
+        </a:hlink>
+        <a:folHlink>
+          <a:srgbClr val="8C9EA0"/>
+        </a:folHlink>
+      </a:clrScheme>
+      <a:clrMap bg1="dk2" tx1="lt1" bg2="dk1" tx2="lt2" accent1="accent1" accent2="accent2" accent3="accent3" accent4="accent4" accent5="accent5" accent6="accent6" hlink="hlink" folHlink="folHlink"/>
+    </a:extraClrScheme>
+  </a:extraClrSchemeLst>
   <a:extLst>
     <a:ext uri="{05A4C25C-085E-4340-85A3-A5531E510DB2}">
-      <thm15:themeFamily xmlns:thm15="http://schemas.microsoft.com/office/thememl/2012/main" name="Presentation1" id="{F03B7251-2D7D-4F63-8ADB-612E47BE8092}" vid="{C83EF312-172F-4C7C-89D0-F931E3D9EE0F}"/>
+      <thm15:themeFamily xmlns:thm15="http://schemas.microsoft.com/office/thememl/2012/main" name="Office Theme" id="{62F939B6-93AF-4DB8-9C6B-D6C7DFDC589F}" vid="{4A3C46E8-61CC-4603-A589-7422A47A8E4A}"/>
     </a:ext>
   </a:extLst>
 </a:theme>

--- a/ProjectCT449_B1900241_PhanThaiHien.pptx
+++ b/ProjectCT449_B1900241_PhanThaiHien.pptx
@@ -3791,7 +3791,6 @@
               <a:rPr lang="en-US" altLang="en-US" sz="2000" smtClean="0"/>
               <a:t>MSSV: B1900241</a:t>
             </a:r>
-            <a:endParaRPr lang="en-US" altLang="en-US" sz="2000" smtClean="0"/>
           </a:p>
         </p:txBody>
       </p:sp>
@@ -3949,7 +3948,7 @@
       </p:sp>
       <p:pic>
         <p:nvPicPr>
-          <p:cNvPr id="4" name="Picture 3"/>
+          <p:cNvPr id="5" name="Picture 4"/>
           <p:cNvPicPr>
             <a:picLocks noChangeAspect="1"/>
           </p:cNvPicPr>
@@ -3963,8 +3962,8 @@
         </p:blipFill>
         <p:spPr>
           <a:xfrm>
-            <a:off x="1257300" y="2400666"/>
-            <a:ext cx="6934200" cy="3900488"/>
+            <a:off x="952500" y="2258140"/>
+            <a:ext cx="7543800" cy="3685460"/>
           </a:xfrm>
           <a:prstGeom prst="rect">
             <a:avLst/>
@@ -4051,7 +4050,7 @@
       </p:sp>
       <p:pic>
         <p:nvPicPr>
-          <p:cNvPr id="4" name="Picture 3"/>
+          <p:cNvPr id="6" name="Picture 5"/>
           <p:cNvPicPr>
             <a:picLocks noChangeAspect="1"/>
           </p:cNvPicPr>
@@ -4065,8 +4064,8 @@
         </p:blipFill>
         <p:spPr>
           <a:xfrm>
-            <a:off x="838200" y="2219325"/>
-            <a:ext cx="7298267" cy="4105275"/>
+            <a:off x="875661" y="2362200"/>
+            <a:ext cx="7697477" cy="3744502"/>
           </a:xfrm>
           <a:prstGeom prst="rect">
             <a:avLst/>
@@ -4153,7 +4152,7 @@
       </p:sp>
       <p:pic>
         <p:nvPicPr>
-          <p:cNvPr id="5" name="Picture 4"/>
+          <p:cNvPr id="4" name="Picture 3"/>
           <p:cNvPicPr>
             <a:picLocks noChangeAspect="1"/>
           </p:cNvPicPr>
@@ -4167,8 +4166,8 @@
         </p:blipFill>
         <p:spPr>
           <a:xfrm>
-            <a:off x="990600" y="2324100"/>
-            <a:ext cx="7112000" cy="4000500"/>
+            <a:off x="913761" y="2362200"/>
+            <a:ext cx="7621277" cy="3723311"/>
           </a:xfrm>
           <a:prstGeom prst="rect">
             <a:avLst/>
@@ -4222,11 +4221,7 @@
           <a:p>
             <a:r>
               <a:rPr lang="en-US"/>
-              <a:t>Kết quả </a:t>
-            </a:r>
-            <a:r>
-              <a:rPr lang="en-US"/>
-              <a:t>thực </a:t>
+              <a:t>Kết quả thực </a:t>
             </a:r>
             <a:r>
               <a:rPr lang="en-US" smtClean="0"/>
@@ -4263,7 +4258,7 @@
       </p:sp>
       <p:pic>
         <p:nvPicPr>
-          <p:cNvPr id="4" name="Picture 3"/>
+          <p:cNvPr id="5" name="Picture 4"/>
           <p:cNvPicPr>
             <a:picLocks noChangeAspect="1"/>
           </p:cNvPicPr>
@@ -4277,8 +4272,8 @@
         </p:blipFill>
         <p:spPr>
           <a:xfrm>
-            <a:off x="1270000" y="2438400"/>
-            <a:ext cx="6908800" cy="3886200"/>
+            <a:off x="621323" y="2308906"/>
+            <a:ext cx="7989277" cy="3890611"/>
           </a:xfrm>
           <a:prstGeom prst="rect">
             <a:avLst/>
@@ -4368,7 +4363,7 @@
       </p:sp>
       <p:pic>
         <p:nvPicPr>
-          <p:cNvPr id="4" name="Picture 3"/>
+          <p:cNvPr id="5" name="Picture 4"/>
           <p:cNvPicPr>
             <a:picLocks noChangeAspect="1"/>
           </p:cNvPicPr>
@@ -4382,8 +4377,8 @@
         </p:blipFill>
         <p:spPr>
           <a:xfrm>
-            <a:off x="1143000" y="2295525"/>
-            <a:ext cx="7162800" cy="4029075"/>
+            <a:off x="971230" y="2438400"/>
+            <a:ext cx="7506339" cy="3659340"/>
           </a:xfrm>
           <a:prstGeom prst="rect">
             <a:avLst/>
@@ -4470,7 +4465,7 @@
       </p:sp>
       <p:pic>
         <p:nvPicPr>
-          <p:cNvPr id="4" name="Picture 3"/>
+          <p:cNvPr id="5" name="Picture 4"/>
           <p:cNvPicPr>
             <a:picLocks noChangeAspect="1"/>
           </p:cNvPicPr>
@@ -4484,8 +4479,8 @@
         </p:blipFill>
         <p:spPr>
           <a:xfrm>
-            <a:off x="1066800" y="2209800"/>
-            <a:ext cx="7315200" cy="4114800"/>
+            <a:off x="1051560" y="2438400"/>
+            <a:ext cx="7345680" cy="3573367"/>
           </a:xfrm>
           <a:prstGeom prst="rect">
             <a:avLst/>
@@ -4572,7 +4567,7 @@
       </p:sp>
       <p:pic>
         <p:nvPicPr>
-          <p:cNvPr id="4" name="Picture 3"/>
+          <p:cNvPr id="5" name="Picture 4"/>
           <p:cNvPicPr>
             <a:picLocks noChangeAspect="1"/>
           </p:cNvPicPr>
@@ -4586,8 +4581,8 @@
         </p:blipFill>
         <p:spPr>
           <a:xfrm>
-            <a:off x="1257300" y="2408872"/>
-            <a:ext cx="6934200" cy="3900488"/>
+            <a:off x="594360" y="2517926"/>
+            <a:ext cx="7787640" cy="3776194"/>
           </a:xfrm>
           <a:prstGeom prst="rect">
             <a:avLst/>
@@ -4674,7 +4669,7 @@
       </p:sp>
       <p:pic>
         <p:nvPicPr>
-          <p:cNvPr id="5" name="Picture 4"/>
+          <p:cNvPr id="4" name="Picture 3"/>
           <p:cNvPicPr>
             <a:picLocks noChangeAspect="1"/>
           </p:cNvPicPr>
@@ -4688,8 +4683,8 @@
         </p:blipFill>
         <p:spPr>
           <a:xfrm>
-            <a:off x="1143000" y="2286000"/>
-            <a:ext cx="6858000" cy="3857625"/>
+            <a:off x="914400" y="2432896"/>
+            <a:ext cx="7518177" cy="3663104"/>
           </a:xfrm>
           <a:prstGeom prst="rect">
             <a:avLst/>
@@ -4776,13 +4771,7 @@
               <a:rPr lang="en-US">
                 <a:hlinkClick r:id="rId2"/>
               </a:rPr>
-              <a:t>https</a:t>
-            </a:r>
-            <a:r>
-              <a:rPr lang="en-US">
-                <a:hlinkClick r:id="rId2"/>
-              </a:rPr>
-              <a:t>://</a:t>
+              <a:t>https://</a:t>
             </a:r>
             <a:r>
               <a:rPr lang="en-US" smtClean="0">
@@ -4987,7 +4976,6 @@
               <a:rPr lang="en-US" altLang="en-US" sz="1600" smtClean="0"/>
               <a:t>Đăng xuất.</a:t>
             </a:r>
-            <a:endParaRPr lang="en-US" altLang="en-US" sz="1600" smtClean="0"/>
           </a:p>
           <a:p>
             <a:r>
@@ -5010,11 +4998,7 @@
           <a:p>
             <a:r>
               <a:rPr lang="en-US" altLang="en-US" sz="1600"/>
-              <a:t>Xóa dự án đã thực </a:t>
-            </a:r>
-            <a:r>
-              <a:rPr lang="en-US" altLang="en-US" sz="1600"/>
-              <a:t>hiện</a:t>
+              <a:t>Xóa dự án đã thực hiện</a:t>
             </a:r>
             <a:r>
               <a:rPr lang="en-US" altLang="en-US" sz="1600" smtClean="0"/>
@@ -5024,11 +5008,7 @@
           <a:p>
             <a:r>
               <a:rPr lang="en-US" altLang="en-US" sz="1600"/>
-              <a:t>Xem thông </a:t>
-            </a:r>
-            <a:r>
-              <a:rPr lang="en-US" altLang="en-US" sz="1600"/>
-              <a:t>tin </a:t>
+              <a:t>Xem thông tin </a:t>
             </a:r>
             <a:r>
               <a:rPr lang="en-US" altLang="en-US" sz="1600" smtClean="0"/>
@@ -5153,11 +5133,7 @@
             <a:pPr lvl="1"/>
             <a:r>
               <a:rPr lang="en-US" sz="2100"/>
-              <a:t>id: chứa id của người </a:t>
-            </a:r>
-            <a:r>
-              <a:rPr lang="en-US" sz="2100"/>
-              <a:t>dùng</a:t>
+              <a:t>id: chứa id của người dùng</a:t>
             </a:r>
             <a:r>
               <a:rPr lang="en-US" sz="2100" smtClean="0"/>
@@ -5221,11 +5197,7 @@
             <a:pPr lvl="1"/>
             <a:r>
               <a:rPr lang="en-US" sz="2000"/>
-              <a:t>name (string): chứa </a:t>
-            </a:r>
-            <a:r>
-              <a:rPr lang="en-US" sz="2000"/>
-              <a:t>tên </a:t>
+              <a:t>name (string): chứa tên </a:t>
             </a:r>
             <a:r>
               <a:rPr lang="en-US" sz="2000" smtClean="0"/>
@@ -5387,11 +5359,7 @@
             <a:pPr lvl="1"/>
             <a:r>
               <a:rPr lang="en-US" sz="2100"/>
-              <a:t>name (string): chứa </a:t>
-            </a:r>
-            <a:r>
-              <a:rPr lang="en-US" sz="2100"/>
-              <a:t>tên </a:t>
+              <a:t>name (string): chứa tên </a:t>
             </a:r>
             <a:r>
               <a:rPr lang="en-US" sz="2100" smtClean="0"/>
@@ -5407,7 +5375,19 @@
             </a:r>
             <a:r>
               <a:rPr lang="en-US" sz="2100"/>
-              <a:t>(string): </a:t>
+              <a:t>(string): chứa </a:t>
+            </a:r>
+            <a:r>
+              <a:rPr lang="en-US" sz="2100" smtClean="0"/>
+              <a:t>mô tả của deadline.</a:t>
+            </a:r>
+            <a:endParaRPr lang="en-US" sz="2100"/>
+          </a:p>
+          <a:p>
+            <a:pPr lvl="1"/>
+            <a:r>
+              <a:rPr lang="en-US" sz="2100" smtClean="0"/>
+              <a:t>day (number): </a:t>
             </a:r>
             <a:r>
               <a:rPr lang="en-US" sz="2100"/>
@@ -5415,27 +5395,15 @@
             </a:r>
             <a:r>
               <a:rPr lang="en-US" sz="2100" smtClean="0"/>
-              <a:t>mô tả của deadline.</a:t>
-            </a:r>
-            <a:endParaRPr lang="en-US" sz="2100"/>
-          </a:p>
-          <a:p>
-            <a:pPr lvl="1"/>
+              <a:t>ngày </a:t>
+            </a:r>
             <a:r>
               <a:rPr lang="en-US" sz="2100" smtClean="0"/>
-              <a:t>day (number): </a:t>
+              <a:t>cuối phải hoàn thành </a:t>
             </a:r>
             <a:r>
               <a:rPr lang="en-US" sz="2100"/>
-              <a:t>chứa </a:t>
-            </a:r>
-            <a:r>
-              <a:rPr lang="en-US" sz="2100" smtClean="0"/>
-              <a:t>ngày cuối </a:t>
-            </a:r>
-            <a:r>
-              <a:rPr lang="en-US" sz="2100"/>
-              <a:t>của deadline</a:t>
+              <a:t>deadline</a:t>
             </a:r>
             <a:r>
               <a:rPr lang="en-US" sz="2100" smtClean="0"/>
@@ -5449,8 +5417,16 @@
               <a:t>month (number): chứa tháng cuối </a:t>
             </a:r>
             <a:r>
+              <a:rPr lang="en-US" sz="2100" smtClean="0"/>
+              <a:t>phải hoàn thành</a:t>
+            </a:r>
+            <a:r>
+              <a:rPr lang="en-US" sz="2100" smtClean="0"/>
+              <a:t> </a:t>
+            </a:r>
+            <a:r>
               <a:rPr lang="en-US" sz="2100"/>
-              <a:t>của deadline</a:t>
+              <a:t>deadline</a:t>
             </a:r>
             <a:r>
               <a:rPr lang="en-US" sz="2100" smtClean="0"/>
@@ -5464,8 +5440,12 @@
               <a:t>year (number): chứa năm cuối </a:t>
             </a:r>
             <a:r>
-              <a:rPr lang="en-US" sz="2100"/>
-              <a:t>của </a:t>
+              <a:rPr lang="en-US" sz="2100" smtClean="0"/>
+              <a:t>phải hoàn thành</a:t>
+            </a:r>
+            <a:r>
+              <a:rPr lang="en-US" sz="2100" smtClean="0"/>
+              <a:t> </a:t>
             </a:r>
             <a:r>
               <a:rPr lang="en-US" sz="2100"/>
@@ -5491,11 +5471,7 @@
             <a:pPr lvl="1"/>
             <a:r>
               <a:rPr lang="en-US" sz="2100"/>
-              <a:t>ownerId: chứa id của chủ sở </a:t>
-            </a:r>
-            <a:r>
-              <a:rPr lang="en-US" sz="2100"/>
-              <a:t>hữu </a:t>
+              <a:t>ownerId: chứa id của chủ sở hữu </a:t>
             </a:r>
             <a:r>
               <a:rPr lang="en-US" sz="2100" smtClean="0"/>
@@ -5593,11 +5569,7 @@
             </a:r>
             <a:r>
               <a:rPr lang="en-US"/>
-              <a:t>route </a:t>
-            </a:r>
-            <a:r>
-              <a:rPr lang="en-US"/>
-              <a:t>của </a:t>
+              <a:t>route của </a:t>
             </a:r>
             <a:r>
               <a:rPr lang="en-US" smtClean="0"/>
@@ -5605,11 +5577,7 @@
             </a:r>
             <a:r>
               <a:rPr lang="en-US"/>
-              <a:t>API đã </a:t>
-            </a:r>
-            <a:r>
-              <a:rPr lang="en-US"/>
-              <a:t>xây </a:t>
+              <a:t>API đã xây </a:t>
             </a:r>
             <a:r>
               <a:rPr lang="en-US" smtClean="0"/>
@@ -5919,15 +5887,6 @@
                         </a:rPr>
                         <a:t>)</a:t>
                       </a:r>
-                      <a:endParaRPr lang="vi-VN" sz="1800" b="0" kern="1200" smtClean="0">
-                        <a:solidFill>
-                          <a:schemeClr val="dk1"/>
-                        </a:solidFill>
-                        <a:effectLst/>
-                        <a:latin typeface="+mn-lt"/>
-                        <a:ea typeface="+mn-ea"/>
-                        <a:cs typeface="+mn-cs"/>
-                      </a:endParaRPr>
                     </a:p>
                   </a:txBody>
                   <a:tcPr/>
@@ -7635,7 +7594,7 @@
       </p:sp>
       <p:pic>
         <p:nvPicPr>
-          <p:cNvPr id="4" name="Picture 3"/>
+          <p:cNvPr id="5" name="Picture 4"/>
           <p:cNvPicPr>
             <a:picLocks noChangeAspect="1"/>
           </p:cNvPicPr>
@@ -7649,8 +7608,8 @@
         </p:blipFill>
         <p:spPr>
           <a:xfrm>
-            <a:off x="1143000" y="2328182"/>
-            <a:ext cx="7162800" cy="4029075"/>
+            <a:off x="733905" y="2209800"/>
+            <a:ext cx="7980990" cy="3878262"/>
           </a:xfrm>
           <a:prstGeom prst="rect">
             <a:avLst/>
@@ -7737,7 +7696,7 @@
       </p:sp>
       <p:pic>
         <p:nvPicPr>
-          <p:cNvPr id="4" name="Picture 3"/>
+          <p:cNvPr id="5" name="Picture 4"/>
           <p:cNvPicPr>
             <a:picLocks noChangeAspect="1"/>
           </p:cNvPicPr>
@@ -7751,8 +7710,8 @@
         </p:blipFill>
         <p:spPr>
           <a:xfrm>
-            <a:off x="1219200" y="2209799"/>
-            <a:ext cx="7315200" cy="4114801"/>
+            <a:off x="866457" y="2362200"/>
+            <a:ext cx="7715885" cy="3741400"/>
           </a:xfrm>
           <a:prstGeom prst="rect">
             <a:avLst/>

--- a/ProjectCT449_B1900241_PhanThaiHien.pptx
+++ b/ProjectCT449_B1900241_PhanThaiHien.pptx
@@ -12,18 +12,20 @@
     <p:sldId id="273" r:id="rId6"/>
     <p:sldId id="274" r:id="rId7"/>
     <p:sldId id="275" r:id="rId8"/>
-    <p:sldId id="268" r:id="rId9"/>
-    <p:sldId id="267" r:id="rId10"/>
-    <p:sldId id="279" r:id="rId11"/>
-    <p:sldId id="272" r:id="rId12"/>
-    <p:sldId id="271" r:id="rId13"/>
-    <p:sldId id="270" r:id="rId14"/>
-    <p:sldId id="269" r:id="rId15"/>
-    <p:sldId id="276" r:id="rId16"/>
-    <p:sldId id="277" r:id="rId17"/>
-    <p:sldId id="278" r:id="rId18"/>
-    <p:sldId id="266" r:id="rId19"/>
-    <p:sldId id="262" r:id="rId20"/>
+    <p:sldId id="281" r:id="rId9"/>
+    <p:sldId id="268" r:id="rId10"/>
+    <p:sldId id="267" r:id="rId11"/>
+    <p:sldId id="279" r:id="rId12"/>
+    <p:sldId id="272" r:id="rId13"/>
+    <p:sldId id="271" r:id="rId14"/>
+    <p:sldId id="270" r:id="rId15"/>
+    <p:sldId id="269" r:id="rId16"/>
+    <p:sldId id="276" r:id="rId17"/>
+    <p:sldId id="277" r:id="rId18"/>
+    <p:sldId id="278" r:id="rId19"/>
+    <p:sldId id="280" r:id="rId20"/>
+    <p:sldId id="266" r:id="rId21"/>
+    <p:sldId id="262" r:id="rId22"/>
   </p:sldIdLst>
   <p:sldSz cx="9144000" cy="6858000" type="screen4x3"/>
   <p:notesSz cx="6858000" cy="9144000"/>
@@ -3937,6 +3939,115 @@
           <a:lstStyle/>
           <a:p>
             <a:r>
+              <a:rPr lang="vi-VN" smtClean="0"/>
+              <a:t>Trang đăng nhập:</a:t>
+            </a:r>
+          </a:p>
+          <a:p>
+            <a:endParaRPr lang="vi-VN"/>
+          </a:p>
+        </p:txBody>
+      </p:sp>
+      <p:pic>
+        <p:nvPicPr>
+          <p:cNvPr id="5" name="Picture 4"/>
+          <p:cNvPicPr>
+            <a:picLocks noChangeAspect="1"/>
+          </p:cNvPicPr>
+          <p:nvPr/>
+        </p:nvPicPr>
+        <p:blipFill>
+          <a:blip r:embed="rId2"/>
+          <a:stretch>
+            <a:fillRect/>
+          </a:stretch>
+        </p:blipFill>
+        <p:spPr>
+          <a:xfrm>
+            <a:off x="866457" y="2362200"/>
+            <a:ext cx="7715885" cy="3741400"/>
+          </a:xfrm>
+          <a:prstGeom prst="rect">
+            <a:avLst/>
+          </a:prstGeom>
+        </p:spPr>
+      </p:pic>
+    </p:spTree>
+    <p:extLst>
+      <p:ext uri="{BB962C8B-B14F-4D97-AF65-F5344CB8AC3E}">
+        <p14:creationId xmlns:p14="http://schemas.microsoft.com/office/powerpoint/2010/main" val="3720053289"/>
+      </p:ext>
+    </p:extLst>
+  </p:cSld>
+  <p:clrMapOvr>
+    <a:masterClrMapping/>
+  </p:clrMapOvr>
+  <p:timing>
+    <p:tnLst>
+      <p:par>
+        <p:cTn id="1" dur="indefinite" restart="never" nodeType="tmRoot"/>
+      </p:par>
+    </p:tnLst>
+  </p:timing>
+</p:sld>
+</file>
+
+<file path=ppt/slides/slide11.xml><?xml version="1.0" encoding="utf-8"?>
+<p:sld xmlns:a="http://schemas.openxmlformats.org/drawingml/2006/main" xmlns:r="http://schemas.openxmlformats.org/officeDocument/2006/relationships" xmlns:p="http://schemas.openxmlformats.org/presentationml/2006/main">
+  <p:cSld>
+    <p:spTree>
+      <p:nvGrpSpPr>
+        <p:cNvPr id="1" name=""/>
+        <p:cNvGrpSpPr/>
+        <p:nvPr/>
+      </p:nvGrpSpPr>
+      <p:grpSpPr>
+        <a:xfrm>
+          <a:off x="0" y="0"/>
+          <a:ext cx="0" cy="0"/>
+          <a:chOff x="0" y="0"/>
+          <a:chExt cx="0" cy="0"/>
+        </a:xfrm>
+      </p:grpSpPr>
+      <p:sp>
+        <p:nvSpPr>
+          <p:cNvPr id="2" name="Title 1"/>
+          <p:cNvSpPr>
+            <a:spLocks noGrp="1"/>
+          </p:cNvSpPr>
+          <p:nvPr>
+            <p:ph type="title"/>
+          </p:nvPr>
+        </p:nvSpPr>
+        <p:spPr/>
+        <p:txBody>
+          <a:bodyPr/>
+          <a:lstStyle/>
+          <a:p>
+            <a:r>
+              <a:rPr lang="en-US"/>
+              <a:t>Kết quả thực hiện</a:t>
+            </a:r>
+            <a:endParaRPr lang="vi-VN"/>
+          </a:p>
+        </p:txBody>
+      </p:sp>
+      <p:sp>
+        <p:nvSpPr>
+          <p:cNvPr id="3" name="Content Placeholder 2"/>
+          <p:cNvSpPr>
+            <a:spLocks noGrp="1"/>
+          </p:cNvSpPr>
+          <p:nvPr>
+            <p:ph idx="1"/>
+          </p:nvPr>
+        </p:nvSpPr>
+        <p:spPr/>
+        <p:txBody>
+          <a:bodyPr/>
+          <a:lstStyle/>
+          <a:p>
+            <a:r>
               <a:rPr lang="en-US" smtClean="0"/>
               <a:t>Trang profile người dùng:</a:t>
             </a:r>
@@ -3983,7 +4094,7 @@
 </p:sld>
 </file>
 
-<file path=ppt/slides/slide11.xml><?xml version="1.0" encoding="utf-8"?>
+<file path=ppt/slides/slide12.xml><?xml version="1.0" encoding="utf-8"?>
 <p:sld xmlns:a="http://schemas.openxmlformats.org/drawingml/2006/main" xmlns:r="http://schemas.openxmlformats.org/officeDocument/2006/relationships" xmlns:p="http://schemas.openxmlformats.org/presentationml/2006/main">
   <p:cSld>
     <p:spTree>
@@ -4085,7 +4196,7 @@
 </p:sld>
 </file>
 
-<file path=ppt/slides/slide12.xml><?xml version="1.0" encoding="utf-8"?>
+<file path=ppt/slides/slide13.xml><?xml version="1.0" encoding="utf-8"?>
 <p:sld xmlns:a="http://schemas.openxmlformats.org/drawingml/2006/main" xmlns:r="http://schemas.openxmlformats.org/officeDocument/2006/relationships" xmlns:p="http://schemas.openxmlformats.org/presentationml/2006/main">
   <p:cSld>
     <p:spTree>
@@ -4187,7 +4298,7 @@
 </p:sld>
 </file>
 
-<file path=ppt/slides/slide13.xml><?xml version="1.0" encoding="utf-8"?>
+<file path=ppt/slides/slide14.xml><?xml version="1.0" encoding="utf-8"?>
 <p:sld xmlns:a="http://schemas.openxmlformats.org/drawingml/2006/main" xmlns:r="http://schemas.openxmlformats.org/officeDocument/2006/relationships" xmlns:p="http://schemas.openxmlformats.org/presentationml/2006/main">
   <p:cSld>
     <p:spTree>
@@ -4293,7 +4404,7 @@
 </p:sld>
 </file>
 
-<file path=ppt/slides/slide14.xml><?xml version="1.0" encoding="utf-8"?>
+<file path=ppt/slides/slide15.xml><?xml version="1.0" encoding="utf-8"?>
 <p:sld xmlns:a="http://schemas.openxmlformats.org/drawingml/2006/main" xmlns:r="http://schemas.openxmlformats.org/officeDocument/2006/relationships" xmlns:p="http://schemas.openxmlformats.org/presentationml/2006/main">
   <p:cSld>
     <p:spTree>
@@ -4398,7 +4509,7 @@
 </p:sld>
 </file>
 
-<file path=ppt/slides/slide15.xml><?xml version="1.0" encoding="utf-8"?>
+<file path=ppt/slides/slide16.xml><?xml version="1.0" encoding="utf-8"?>
 <p:sld xmlns:a="http://schemas.openxmlformats.org/drawingml/2006/main" xmlns:r="http://schemas.openxmlformats.org/officeDocument/2006/relationships" xmlns:p="http://schemas.openxmlformats.org/presentationml/2006/main">
   <p:cSld>
     <p:spTree>
@@ -4500,7 +4611,7 @@
 </p:sld>
 </file>
 
-<file path=ppt/slides/slide16.xml><?xml version="1.0" encoding="utf-8"?>
+<file path=ppt/slides/slide17.xml><?xml version="1.0" encoding="utf-8"?>
 <p:sld xmlns:a="http://schemas.openxmlformats.org/drawingml/2006/main" xmlns:r="http://schemas.openxmlformats.org/officeDocument/2006/relationships" xmlns:p="http://schemas.openxmlformats.org/presentationml/2006/main">
   <p:cSld>
     <p:spTree>
@@ -4602,7 +4713,7 @@
 </p:sld>
 </file>
 
-<file path=ppt/slides/slide17.xml><?xml version="1.0" encoding="utf-8"?>
+<file path=ppt/slides/slide18.xml><?xml version="1.0" encoding="utf-8"?>
 <p:sld xmlns:a="http://schemas.openxmlformats.org/drawingml/2006/main" xmlns:r="http://schemas.openxmlformats.org/officeDocument/2006/relationships" xmlns:p="http://schemas.openxmlformats.org/presentationml/2006/main">
   <p:cSld>
     <p:spTree>
@@ -4704,7 +4815,7 @@
 </p:sld>
 </file>
 
-<file path=ppt/slides/slide18.xml><?xml version="1.0" encoding="utf-8"?>
+<file path=ppt/slides/slide19.xml><?xml version="1.0" encoding="utf-8"?>
 <p:sld xmlns:a="http://schemas.openxmlformats.org/drawingml/2006/main" xmlns:r="http://schemas.openxmlformats.org/officeDocument/2006/relationships" xmlns:p="http://schemas.openxmlformats.org/presentationml/2006/main">
   <p:cSld>
     <p:spTree>
@@ -4738,6 +4849,486 @@
           <a:p>
             <a:r>
               <a:rPr lang="en-US"/>
+              <a:t>Kết quả thực hiện</a:t>
+            </a:r>
+            <a:endParaRPr lang="vi-VN"/>
+          </a:p>
+        </p:txBody>
+      </p:sp>
+      <p:pic>
+        <p:nvPicPr>
+          <p:cNvPr id="4" name="Content Placeholder 3"/>
+          <p:cNvPicPr>
+            <a:picLocks noGrp="1" noChangeAspect="1"/>
+          </p:cNvPicPr>
+          <p:nvPr>
+            <p:ph idx="1"/>
+          </p:nvPr>
+        </p:nvPicPr>
+        <p:blipFill>
+          <a:blip r:embed="rId2"/>
+          <a:stretch>
+            <a:fillRect/>
+          </a:stretch>
+        </p:blipFill>
+        <p:spPr>
+          <a:xfrm>
+            <a:off x="685800" y="2209800"/>
+            <a:ext cx="8229600" cy="4007643"/>
+          </a:xfrm>
+          <a:prstGeom prst="rect">
+            <a:avLst/>
+          </a:prstGeom>
+        </p:spPr>
+      </p:pic>
+      <p:sp>
+        <p:nvSpPr>
+          <p:cNvPr id="5" name="Content Placeholder 2"/>
+          <p:cNvSpPr txBox="1">
+            <a:spLocks/>
+          </p:cNvSpPr>
+          <p:nvPr/>
+        </p:nvSpPr>
+        <p:spPr bwMode="auto">
+          <a:xfrm>
+            <a:off x="609600" y="1633538"/>
+            <a:ext cx="8229600" cy="4691062"/>
+          </a:xfrm>
+          <a:prstGeom prst="rect">
+            <a:avLst/>
+          </a:prstGeom>
+          <a:noFill/>
+          <a:ln>
+            <a:noFill/>
+          </a:ln>
+          <a:effectLst/>
+          <a:extLst>
+            <a:ext uri="{909E8E84-426E-40DD-AFC4-6F175D3DCCD1}">
+              <a14:hiddenFill xmlns:a14="http://schemas.microsoft.com/office/drawing/2010/main">
+                <a:solidFill>
+                  <a:schemeClr val="accent1"/>
+                </a:solidFill>
+              </a14:hiddenFill>
+            </a:ext>
+            <a:ext uri="{91240B29-F687-4F45-9708-019B960494DF}">
+              <a14:hiddenLine xmlns:a14="http://schemas.microsoft.com/office/drawing/2010/main" w="9525">
+                <a:solidFill>
+                  <a:schemeClr val="tx1"/>
+                </a:solidFill>
+                <a:miter lim="800000"/>
+                <a:headEnd/>
+                <a:tailEnd/>
+              </a14:hiddenLine>
+            </a:ext>
+            <a:ext uri="{AF507438-7753-43E0-B8FC-AC1667EBCBE1}">
+              <a14:hiddenEffects xmlns:a14="http://schemas.microsoft.com/office/drawing/2010/main">
+                <a:effectLst>
+                  <a:outerShdw dist="35921" dir="2700000" algn="ctr" rotWithShape="0">
+                    <a:schemeClr val="bg2"/>
+                  </a:outerShdw>
+                </a:effectLst>
+              </a14:hiddenEffects>
+            </a:ext>
+          </a:extLst>
+        </p:spPr>
+        <p:txBody>
+          <a:bodyPr vert="horz" wrap="square" lIns="91440" tIns="45720" rIns="91440" bIns="45720" numCol="1" anchor="t" anchorCtr="0" compatLnSpc="1">
+            <a:prstTxWarp prst="textNoShape">
+              <a:avLst/>
+            </a:prstTxWarp>
+          </a:bodyPr>
+          <a:lstStyle>
+            <a:lvl1pPr marL="342900" indent="-342900" algn="l" rtl="0" fontAlgn="base">
+              <a:spcBef>
+                <a:spcPct val="20000"/>
+              </a:spcBef>
+              <a:spcAft>
+                <a:spcPct val="0"/>
+              </a:spcAft>
+              <a:buChar char="•"/>
+              <a:defRPr sz="2900" kern="1200">
+                <a:solidFill>
+                  <a:srgbClr val="000066"/>
+                </a:solidFill>
+                <a:latin typeface="+mn-lt"/>
+                <a:ea typeface="+mn-ea"/>
+                <a:cs typeface="+mn-cs"/>
+              </a:defRPr>
+            </a:lvl1pPr>
+            <a:lvl2pPr marL="742950" indent="-285750" algn="l" rtl="0" fontAlgn="base">
+              <a:spcBef>
+                <a:spcPct val="20000"/>
+              </a:spcBef>
+              <a:spcAft>
+                <a:spcPct val="0"/>
+              </a:spcAft>
+              <a:buChar char="–"/>
+              <a:defRPr sz="2600" kern="1200">
+                <a:solidFill>
+                  <a:srgbClr val="000066"/>
+                </a:solidFill>
+                <a:latin typeface="+mn-lt"/>
+                <a:ea typeface="+mn-ea"/>
+                <a:cs typeface="+mn-cs"/>
+              </a:defRPr>
+            </a:lvl2pPr>
+            <a:lvl3pPr marL="1143000" indent="-228600" algn="l" rtl="0" fontAlgn="base">
+              <a:spcBef>
+                <a:spcPct val="20000"/>
+              </a:spcBef>
+              <a:spcAft>
+                <a:spcPct val="0"/>
+              </a:spcAft>
+              <a:buChar char="•"/>
+              <a:defRPr sz="2200" kern="1200">
+                <a:solidFill>
+                  <a:srgbClr val="000066"/>
+                </a:solidFill>
+                <a:latin typeface="+mn-lt"/>
+                <a:ea typeface="+mn-ea"/>
+                <a:cs typeface="+mn-cs"/>
+              </a:defRPr>
+            </a:lvl3pPr>
+            <a:lvl4pPr marL="1600200" indent="-228600" algn="l" rtl="0" fontAlgn="base">
+              <a:spcBef>
+                <a:spcPct val="20000"/>
+              </a:spcBef>
+              <a:spcAft>
+                <a:spcPct val="0"/>
+              </a:spcAft>
+              <a:buChar char="–"/>
+              <a:defRPr kern="1200">
+                <a:solidFill>
+                  <a:srgbClr val="000066"/>
+                </a:solidFill>
+                <a:latin typeface="+mn-lt"/>
+                <a:ea typeface="+mn-ea"/>
+                <a:cs typeface="+mn-cs"/>
+              </a:defRPr>
+            </a:lvl4pPr>
+            <a:lvl5pPr marL="2057400" indent="-228600" algn="l" rtl="0" fontAlgn="base">
+              <a:spcBef>
+                <a:spcPct val="20000"/>
+              </a:spcBef>
+              <a:spcAft>
+                <a:spcPct val="0"/>
+              </a:spcAft>
+              <a:buChar char="»"/>
+              <a:defRPr kern="1200">
+                <a:solidFill>
+                  <a:srgbClr val="000066"/>
+                </a:solidFill>
+                <a:latin typeface="+mn-lt"/>
+                <a:ea typeface="+mn-ea"/>
+                <a:cs typeface="+mn-cs"/>
+              </a:defRPr>
+            </a:lvl5pPr>
+            <a:lvl6pPr marL="2514600" indent="-228600" algn="l" defTabSz="914400" rtl="0" eaLnBrk="1" latinLnBrk="0" hangingPunct="1">
+              <a:lnSpc>
+                <a:spcPct val="90000"/>
+              </a:lnSpc>
+              <a:spcBef>
+                <a:spcPts val="500"/>
+              </a:spcBef>
+              <a:buFont typeface="Arial" panose="020B0604020202020204" pitchFamily="34" charset="0"/>
+              <a:buChar char="•"/>
+              <a:defRPr sz="1800" kern="1200">
+                <a:solidFill>
+                  <a:schemeClr val="tx1"/>
+                </a:solidFill>
+                <a:latin typeface="+mn-lt"/>
+                <a:ea typeface="+mn-ea"/>
+                <a:cs typeface="+mn-cs"/>
+              </a:defRPr>
+            </a:lvl6pPr>
+            <a:lvl7pPr marL="2971800" indent="-228600" algn="l" defTabSz="914400" rtl="0" eaLnBrk="1" latinLnBrk="0" hangingPunct="1">
+              <a:lnSpc>
+                <a:spcPct val="90000"/>
+              </a:lnSpc>
+              <a:spcBef>
+                <a:spcPts val="500"/>
+              </a:spcBef>
+              <a:buFont typeface="Arial" panose="020B0604020202020204" pitchFamily="34" charset="0"/>
+              <a:buChar char="•"/>
+              <a:defRPr sz="1800" kern="1200">
+                <a:solidFill>
+                  <a:schemeClr val="tx1"/>
+                </a:solidFill>
+                <a:latin typeface="+mn-lt"/>
+                <a:ea typeface="+mn-ea"/>
+                <a:cs typeface="+mn-cs"/>
+              </a:defRPr>
+            </a:lvl7pPr>
+            <a:lvl8pPr marL="3429000" indent="-228600" algn="l" defTabSz="914400" rtl="0" eaLnBrk="1" latinLnBrk="0" hangingPunct="1">
+              <a:lnSpc>
+                <a:spcPct val="90000"/>
+              </a:lnSpc>
+              <a:spcBef>
+                <a:spcPts val="500"/>
+              </a:spcBef>
+              <a:buFont typeface="Arial" panose="020B0604020202020204" pitchFamily="34" charset="0"/>
+              <a:buChar char="•"/>
+              <a:defRPr sz="1800" kern="1200">
+                <a:solidFill>
+                  <a:schemeClr val="tx1"/>
+                </a:solidFill>
+                <a:latin typeface="+mn-lt"/>
+                <a:ea typeface="+mn-ea"/>
+                <a:cs typeface="+mn-cs"/>
+              </a:defRPr>
+            </a:lvl8pPr>
+            <a:lvl9pPr marL="3886200" indent="-228600" algn="l" defTabSz="914400" rtl="0" eaLnBrk="1" latinLnBrk="0" hangingPunct="1">
+              <a:lnSpc>
+                <a:spcPct val="90000"/>
+              </a:lnSpc>
+              <a:spcBef>
+                <a:spcPts val="500"/>
+              </a:spcBef>
+              <a:buFont typeface="Arial" panose="020B0604020202020204" pitchFamily="34" charset="0"/>
+              <a:buChar char="•"/>
+              <a:defRPr sz="1800" kern="1200">
+                <a:solidFill>
+                  <a:schemeClr val="tx1"/>
+                </a:solidFill>
+                <a:latin typeface="+mn-lt"/>
+                <a:ea typeface="+mn-ea"/>
+                <a:cs typeface="+mn-cs"/>
+              </a:defRPr>
+            </a:lvl9pPr>
+          </a:lstStyle>
+          <a:p>
+            <a:r>
+              <a:rPr lang="en-US" smtClean="0"/>
+              <a:t>Trang thời tiết:</a:t>
+            </a:r>
+          </a:p>
+          <a:p>
+            <a:endParaRPr lang="vi-VN"/>
+          </a:p>
+        </p:txBody>
+      </p:sp>
+    </p:spTree>
+    <p:extLst>
+      <p:ext uri="{BB962C8B-B14F-4D97-AF65-F5344CB8AC3E}">
+        <p14:creationId xmlns:p14="http://schemas.microsoft.com/office/powerpoint/2010/main" val="3764537967"/>
+      </p:ext>
+    </p:extLst>
+  </p:cSld>
+  <p:clrMapOvr>
+    <a:masterClrMapping/>
+  </p:clrMapOvr>
+</p:sld>
+</file>
+
+<file path=ppt/slides/slide2.xml><?xml version="1.0" encoding="utf-8"?>
+<p:sld xmlns:a="http://schemas.openxmlformats.org/drawingml/2006/main" xmlns:r="http://schemas.openxmlformats.org/officeDocument/2006/relationships" xmlns:p="http://schemas.openxmlformats.org/presentationml/2006/main">
+  <p:cSld>
+    <p:spTree>
+      <p:nvGrpSpPr>
+        <p:cNvPr id="1" name=""/>
+        <p:cNvGrpSpPr/>
+        <p:nvPr/>
+      </p:nvGrpSpPr>
+      <p:grpSpPr>
+        <a:xfrm>
+          <a:off x="0" y="0"/>
+          <a:ext cx="0" cy="0"/>
+          <a:chOff x="0" y="0"/>
+          <a:chExt cx="0" cy="0"/>
+        </a:xfrm>
+      </p:grpSpPr>
+      <p:sp>
+        <p:nvSpPr>
+          <p:cNvPr id="25602" name="Rectangle 2">
+            <a:extLst>
+              <a:ext uri="{FF2B5EF4-FFF2-40B4-BE49-F238E27FC236}">
+                <a16:creationId xmlns:a16="http://schemas.microsoft.com/office/drawing/2014/main" id="{D09A8D8C-80F7-440C-BEF1-9EFA4CBAAA33}"/>
+              </a:ext>
+            </a:extLst>
+          </p:cNvPr>
+          <p:cNvSpPr>
+            <a:spLocks noGrp="1" noChangeArrowheads="1"/>
+          </p:cNvSpPr>
+          <p:nvPr>
+            <p:ph type="title"/>
+          </p:nvPr>
+        </p:nvSpPr>
+        <p:spPr/>
+        <p:txBody>
+          <a:bodyPr/>
+          <a:lstStyle/>
+          <a:p>
+            <a:r>
+              <a:rPr lang="en-US"/>
+              <a:t>Mô tả các chức năng ứng dụng</a:t>
+            </a:r>
+            <a:endParaRPr lang="en-US" altLang="en-US"/>
+          </a:p>
+        </p:txBody>
+      </p:sp>
+      <p:sp>
+        <p:nvSpPr>
+          <p:cNvPr id="25603" name="Rectangle 3">
+            <a:extLst>
+              <a:ext uri="{FF2B5EF4-FFF2-40B4-BE49-F238E27FC236}">
+                <a16:creationId xmlns:a16="http://schemas.microsoft.com/office/drawing/2014/main" id="{2EE127BF-401A-4C36-A14A-872ADB44AB18}"/>
+              </a:ext>
+            </a:extLst>
+          </p:cNvPr>
+          <p:cNvSpPr>
+            <a:spLocks noGrp="1" noChangeArrowheads="1"/>
+          </p:cNvSpPr>
+          <p:nvPr>
+            <p:ph type="body" idx="1"/>
+          </p:nvPr>
+        </p:nvSpPr>
+        <p:spPr>
+          <a:xfrm>
+            <a:off x="762000" y="1633538"/>
+            <a:ext cx="8077200" cy="4767262"/>
+          </a:xfrm>
+        </p:spPr>
+        <p:txBody>
+          <a:bodyPr/>
+          <a:lstStyle/>
+          <a:p>
+            <a:pPr marL="0" indent="0">
+              <a:buNone/>
+            </a:pPr>
+            <a:r>
+              <a:rPr lang="en-US" altLang="en-US" sz="2000" smtClean="0"/>
+              <a:t>- Dự án là một ứng dụng web hỗ trợ người dùng (Sinh Viên) lưu trữ thông tin và đường dẫn đến các dự án mà mình đã từng thực hiện. Xem thông tin cùng với tiến độ hoàn thành các deadline của bản thân. Dự án bao gồm các chức năng:</a:t>
+            </a:r>
+          </a:p>
+          <a:p>
+            <a:r>
+              <a:rPr lang="en-US" altLang="en-US" sz="1600" smtClean="0"/>
+              <a:t>Đăng nhập.</a:t>
+            </a:r>
+          </a:p>
+          <a:p>
+            <a:r>
+              <a:rPr lang="en-US" altLang="en-US" sz="1600" smtClean="0"/>
+              <a:t>Đăng xuất.</a:t>
+            </a:r>
+          </a:p>
+          <a:p>
+            <a:r>
+              <a:rPr lang="en-US" altLang="en-US" sz="1600" smtClean="0"/>
+              <a:t>Xem thông tin dự án đã thực hiện.</a:t>
+            </a:r>
+          </a:p>
+          <a:p>
+            <a:r>
+              <a:rPr lang="en-US" altLang="en-US" sz="1600" smtClean="0"/>
+              <a:t>Thêm dự án đã thực hiện.</a:t>
+            </a:r>
+          </a:p>
+          <a:p>
+            <a:r>
+              <a:rPr lang="en-US" altLang="en-US" sz="1600"/>
+              <a:t>Sửa dự án đã thực hiện.</a:t>
+            </a:r>
+          </a:p>
+          <a:p>
+            <a:r>
+              <a:rPr lang="en-US" altLang="en-US" sz="1600"/>
+              <a:t>Xóa dự án đã thực hiện</a:t>
+            </a:r>
+            <a:r>
+              <a:rPr lang="en-US" altLang="en-US" sz="1600" smtClean="0"/>
+              <a:t>.</a:t>
+            </a:r>
+          </a:p>
+          <a:p>
+            <a:r>
+              <a:rPr lang="en-US" altLang="en-US" sz="1600"/>
+              <a:t>Xem thông tin </a:t>
+            </a:r>
+            <a:r>
+              <a:rPr lang="en-US" altLang="en-US" sz="1600" smtClean="0"/>
+              <a:t>các deadline.</a:t>
+            </a:r>
+          </a:p>
+          <a:p>
+            <a:r>
+              <a:rPr lang="en-US" altLang="en-US" sz="1600" smtClean="0"/>
+              <a:t>Thêm các deadline.</a:t>
+            </a:r>
+          </a:p>
+          <a:p>
+            <a:r>
+              <a:rPr lang="en-US" altLang="en-US" sz="1600" smtClean="0"/>
+              <a:t>Sửa deadline.</a:t>
+            </a:r>
+          </a:p>
+          <a:p>
+            <a:r>
+              <a:rPr lang="en-US" altLang="en-US" sz="1600" smtClean="0"/>
+              <a:t>Xóa deadline.</a:t>
+            </a:r>
+          </a:p>
+          <a:p>
+            <a:r>
+              <a:rPr lang="en-US" altLang="en-US" sz="1600" smtClean="0"/>
+              <a:t>Xem tình trạng deadline hiện tại</a:t>
+            </a:r>
+            <a:endParaRPr lang="en-US" altLang="en-US" sz="1600"/>
+          </a:p>
+          <a:p>
+            <a:endParaRPr lang="en-US" altLang="en-US"/>
+          </a:p>
+        </p:txBody>
+      </p:sp>
+    </p:spTree>
+  </p:cSld>
+  <p:clrMapOvr>
+    <a:masterClrMapping/>
+  </p:clrMapOvr>
+  <p:timing>
+    <p:tnLst>
+      <p:par>
+        <p:cTn id="1" dur="indefinite" restart="never" nodeType="tmRoot"/>
+      </p:par>
+    </p:tnLst>
+  </p:timing>
+</p:sld>
+</file>
+
+<file path=ppt/slides/slide20.xml><?xml version="1.0" encoding="utf-8"?>
+<p:sld xmlns:a="http://schemas.openxmlformats.org/drawingml/2006/main" xmlns:r="http://schemas.openxmlformats.org/officeDocument/2006/relationships" xmlns:p="http://schemas.openxmlformats.org/presentationml/2006/main">
+  <p:cSld>
+    <p:spTree>
+      <p:nvGrpSpPr>
+        <p:cNvPr id="1" name=""/>
+        <p:cNvGrpSpPr/>
+        <p:nvPr/>
+      </p:nvGrpSpPr>
+      <p:grpSpPr>
+        <a:xfrm>
+          <a:off x="0" y="0"/>
+          <a:ext cx="0" cy="0"/>
+          <a:chOff x="0" y="0"/>
+          <a:chExt cx="0" cy="0"/>
+        </a:xfrm>
+      </p:grpSpPr>
+      <p:sp>
+        <p:nvSpPr>
+          <p:cNvPr id="2" name="Title 1"/>
+          <p:cNvSpPr>
+            <a:spLocks noGrp="1"/>
+          </p:cNvSpPr>
+          <p:nvPr>
+            <p:ph type="title"/>
+          </p:nvPr>
+        </p:nvSpPr>
+        <p:spPr/>
+        <p:txBody>
+          <a:bodyPr/>
+          <a:lstStyle/>
+          <a:p>
+            <a:r>
+              <a:rPr lang="en-US"/>
               <a:t>Mã nguồn</a:t>
             </a:r>
             <a:endParaRPr lang="vi-VN"/>
@@ -4802,7 +5393,7 @@
 </p:sld>
 </file>
 
-<file path=ppt/slides/slide19.xml><?xml version="1.0" encoding="utf-8"?>
+<file path=ppt/slides/slide21.xml><?xml version="1.0" encoding="utf-8"?>
 <p:sld xmlns:a="http://schemas.openxmlformats.org/drawingml/2006/main" xmlns:r="http://schemas.openxmlformats.org/officeDocument/2006/relationships" xmlns:p="http://schemas.openxmlformats.org/presentationml/2006/main" showMasterSp="0">
   <p:cSld>
     <p:bg>
@@ -4882,181 +5473,6 @@
   <p:clrMapOvr>
     <a:masterClrMapping/>
   </p:clrMapOvr>
-</p:sld>
-</file>
-
-<file path=ppt/slides/slide2.xml><?xml version="1.0" encoding="utf-8"?>
-<p:sld xmlns:a="http://schemas.openxmlformats.org/drawingml/2006/main" xmlns:r="http://schemas.openxmlformats.org/officeDocument/2006/relationships" xmlns:p="http://schemas.openxmlformats.org/presentationml/2006/main">
-  <p:cSld>
-    <p:spTree>
-      <p:nvGrpSpPr>
-        <p:cNvPr id="1" name=""/>
-        <p:cNvGrpSpPr/>
-        <p:nvPr/>
-      </p:nvGrpSpPr>
-      <p:grpSpPr>
-        <a:xfrm>
-          <a:off x="0" y="0"/>
-          <a:ext cx="0" cy="0"/>
-          <a:chOff x="0" y="0"/>
-          <a:chExt cx="0" cy="0"/>
-        </a:xfrm>
-      </p:grpSpPr>
-      <p:sp>
-        <p:nvSpPr>
-          <p:cNvPr id="25602" name="Rectangle 2">
-            <a:extLst>
-              <a:ext uri="{FF2B5EF4-FFF2-40B4-BE49-F238E27FC236}">
-                <a16:creationId xmlns:a16="http://schemas.microsoft.com/office/drawing/2014/main" id="{D09A8D8C-80F7-440C-BEF1-9EFA4CBAAA33}"/>
-              </a:ext>
-            </a:extLst>
-          </p:cNvPr>
-          <p:cNvSpPr>
-            <a:spLocks noGrp="1" noChangeArrowheads="1"/>
-          </p:cNvSpPr>
-          <p:nvPr>
-            <p:ph type="title"/>
-          </p:nvPr>
-        </p:nvSpPr>
-        <p:spPr/>
-        <p:txBody>
-          <a:bodyPr/>
-          <a:lstStyle/>
-          <a:p>
-            <a:r>
-              <a:rPr lang="en-US"/>
-              <a:t>Mô tả các chức năng ứng dụng</a:t>
-            </a:r>
-            <a:endParaRPr lang="en-US" altLang="en-US"/>
-          </a:p>
-        </p:txBody>
-      </p:sp>
-      <p:sp>
-        <p:nvSpPr>
-          <p:cNvPr id="25603" name="Rectangle 3">
-            <a:extLst>
-              <a:ext uri="{FF2B5EF4-FFF2-40B4-BE49-F238E27FC236}">
-                <a16:creationId xmlns:a16="http://schemas.microsoft.com/office/drawing/2014/main" id="{2EE127BF-401A-4C36-A14A-872ADB44AB18}"/>
-              </a:ext>
-            </a:extLst>
-          </p:cNvPr>
-          <p:cNvSpPr>
-            <a:spLocks noGrp="1" noChangeArrowheads="1"/>
-          </p:cNvSpPr>
-          <p:nvPr>
-            <p:ph type="body" idx="1"/>
-          </p:nvPr>
-        </p:nvSpPr>
-        <p:spPr>
-          <a:xfrm>
-            <a:off x="762000" y="1633538"/>
-            <a:ext cx="8077200" cy="4767262"/>
-          </a:xfrm>
-        </p:spPr>
-        <p:txBody>
-          <a:bodyPr/>
-          <a:lstStyle/>
-          <a:p>
-            <a:pPr marL="0" indent="0">
-              <a:buNone/>
-            </a:pPr>
-            <a:r>
-              <a:rPr lang="en-US" altLang="en-US" sz="2000" smtClean="0"/>
-              <a:t>- Dự án là một ứng dụng web hỗ trợ người dùng (Sinh Viên) lưu trữ thông tin và đường dẫn đến các dự án mà mình đã từng thực hiện. Xem thông tin cùng với tiến độ hoàn thành các deadline của bản thân. Dự án bao gồm các chức năng:</a:t>
-            </a:r>
-          </a:p>
-          <a:p>
-            <a:r>
-              <a:rPr lang="en-US" altLang="en-US" sz="1600" smtClean="0"/>
-              <a:t>Đăng nhập.</a:t>
-            </a:r>
-          </a:p>
-          <a:p>
-            <a:r>
-              <a:rPr lang="en-US" altLang="en-US" sz="1600" smtClean="0"/>
-              <a:t>Đăng xuất.</a:t>
-            </a:r>
-          </a:p>
-          <a:p>
-            <a:r>
-              <a:rPr lang="en-US" altLang="en-US" sz="1600" smtClean="0"/>
-              <a:t>Xem thông tin dự án đã thực hiện.</a:t>
-            </a:r>
-          </a:p>
-          <a:p>
-            <a:r>
-              <a:rPr lang="en-US" altLang="en-US" sz="1600" smtClean="0"/>
-              <a:t>Thêm dự án đã thực hiện.</a:t>
-            </a:r>
-          </a:p>
-          <a:p>
-            <a:r>
-              <a:rPr lang="en-US" altLang="en-US" sz="1600"/>
-              <a:t>Sửa dự án đã thực hiện.</a:t>
-            </a:r>
-          </a:p>
-          <a:p>
-            <a:r>
-              <a:rPr lang="en-US" altLang="en-US" sz="1600"/>
-              <a:t>Xóa dự án đã thực hiện</a:t>
-            </a:r>
-            <a:r>
-              <a:rPr lang="en-US" altLang="en-US" sz="1600" smtClean="0"/>
-              <a:t>.</a:t>
-            </a:r>
-          </a:p>
-          <a:p>
-            <a:r>
-              <a:rPr lang="en-US" altLang="en-US" sz="1600"/>
-              <a:t>Xem thông tin </a:t>
-            </a:r>
-            <a:r>
-              <a:rPr lang="en-US" altLang="en-US" sz="1600" smtClean="0"/>
-              <a:t>các deadline.</a:t>
-            </a:r>
-          </a:p>
-          <a:p>
-            <a:r>
-              <a:rPr lang="en-US" altLang="en-US" sz="1600" smtClean="0"/>
-              <a:t>Thêm các deadline.</a:t>
-            </a:r>
-          </a:p>
-          <a:p>
-            <a:r>
-              <a:rPr lang="en-US" altLang="en-US" sz="1600" smtClean="0"/>
-              <a:t>Sửa deadline.</a:t>
-            </a:r>
-          </a:p>
-          <a:p>
-            <a:r>
-              <a:rPr lang="en-US" altLang="en-US" sz="1600" smtClean="0"/>
-              <a:t>Xóa deadline.</a:t>
-            </a:r>
-          </a:p>
-          <a:p>
-            <a:r>
-              <a:rPr lang="en-US" altLang="en-US" sz="1600" smtClean="0"/>
-              <a:t>Xem tình trạng deadline hiện tại</a:t>
-            </a:r>
-            <a:endParaRPr lang="en-US" altLang="en-US" sz="1600"/>
-          </a:p>
-          <a:p>
-            <a:endParaRPr lang="en-US" altLang="en-US"/>
-          </a:p>
-        </p:txBody>
-      </p:sp>
-    </p:spTree>
-  </p:cSld>
-  <p:clrMapOvr>
-    <a:masterClrMapping/>
-  </p:clrMapOvr>
-  <p:timing>
-    <p:tnLst>
-      <p:par>
-        <p:cTn id="1" dur="indefinite" restart="never" nodeType="tmRoot"/>
-      </p:par>
-    </p:tnLst>
-  </p:timing>
 </p:sld>
 </file>
 
@@ -5395,11 +5811,7 @@
             </a:r>
             <a:r>
               <a:rPr lang="en-US" sz="2100" smtClean="0"/>
-              <a:t>ngày </a:t>
-            </a:r>
-            <a:r>
-              <a:rPr lang="en-US" sz="2100" smtClean="0"/>
-              <a:t>cuối phải hoàn thành </a:t>
+              <a:t>ngày cuối phải hoàn thành </a:t>
             </a:r>
             <a:r>
               <a:rPr lang="en-US" sz="2100"/>
@@ -5414,15 +5826,7 @@
             <a:pPr lvl="1"/>
             <a:r>
               <a:rPr lang="en-US" sz="2100" smtClean="0"/>
-              <a:t>month (number): chứa tháng cuối </a:t>
-            </a:r>
-            <a:r>
-              <a:rPr lang="en-US" sz="2100" smtClean="0"/>
-              <a:t>phải hoàn thành</a:t>
-            </a:r>
-            <a:r>
-              <a:rPr lang="en-US" sz="2100" smtClean="0"/>
-              <a:t> </a:t>
+              <a:t>month (number): chứa tháng cuối phải hoàn thành </a:t>
             </a:r>
             <a:r>
               <a:rPr lang="en-US" sz="2100"/>
@@ -5437,15 +5841,7 @@
             <a:pPr lvl="1"/>
             <a:r>
               <a:rPr lang="en-US" sz="2100" smtClean="0"/>
-              <a:t>year (number): chứa năm cuối </a:t>
-            </a:r>
-            <a:r>
-              <a:rPr lang="en-US" sz="2100" smtClean="0"/>
-              <a:t>phải hoàn thành</a:t>
-            </a:r>
-            <a:r>
-              <a:rPr lang="en-US" sz="2100" smtClean="0"/>
-              <a:t> </a:t>
+              <a:t>year (number): chứa năm cuối phải hoàn thành </a:t>
             </a:r>
             <a:r>
               <a:rPr lang="en-US" sz="2100"/>
@@ -5577,12 +5973,13 @@
             </a:r>
             <a:r>
               <a:rPr lang="en-US"/>
-              <a:t>API đã xây </a:t>
+              <a:t>API đã </a:t>
             </a:r>
             <a:r>
               <a:rPr lang="en-US" smtClean="0"/>
-              <a:t>dựng:</a:t>
-            </a:r>
+              <a:t>dùng:</a:t>
+            </a:r>
+            <a:endParaRPr lang="en-US" smtClean="0"/>
           </a:p>
           <a:p>
             <a:pPr lvl="1"/>
@@ -6019,7 +6416,11 @@
             </a:pPr>
             <a:r>
               <a:rPr lang="en-US"/>
-              <a:t> Các route của HTTP API đã xây dựng:</a:t>
+              <a:t> </a:t>
+            </a:r>
+            <a:r>
+              <a:rPr lang="en-US" smtClean="0"/>
+              <a:t>Các route của HTTP API đã dùng:</a:t>
             </a:r>
           </a:p>
           <a:p>
@@ -6028,7 +6429,6 @@
               <a:rPr lang="en-US" smtClean="0"/>
               <a:t>project</a:t>
             </a:r>
-            <a:endParaRPr lang="en-US"/>
           </a:p>
           <a:p>
             <a:pPr>
@@ -6793,8 +7193,13 @@
             </a:pPr>
             <a:r>
               <a:rPr lang="en-US"/>
-              <a:t> Các route của HTTP API đã xây dựng:</a:t>
-            </a:r>
+              <a:t> Các route của HTTP API đã </a:t>
+            </a:r>
+            <a:r>
+              <a:rPr lang="en-US" smtClean="0"/>
+              <a:t>dùng:</a:t>
+            </a:r>
+            <a:endParaRPr lang="en-US"/>
           </a:p>
           <a:p>
             <a:pPr lvl="1"/>
@@ -7561,6 +7966,364 @@
           <a:p>
             <a:r>
               <a:rPr lang="en-US"/>
+              <a:t>HTTP API</a:t>
+            </a:r>
+            <a:endParaRPr lang="vi-VN"/>
+          </a:p>
+        </p:txBody>
+      </p:sp>
+      <p:sp>
+        <p:nvSpPr>
+          <p:cNvPr id="3" name="Content Placeholder 2"/>
+          <p:cNvSpPr>
+            <a:spLocks noGrp="1"/>
+          </p:cNvSpPr>
+          <p:nvPr>
+            <p:ph idx="1"/>
+          </p:nvPr>
+        </p:nvSpPr>
+        <p:spPr/>
+        <p:txBody>
+          <a:bodyPr/>
+          <a:lstStyle/>
+          <a:p>
+            <a:r>
+              <a:rPr lang="en-US"/>
+              <a:t> Các route của HTTP API đã </a:t>
+            </a:r>
+            <a:r>
+              <a:rPr lang="en-US"/>
+              <a:t>dùng</a:t>
+            </a:r>
+            <a:r>
+              <a:rPr lang="en-US" smtClean="0"/>
+              <a:t>:</a:t>
+            </a:r>
+          </a:p>
+          <a:p>
+            <a:pPr lvl="1"/>
+            <a:r>
+              <a:rPr lang="en-US" smtClean="0"/>
+              <a:t>Weather</a:t>
+            </a:r>
+            <a:endParaRPr lang="en-US"/>
+          </a:p>
+          <a:p>
+            <a:pPr lvl="1"/>
+            <a:endParaRPr lang="en-US"/>
+          </a:p>
+          <a:p>
+            <a:endParaRPr lang="vi-VN"/>
+          </a:p>
+        </p:txBody>
+      </p:sp>
+      <p:graphicFrame>
+        <p:nvGraphicFramePr>
+          <p:cNvPr id="4" name="Table 3"/>
+          <p:cNvGraphicFramePr>
+            <a:graphicFrameLocks noGrp="1"/>
+          </p:cNvGraphicFramePr>
+          <p:nvPr>
+            <p:extLst>
+              <p:ext uri="{D42A27DB-BD31-4B8C-83A1-F6EECF244321}">
+                <p14:modId xmlns:p14="http://schemas.microsoft.com/office/powerpoint/2010/main" val="2536445633"/>
+              </p:ext>
+            </p:extLst>
+          </p:nvPr>
+        </p:nvGraphicFramePr>
+        <p:xfrm>
+          <a:off x="1066800" y="2627745"/>
+          <a:ext cx="7467600" cy="1127760"/>
+        </p:xfrm>
+        <a:graphic>
+          <a:graphicData uri="http://schemas.openxmlformats.org/drawingml/2006/table">
+            <a:tbl>
+              <a:tblPr firstRow="1" bandRow="1">
+                <a:tableStyleId>{5C22544A-7EE6-4342-B048-85BDC9FD1C3A}</a:tableStyleId>
+              </a:tblPr>
+              <a:tblGrid>
+                <a:gridCol w="2489200">
+                  <a:extLst>
+                    <a:ext uri="{9D8B030D-6E8A-4147-A177-3AD203B41FA5}">
+                      <a16:colId xmlns:a16="http://schemas.microsoft.com/office/drawing/2014/main" val="3658690434"/>
+                    </a:ext>
+                  </a:extLst>
+                </a:gridCol>
+                <a:gridCol w="2489200">
+                  <a:extLst>
+                    <a:ext uri="{9D8B030D-6E8A-4147-A177-3AD203B41FA5}">
+                      <a16:colId xmlns:a16="http://schemas.microsoft.com/office/drawing/2014/main" val="223987106"/>
+                    </a:ext>
+                  </a:extLst>
+                </a:gridCol>
+                <a:gridCol w="2489200">
+                  <a:extLst>
+                    <a:ext uri="{9D8B030D-6E8A-4147-A177-3AD203B41FA5}">
+                      <a16:colId xmlns:a16="http://schemas.microsoft.com/office/drawing/2014/main" val="1571467356"/>
+                    </a:ext>
+                  </a:extLst>
+                </a:gridCol>
+              </a:tblGrid>
+              <a:tr h="267855">
+                <a:tc>
+                  <a:txBody>
+                    <a:bodyPr/>
+                    <a:lstStyle/>
+                    <a:p>
+                      <a:pPr algn="ctr"/>
+                      <a:r>
+                        <a:rPr lang="en-US" sz="1400" smtClean="0">
+                          <a:solidFill>
+                            <a:schemeClr val="tx1"/>
+                          </a:solidFill>
+                        </a:rPr>
+                        <a:t>route</a:t>
+                      </a:r>
+                      <a:endParaRPr lang="vi-VN" sz="1400">
+                        <a:solidFill>
+                          <a:schemeClr val="tx1"/>
+                        </a:solidFill>
+                      </a:endParaRPr>
+                    </a:p>
+                  </a:txBody>
+                  <a:tcPr/>
+                </a:tc>
+                <a:tc>
+                  <a:txBody>
+                    <a:bodyPr/>
+                    <a:lstStyle/>
+                    <a:p>
+                      <a:pPr algn="ctr"/>
+                      <a:r>
+                        <a:rPr lang="en-US" sz="1400" smtClean="0">
+                          <a:solidFill>
+                            <a:schemeClr val="tx1"/>
+                          </a:solidFill>
+                        </a:rPr>
+                        <a:t>dữ liệu cần gửi về server</a:t>
+                      </a:r>
+                      <a:endParaRPr lang="vi-VN" sz="1400">
+                        <a:solidFill>
+                          <a:schemeClr val="tx1"/>
+                        </a:solidFill>
+                      </a:endParaRPr>
+                    </a:p>
+                  </a:txBody>
+                  <a:tcPr/>
+                </a:tc>
+                <a:tc>
+                  <a:txBody>
+                    <a:bodyPr/>
+                    <a:lstStyle/>
+                    <a:p>
+                      <a:pPr algn="ctr"/>
+                      <a:r>
+                        <a:rPr lang="en-US" sz="1400" smtClean="0">
+                          <a:solidFill>
+                            <a:schemeClr val="tx1"/>
+                          </a:solidFill>
+                        </a:rPr>
+                        <a:t>dữ liệu server trả về </a:t>
+                      </a:r>
+                      <a:endParaRPr lang="vi-VN" sz="1400">
+                        <a:solidFill>
+                          <a:schemeClr val="tx1"/>
+                        </a:solidFill>
+                      </a:endParaRPr>
+                    </a:p>
+                  </a:txBody>
+                  <a:tcPr/>
+                </a:tc>
+                <a:extLst>
+                  <a:ext uri="{0D108BD9-81ED-4DB2-BD59-A6C34878D82A}">
+                    <a16:rowId xmlns:a16="http://schemas.microsoft.com/office/drawing/2014/main" val="1832438486"/>
+                  </a:ext>
+                </a:extLst>
+              </a:tr>
+              <a:tr h="251575">
+                <a:tc>
+                  <a:txBody>
+                    <a:bodyPr/>
+                    <a:lstStyle/>
+                    <a:p>
+                      <a:pPr marL="0" marR="0" lvl="0" indent="0" algn="l" defTabSz="914400" rtl="0" eaLnBrk="1" fontAlgn="auto" latinLnBrk="0" hangingPunct="1">
+                        <a:lnSpc>
+                          <a:spcPct val="100000"/>
+                        </a:lnSpc>
+                        <a:spcBef>
+                          <a:spcPts val="0"/>
+                        </a:spcBef>
+                        <a:spcAft>
+                          <a:spcPts val="0"/>
+                        </a:spcAft>
+                        <a:buClrTx/>
+                        <a:buSzTx/>
+                        <a:buFontTx/>
+                        <a:buNone/>
+                        <a:tabLst/>
+                        <a:defRPr/>
+                      </a:pPr>
+                      <a:r>
+                        <a:rPr lang="vi-VN" sz="1200" b="0" kern="1200" smtClean="0">
+                          <a:solidFill>
+                            <a:schemeClr val="dk1"/>
+                          </a:solidFill>
+                          <a:effectLst/>
+                          <a:latin typeface="+mn-lt"/>
+                          <a:ea typeface="+mn-ea"/>
+                          <a:cs typeface="+mn-cs"/>
+                        </a:rPr>
+                        <a:t>- </a:t>
+                      </a:r>
+                      <a:r>
+                        <a:rPr lang="vi-VN" sz="1200" b="0" kern="1200" smtClean="0">
+                          <a:solidFill>
+                            <a:schemeClr val="dk1"/>
+                          </a:solidFill>
+                          <a:effectLst/>
+                          <a:latin typeface="+mn-lt"/>
+                          <a:ea typeface="+mn-ea"/>
+                          <a:cs typeface="+mn-cs"/>
+                        </a:rPr>
+                        <a:t>get()</a:t>
+                      </a:r>
+                      <a:endParaRPr lang="vi-VN" sz="1200" b="0" kern="1200" smtClean="0">
+                        <a:solidFill>
+                          <a:schemeClr val="dk1"/>
+                        </a:solidFill>
+                        <a:effectLst/>
+                        <a:latin typeface="+mn-lt"/>
+                        <a:ea typeface="+mn-ea"/>
+                        <a:cs typeface="+mn-cs"/>
+                      </a:endParaRPr>
+                    </a:p>
+                  </a:txBody>
+                  <a:tcPr/>
+                </a:tc>
+                <a:tc>
+                  <a:txBody>
+                    <a:bodyPr/>
+                    <a:lstStyle/>
+                    <a:p>
+                      <a:r>
+                        <a:rPr lang="vi-VN" sz="1200" smtClean="0"/>
+                        <a:t>-Tên</a:t>
+                      </a:r>
+                      <a:r>
+                        <a:rPr lang="vi-VN" sz="1200" baseline="0" smtClean="0"/>
+                        <a:t> city</a:t>
+                      </a:r>
+                    </a:p>
+                    <a:p>
+                      <a:r>
+                        <a:rPr lang="vi-VN" sz="1200" smtClean="0"/>
+                        <a:t>-API key</a:t>
+                      </a:r>
+                    </a:p>
+                    <a:p>
+                      <a:r>
+                        <a:rPr lang="vi-VN" sz="1200" smtClean="0"/>
+                        <a:t>-Đơn</a:t>
+                      </a:r>
+                      <a:r>
+                        <a:rPr lang="vi-VN" sz="1200" baseline="0" smtClean="0"/>
+                        <a:t> vị</a:t>
+                      </a:r>
+                      <a:endParaRPr lang="vi-VN" sz="1200" smtClean="0"/>
+                    </a:p>
+                    <a:p>
+                      <a:r>
+                        <a:rPr lang="vi-VN" sz="1200" smtClean="0"/>
+                        <a:t>-Ngôn</a:t>
+                      </a:r>
+                      <a:r>
+                        <a:rPr lang="vi-VN" sz="1200" baseline="0" smtClean="0"/>
+                        <a:t> ngữ</a:t>
+                      </a:r>
+                      <a:endParaRPr lang="vi-VN" sz="1200"/>
+                    </a:p>
+                  </a:txBody>
+                  <a:tcPr/>
+                </a:tc>
+                <a:tc>
+                  <a:txBody>
+                    <a:bodyPr/>
+                    <a:lstStyle/>
+                    <a:p>
+                      <a:pPr marL="0" indent="0">
+                        <a:buFontTx/>
+                        <a:buNone/>
+                      </a:pPr>
+                      <a:r>
+                        <a:rPr lang="vi-VN" sz="1200" smtClean="0"/>
+                        <a:t>Json</a:t>
+                      </a:r>
+                      <a:r>
+                        <a:rPr lang="vi-VN" sz="1200" baseline="0" smtClean="0"/>
+                        <a:t> file</a:t>
+                      </a:r>
+                      <a:endParaRPr lang="vi-VN" sz="1200"/>
+                    </a:p>
+                  </a:txBody>
+                  <a:tcPr/>
+                </a:tc>
+                <a:extLst>
+                  <a:ext uri="{0D108BD9-81ED-4DB2-BD59-A6C34878D82A}">
+                    <a16:rowId xmlns:a16="http://schemas.microsoft.com/office/drawing/2014/main" val="2905777680"/>
+                  </a:ext>
+                </a:extLst>
+              </a:tr>
+            </a:tbl>
+          </a:graphicData>
+        </a:graphic>
+      </p:graphicFrame>
+    </p:spTree>
+    <p:extLst>
+      <p:ext uri="{BB962C8B-B14F-4D97-AF65-F5344CB8AC3E}">
+        <p14:creationId xmlns:p14="http://schemas.microsoft.com/office/powerpoint/2010/main" val="2275232376"/>
+      </p:ext>
+    </p:extLst>
+  </p:cSld>
+  <p:clrMapOvr>
+    <a:masterClrMapping/>
+  </p:clrMapOvr>
+</p:sld>
+</file>
+
+<file path=ppt/slides/slide9.xml><?xml version="1.0" encoding="utf-8"?>
+<p:sld xmlns:a="http://schemas.openxmlformats.org/drawingml/2006/main" xmlns:r="http://schemas.openxmlformats.org/officeDocument/2006/relationships" xmlns:p="http://schemas.openxmlformats.org/presentationml/2006/main">
+  <p:cSld>
+    <p:spTree>
+      <p:nvGrpSpPr>
+        <p:cNvPr id="1" name=""/>
+        <p:cNvGrpSpPr/>
+        <p:nvPr/>
+      </p:nvGrpSpPr>
+      <p:grpSpPr>
+        <a:xfrm>
+          <a:off x="0" y="0"/>
+          <a:ext cx="0" cy="0"/>
+          <a:chOff x="0" y="0"/>
+          <a:chExt cx="0" cy="0"/>
+        </a:xfrm>
+      </p:grpSpPr>
+      <p:sp>
+        <p:nvSpPr>
+          <p:cNvPr id="2" name="Title 1"/>
+          <p:cNvSpPr>
+            <a:spLocks noGrp="1"/>
+          </p:cNvSpPr>
+          <p:nvPr>
+            <p:ph type="title"/>
+          </p:nvPr>
+        </p:nvSpPr>
+        <p:spPr/>
+        <p:txBody>
+          <a:bodyPr/>
+          <a:lstStyle/>
+          <a:p>
+            <a:r>
+              <a:rPr lang="en-US"/>
               <a:t>Kết quả thực hiện</a:t>
             </a:r>
             <a:endParaRPr lang="vi-VN"/>
@@ -7626,115 +8389,6 @@
   <p:clrMapOvr>
     <a:masterClrMapping/>
   </p:clrMapOvr>
-</p:sld>
-</file>
-
-<file path=ppt/slides/slide9.xml><?xml version="1.0" encoding="utf-8"?>
-<p:sld xmlns:a="http://schemas.openxmlformats.org/drawingml/2006/main" xmlns:r="http://schemas.openxmlformats.org/officeDocument/2006/relationships" xmlns:p="http://schemas.openxmlformats.org/presentationml/2006/main">
-  <p:cSld>
-    <p:spTree>
-      <p:nvGrpSpPr>
-        <p:cNvPr id="1" name=""/>
-        <p:cNvGrpSpPr/>
-        <p:nvPr/>
-      </p:nvGrpSpPr>
-      <p:grpSpPr>
-        <a:xfrm>
-          <a:off x="0" y="0"/>
-          <a:ext cx="0" cy="0"/>
-          <a:chOff x="0" y="0"/>
-          <a:chExt cx="0" cy="0"/>
-        </a:xfrm>
-      </p:grpSpPr>
-      <p:sp>
-        <p:nvSpPr>
-          <p:cNvPr id="2" name="Title 1"/>
-          <p:cNvSpPr>
-            <a:spLocks noGrp="1"/>
-          </p:cNvSpPr>
-          <p:nvPr>
-            <p:ph type="title"/>
-          </p:nvPr>
-        </p:nvSpPr>
-        <p:spPr/>
-        <p:txBody>
-          <a:bodyPr/>
-          <a:lstStyle/>
-          <a:p>
-            <a:r>
-              <a:rPr lang="en-US"/>
-              <a:t>Kết quả thực hiện</a:t>
-            </a:r>
-            <a:endParaRPr lang="vi-VN"/>
-          </a:p>
-        </p:txBody>
-      </p:sp>
-      <p:sp>
-        <p:nvSpPr>
-          <p:cNvPr id="3" name="Content Placeholder 2"/>
-          <p:cNvSpPr>
-            <a:spLocks noGrp="1"/>
-          </p:cNvSpPr>
-          <p:nvPr>
-            <p:ph idx="1"/>
-          </p:nvPr>
-        </p:nvSpPr>
-        <p:spPr/>
-        <p:txBody>
-          <a:bodyPr/>
-          <a:lstStyle/>
-          <a:p>
-            <a:r>
-              <a:rPr lang="vi-VN" smtClean="0"/>
-              <a:t>Trang đăng nhập:</a:t>
-            </a:r>
-          </a:p>
-          <a:p>
-            <a:endParaRPr lang="vi-VN"/>
-          </a:p>
-        </p:txBody>
-      </p:sp>
-      <p:pic>
-        <p:nvPicPr>
-          <p:cNvPr id="5" name="Picture 4"/>
-          <p:cNvPicPr>
-            <a:picLocks noChangeAspect="1"/>
-          </p:cNvPicPr>
-          <p:nvPr/>
-        </p:nvPicPr>
-        <p:blipFill>
-          <a:blip r:embed="rId2"/>
-          <a:stretch>
-            <a:fillRect/>
-          </a:stretch>
-        </p:blipFill>
-        <p:spPr>
-          <a:xfrm>
-            <a:off x="866457" y="2362200"/>
-            <a:ext cx="7715885" cy="3741400"/>
-          </a:xfrm>
-          <a:prstGeom prst="rect">
-            <a:avLst/>
-          </a:prstGeom>
-        </p:spPr>
-      </p:pic>
-    </p:spTree>
-    <p:extLst>
-      <p:ext uri="{BB962C8B-B14F-4D97-AF65-F5344CB8AC3E}">
-        <p14:creationId xmlns:p14="http://schemas.microsoft.com/office/powerpoint/2010/main" val="3720053289"/>
-      </p:ext>
-    </p:extLst>
-  </p:cSld>
-  <p:clrMapOvr>
-    <a:masterClrMapping/>
-  </p:clrMapOvr>
-  <p:timing>
-    <p:tnLst>
-      <p:par>
-        <p:cTn id="1" dur="indefinite" restart="never" nodeType="tmRoot"/>
-      </p:par>
-    </p:tnLst>
-  </p:timing>
 </p:sld>
 </file>
 
